--- a/trunk/2010/lectures/12. ASP.NET-Authentication-and-Authorization.pptx
+++ b/trunk/2010/lectures/12. ASP.NET-Authentication-and-Authorization.pptx
@@ -6,10 +6,10 @@
     <p:sldMasterId id="2147483664" r:id="rId2"/>
   </p:sldMasterIdLst>
   <p:notesMasterIdLst>
-    <p:notesMasterId r:id="rId48"/>
+    <p:notesMasterId r:id="rId49"/>
   </p:notesMasterIdLst>
   <p:handoutMasterIdLst>
-    <p:handoutMasterId r:id="rId49"/>
+    <p:handoutMasterId r:id="rId50"/>
   </p:handoutMasterIdLst>
   <p:sldIdLst>
     <p:sldId id="259" r:id="rId3"/>
@@ -43,25 +43,26 @@
     <p:sldId id="338" r:id="rId31"/>
     <p:sldId id="333" r:id="rId32"/>
     <p:sldId id="311" r:id="rId33"/>
-    <p:sldId id="325" r:id="rId34"/>
-    <p:sldId id="326" r:id="rId35"/>
-    <p:sldId id="327" r:id="rId36"/>
-    <p:sldId id="328" r:id="rId37"/>
-    <p:sldId id="317" r:id="rId38"/>
-    <p:sldId id="316" r:id="rId39"/>
-    <p:sldId id="315" r:id="rId40"/>
-    <p:sldId id="314" r:id="rId41"/>
-    <p:sldId id="313" r:id="rId42"/>
-    <p:sldId id="319" r:id="rId43"/>
-    <p:sldId id="299" r:id="rId44"/>
-    <p:sldId id="334" r:id="rId45"/>
-    <p:sldId id="340" r:id="rId46"/>
-    <p:sldId id="339" r:id="rId47"/>
+    <p:sldId id="350" r:id="rId34"/>
+    <p:sldId id="325" r:id="rId35"/>
+    <p:sldId id="326" r:id="rId36"/>
+    <p:sldId id="327" r:id="rId37"/>
+    <p:sldId id="328" r:id="rId38"/>
+    <p:sldId id="317" r:id="rId39"/>
+    <p:sldId id="316" r:id="rId40"/>
+    <p:sldId id="315" r:id="rId41"/>
+    <p:sldId id="314" r:id="rId42"/>
+    <p:sldId id="313" r:id="rId43"/>
+    <p:sldId id="319" r:id="rId44"/>
+    <p:sldId id="299" r:id="rId45"/>
+    <p:sldId id="334" r:id="rId46"/>
+    <p:sldId id="340" r:id="rId47"/>
+    <p:sldId id="339" r:id="rId48"/>
   </p:sldIdLst>
   <p:sldSz cx="9144000" cy="6858000" type="screen4x3"/>
   <p:notesSz cx="7099300" cy="10234613"/>
   <p:custDataLst>
-    <p:tags r:id="rId50"/>
+    <p:tags r:id="rId51"/>
   </p:custDataLst>
   <p:defaultTextStyle>
     <a:defPPr>
@@ -319,14 +320,14 @@
           <a:effectLst/>
           <a:extLst>
             <a:ext uri="{909E8E84-426E-40DD-AFC4-6F175D3DCCD1}">
-              <a14:hiddenFill xmlns:a14="http://schemas.microsoft.com/office/drawing/2010/main" xmlns="">
+              <a14:hiddenFill xmlns:a14="http://schemas.microsoft.com/office/drawing/2010/main">
                 <a:solidFill>
                   <a:schemeClr val="accent1"/>
                 </a:solidFill>
               </a14:hiddenFill>
             </a:ext>
             <a:ext uri="{91240B29-F687-4F45-9708-019B960494DF}">
-              <a14:hiddenLine xmlns:a14="http://schemas.microsoft.com/office/drawing/2010/main" xmlns="" w="9525">
+              <a14:hiddenLine xmlns:a14="http://schemas.microsoft.com/office/drawing/2010/main" w="9525">
                 <a:solidFill>
                   <a:schemeClr val="tx1"/>
                 </a:solidFill>
@@ -336,7 +337,7 @@
               </a14:hiddenLine>
             </a:ext>
             <a:ext uri="{AF507438-7753-43E0-B8FC-AC1667EBCBE1}">
-              <a14:hiddenEffects xmlns:a14="http://schemas.microsoft.com/office/drawing/2010/main" xmlns="">
+              <a14:hiddenEffects xmlns:a14="http://schemas.microsoft.com/office/drawing/2010/main">
                 <a:effectLst>
                   <a:outerShdw dist="35921" dir="2700000" algn="ctr" rotWithShape="0">
                     <a:schemeClr val="bg2"/>
@@ -395,14 +396,14 @@
           <a:effectLst/>
           <a:extLst>
             <a:ext uri="{909E8E84-426E-40DD-AFC4-6F175D3DCCD1}">
-              <a14:hiddenFill xmlns:a14="http://schemas.microsoft.com/office/drawing/2010/main" xmlns="">
+              <a14:hiddenFill xmlns:a14="http://schemas.microsoft.com/office/drawing/2010/main">
                 <a:solidFill>
                   <a:schemeClr val="accent1"/>
                 </a:solidFill>
               </a14:hiddenFill>
             </a:ext>
             <a:ext uri="{91240B29-F687-4F45-9708-019B960494DF}">
-              <a14:hiddenLine xmlns:a14="http://schemas.microsoft.com/office/drawing/2010/main" xmlns="" w="9525">
+              <a14:hiddenLine xmlns:a14="http://schemas.microsoft.com/office/drawing/2010/main" w="9525">
                 <a:solidFill>
                   <a:schemeClr val="tx1"/>
                 </a:solidFill>
@@ -412,7 +413,7 @@
               </a14:hiddenLine>
             </a:ext>
             <a:ext uri="{AF507438-7753-43E0-B8FC-AC1667EBCBE1}">
-              <a14:hiddenEffects xmlns:a14="http://schemas.microsoft.com/office/drawing/2010/main" xmlns="">
+              <a14:hiddenEffects xmlns:a14="http://schemas.microsoft.com/office/drawing/2010/main">
                 <a:effectLst>
                   <a:outerShdw dist="35921" dir="2700000" algn="ctr" rotWithShape="0">
                     <a:schemeClr val="bg2"/>
@@ -445,7 +446,7 @@
             <a:fld id="{3834C0C5-3A2C-4908-BFAA-28067658D7AC}" type="datetime1">
               <a:rPr lang="en-US"/>
               <a:pPr/>
-              <a:t>11.08.2010</a:t>
+              <a:t>10/13/2010</a:t>
             </a:fld>
             <a:endParaRPr lang="bg-BG"/>
           </a:p>
@@ -476,14 +477,14 @@
           <a:effectLst/>
           <a:extLst>
             <a:ext uri="{909E8E84-426E-40DD-AFC4-6F175D3DCCD1}">
-              <a14:hiddenFill xmlns:a14="http://schemas.microsoft.com/office/drawing/2010/main" xmlns="">
+              <a14:hiddenFill xmlns:a14="http://schemas.microsoft.com/office/drawing/2010/main">
                 <a:solidFill>
                   <a:schemeClr val="accent1"/>
                 </a:solidFill>
               </a14:hiddenFill>
             </a:ext>
             <a:ext uri="{91240B29-F687-4F45-9708-019B960494DF}">
-              <a14:hiddenLine xmlns:a14="http://schemas.microsoft.com/office/drawing/2010/main" xmlns="" w="9525">
+              <a14:hiddenLine xmlns:a14="http://schemas.microsoft.com/office/drawing/2010/main" w="9525">
                 <a:solidFill>
                   <a:schemeClr val="tx1"/>
                 </a:solidFill>
@@ -493,7 +494,7 @@
               </a14:hiddenLine>
             </a:ext>
             <a:ext uri="{AF507438-7753-43E0-B8FC-AC1667EBCBE1}">
-              <a14:hiddenEffects xmlns:a14="http://schemas.microsoft.com/office/drawing/2010/main" xmlns="">
+              <a14:hiddenEffects xmlns:a14="http://schemas.microsoft.com/office/drawing/2010/main">
                 <a:effectLst>
                   <a:outerShdw dist="35921" dir="2700000" algn="ctr" rotWithShape="0">
                     <a:schemeClr val="bg2"/>
@@ -555,14 +556,14 @@
           <a:effectLst/>
           <a:extLst>
             <a:ext uri="{909E8E84-426E-40DD-AFC4-6F175D3DCCD1}">
-              <a14:hiddenFill xmlns:a14="http://schemas.microsoft.com/office/drawing/2010/main" xmlns="">
+              <a14:hiddenFill xmlns:a14="http://schemas.microsoft.com/office/drawing/2010/main">
                 <a:solidFill>
                   <a:schemeClr val="accent1"/>
                 </a:solidFill>
               </a14:hiddenFill>
             </a:ext>
             <a:ext uri="{91240B29-F687-4F45-9708-019B960494DF}">
-              <a14:hiddenLine xmlns:a14="http://schemas.microsoft.com/office/drawing/2010/main" xmlns="" w="9525">
+              <a14:hiddenLine xmlns:a14="http://schemas.microsoft.com/office/drawing/2010/main" w="9525">
                 <a:solidFill>
                   <a:schemeClr val="tx1"/>
                 </a:solidFill>
@@ -572,7 +573,7 @@
               </a14:hiddenLine>
             </a:ext>
             <a:ext uri="{AF507438-7753-43E0-B8FC-AC1667EBCBE1}">
-              <a14:hiddenEffects xmlns:a14="http://schemas.microsoft.com/office/drawing/2010/main" xmlns="">
+              <a14:hiddenEffects xmlns:a14="http://schemas.microsoft.com/office/drawing/2010/main">
                 <a:effectLst>
                   <a:outerShdw dist="35921" dir="2700000" algn="ctr" rotWithShape="0">
                     <a:schemeClr val="bg2"/>
@@ -614,7 +615,7 @@
     </p:spTree>
     <p:extLst>
       <p:ext uri="{BB962C8B-B14F-4D97-AF65-F5344CB8AC3E}">
-        <p14:creationId xmlns:p14="http://schemas.microsoft.com/office/powerpoint/2010/main" xmlns="" val="1143314063"/>
+        <p14:creationId xmlns:p14="http://schemas.microsoft.com/office/powerpoint/2010/main" val="1143314063"/>
       </p:ext>
     </p:extLst>
   </p:cSld>
@@ -672,14 +673,14 @@
           <a:effectLst/>
           <a:extLst>
             <a:ext uri="{909E8E84-426E-40DD-AFC4-6F175D3DCCD1}">
-              <a14:hiddenFill xmlns:a14="http://schemas.microsoft.com/office/drawing/2010/main" xmlns="">
+              <a14:hiddenFill xmlns:a14="http://schemas.microsoft.com/office/drawing/2010/main">
                 <a:solidFill>
                   <a:schemeClr val="accent1"/>
                 </a:solidFill>
               </a14:hiddenFill>
             </a:ext>
             <a:ext uri="{91240B29-F687-4F45-9708-019B960494DF}">
-              <a14:hiddenLine xmlns:a14="http://schemas.microsoft.com/office/drawing/2010/main" xmlns="" w="9525">
+              <a14:hiddenLine xmlns:a14="http://schemas.microsoft.com/office/drawing/2010/main" w="9525">
                 <a:solidFill>
                   <a:schemeClr val="tx1"/>
                 </a:solidFill>
@@ -689,7 +690,7 @@
               </a14:hiddenLine>
             </a:ext>
             <a:ext uri="{AF507438-7753-43E0-B8FC-AC1667EBCBE1}">
-              <a14:hiddenEffects xmlns:a14="http://schemas.microsoft.com/office/drawing/2010/main" xmlns="">
+              <a14:hiddenEffects xmlns:a14="http://schemas.microsoft.com/office/drawing/2010/main">
                 <a:effectLst>
                   <a:outerShdw dist="35921" dir="2700000" algn="ctr" rotWithShape="0">
                     <a:srgbClr val="808080"/>
@@ -752,14 +753,14 @@
           <a:effectLst/>
           <a:extLst>
             <a:ext uri="{909E8E84-426E-40DD-AFC4-6F175D3DCCD1}">
-              <a14:hiddenFill xmlns:a14="http://schemas.microsoft.com/office/drawing/2010/main" xmlns="">
+              <a14:hiddenFill xmlns:a14="http://schemas.microsoft.com/office/drawing/2010/main">
                 <a:solidFill>
                   <a:schemeClr val="accent1"/>
                 </a:solidFill>
               </a14:hiddenFill>
             </a:ext>
             <a:ext uri="{91240B29-F687-4F45-9708-019B960494DF}">
-              <a14:hiddenLine xmlns:a14="http://schemas.microsoft.com/office/drawing/2010/main" xmlns="" w="9525">
+              <a14:hiddenLine xmlns:a14="http://schemas.microsoft.com/office/drawing/2010/main" w="9525">
                 <a:solidFill>
                   <a:schemeClr val="tx1"/>
                 </a:solidFill>
@@ -769,7 +770,7 @@
               </a14:hiddenLine>
             </a:ext>
             <a:ext uri="{AF507438-7753-43E0-B8FC-AC1667EBCBE1}">
-              <a14:hiddenEffects xmlns:a14="http://schemas.microsoft.com/office/drawing/2010/main" xmlns="">
+              <a14:hiddenEffects xmlns:a14="http://schemas.microsoft.com/office/drawing/2010/main">
                 <a:effectLst>
                   <a:outerShdw dist="35921" dir="2700000" algn="ctr" rotWithShape="0">
                     <a:srgbClr val="808080"/>
@@ -802,7 +803,7 @@
             <a:fld id="{51491A16-738F-4799-8716-258CFD03D432}" type="datetime1">
               <a:rPr lang="en-US"/>
               <a:pPr/>
-              <a:t>11.08.2010</a:t>
+              <a:t>10/13/2010</a:t>
             </a:fld>
             <a:r>
               <a:rPr lang="en-US"/>
@@ -842,7 +843,7 @@
           <a:effectLst/>
           <a:extLst>
             <a:ext uri="{AF507438-7753-43E0-B8FC-AC1667EBCBE1}">
-              <a14:hiddenEffects xmlns:a14="http://schemas.microsoft.com/office/drawing/2010/main" xmlns="">
+              <a14:hiddenEffects xmlns:a14="http://schemas.microsoft.com/office/drawing/2010/main">
                 <a:effectLst>
                   <a:outerShdw dist="35921" dir="2700000" algn="ctr" rotWithShape="0">
                     <a:srgbClr val="808080"/>
@@ -878,14 +879,14 @@
           <a:effectLst/>
           <a:extLst>
             <a:ext uri="{909E8E84-426E-40DD-AFC4-6F175D3DCCD1}">
-              <a14:hiddenFill xmlns:a14="http://schemas.microsoft.com/office/drawing/2010/main" xmlns="">
+              <a14:hiddenFill xmlns:a14="http://schemas.microsoft.com/office/drawing/2010/main">
                 <a:solidFill>
                   <a:schemeClr val="accent1"/>
                 </a:solidFill>
               </a14:hiddenFill>
             </a:ext>
             <a:ext uri="{91240B29-F687-4F45-9708-019B960494DF}">
-              <a14:hiddenLine xmlns:a14="http://schemas.microsoft.com/office/drawing/2010/main" xmlns="" w="9525">
+              <a14:hiddenLine xmlns:a14="http://schemas.microsoft.com/office/drawing/2010/main" w="9525">
                 <a:solidFill>
                   <a:schemeClr val="tx1"/>
                 </a:solidFill>
@@ -895,7 +896,7 @@
               </a14:hiddenLine>
             </a:ext>
             <a:ext uri="{AF507438-7753-43E0-B8FC-AC1667EBCBE1}">
-              <a14:hiddenEffects xmlns:a14="http://schemas.microsoft.com/office/drawing/2010/main" xmlns="">
+              <a14:hiddenEffects xmlns:a14="http://schemas.microsoft.com/office/drawing/2010/main">
                 <a:effectLst>
                   <a:outerShdw dist="35921" dir="2700000" algn="ctr" rotWithShape="0">
                     <a:srgbClr val="808080"/>
@@ -974,14 +975,14 @@
           <a:effectLst/>
           <a:extLst>
             <a:ext uri="{909E8E84-426E-40DD-AFC4-6F175D3DCCD1}">
-              <a14:hiddenFill xmlns:a14="http://schemas.microsoft.com/office/drawing/2010/main" xmlns="">
+              <a14:hiddenFill xmlns:a14="http://schemas.microsoft.com/office/drawing/2010/main">
                 <a:solidFill>
                   <a:schemeClr val="accent1"/>
                 </a:solidFill>
               </a14:hiddenFill>
             </a:ext>
             <a:ext uri="{91240B29-F687-4F45-9708-019B960494DF}">
-              <a14:hiddenLine xmlns:a14="http://schemas.microsoft.com/office/drawing/2010/main" xmlns="" w="9525">
+              <a14:hiddenLine xmlns:a14="http://schemas.microsoft.com/office/drawing/2010/main" w="9525">
                 <a:solidFill>
                   <a:schemeClr val="tx1"/>
                 </a:solidFill>
@@ -991,7 +992,7 @@
               </a14:hiddenLine>
             </a:ext>
             <a:ext uri="{AF507438-7753-43E0-B8FC-AC1667EBCBE1}">
-              <a14:hiddenEffects xmlns:a14="http://schemas.microsoft.com/office/drawing/2010/main" xmlns="">
+              <a14:hiddenEffects xmlns:a14="http://schemas.microsoft.com/office/drawing/2010/main">
                 <a:effectLst>
                   <a:outerShdw dist="35921" dir="2700000" algn="ctr" rotWithShape="0">
                     <a:srgbClr val="808080"/>
@@ -1054,14 +1055,14 @@
           <a:effectLst/>
           <a:extLst>
             <a:ext uri="{909E8E84-426E-40DD-AFC4-6F175D3DCCD1}">
-              <a14:hiddenFill xmlns:a14="http://schemas.microsoft.com/office/drawing/2010/main" xmlns="">
+              <a14:hiddenFill xmlns:a14="http://schemas.microsoft.com/office/drawing/2010/main">
                 <a:solidFill>
                   <a:schemeClr val="accent1"/>
                 </a:solidFill>
               </a14:hiddenFill>
             </a:ext>
             <a:ext uri="{91240B29-F687-4F45-9708-019B960494DF}">
-              <a14:hiddenLine xmlns:a14="http://schemas.microsoft.com/office/drawing/2010/main" xmlns="" w="9525">
+              <a14:hiddenLine xmlns:a14="http://schemas.microsoft.com/office/drawing/2010/main" w="9525">
                 <a:solidFill>
                   <a:schemeClr val="tx1"/>
                 </a:solidFill>
@@ -1071,7 +1072,7 @@
               </a14:hiddenLine>
             </a:ext>
             <a:ext uri="{AF507438-7753-43E0-B8FC-AC1667EBCBE1}">
-              <a14:hiddenEffects xmlns:a14="http://schemas.microsoft.com/office/drawing/2010/main" xmlns="">
+              <a14:hiddenEffects xmlns:a14="http://schemas.microsoft.com/office/drawing/2010/main">
                 <a:effectLst>
                   <a:outerShdw dist="35921" dir="2700000" algn="ctr" rotWithShape="0">
                     <a:srgbClr val="808080"/>
@@ -1117,7 +1118,7 @@
     </p:spTree>
     <p:extLst>
       <p:ext uri="{BB962C8B-B14F-4D97-AF65-F5344CB8AC3E}">
-        <p14:creationId xmlns:p14="http://schemas.microsoft.com/office/powerpoint/2010/main" xmlns="" val="1007089948"/>
+        <p14:creationId xmlns:p14="http://schemas.microsoft.com/office/powerpoint/2010/main" val="1007089948"/>
       </p:ext>
     </p:extLst>
   </p:cSld>
@@ -1611,7 +1612,7 @@
             <a:fld id="{BFBEEAE8-221B-4CAF-95E2-20F69172E38C}" type="slidenum">
               <a:rPr lang="en-US"/>
               <a:pPr/>
-              <a:t>41</a:t>
+              <a:t>42</a:t>
             </a:fld>
             <a:r>
               <a:rPr lang="en-US"/>
@@ -1749,7 +1750,7 @@
             <a:fld id="{F56C672D-86BB-43D0-A997-220A6AFD3443}" type="slidenum">
               <a:rPr lang="en-US"/>
               <a:pPr/>
-              <a:t>43</a:t>
+              <a:t>44</a:t>
             </a:fld>
             <a:r>
               <a:rPr lang="en-US"/>
@@ -1887,7 +1888,7 @@
             <a:fld id="{F56C672D-86BB-43D0-A997-220A6AFD3443}" type="slidenum">
               <a:rPr lang="en-US"/>
               <a:pPr/>
-              <a:t>45</a:t>
+              <a:t>46</a:t>
             </a:fld>
             <a:r>
               <a:rPr lang="en-US"/>
@@ -1947,7 +1948,7 @@
           <a:blip r:embed="rId2" cstate="print">
             <a:extLst>
               <a:ext uri="{28A0092B-C50C-407E-A947-70E740481C1C}">
-                <a14:useLocalDpi xmlns:a14="http://schemas.microsoft.com/office/drawing/2010/main" xmlns="" val="0"/>
+                <a14:useLocalDpi xmlns:a14="http://schemas.microsoft.com/office/drawing/2010/main" val="0"/>
               </a:ext>
             </a:extLst>
           </a:blip>
@@ -1991,7 +1992,7 @@
           <a:effectLst/>
           <a:extLst>
             <a:ext uri="{AF507438-7753-43E0-B8FC-AC1667EBCBE1}">
-              <a14:hiddenEffects xmlns:a14="http://schemas.microsoft.com/office/drawing/2010/main" xmlns="">
+              <a14:hiddenEffects xmlns:a14="http://schemas.microsoft.com/office/drawing/2010/main">
                 <a:effectLst>
                   <a:outerShdw dist="35921" dir="2700000" algn="ctr" rotWithShape="0">
                     <a:srgbClr val="003366"/>
@@ -2043,14 +2044,14 @@
           <a:effectLst/>
           <a:extLst>
             <a:ext uri="{909E8E84-426E-40DD-AFC4-6F175D3DCCD1}">
-              <a14:hiddenFill xmlns:a14="http://schemas.microsoft.com/office/drawing/2010/main" xmlns="">
+              <a14:hiddenFill xmlns:a14="http://schemas.microsoft.com/office/drawing/2010/main">
                 <a:solidFill>
                   <a:schemeClr val="accent1"/>
                 </a:solidFill>
               </a14:hiddenFill>
             </a:ext>
             <a:ext uri="{AF507438-7753-43E0-B8FC-AC1667EBCBE1}">
-              <a14:hiddenEffects xmlns:a14="http://schemas.microsoft.com/office/drawing/2010/main" xmlns="">
+              <a14:hiddenEffects xmlns:a14="http://schemas.microsoft.com/office/drawing/2010/main">
                 <a:effectLst>
                   <a:outerShdw dist="35921" dir="2700000" algn="ctr" rotWithShape="0">
                     <a:schemeClr val="bg2"/>
@@ -2192,7 +2193,7 @@
     </p:spTree>
     <p:extLst>
       <p:ext uri="{BB962C8B-B14F-4D97-AF65-F5344CB8AC3E}">
-        <p14:creationId xmlns:p14="http://schemas.microsoft.com/office/powerpoint/2010/main" xmlns="" val="4104601323"/>
+        <p14:creationId xmlns:p14="http://schemas.microsoft.com/office/powerpoint/2010/main" val="4104601323"/>
       </p:ext>
     </p:extLst>
   </p:cSld>
@@ -2308,7 +2309,7 @@
     </p:spTree>
     <p:extLst>
       <p:ext uri="{BB962C8B-B14F-4D97-AF65-F5344CB8AC3E}">
-        <p14:creationId xmlns:p14="http://schemas.microsoft.com/office/powerpoint/2010/main" xmlns="" val="1612387163"/>
+        <p14:creationId xmlns:p14="http://schemas.microsoft.com/office/powerpoint/2010/main" val="1612387163"/>
       </p:ext>
     </p:extLst>
   </p:cSld>
@@ -3920,7 +3921,7 @@
     </p:spTree>
     <p:extLst>
       <p:ext uri="{BB962C8B-B14F-4D97-AF65-F5344CB8AC3E}">
-        <p14:creationId xmlns:p14="http://schemas.microsoft.com/office/powerpoint/2010/main" xmlns="" val="3948185249"/>
+        <p14:creationId xmlns:p14="http://schemas.microsoft.com/office/powerpoint/2010/main" val="3948185249"/>
       </p:ext>
     </p:extLst>
   </p:cSld>
@@ -4048,7 +4049,7 @@
     </p:spTree>
     <p:extLst>
       <p:ext uri="{BB962C8B-B14F-4D97-AF65-F5344CB8AC3E}">
-        <p14:creationId xmlns:p14="http://schemas.microsoft.com/office/powerpoint/2010/main" xmlns="" val="251651742"/>
+        <p14:creationId xmlns:p14="http://schemas.microsoft.com/office/powerpoint/2010/main" val="251651742"/>
       </p:ext>
     </p:extLst>
   </p:cSld>
@@ -4272,7 +4273,7 @@
     </p:spTree>
     <p:extLst>
       <p:ext uri="{BB962C8B-B14F-4D97-AF65-F5344CB8AC3E}">
-        <p14:creationId xmlns:p14="http://schemas.microsoft.com/office/powerpoint/2010/main" xmlns="" val="3248406379"/>
+        <p14:creationId xmlns:p14="http://schemas.microsoft.com/office/powerpoint/2010/main" val="3248406379"/>
       </p:ext>
     </p:extLst>
   </p:cSld>
@@ -4635,7 +4636,7 @@
     </p:spTree>
     <p:extLst>
       <p:ext uri="{BB962C8B-B14F-4D97-AF65-F5344CB8AC3E}">
-        <p14:creationId xmlns:p14="http://schemas.microsoft.com/office/powerpoint/2010/main" xmlns="" val="3326785505"/>
+        <p14:creationId xmlns:p14="http://schemas.microsoft.com/office/powerpoint/2010/main" val="3326785505"/>
       </p:ext>
     </p:extLst>
   </p:cSld>
@@ -4689,7 +4690,7 @@
     </p:spTree>
     <p:extLst>
       <p:ext uri="{BB962C8B-B14F-4D97-AF65-F5344CB8AC3E}">
-        <p14:creationId xmlns:p14="http://schemas.microsoft.com/office/powerpoint/2010/main" xmlns="" val="2924995704"/>
+        <p14:creationId xmlns:p14="http://schemas.microsoft.com/office/powerpoint/2010/main" val="2924995704"/>
       </p:ext>
     </p:extLst>
   </p:cSld>
@@ -4720,7 +4721,7 @@
     </p:spTree>
     <p:extLst>
       <p:ext uri="{BB962C8B-B14F-4D97-AF65-F5344CB8AC3E}">
-        <p14:creationId xmlns:p14="http://schemas.microsoft.com/office/powerpoint/2010/main" xmlns="" val="3601074800"/>
+        <p14:creationId xmlns:p14="http://schemas.microsoft.com/office/powerpoint/2010/main" val="3601074800"/>
       </p:ext>
     </p:extLst>
   </p:cSld>
@@ -4933,7 +4934,7 @@
     </p:spTree>
     <p:extLst>
       <p:ext uri="{BB962C8B-B14F-4D97-AF65-F5344CB8AC3E}">
-        <p14:creationId xmlns:p14="http://schemas.microsoft.com/office/powerpoint/2010/main" xmlns="" val="1885424843"/>
+        <p14:creationId xmlns:p14="http://schemas.microsoft.com/office/powerpoint/2010/main" val="1885424843"/>
       </p:ext>
     </p:extLst>
   </p:cSld>
@@ -5122,7 +5123,7 @@
     </p:spTree>
     <p:extLst>
       <p:ext uri="{BB962C8B-B14F-4D97-AF65-F5344CB8AC3E}">
-        <p14:creationId xmlns:p14="http://schemas.microsoft.com/office/powerpoint/2010/main" xmlns="" val="438400858"/>
+        <p14:creationId xmlns:p14="http://schemas.microsoft.com/office/powerpoint/2010/main" val="438400858"/>
       </p:ext>
     </p:extLst>
   </p:cSld>
@@ -5142,7 +5143,7 @@
           <a:blip r:embed="rId13" cstate="print">
             <a:extLst>
               <a:ext uri="{28A0092B-C50C-407E-A947-70E740481C1C}">
-                <a14:useLocalDpi xmlns:a14="http://schemas.microsoft.com/office/drawing/2010/main" xmlns="" val="0"/>
+                <a14:useLocalDpi xmlns:a14="http://schemas.microsoft.com/office/drawing/2010/main" val="0"/>
               </a:ext>
             </a:extLst>
           </a:blip>
@@ -5197,14 +5198,14 @@
           </a:effectLst>
           <a:extLst>
             <a:ext uri="{909E8E84-426E-40DD-AFC4-6F175D3DCCD1}">
-              <a14:hiddenFill xmlns:a14="http://schemas.microsoft.com/office/drawing/2010/main" xmlns="">
+              <a14:hiddenFill xmlns:a14="http://schemas.microsoft.com/office/drawing/2010/main">
                 <a:solidFill>
                   <a:schemeClr val="accent1"/>
                 </a:solidFill>
               </a14:hiddenFill>
             </a:ext>
             <a:ext uri="{91240B29-F687-4F45-9708-019B960494DF}">
-              <a14:hiddenLine xmlns:a14="http://schemas.microsoft.com/office/drawing/2010/main" xmlns="" w="9525">
+              <a14:hiddenLine xmlns:a14="http://schemas.microsoft.com/office/drawing/2010/main" w="9525">
                 <a:solidFill>
                   <a:schemeClr val="tx1"/>
                 </a:solidFill>
@@ -5289,7 +5290,7 @@
           </a:effectLst>
           <a:extLst>
             <a:ext uri="{909E8E84-426E-40DD-AFC4-6F175D3DCCD1}">
-              <a14:hiddenFill xmlns:a14="http://schemas.microsoft.com/office/drawing/2010/main" xmlns="">
+              <a14:hiddenFill xmlns:a14="http://schemas.microsoft.com/office/drawing/2010/main">
                 <a:solidFill>
                   <a:srgbClr val="FFFFFF">
                     <a:alpha val="30000"/>
@@ -5298,7 +5299,7 @@
               </a14:hiddenFill>
             </a:ext>
             <a:ext uri="{91240B29-F687-4F45-9708-019B960494DF}">
-              <a14:hiddenLine xmlns:a14="http://schemas.microsoft.com/office/drawing/2010/main" xmlns="" w="9525">
+              <a14:hiddenLine xmlns:a14="http://schemas.microsoft.com/office/drawing/2010/main" w="9525">
                 <a:solidFill>
                   <a:schemeClr val="tx1"/>
                 </a:solidFill>
@@ -6677,7 +6678,7 @@
             <a:lum bright="-20000"/>
             <a:extLst>
               <a:ext uri="{28A0092B-C50C-407E-A947-70E740481C1C}">
-                <a14:useLocalDpi xmlns:a14="http://schemas.microsoft.com/office/drawing/2010/main" xmlns="" val="0"/>
+                <a14:useLocalDpi xmlns:a14="http://schemas.microsoft.com/office/drawing/2010/main" val="0"/>
               </a:ext>
             </a:extLst>
           </a:blip>
@@ -7406,7 +7407,7 @@
           <a:blip r:embed="rId4" cstate="screen">
             <a:extLst>
               <a:ext uri="{BEBA8EAE-BF5A-486C-A8C5-ECC9F3942E4B}">
-                <a14:imgProps xmlns:a14="http://schemas.microsoft.com/office/drawing/2010/main" xmlns="">
+                <a14:imgProps xmlns:a14="http://schemas.microsoft.com/office/drawing/2010/main">
                   <a14:imgLayer r:embed="rId5">
                     <a14:imgEffect>
                       <a14:backgroundRemoval t="10000" b="90000" l="10000" r="90000">
@@ -7418,7 +7419,7 @@
                 </a14:imgProps>
               </a:ext>
               <a:ext uri="{28A0092B-C50C-407E-A947-70E740481C1C}">
-                <a14:useLocalDpi xmlns:a14="http://schemas.microsoft.com/office/drawing/2010/main" xmlns="" val="0"/>
+                <a14:useLocalDpi xmlns:a14="http://schemas.microsoft.com/office/drawing/2010/main" val="0"/>
               </a:ext>
             </a:extLst>
           </a:blip>
@@ -7442,14 +7443,14 @@
           <a:effectLst/>
           <a:extLst>
             <a:ext uri="{909E8E84-426E-40DD-AFC4-6F175D3DCCD1}">
-              <a14:hiddenFill xmlns:a14="http://schemas.microsoft.com/office/drawing/2010/main" xmlns="">
+              <a14:hiddenFill xmlns:a14="http://schemas.microsoft.com/office/drawing/2010/main">
                 <a:solidFill>
                   <a:schemeClr val="accent1"/>
                 </a:solidFill>
               </a14:hiddenFill>
             </a:ext>
             <a:ext uri="{91240B29-F687-4F45-9708-019B960494DF}">
-              <a14:hiddenLine xmlns:a14="http://schemas.microsoft.com/office/drawing/2010/main" xmlns="" w="9525">
+              <a14:hiddenLine xmlns:a14="http://schemas.microsoft.com/office/drawing/2010/main" w="9525">
                 <a:solidFill>
                   <a:schemeClr val="tx1"/>
                 </a:solidFill>
@@ -7459,7 +7460,7 @@
               </a14:hiddenLine>
             </a:ext>
             <a:ext uri="{AF507438-7753-43E0-B8FC-AC1667EBCBE1}">
-              <a14:hiddenEffects xmlns:a14="http://schemas.microsoft.com/office/drawing/2010/main" xmlns="">
+              <a14:hiddenEffects xmlns:a14="http://schemas.microsoft.com/office/drawing/2010/main">
                 <a:effectLst>
                   <a:outerShdw dist="35921" dir="2700000" algn="ctr" rotWithShape="0">
                     <a:schemeClr val="bg2"/>
@@ -7482,7 +7483,7 @@
           <a:blip r:embed="rId6" cstate="print">
             <a:extLst>
               <a:ext uri="{28A0092B-C50C-407E-A947-70E740481C1C}">
-                <a14:useLocalDpi xmlns:a14="http://schemas.microsoft.com/office/drawing/2010/main" xmlns="" val="0"/>
+                <a14:useLocalDpi xmlns:a14="http://schemas.microsoft.com/office/drawing/2010/main" val="0"/>
               </a:ext>
             </a:extLst>
           </a:blip>
@@ -7515,14 +7516,14 @@
           <a:effectLst/>
           <a:extLst>
             <a:ext uri="{909E8E84-426E-40DD-AFC4-6F175D3DCCD1}">
-              <a14:hiddenFill xmlns:a14="http://schemas.microsoft.com/office/drawing/2010/main" xmlns="">
+              <a14:hiddenFill xmlns:a14="http://schemas.microsoft.com/office/drawing/2010/main">
                 <a:solidFill>
                   <a:schemeClr val="accent1"/>
                 </a:solidFill>
               </a14:hiddenFill>
             </a:ext>
             <a:ext uri="{AF507438-7753-43E0-B8FC-AC1667EBCBE1}">
-              <a14:hiddenEffects xmlns:a14="http://schemas.microsoft.com/office/drawing/2010/main" xmlns="">
+              <a14:hiddenEffects xmlns:a14="http://schemas.microsoft.com/office/drawing/2010/main">
                 <a:effectLst>
                   <a:outerShdw dist="35921" dir="2700000" algn="ctr" rotWithShape="0">
                     <a:schemeClr val="bg2"/>
@@ -7538,11 +7539,11 @@
   <p:clrMapOvr>
     <a:masterClrMapping/>
   </p:clrMapOvr>
-  <mc:AlternateContent xmlns:mc="http://schemas.openxmlformats.org/markup-compatibility/2006">
-    <mc:Choice xmlns:p14="http://schemas.microsoft.com/office/powerpoint/2010/main" xmlns="" Requires="p14">
+  <mc:AlternateContent xmlns:mc="http://schemas.openxmlformats.org/markup-compatibility/2006" xmlns:p14="http://schemas.microsoft.com/office/powerpoint/2010/main">
+    <mc:Choice Requires="p14">
       <p:transition spd="slow" p14:dur="2000"/>
     </mc:Choice>
-    <mc:Fallback>
+    <mc:Fallback xmlns="">
       <p:transition spd="slow"/>
     </mc:Fallback>
   </mc:AlternateContent>
@@ -7641,7 +7642,7 @@
           <a:blip r:embed="rId2" cstate="print">
             <a:extLst>
               <a:ext uri="{28A0092B-C50C-407E-A947-70E740481C1C}">
-                <a14:useLocalDpi xmlns:a14="http://schemas.microsoft.com/office/drawing/2010/main" xmlns="" val="0"/>
+                <a14:useLocalDpi xmlns:a14="http://schemas.microsoft.com/office/drawing/2010/main" val="0"/>
               </a:ext>
             </a:extLst>
           </a:blip>
@@ -7667,14 +7668,14 @@
           <a:effectLst/>
           <a:extLst>
             <a:ext uri="{909E8E84-426E-40DD-AFC4-6F175D3DCCD1}">
-              <a14:hiddenFill xmlns:a14="http://schemas.microsoft.com/office/drawing/2010/main" xmlns="">
+              <a14:hiddenFill xmlns:a14="http://schemas.microsoft.com/office/drawing/2010/main">
                 <a:solidFill>
                   <a:schemeClr val="accent1"/>
                 </a:solidFill>
               </a14:hiddenFill>
             </a:ext>
             <a:ext uri="{91240B29-F687-4F45-9708-019B960494DF}">
-              <a14:hiddenLine xmlns:a14="http://schemas.microsoft.com/office/drawing/2010/main" xmlns="" w="9525">
+              <a14:hiddenLine xmlns:a14="http://schemas.microsoft.com/office/drawing/2010/main" w="9525">
                 <a:solidFill>
                   <a:schemeClr val="tx1"/>
                 </a:solidFill>
@@ -7684,7 +7685,7 @@
               </a14:hiddenLine>
             </a:ext>
             <a:ext uri="{AF507438-7753-43E0-B8FC-AC1667EBCBE1}">
-              <a14:hiddenEffects xmlns:a14="http://schemas.microsoft.com/office/drawing/2010/main" xmlns="">
+              <a14:hiddenEffects xmlns:a14="http://schemas.microsoft.com/office/drawing/2010/main">
                 <a:effectLst>
                   <a:outerShdw dist="35921" dir="2700000" algn="ctr" rotWithShape="0">
                     <a:schemeClr val="bg2"/>
@@ -7700,11 +7701,11 @@
   <p:clrMapOvr>
     <a:masterClrMapping/>
   </p:clrMapOvr>
-  <mc:AlternateContent xmlns:mc="http://schemas.openxmlformats.org/markup-compatibility/2006">
-    <mc:Choice xmlns:p14="http://schemas.microsoft.com/office/powerpoint/2010/main" xmlns="" Requires="p14">
+  <mc:AlternateContent xmlns:mc="http://schemas.openxmlformats.org/markup-compatibility/2006" xmlns:p14="http://schemas.microsoft.com/office/powerpoint/2010/main">
+    <mc:Choice Requires="p14">
       <p:transition spd="slow" p14:dur="2000"/>
     </mc:Choice>
-    <mc:Fallback>
+    <mc:Fallback xmlns="">
       <p:transition spd="slow"/>
     </mc:Fallback>
   </mc:AlternateContent>
@@ -7883,11 +7884,11 @@
   <p:clrMapOvr>
     <a:masterClrMapping/>
   </p:clrMapOvr>
-  <mc:AlternateContent xmlns:mc="http://schemas.openxmlformats.org/markup-compatibility/2006">
-    <mc:Choice xmlns:p14="http://schemas.microsoft.com/office/powerpoint/2010/main" xmlns="" Requires="p14">
+  <mc:AlternateContent xmlns:mc="http://schemas.openxmlformats.org/markup-compatibility/2006" xmlns:p14="http://schemas.microsoft.com/office/powerpoint/2010/main">
+    <mc:Choice Requires="p14">
       <p:transition spd="slow" p14:dur="2000"/>
     </mc:Choice>
-    <mc:Fallback>
+    <mc:Fallback xmlns="">
       <p:transition spd="slow"/>
     </mc:Fallback>
   </mc:AlternateContent>
@@ -8181,11 +8182,11 @@
   <p:clrMapOvr>
     <a:masterClrMapping/>
   </p:clrMapOvr>
-  <mc:AlternateContent xmlns:mc="http://schemas.openxmlformats.org/markup-compatibility/2006">
-    <mc:Choice xmlns:p14="http://schemas.microsoft.com/office/powerpoint/2010/main" xmlns="" Requires="p14">
+  <mc:AlternateContent xmlns:mc="http://schemas.openxmlformats.org/markup-compatibility/2006" xmlns:p14="http://schemas.microsoft.com/office/powerpoint/2010/main">
+    <mc:Choice Requires="p14">
       <p:transition spd="slow" p14:dur="2000"/>
     </mc:Choice>
-    <mc:Fallback>
+    <mc:Fallback xmlns="">
       <p:transition spd="slow"/>
     </mc:Fallback>
   </mc:AlternateContent>
@@ -8917,7 +8918,7 @@
     </p:spTree>
     <p:extLst>
       <p:ext uri="{BB962C8B-B14F-4D97-AF65-F5344CB8AC3E}">
-        <p14:creationId xmlns:p14="http://schemas.microsoft.com/office/powerpoint/2010/main" xmlns="" val="4258175933"/>
+        <p14:creationId xmlns:p14="http://schemas.microsoft.com/office/powerpoint/2010/main" val="4258175933"/>
       </p:ext>
     </p:extLst>
   </p:cSld>
@@ -9006,8 +9007,8 @@
         </p:nvSpPr>
         <p:spPr>
           <a:xfrm>
-            <a:off x="323528" y="1124744"/>
-            <a:ext cx="8424936" cy="5545108"/>
+            <a:off x="323528" y="1052736"/>
+            <a:ext cx="8424936" cy="5724644"/>
           </a:xfrm>
         </p:spPr>
         <p:txBody>
@@ -9016,7 +9017,7 @@
           <a:p>
             <a:pPr>
               <a:spcBef>
-                <a:spcPts val="400"/>
+                <a:spcPts val="600"/>
               </a:spcBef>
               <a:spcAft>
                 <a:spcPts val="600"/>
@@ -9047,7 +9048,7 @@
           <a:p>
             <a:pPr>
               <a:spcBef>
-                <a:spcPts val="400"/>
+                <a:spcPts val="600"/>
               </a:spcBef>
               <a:spcAft>
                 <a:spcPts val="600"/>
@@ -9058,7 +9059,7 @@
           <a:p>
             <a:pPr>
               <a:spcBef>
-                <a:spcPts val="400"/>
+                <a:spcPts val="600"/>
               </a:spcBef>
               <a:spcAft>
                 <a:spcPts val="600"/>
@@ -9069,7 +9070,7 @@
           <a:p>
             <a:pPr>
               <a:spcBef>
-                <a:spcPts val="400"/>
+                <a:spcPts val="600"/>
               </a:spcBef>
               <a:spcAft>
                 <a:spcPts val="600"/>
@@ -9080,7 +9081,7 @@
           <a:p>
             <a:pPr>
               <a:spcBef>
-                <a:spcPts val="400"/>
+                <a:spcPts val="600"/>
               </a:spcBef>
               <a:spcAft>
                 <a:spcPts val="600"/>
@@ -9091,7 +9092,7 @@
           <a:p>
             <a:pPr>
               <a:spcBef>
-                <a:spcPts val="400"/>
+                <a:spcPts val="600"/>
               </a:spcBef>
               <a:spcAft>
                 <a:spcPts val="600"/>
@@ -9102,7 +9103,7 @@
           <a:p>
             <a:pPr>
               <a:spcBef>
-                <a:spcPts val="400"/>
+                <a:spcPts val="600"/>
               </a:spcBef>
               <a:spcAft>
                 <a:spcPts val="600"/>
@@ -9152,9 +9153,6 @@
               <a:lnSpc>
                 <a:spcPct val="100000"/>
               </a:lnSpc>
-              <a:spcBef>
-                <a:spcPts val="400"/>
-              </a:spcBef>
             </a:pPr>
             <a:r>
               <a:rPr lang="en-US" sz="2800" dirty="0" smtClean="0"/>
@@ -9258,7 +9256,7 @@
         <p:spPr>
           <a:xfrm>
             <a:off x="772072" y="1772816"/>
-            <a:ext cx="7544344" cy="2723823"/>
+            <a:ext cx="7544344" cy="2862322"/>
           </a:xfrm>
           <a:prstGeom prst="rect">
             <a:avLst/>
@@ -9525,7 +9523,7 @@
               </a:lnSpc>
             </a:pPr>
             <a:r>
-              <a:rPr lang="en-US" sz="1900" dirty="0" smtClean="0"/>
+              <a:rPr lang="en-US" dirty="0" smtClean="0"/>
               <a:t>&lt;location path="RegisterUser.aspx"&gt;</a:t>
             </a:r>
           </a:p>
@@ -9536,7 +9534,7 @@
               </a:lnSpc>
             </a:pPr>
             <a:r>
-              <a:rPr lang="en-US" sz="1900" dirty="0" smtClean="0"/>
+              <a:rPr lang="en-US" dirty="0" smtClean="0"/>
               <a:t>  &lt;system.web&gt;</a:t>
             </a:r>
           </a:p>
@@ -9547,7 +9545,7 @@
               </a:lnSpc>
             </a:pPr>
             <a:r>
-              <a:rPr lang="en-US" sz="1900" dirty="0" smtClean="0"/>
+              <a:rPr lang="en-US" dirty="0" smtClean="0"/>
               <a:t>    &lt;authorization&gt;</a:t>
             </a:r>
           </a:p>
@@ -9558,15 +9556,15 @@
               </a:lnSpc>
             </a:pPr>
             <a:r>
-              <a:rPr lang="en-US" sz="1900" dirty="0" smtClean="0"/>
+              <a:rPr lang="en-US" dirty="0" smtClean="0"/>
               <a:t>      &lt;</a:t>
             </a:r>
             <a:r>
-              <a:rPr lang="en-US" sz="1900" dirty="0"/>
+              <a:rPr lang="en-US" dirty="0"/>
               <a:t>allow roles="admin</a:t>
             </a:r>
             <a:r>
-              <a:rPr lang="en-US" sz="1900" dirty="0" smtClean="0"/>
+              <a:rPr lang="en-US" dirty="0" smtClean="0"/>
               <a:t>" /&gt;</a:t>
             </a:r>
           </a:p>
@@ -9577,14 +9575,14 @@
               </a:lnSpc>
             </a:pPr>
             <a:r>
-              <a:rPr lang="en-US" sz="1900" dirty="0"/>
+              <a:rPr lang="en-US" dirty="0"/>
               <a:t> </a:t>
             </a:r>
             <a:r>
-              <a:rPr lang="en-US" sz="1900" dirty="0" smtClean="0"/>
+              <a:rPr lang="en-US" dirty="0" smtClean="0"/>
               <a:t>     &lt;allow users="Pesho,Gosho" /&gt;</a:t>
             </a:r>
-            <a:endParaRPr lang="en-US" sz="1900" dirty="0"/>
+            <a:endParaRPr lang="en-US" dirty="0"/>
           </a:p>
           <a:p>
             <a:pPr>
@@ -9593,15 +9591,15 @@
               </a:lnSpc>
             </a:pPr>
             <a:r>
-              <a:rPr lang="en-US" sz="1900" dirty="0" smtClean="0"/>
+              <a:rPr lang="en-US" dirty="0" smtClean="0"/>
               <a:t>      &lt;</a:t>
             </a:r>
             <a:r>
-              <a:rPr lang="en-US" sz="1900" dirty="0"/>
+              <a:rPr lang="en-US" dirty="0"/>
               <a:t>deny users="*" </a:t>
             </a:r>
             <a:r>
-              <a:rPr lang="en-US" sz="1900" dirty="0" smtClean="0"/>
+              <a:rPr lang="en-US" dirty="0" smtClean="0"/>
               <a:t>/&gt;</a:t>
             </a:r>
           </a:p>
@@ -9612,7 +9610,7 @@
               </a:lnSpc>
             </a:pPr>
             <a:r>
-              <a:rPr lang="en-US" sz="1900" dirty="0" smtClean="0"/>
+              <a:rPr lang="en-US" dirty="0" smtClean="0"/>
               <a:t>    &lt;/authorization&gt;</a:t>
             </a:r>
           </a:p>
@@ -9623,7 +9621,7 @@
               </a:lnSpc>
             </a:pPr>
             <a:r>
-              <a:rPr lang="en-US" sz="1900" dirty="0" smtClean="0"/>
+              <a:rPr lang="en-US" dirty="0" smtClean="0"/>
               <a:t>  &lt;/system.web&gt;</a:t>
             </a:r>
           </a:p>
@@ -9634,7 +9632,7 @@
               </a:lnSpc>
             </a:pPr>
             <a:r>
-              <a:rPr lang="en-US" sz="1900" dirty="0" smtClean="0"/>
+              <a:rPr lang="en-US" dirty="0" smtClean="0"/>
               <a:t>&lt;/location&gt;</a:t>
             </a:r>
           </a:p>
@@ -9643,7 +9641,7 @@
     </p:spTree>
     <p:extLst>
       <p:ext uri="{BB962C8B-B14F-4D97-AF65-F5344CB8AC3E}">
-        <p14:creationId xmlns:p14="http://schemas.microsoft.com/office/powerpoint/2010/main" xmlns="" val="661924578"/>
+        <p14:creationId xmlns:p14="http://schemas.microsoft.com/office/powerpoint/2010/main" val="661924578"/>
       </p:ext>
     </p:extLst>
   </p:cSld>
@@ -9720,6 +9718,11 @@
           <a:bodyPr/>
           <a:lstStyle/>
           <a:p>
+            <a:pPr>
+              <a:lnSpc>
+                <a:spcPct val="100000"/>
+              </a:lnSpc>
+            </a:pPr>
             <a:r>
               <a:rPr lang="en-US" sz="3000" dirty="0" smtClean="0"/>
               <a:t>Logging-in using credentials from </a:t>
@@ -9744,55 +9747,67 @@
           </a:p>
           <a:p>
             <a:pPr>
-              <a:spcBef>
-                <a:spcPts val="0"/>
-              </a:spcBef>
+              <a:lnSpc>
+                <a:spcPct val="100000"/>
+              </a:lnSpc>
             </a:pPr>
             <a:endParaRPr lang="en-US" sz="3000" dirty="0"/>
           </a:p>
           <a:p>
+            <a:pPr>
+              <a:lnSpc>
+                <a:spcPct val="100000"/>
+              </a:lnSpc>
+            </a:pPr>
             <a:endParaRPr lang="en-US" sz="3000" dirty="0" smtClean="0"/>
           </a:p>
           <a:p>
-            <a:endParaRPr lang="en-US" sz="3000" dirty="0"/>
-          </a:p>
-          <a:p>
-            <a:endParaRPr lang="en-US" sz="3000" dirty="0" smtClean="0"/>
-          </a:p>
-          <a:p>
             <a:pPr>
-              <a:spcBef>
-                <a:spcPts val="0"/>
-              </a:spcBef>
+              <a:lnSpc>
+                <a:spcPct val="100000"/>
+              </a:lnSpc>
             </a:pPr>
             <a:endParaRPr lang="en-US" sz="3000" dirty="0"/>
           </a:p>
           <a:p>
             <a:pPr>
-              <a:spcBef>
-                <a:spcPts val="0"/>
-              </a:spcBef>
-              <a:spcAft>
-                <a:spcPts val="0"/>
-              </a:spcAft>
-            </a:pPr>
-            <a:r>
-              <a:rPr lang="en-US" sz="3000" dirty="0" smtClean="0"/>
-              <a:t>Logging-out the currently logged user:</a:t>
-            </a:r>
-          </a:p>
-          <a:p>
-            <a:pPr>
-              <a:spcBef>
-                <a:spcPts val="0"/>
-              </a:spcBef>
+              <a:lnSpc>
+                <a:spcPct val="100000"/>
+              </a:lnSpc>
             </a:pPr>
             <a:endParaRPr lang="en-US" sz="3000" dirty="0" smtClean="0"/>
           </a:p>
           <a:p>
             <a:pPr>
+              <a:lnSpc>
+                <a:spcPct val="100000"/>
+              </a:lnSpc>
+            </a:pPr>
+            <a:endParaRPr lang="en-US" sz="3000" dirty="0"/>
+          </a:p>
+          <a:p>
+            <a:pPr>
+              <a:lnSpc>
+                <a:spcPct val="100000"/>
+              </a:lnSpc>
+            </a:pPr>
+            <a:r>
+              <a:rPr lang="en-US" sz="3000" dirty="0" smtClean="0"/>
+              <a:t>Logging-out the currently logged user</a:t>
+            </a:r>
+            <a:r>
+              <a:rPr lang="en-US" sz="3000" dirty="0" smtClean="0"/>
+              <a:t>:</a:t>
+            </a:r>
+            <a:endParaRPr lang="en-US" sz="3000" dirty="0" smtClean="0"/>
+          </a:p>
+          <a:p>
+            <a:pPr>
+              <a:lnSpc>
+                <a:spcPct val="100000"/>
+              </a:lnSpc>
               <a:spcBef>
-                <a:spcPts val="0"/>
+                <a:spcPts val="3000"/>
               </a:spcBef>
             </a:pPr>
             <a:r>
@@ -10161,7 +10176,7 @@
     </p:spTree>
     <p:extLst>
       <p:ext uri="{BB962C8B-B14F-4D97-AF65-F5344CB8AC3E}">
-        <p14:creationId xmlns:p14="http://schemas.microsoft.com/office/powerpoint/2010/main" xmlns="" val="675591389"/>
+        <p14:creationId xmlns:p14="http://schemas.microsoft.com/office/powerpoint/2010/main" val="675591389"/>
       </p:ext>
     </p:extLst>
   </p:cSld>
@@ -10334,7 +10349,7 @@
           <a:blip r:embed="rId2" cstate="print">
             <a:extLst>
               <a:ext uri="{28A0092B-C50C-407E-A947-70E740481C1C}">
-                <a14:useLocalDpi xmlns:a14="http://schemas.microsoft.com/office/drawing/2010/main" xmlns="" val="0"/>
+                <a14:useLocalDpi xmlns:a14="http://schemas.microsoft.com/office/drawing/2010/main" val="0"/>
               </a:ext>
             </a:extLst>
           </a:blip>
@@ -10343,8 +10358,8 @@
         </p:blipFill>
         <p:spPr bwMode="auto">
           <a:xfrm>
-            <a:off x="2394745" y="744279"/>
-            <a:ext cx="4409503" cy="4215694"/>
+            <a:off x="2265473" y="620688"/>
+            <a:ext cx="4668048" cy="4462876"/>
           </a:xfrm>
           <a:prstGeom prst="rect">
             <a:avLst/>
@@ -10356,14 +10371,14 @@
           <a:effectLst/>
           <a:extLst>
             <a:ext uri="{909E8E84-426E-40DD-AFC4-6F175D3DCCD1}">
-              <a14:hiddenFill xmlns:a14="http://schemas.microsoft.com/office/drawing/2010/main" xmlns="">
+              <a14:hiddenFill xmlns:a14="http://schemas.microsoft.com/office/drawing/2010/main">
                 <a:solidFill>
                   <a:schemeClr val="accent1"/>
                 </a:solidFill>
               </a14:hiddenFill>
             </a:ext>
             <a:ext uri="{91240B29-F687-4F45-9708-019B960494DF}">
-              <a14:hiddenLine xmlns:a14="http://schemas.microsoft.com/office/drawing/2010/main" xmlns="" w="9525">
+              <a14:hiddenLine xmlns:a14="http://schemas.microsoft.com/office/drawing/2010/main" w="9525">
                 <a:solidFill>
                   <a:schemeClr val="tx1"/>
                 </a:solidFill>
@@ -10373,7 +10388,7 @@
               </a14:hiddenLine>
             </a:ext>
             <a:ext uri="{AF507438-7753-43E0-B8FC-AC1667EBCBE1}">
-              <a14:hiddenEffects xmlns:a14="http://schemas.microsoft.com/office/drawing/2010/main" xmlns="">
+              <a14:hiddenEffects xmlns:a14="http://schemas.microsoft.com/office/drawing/2010/main">
                 <a:effectLst>
                   <a:outerShdw dist="35921" dir="2700000" algn="ctr" rotWithShape="0">
                     <a:schemeClr val="bg2"/>
@@ -10389,11 +10404,11 @@
   <p:clrMapOvr>
     <a:masterClrMapping/>
   </p:clrMapOvr>
-  <mc:AlternateContent xmlns:mc="http://schemas.openxmlformats.org/markup-compatibility/2006">
-    <mc:Choice xmlns:p14="http://schemas.microsoft.com/office/powerpoint/2010/main" xmlns="" Requires="p14">
+  <mc:AlternateContent xmlns:mc="http://schemas.openxmlformats.org/markup-compatibility/2006" xmlns:p14="http://schemas.microsoft.com/office/powerpoint/2010/main">
+    <mc:Choice Requires="p14">
       <p:transition spd="slow" p14:dur="2000"/>
     </mc:Choice>
-    <mc:Fallback>
+    <mc:Fallback xmlns="">
       <p:transition spd="slow"/>
     </mc:Fallback>
   </mc:AlternateContent>
@@ -10496,7 +10511,7 @@
           <a:blip r:embed="rId2" cstate="print">
             <a:extLst>
               <a:ext uri="{28A0092B-C50C-407E-A947-70E740481C1C}">
-                <a14:useLocalDpi xmlns:a14="http://schemas.microsoft.com/office/drawing/2010/main" xmlns="" val="0"/>
+                <a14:useLocalDpi xmlns:a14="http://schemas.microsoft.com/office/drawing/2010/main" val="0"/>
               </a:ext>
             </a:extLst>
           </a:blip>
@@ -10526,7 +10541,7 @@
           </a:ln>
           <a:extLst>
             <a:ext uri="{909E8E84-426E-40DD-AFC4-6F175D3DCCD1}">
-              <a14:hiddenFill xmlns:a14="http://schemas.microsoft.com/office/drawing/2010/main" xmlns="">
+              <a14:hiddenFill xmlns:a14="http://schemas.microsoft.com/office/drawing/2010/main">
                 <a:solidFill>
                   <a:srgbClr val="FFFFFF"/>
                 </a:solidFill>
@@ -10538,7 +10553,7 @@
     </p:spTree>
     <p:extLst>
       <p:ext uri="{BB962C8B-B14F-4D97-AF65-F5344CB8AC3E}">
-        <p14:creationId xmlns:p14="http://schemas.microsoft.com/office/powerpoint/2010/main" xmlns="" val="41943081"/>
+        <p14:creationId xmlns:p14="http://schemas.microsoft.com/office/powerpoint/2010/main" val="41943081"/>
       </p:ext>
     </p:extLst>
   </p:cSld>
@@ -10617,6 +10632,11 @@
           <a:bodyPr/>
           <a:lstStyle/>
           <a:p>
+            <a:pPr>
+              <a:lnSpc>
+                <a:spcPct val="100000"/>
+              </a:lnSpc>
+            </a:pPr>
             <a:r>
               <a:rPr lang="en-US" dirty="0" smtClean="0">
                 <a:solidFill>
@@ -10634,27 +10654,44 @@
             </a:r>
           </a:p>
           <a:p>
+            <a:pPr>
+              <a:lnSpc>
+                <a:spcPct val="100000"/>
+              </a:lnSpc>
+            </a:pPr>
             <a:r>
               <a:rPr lang="en-US" dirty="0" smtClean="0"/>
               <a:t>Users can authenticate (login) in the Web application</a:t>
             </a:r>
           </a:p>
           <a:p>
-            <a:pPr lvl="1"/>
+            <a:pPr lvl="1">
+              <a:lnSpc>
+                <a:spcPct val="100000"/>
+              </a:lnSpc>
+            </a:pPr>
             <a:r>
               <a:rPr lang="en-US" dirty="0" smtClean="0"/>
               <a:t>Once a user is logged-in, a set of roles and permissions are assigned to him</a:t>
             </a:r>
           </a:p>
           <a:p>
-            <a:pPr lvl="1"/>
+            <a:pPr lvl="1">
+              <a:lnSpc>
+                <a:spcPct val="100000"/>
+              </a:lnSpc>
+            </a:pPr>
             <a:r>
               <a:rPr lang="en-US" dirty="0" smtClean="0"/>
               <a:t>Authorization in ASP.NET is				 based on users and roles</a:t>
             </a:r>
           </a:p>
           <a:p>
-            <a:pPr lvl="1"/>
+            <a:pPr lvl="1">
+              <a:lnSpc>
+                <a:spcPct val="100000"/>
+              </a:lnSpc>
+            </a:pPr>
             <a:r>
               <a:rPr lang="en-US" dirty="0" smtClean="0"/>
               <a:t>Authorization rules specify what			 permissions each user / role has</a:t>
@@ -10674,7 +10711,7 @@
           <a:blip r:embed="rId2" cstate="print">
             <a:extLst>
               <a:ext uri="{28A0092B-C50C-407E-A947-70E740481C1C}">
-                <a14:useLocalDpi xmlns:a14="http://schemas.microsoft.com/office/drawing/2010/main" xmlns="" val="0"/>
+                <a14:useLocalDpi xmlns:a14="http://schemas.microsoft.com/office/drawing/2010/main" val="0"/>
               </a:ext>
             </a:extLst>
           </a:blip>
@@ -10700,14 +10737,14 @@
           <a:effectLst/>
           <a:extLst>
             <a:ext uri="{909E8E84-426E-40DD-AFC4-6F175D3DCCD1}">
-              <a14:hiddenFill xmlns:a14="http://schemas.microsoft.com/office/drawing/2010/main" xmlns="">
+              <a14:hiddenFill xmlns:a14="http://schemas.microsoft.com/office/drawing/2010/main">
                 <a:solidFill>
                   <a:schemeClr val="accent1"/>
                 </a:solidFill>
               </a14:hiddenFill>
             </a:ext>
             <a:ext uri="{91240B29-F687-4F45-9708-019B960494DF}">
-              <a14:hiddenLine xmlns:a14="http://schemas.microsoft.com/office/drawing/2010/main" xmlns="" w="9525">
+              <a14:hiddenLine xmlns:a14="http://schemas.microsoft.com/office/drawing/2010/main" w="9525">
                 <a:solidFill>
                   <a:schemeClr val="tx1"/>
                 </a:solidFill>
@@ -10717,7 +10754,7 @@
               </a14:hiddenLine>
             </a:ext>
             <a:ext uri="{AF507438-7753-43E0-B8FC-AC1667EBCBE1}">
-              <a14:hiddenEffects xmlns:a14="http://schemas.microsoft.com/office/drawing/2010/main" xmlns="">
+              <a14:hiddenEffects xmlns:a14="http://schemas.microsoft.com/office/drawing/2010/main">
                 <a:effectLst>
                   <a:outerShdw dist="35921" dir="2700000" algn="ctr" rotWithShape="0">
                     <a:schemeClr val="bg2"/>
@@ -10731,7 +10768,7 @@
     </p:spTree>
     <p:extLst>
       <p:ext uri="{BB962C8B-B14F-4D97-AF65-F5344CB8AC3E}">
-        <p14:creationId xmlns:p14="http://schemas.microsoft.com/office/powerpoint/2010/main" xmlns="" val="3955020800"/>
+        <p14:creationId xmlns:p14="http://schemas.microsoft.com/office/powerpoint/2010/main" val="3955020800"/>
       </p:ext>
     </p:extLst>
   </p:cSld>
@@ -10950,11 +10987,11 @@
   <p:clrMapOvr>
     <a:masterClrMapping/>
   </p:clrMapOvr>
-  <mc:AlternateContent xmlns:mc="http://schemas.openxmlformats.org/markup-compatibility/2006">
-    <mc:Choice xmlns:p14="http://schemas.microsoft.com/office/powerpoint/2010/main" xmlns="" Requires="p14">
+  <mc:AlternateContent xmlns:mc="http://schemas.openxmlformats.org/markup-compatibility/2006" xmlns:p14="http://schemas.microsoft.com/office/powerpoint/2010/main">
+    <mc:Choice Requires="p14">
       <p:transition spd="slow" p14:dur="2000"/>
     </mc:Choice>
-    <mc:Fallback>
+    <mc:Fallback xmlns="">
       <p:transition spd="slow"/>
     </mc:Fallback>
   </mc:AlternateContent>
@@ -11020,7 +11057,7 @@
         </p:nvSpPr>
         <p:spPr>
           <a:xfrm>
-            <a:off x="228600" y="1124744"/>
+            <a:off x="228600" y="1052736"/>
             <a:ext cx="8686800" cy="5580856"/>
           </a:xfrm>
         </p:spPr>
@@ -11139,7 +11176,7 @@
           <a:blip r:embed="rId3" cstate="screen">
             <a:extLst>
               <a:ext uri="{28A0092B-C50C-407E-A947-70E740481C1C}">
-                <a14:useLocalDpi xmlns:a14="http://schemas.microsoft.com/office/drawing/2010/main" xmlns="" val="0"/>
+                <a14:useLocalDpi xmlns:a14="http://schemas.microsoft.com/office/drawing/2010/main" val="0"/>
               </a:ext>
             </a:extLst>
           </a:blip>
@@ -11190,7 +11227,7 @@
             </a:clrChange>
             <a:extLst>
               <a:ext uri="{28A0092B-C50C-407E-A947-70E740481C1C}">
-                <a14:useLocalDpi xmlns:a14="http://schemas.microsoft.com/office/drawing/2010/main" xmlns="" val="0"/>
+                <a14:useLocalDpi xmlns:a14="http://schemas.microsoft.com/office/drawing/2010/main" val="0"/>
               </a:ext>
             </a:extLst>
           </a:blip>
@@ -11218,11 +11255,11 @@
   <p:clrMapOvr>
     <a:masterClrMapping/>
   </p:clrMapOvr>
-  <mc:AlternateContent xmlns:mc="http://schemas.openxmlformats.org/markup-compatibility/2006">
-    <mc:Choice xmlns:p14="http://schemas.microsoft.com/office/powerpoint/2010/main" xmlns="" Requires="p14">
+  <mc:AlternateContent xmlns:mc="http://schemas.openxmlformats.org/markup-compatibility/2006" xmlns:p14="http://schemas.microsoft.com/office/powerpoint/2010/main">
+    <mc:Choice Requires="p14">
       <p:transition spd="slow" p14:dur="2000"/>
     </mc:Choice>
-    <mc:Fallback>
+    <mc:Fallback xmlns="">
       <p:transition spd="slow"/>
     </mc:Fallback>
   </mc:AlternateContent>
@@ -11467,11 +11504,11 @@
   <p:clrMapOvr>
     <a:masterClrMapping/>
   </p:clrMapOvr>
-  <mc:AlternateContent xmlns:mc="http://schemas.openxmlformats.org/markup-compatibility/2006">
-    <mc:Choice xmlns:p14="http://schemas.microsoft.com/office/powerpoint/2010/main" xmlns="" Requires="p14">
+  <mc:AlternateContent xmlns:mc="http://schemas.openxmlformats.org/markup-compatibility/2006" xmlns:p14="http://schemas.microsoft.com/office/powerpoint/2010/main">
+    <mc:Choice Requires="p14">
       <p:transition spd="slow" p14:dur="2000"/>
     </mc:Choice>
-    <mc:Fallback>
+    <mc:Fallback xmlns="">
       <p:transition spd="slow"/>
     </mc:Fallback>
   </mc:AlternateContent>
@@ -11699,11 +11736,11 @@
   <p:clrMapOvr>
     <a:masterClrMapping/>
   </p:clrMapOvr>
-  <mc:AlternateContent xmlns:mc="http://schemas.openxmlformats.org/markup-compatibility/2006">
-    <mc:Choice xmlns:p14="http://schemas.microsoft.com/office/powerpoint/2010/main" xmlns="" Requires="p14">
+  <mc:AlternateContent xmlns:mc="http://schemas.openxmlformats.org/markup-compatibility/2006" xmlns:p14="http://schemas.microsoft.com/office/powerpoint/2010/main">
+    <mc:Choice Requires="p14">
       <p:transition spd="slow" p14:dur="2000"/>
     </mc:Choice>
-    <mc:Fallback>
+    <mc:Fallback xmlns="">
       <p:transition spd="slow"/>
     </mc:Fallback>
   </mc:AlternateContent>
@@ -11782,6 +11819,11 @@
           <a:bodyPr/>
           <a:lstStyle/>
           <a:p>
+            <a:pPr>
+              <a:lnSpc>
+                <a:spcPct val="100000"/>
+              </a:lnSpc>
+            </a:pPr>
             <a:r>
               <a:rPr lang="en-US" sz="3000" dirty="0"/>
               <a:t>Adding membership provider to the </a:t>
@@ -12480,11 +12522,11 @@
   <p:clrMapOvr>
     <a:masterClrMapping/>
   </p:clrMapOvr>
-  <mc:AlternateContent xmlns:mc="http://schemas.openxmlformats.org/markup-compatibility/2006">
-    <mc:Choice xmlns:p14="http://schemas.microsoft.com/office/powerpoint/2010/main" xmlns="" Requires="p14">
+  <mc:AlternateContent xmlns:mc="http://schemas.openxmlformats.org/markup-compatibility/2006" xmlns:p14="http://schemas.microsoft.com/office/powerpoint/2010/main">
+    <mc:Choice Requires="p14">
       <p:transition spd="slow" p14:dur="2000"/>
     </mc:Choice>
-    <mc:Fallback>
+    <mc:Fallback xmlns="">
       <p:transition spd="slow"/>
     </mc:Fallback>
   </mc:AlternateContent>
@@ -12566,6 +12608,11 @@
           <a:bodyPr/>
           <a:lstStyle/>
           <a:p>
+            <a:pPr>
+              <a:lnSpc>
+                <a:spcPct val="100000"/>
+              </a:lnSpc>
+            </a:pPr>
             <a:r>
               <a:rPr lang="en-US" sz="3000" dirty="0"/>
               <a:t>To </a:t>
@@ -12634,8 +12681,8 @@
         </p:nvSpPr>
         <p:spPr bwMode="auto">
           <a:xfrm>
-            <a:off x="395536" y="2060848"/>
-            <a:ext cx="8352928" cy="4409669"/>
+            <a:off x="395536" y="1988840"/>
+            <a:ext cx="8352928" cy="4555093"/>
           </a:xfrm>
           <a:prstGeom prst="rect">
             <a:avLst/>
@@ -12664,7 +12711,7 @@
           <a:p>
             <a:pPr>
               <a:lnSpc>
-                <a:spcPct val="110000"/>
+                <a:spcPct val="100000"/>
               </a:lnSpc>
               <a:spcBef>
                 <a:spcPts val="0"/>
@@ -12680,7 +12727,7 @@
               <a:buNone/>
             </a:pPr>
             <a:r>
-              <a:rPr lang="en-US" sz="1900" noProof="1">
+              <a:rPr lang="en-US" sz="2000" noProof="1">
                 <a:solidFill>
                   <a:srgbClr val="8CF4F2"/>
                 </a:solidFill>
@@ -12690,50 +12737,20 @@
               <a:t>&lt;roleManager enabled="</a:t>
             </a:r>
             <a:r>
-              <a:rPr lang="en-US" sz="1900" noProof="1" smtClean="0">
+              <a:rPr lang="en-US" sz="2000" noProof="1" smtClean="0">
                 <a:solidFill>
                   <a:srgbClr val="8CF4F2"/>
                 </a:solidFill>
                 <a:latin typeface="Consolas" pitchFamily="49" charset="0"/>
                 <a:cs typeface="Consolas" pitchFamily="49" charset="0"/>
               </a:rPr>
-              <a:t>true" defaultProvider</a:t>
-            </a:r>
-            <a:r>
-              <a:rPr lang="en-US" sz="1900" noProof="1">
-                <a:solidFill>
-                  <a:srgbClr val="8CF4F2"/>
-                </a:solidFill>
-                <a:latin typeface="Consolas" pitchFamily="49" charset="0"/>
-                <a:cs typeface="Consolas" pitchFamily="49" charset="0"/>
-              </a:rPr>
-              <a:t>="</a:t>
-            </a:r>
-            <a:r>
-              <a:rPr lang="en-US" sz="1900" noProof="1" smtClean="0">
-                <a:solidFill>
-                  <a:srgbClr val="8CF4F2"/>
-                </a:solidFill>
-                <a:latin typeface="Consolas" pitchFamily="49" charset="0"/>
-                <a:cs typeface="Consolas" pitchFamily="49" charset="0"/>
-              </a:rPr>
-              <a:t>MyRoleProvider</a:t>
-            </a:r>
-            <a:r>
-              <a:rPr lang="en-US" sz="1900" noProof="1">
-                <a:solidFill>
-                  <a:srgbClr val="8CF4F2"/>
-                </a:solidFill>
-                <a:latin typeface="Consolas" pitchFamily="49" charset="0"/>
-                <a:cs typeface="Consolas" pitchFamily="49" charset="0"/>
-              </a:rPr>
-              <a:t>"&gt;</a:t>
+              <a:t>true" </a:t>
             </a:r>
           </a:p>
           <a:p>
             <a:pPr>
               <a:lnSpc>
-                <a:spcPct val="110000"/>
+                <a:spcPct val="100000"/>
               </a:lnSpc>
               <a:spcBef>
                 <a:spcPts val="0"/>
@@ -12749,30 +12766,60 @@
               <a:buNone/>
             </a:pPr>
             <a:r>
-              <a:rPr lang="en-US" sz="1900" noProof="1" smtClean="0">
+              <a:rPr lang="en-US" sz="2000" noProof="1">
                 <a:solidFill>
                   <a:srgbClr val="8CF4F2"/>
                 </a:solidFill>
                 <a:latin typeface="Consolas" pitchFamily="49" charset="0"/>
                 <a:cs typeface="Consolas" pitchFamily="49" charset="0"/>
               </a:rPr>
-              <a:t>  &lt;</a:t>
-            </a:r>
-            <a:r>
-              <a:rPr lang="en-US" sz="1900" noProof="1">
+              <a:t> </a:t>
+            </a:r>
+            <a:r>
+              <a:rPr lang="en-US" sz="2000" noProof="1" smtClean="0">
                 <a:solidFill>
                   <a:srgbClr val="8CF4F2"/>
                 </a:solidFill>
                 <a:latin typeface="Consolas" pitchFamily="49" charset="0"/>
                 <a:cs typeface="Consolas" pitchFamily="49" charset="0"/>
               </a:rPr>
-              <a:t>providers&gt;</a:t>
+              <a:t>DefaultProvider</a:t>
+            </a:r>
+            <a:r>
+              <a:rPr lang="en-US" sz="2000" noProof="1">
+                <a:solidFill>
+                  <a:srgbClr val="8CF4F2"/>
+                </a:solidFill>
+                <a:latin typeface="Consolas" pitchFamily="49" charset="0"/>
+                <a:cs typeface="Consolas" pitchFamily="49" charset="0"/>
+              </a:rPr>
+              <a:t>="</a:t>
+            </a:r>
+            <a:r>
+              <a:rPr lang="en-US" sz="2000" noProof="1" smtClean="0">
+                <a:solidFill>
+                  <a:srgbClr val="8CF4F2"/>
+                </a:solidFill>
+                <a:latin typeface="Consolas" pitchFamily="49" charset="0"/>
+                <a:cs typeface="Consolas" pitchFamily="49" charset="0"/>
+              </a:rPr>
+              <a:t>MyRoleProvider</a:t>
+            </a:r>
+            <a:r>
+              <a:rPr lang="en-US" sz="2000" noProof="1">
+                <a:solidFill>
+                  <a:srgbClr val="8CF4F2"/>
+                </a:solidFill>
+                <a:latin typeface="Consolas" pitchFamily="49" charset="0"/>
+                <a:cs typeface="Consolas" pitchFamily="49" charset="0"/>
+              </a:rPr>
+              <a:t>"&gt;</a:t>
             </a:r>
           </a:p>
           <a:p>
             <a:pPr>
               <a:lnSpc>
-                <a:spcPct val="110000"/>
+                <a:spcPct val="100000"/>
               </a:lnSpc>
               <a:spcBef>
                 <a:spcPts val="0"/>
@@ -12788,37 +12835,30 @@
               <a:buNone/>
             </a:pPr>
             <a:r>
-              <a:rPr lang="en-US" sz="1900" noProof="1" smtClean="0">
+              <a:rPr lang="en-US" sz="2000" noProof="1" smtClean="0">
                 <a:solidFill>
                   <a:srgbClr val="8CF4F2"/>
                 </a:solidFill>
                 <a:latin typeface="Consolas" pitchFamily="49" charset="0"/>
                 <a:cs typeface="Consolas" pitchFamily="49" charset="0"/>
               </a:rPr>
-              <a:t>    &lt;add connectionStringName</a:t>
-            </a:r>
-            <a:r>
-              <a:rPr lang="en-US" sz="1900" noProof="1">
+              <a:t>  &lt;</a:t>
+            </a:r>
+            <a:r>
+              <a:rPr lang="en-US" sz="2000" noProof="1">
                 <a:solidFill>
                   <a:srgbClr val="8CF4F2"/>
                 </a:solidFill>
                 <a:latin typeface="Consolas" pitchFamily="49" charset="0"/>
                 <a:cs typeface="Consolas" pitchFamily="49" charset="0"/>
               </a:rPr>
-              <a:t>="UsersConnectionString"</a:t>
-            </a:r>
-            <a:endParaRPr lang="en-US" sz="1900" noProof="1" smtClean="0">
-              <a:solidFill>
-                <a:srgbClr val="8CF4F2"/>
-              </a:solidFill>
-              <a:latin typeface="Consolas" pitchFamily="49" charset="0"/>
-              <a:cs typeface="Consolas" pitchFamily="49" charset="0"/>
-            </a:endParaRPr>
+              <a:t>providers&gt;</a:t>
+            </a:r>
           </a:p>
           <a:p>
             <a:pPr>
               <a:lnSpc>
-                <a:spcPct val="110000"/>
+                <a:spcPct val="100000"/>
               </a:lnSpc>
               <a:spcBef>
                 <a:spcPts val="0"/>
@@ -12834,36 +12874,26 @@
               <a:buNone/>
             </a:pPr>
             <a:r>
-              <a:rPr lang="en-US" sz="1900" noProof="1" smtClean="0">
+              <a:rPr lang="en-US" sz="2000" noProof="1" smtClean="0">
                 <a:solidFill>
                   <a:srgbClr val="8CF4F2"/>
                 </a:solidFill>
                 <a:latin typeface="Consolas" pitchFamily="49" charset="0"/>
                 <a:cs typeface="Consolas" pitchFamily="49" charset="0"/>
               </a:rPr>
-              <a:t>      name</a:t>
-            </a:r>
-            <a:r>
-              <a:rPr lang="en-US" sz="1900" noProof="1">
+              <a:t>    &lt;add connectionStringName</a:t>
+            </a:r>
+            <a:r>
+              <a:rPr lang="en-US" sz="2000" noProof="1">
                 <a:solidFill>
                   <a:srgbClr val="8CF4F2"/>
                 </a:solidFill>
                 <a:latin typeface="Consolas" pitchFamily="49" charset="0"/>
                 <a:cs typeface="Consolas" pitchFamily="49" charset="0"/>
               </a:rPr>
-              <a:t>="</a:t>
-            </a:r>
-            <a:r>
-              <a:rPr lang="en-US" sz="1900" noProof="1" smtClean="0">
-                <a:solidFill>
-                  <a:srgbClr val="8CF4F2"/>
-                </a:solidFill>
-                <a:latin typeface="Consolas" pitchFamily="49" charset="0"/>
-                <a:cs typeface="Consolas" pitchFamily="49" charset="0"/>
-              </a:rPr>
-              <a:t>MyRoleProvider"</a:t>
-            </a:r>
-            <a:endParaRPr lang="en-US" sz="1900" noProof="1">
+              <a:t>="UsersConnectionString"</a:t>
+            </a:r>
+            <a:endParaRPr lang="en-US" sz="2000" noProof="1" smtClean="0">
               <a:solidFill>
                 <a:srgbClr val="8CF4F2"/>
               </a:solidFill>
@@ -12874,7 +12904,7 @@
           <a:p>
             <a:pPr>
               <a:lnSpc>
-                <a:spcPct val="110000"/>
+                <a:spcPct val="100000"/>
               </a:lnSpc>
               <a:spcBef>
                 <a:spcPts val="0"/>
@@ -12890,30 +12920,57 @@
               <a:buNone/>
             </a:pPr>
             <a:r>
-              <a:rPr lang="en-US" sz="1900" noProof="1" smtClean="0">
+              <a:rPr lang="en-US" sz="2000" noProof="1" smtClean="0">
                 <a:solidFill>
                   <a:srgbClr val="8CF4F2"/>
                 </a:solidFill>
                 <a:latin typeface="Consolas" pitchFamily="49" charset="0"/>
                 <a:cs typeface="Consolas" pitchFamily="49" charset="0"/>
               </a:rPr>
-              <a:t>      type</a:t>
-            </a:r>
-            <a:r>
-              <a:rPr lang="en-US" sz="1900" noProof="1">
+              <a:t>     </a:t>
+            </a:r>
+            <a:r>
+              <a:rPr lang="en-US" sz="2000" noProof="1" smtClean="0">
                 <a:solidFill>
                   <a:srgbClr val="8CF4F2"/>
                 </a:solidFill>
                 <a:latin typeface="Consolas" pitchFamily="49" charset="0"/>
                 <a:cs typeface="Consolas" pitchFamily="49" charset="0"/>
               </a:rPr>
-              <a:t>="System.Web.Security.SqlRoleProvider" /&gt;</a:t>
-            </a:r>
+              <a:t>name</a:t>
+            </a:r>
+            <a:r>
+              <a:rPr lang="en-US" sz="2000" noProof="1">
+                <a:solidFill>
+                  <a:srgbClr val="8CF4F2"/>
+                </a:solidFill>
+                <a:latin typeface="Consolas" pitchFamily="49" charset="0"/>
+                <a:cs typeface="Consolas" pitchFamily="49" charset="0"/>
+              </a:rPr>
+              <a:t>="</a:t>
+            </a:r>
+            <a:r>
+              <a:rPr lang="en-US" sz="2000" noProof="1" smtClean="0">
+                <a:solidFill>
+                  <a:srgbClr val="8CF4F2"/>
+                </a:solidFill>
+                <a:latin typeface="Consolas" pitchFamily="49" charset="0"/>
+                <a:cs typeface="Consolas" pitchFamily="49" charset="0"/>
+              </a:rPr>
+              <a:t>MyRoleProvider"</a:t>
+            </a:r>
+            <a:endParaRPr lang="en-US" sz="2000" noProof="1">
+              <a:solidFill>
+                <a:srgbClr val="8CF4F2"/>
+              </a:solidFill>
+              <a:latin typeface="Consolas" pitchFamily="49" charset="0"/>
+              <a:cs typeface="Consolas" pitchFamily="49" charset="0"/>
+            </a:endParaRPr>
           </a:p>
           <a:p>
             <a:pPr>
               <a:lnSpc>
-                <a:spcPct val="110000"/>
+                <a:spcPct val="100000"/>
               </a:lnSpc>
               <a:spcBef>
                 <a:spcPts val="0"/>
@@ -12929,40 +12986,40 @@
               <a:buNone/>
             </a:pPr>
             <a:r>
-              <a:rPr lang="en-US" sz="1900" noProof="1">
+              <a:rPr lang="en-US" sz="2000" noProof="1" smtClean="0">
                 <a:solidFill>
                   <a:srgbClr val="8CF4F2"/>
                 </a:solidFill>
                 <a:latin typeface="Consolas" pitchFamily="49" charset="0"/>
                 <a:cs typeface="Consolas" pitchFamily="49" charset="0"/>
               </a:rPr>
-              <a:t>  </a:t>
-            </a:r>
-            <a:r>
-              <a:rPr lang="en-US" sz="1900" noProof="1" smtClean="0">
+              <a:t>     </a:t>
+            </a:r>
+            <a:r>
+              <a:rPr lang="en-US" sz="2000" noProof="1" smtClean="0">
                 <a:solidFill>
                   <a:srgbClr val="8CF4F2"/>
                 </a:solidFill>
                 <a:latin typeface="Consolas" pitchFamily="49" charset="0"/>
                 <a:cs typeface="Consolas" pitchFamily="49" charset="0"/>
               </a:rPr>
-              <a:t>&lt;/</a:t>
-            </a:r>
-            <a:r>
-              <a:rPr lang="en-US" sz="1900" noProof="1">
+              <a:t>type</a:t>
+            </a:r>
+            <a:r>
+              <a:rPr lang="en-US" sz="2000" noProof="1">
                 <a:solidFill>
                   <a:srgbClr val="8CF4F2"/>
                 </a:solidFill>
                 <a:latin typeface="Consolas" pitchFamily="49" charset="0"/>
                 <a:cs typeface="Consolas" pitchFamily="49" charset="0"/>
               </a:rPr>
-              <a:t>providers&gt;</a:t>
+              <a:t>="System.Web.Security.SqlRoleProvider" /&gt;</a:t>
             </a:r>
           </a:p>
           <a:p>
             <a:pPr>
               <a:lnSpc>
-                <a:spcPct val="110000"/>
+                <a:spcPct val="100000"/>
               </a:lnSpc>
               <a:spcBef>
                 <a:spcPts val="0"/>
@@ -12978,26 +13035,75 @@
               <a:buNone/>
             </a:pPr>
             <a:r>
-              <a:rPr lang="en-US" sz="1900" noProof="1">
+              <a:rPr lang="en-US" sz="2000" noProof="1">
                 <a:solidFill>
                   <a:srgbClr val="8CF4F2"/>
                 </a:solidFill>
                 <a:latin typeface="Consolas" pitchFamily="49" charset="0"/>
                 <a:cs typeface="Consolas" pitchFamily="49" charset="0"/>
               </a:rPr>
-              <a:t>&lt;/roleManager</a:t>
-            </a:r>
-            <a:r>
-              <a:rPr lang="en-US" sz="1900" noProof="1" smtClean="0">
+              <a:t>  </a:t>
+            </a:r>
+            <a:r>
+              <a:rPr lang="en-US" sz="2000" noProof="1" smtClean="0">
                 <a:solidFill>
                   <a:srgbClr val="8CF4F2"/>
                 </a:solidFill>
                 <a:latin typeface="Consolas" pitchFamily="49" charset="0"/>
                 <a:cs typeface="Consolas" pitchFamily="49" charset="0"/>
               </a:rPr>
+              <a:t>&lt;/</a:t>
+            </a:r>
+            <a:r>
+              <a:rPr lang="en-US" sz="2000" noProof="1">
+                <a:solidFill>
+                  <a:srgbClr val="8CF4F2"/>
+                </a:solidFill>
+                <a:latin typeface="Consolas" pitchFamily="49" charset="0"/>
+                <a:cs typeface="Consolas" pitchFamily="49" charset="0"/>
+              </a:rPr>
+              <a:t>providers&gt;</a:t>
+            </a:r>
+          </a:p>
+          <a:p>
+            <a:pPr>
+              <a:lnSpc>
+                <a:spcPct val="100000"/>
+              </a:lnSpc>
+              <a:spcBef>
+                <a:spcPts val="0"/>
+              </a:spcBef>
+              <a:buClr>
+                <a:schemeClr val="accent5">
+                  <a:lumMod val="40000"/>
+                  <a:lumOff val="60000"/>
+                </a:schemeClr>
+              </a:buClr>
+              <a:buSzPct val="70000"/>
+              <a:buFont typeface="Wingdings 2" pitchFamily="18" charset="2"/>
+              <a:buNone/>
+            </a:pPr>
+            <a:r>
+              <a:rPr lang="en-US" sz="2000" noProof="1">
+                <a:solidFill>
+                  <a:srgbClr val="8CF4F2"/>
+                </a:solidFill>
+                <a:latin typeface="Consolas" pitchFamily="49" charset="0"/>
+                <a:cs typeface="Consolas" pitchFamily="49" charset="0"/>
+              </a:rPr>
+              <a:t>&lt;/roleManager</a:t>
+            </a:r>
+            <a:r>
+              <a:rPr lang="en-US" sz="2000" noProof="1" smtClean="0">
+                <a:solidFill>
+                  <a:srgbClr val="8CF4F2"/>
+                </a:solidFill>
+                <a:latin typeface="Consolas" pitchFamily="49" charset="0"/>
+                <a:cs typeface="Consolas" pitchFamily="49" charset="0"/>
+              </a:rPr>
               <a:t>&gt;</a:t>
             </a:r>
-            <a:endParaRPr lang="en-US" sz="1900" noProof="1">
+            <a:endParaRPr lang="en-US" sz="2000" noProof="1">
               <a:solidFill>
                 <a:srgbClr val="8CF4F2"/>
               </a:solidFill>
@@ -13008,7 +13114,7 @@
           <a:p>
             <a:pPr>
               <a:lnSpc>
-                <a:spcPct val="110000"/>
+                <a:spcPct val="100000"/>
               </a:lnSpc>
               <a:spcBef>
                 <a:spcPts val="1200"/>
@@ -13024,7 +13130,7 @@
               <a:buNone/>
             </a:pPr>
             <a:r>
-              <a:rPr lang="en-US" sz="1900" noProof="1" smtClean="0">
+              <a:rPr lang="en-US" sz="2000" noProof="1" smtClean="0">
                 <a:solidFill>
                   <a:srgbClr val="8CF4F2"/>
                 </a:solidFill>
@@ -13034,7 +13140,7 @@
               <a:t>&lt;</a:t>
             </a:r>
             <a:r>
-              <a:rPr lang="en-US" sz="1900" noProof="1">
+              <a:rPr lang="en-US" sz="2000" noProof="1">
                 <a:solidFill>
                   <a:srgbClr val="8CF4F2"/>
                 </a:solidFill>
@@ -13047,7 +13153,7 @@
           <a:p>
             <a:pPr>
               <a:lnSpc>
-                <a:spcPct val="110000"/>
+                <a:spcPct val="100000"/>
               </a:lnSpc>
               <a:spcBef>
                 <a:spcPts val="0"/>
@@ -13063,7 +13169,7 @@
               <a:buNone/>
             </a:pPr>
             <a:r>
-              <a:rPr lang="en-US" sz="1900" noProof="1" smtClean="0">
+              <a:rPr lang="en-US" sz="2000" noProof="1" smtClean="0">
                 <a:solidFill>
                   <a:srgbClr val="8CF4F2"/>
                 </a:solidFill>
@@ -13073,7 +13179,7 @@
               <a:t>  &lt;</a:t>
             </a:r>
             <a:r>
-              <a:rPr lang="en-US" sz="1900" noProof="1">
+              <a:rPr lang="en-US" sz="2000" noProof="1">
                 <a:solidFill>
                   <a:srgbClr val="8CF4F2"/>
                 </a:solidFill>
@@ -13083,7 +13189,7 @@
               <a:t>add name="UsersConnectionString</a:t>
             </a:r>
             <a:r>
-              <a:rPr lang="en-US" sz="1900" noProof="1" smtClean="0">
+              <a:rPr lang="en-US" sz="2000" noProof="1" smtClean="0">
                 <a:solidFill>
                   <a:srgbClr val="8CF4F2"/>
                 </a:solidFill>
@@ -13096,7 +13202,7 @@
           <a:p>
             <a:pPr>
               <a:lnSpc>
-                <a:spcPct val="110000"/>
+                <a:spcPct val="100000"/>
               </a:lnSpc>
               <a:spcBef>
                 <a:spcPts val="0"/>
@@ -13112,7 +13218,7 @@
               <a:buNone/>
             </a:pPr>
             <a:r>
-              <a:rPr lang="en-US" sz="1900" noProof="1" smtClean="0">
+              <a:rPr lang="en-US" sz="2000" noProof="1" smtClean="0">
                 <a:solidFill>
                   <a:srgbClr val="8CF4F2"/>
                 </a:solidFill>
@@ -13122,7 +13228,7 @@
               <a:t>    connectionString</a:t>
             </a:r>
             <a:r>
-              <a:rPr lang="en-US" sz="1900" noProof="1">
+              <a:rPr lang="en-US" sz="2000" noProof="1">
                 <a:solidFill>
                   <a:srgbClr val="8CF4F2"/>
                 </a:solidFill>
@@ -13132,7 +13238,7 @@
               <a:t>="Data Source=.\</a:t>
             </a:r>
             <a:r>
-              <a:rPr lang="en-US" sz="1900" noProof="1" smtClean="0">
+              <a:rPr lang="en-US" sz="2000" noProof="1" smtClean="0">
                 <a:solidFill>
                   <a:srgbClr val="8CF4F2"/>
                 </a:solidFill>
@@ -13145,7 +13251,7 @@
           <a:p>
             <a:pPr>
               <a:lnSpc>
-                <a:spcPct val="110000"/>
+                <a:spcPct val="100000"/>
               </a:lnSpc>
               <a:spcBef>
                 <a:spcPts val="0"/>
@@ -13161,7 +13267,7 @@
               <a:buNone/>
             </a:pPr>
             <a:r>
-              <a:rPr lang="en-US" sz="1900" noProof="1">
+              <a:rPr lang="en-US" sz="2000" noProof="1">
                 <a:solidFill>
                   <a:srgbClr val="8CF4F2"/>
                 </a:solidFill>
@@ -13171,7 +13277,7 @@
               <a:t> </a:t>
             </a:r>
             <a:r>
-              <a:rPr lang="en-US" sz="1900" noProof="1" smtClean="0">
+              <a:rPr lang="en-US" sz="2000" noProof="1" smtClean="0">
                 <a:solidFill>
                   <a:srgbClr val="8CF4F2"/>
                 </a:solidFill>
@@ -13181,7 +13287,7 @@
               <a:t>     Catalog=Users;Integrated </a:t>
             </a:r>
             <a:r>
-              <a:rPr lang="en-US" sz="1900" noProof="1">
+              <a:rPr lang="en-US" sz="2000" noProof="1">
                 <a:solidFill>
                   <a:srgbClr val="8CF4F2"/>
                 </a:solidFill>
@@ -13194,7 +13300,7 @@
           <a:p>
             <a:pPr>
               <a:lnSpc>
-                <a:spcPct val="110000"/>
+                <a:spcPct val="100000"/>
               </a:lnSpc>
               <a:spcBef>
                 <a:spcPts val="0"/>
@@ -13210,7 +13316,7 @@
               <a:buNone/>
             </a:pPr>
             <a:r>
-              <a:rPr lang="en-US" sz="1900" noProof="1" smtClean="0">
+              <a:rPr lang="en-US" sz="2000" noProof="1" smtClean="0">
                 <a:solidFill>
                   <a:srgbClr val="8CF4F2"/>
                 </a:solidFill>
@@ -13220,7 +13326,7 @@
               <a:t>    </a:t>
             </a:r>
             <a:r>
-              <a:rPr lang="en-US" sz="1900" noProof="1">
+              <a:rPr lang="en-US" sz="2000" noProof="1">
                 <a:solidFill>
                   <a:srgbClr val="8CF4F2"/>
                 </a:solidFill>
@@ -13233,7 +13339,7 @@
           <a:p>
             <a:pPr>
               <a:lnSpc>
-                <a:spcPct val="110000"/>
+                <a:spcPct val="100000"/>
               </a:lnSpc>
               <a:spcBef>
                 <a:spcPts val="0"/>
@@ -13249,7 +13355,7 @@
               <a:buNone/>
             </a:pPr>
             <a:r>
-              <a:rPr lang="en-US" sz="1900" noProof="1" smtClean="0">
+              <a:rPr lang="en-US" sz="2000" noProof="1" smtClean="0">
                 <a:solidFill>
                   <a:srgbClr val="8CF4F2"/>
                 </a:solidFill>
@@ -13259,7 +13365,7 @@
               <a:t>&lt;/</a:t>
             </a:r>
             <a:r>
-              <a:rPr lang="en-US" sz="1900" noProof="1">
+              <a:rPr lang="en-US" sz="2000" noProof="1">
                 <a:solidFill>
                   <a:srgbClr val="8CF4F2"/>
                 </a:solidFill>
@@ -13276,11 +13382,11 @@
   <p:clrMapOvr>
     <a:masterClrMapping/>
   </p:clrMapOvr>
-  <mc:AlternateContent xmlns:mc="http://schemas.openxmlformats.org/markup-compatibility/2006">
-    <mc:Choice xmlns:p14="http://schemas.microsoft.com/office/powerpoint/2010/main" xmlns="" Requires="p14">
+  <mc:AlternateContent xmlns:mc="http://schemas.openxmlformats.org/markup-compatibility/2006" xmlns:p14="http://schemas.microsoft.com/office/powerpoint/2010/main">
+    <mc:Choice Requires="p14">
       <p:transition spd="slow" p14:dur="2000"/>
     </mc:Choice>
-    <mc:Fallback>
+    <mc:Fallback xmlns="">
       <p:transition spd="slow"/>
     </mc:Fallback>
   </mc:AlternateContent>
@@ -13367,6 +13473,11 @@
           <a:bodyPr/>
           <a:lstStyle/>
           <a:p>
+            <a:pPr>
+              <a:lnSpc>
+                <a:spcPct val="100000"/>
+              </a:lnSpc>
+            </a:pPr>
             <a:r>
               <a:rPr lang="en-US" sz="3000" dirty="0" smtClean="0"/>
               <a:t>The built-in classes </a:t>
@@ -13415,7 +13526,11 @@
             </a:r>
           </a:p>
           <a:p>
-            <a:pPr lvl="1"/>
+            <a:pPr lvl="1">
+              <a:lnSpc>
+                <a:spcPct val="100000"/>
+              </a:lnSpc>
+            </a:pPr>
             <a:r>
               <a:rPr lang="en-US" sz="2800" dirty="0" smtClean="0"/>
               <a:t>Can be created by the ASP.NET </a:t>
@@ -13448,7 +13563,11 @@
             <a:endParaRPr lang="en-US" sz="2800" dirty="0"/>
           </a:p>
           <a:p>
-            <a:pPr lvl="1"/>
+            <a:pPr lvl="1">
+              <a:lnSpc>
+                <a:spcPct val="100000"/>
+              </a:lnSpc>
+            </a:pPr>
             <a:r>
               <a:rPr lang="en-US" sz="2800" dirty="0"/>
               <a:t>The </a:t>
@@ -13504,7 +13623,7 @@
         </p:nvSpPr>
         <p:spPr bwMode="auto">
           <a:xfrm>
-            <a:off x="683568" y="5647654"/>
+            <a:off x="683568" y="5517232"/>
             <a:ext cx="7775846" cy="769441"/>
           </a:xfrm>
           <a:prstGeom prst="rect">
@@ -13584,11 +13703,11 @@
   <p:clrMapOvr>
     <a:masterClrMapping/>
   </p:clrMapOvr>
-  <mc:AlternateContent xmlns:mc="http://schemas.openxmlformats.org/markup-compatibility/2006">
-    <mc:Choice xmlns:p14="http://schemas.microsoft.com/office/powerpoint/2010/main" xmlns="" Requires="p14">
+  <mc:AlternateContent xmlns:mc="http://schemas.openxmlformats.org/markup-compatibility/2006" xmlns:p14="http://schemas.microsoft.com/office/powerpoint/2010/main">
+    <mc:Choice Requires="p14">
       <p:transition spd="slow" p14:dur="2000"/>
     </mc:Choice>
-    <mc:Fallback>
+    <mc:Fallback xmlns="">
       <p:transition spd="slow"/>
     </mc:Fallback>
   </mc:AlternateContent>
@@ -13659,7 +13778,7 @@
           <a:blip r:embed="rId2" cstate="print">
             <a:extLst>
               <a:ext uri="{28A0092B-C50C-407E-A947-70E740481C1C}">
-                <a14:useLocalDpi xmlns:a14="http://schemas.microsoft.com/office/drawing/2010/main" xmlns="" val="0"/>
+                <a14:useLocalDpi xmlns:a14="http://schemas.microsoft.com/office/drawing/2010/main" val="0"/>
               </a:ext>
             </a:extLst>
           </a:blip>
@@ -13688,7 +13807,7 @@
     </p:spTree>
     <p:extLst>
       <p:ext uri="{BB962C8B-B14F-4D97-AF65-F5344CB8AC3E}">
-        <p14:creationId xmlns:p14="http://schemas.microsoft.com/office/powerpoint/2010/main" xmlns="" val="974920311"/>
+        <p14:creationId xmlns:p14="http://schemas.microsoft.com/office/powerpoint/2010/main" val="974920311"/>
       </p:ext>
     </p:extLst>
   </p:cSld>
@@ -13798,7 +13917,7 @@
           <a:blip r:embed="rId2" cstate="print">
             <a:extLst>
               <a:ext uri="{28A0092B-C50C-407E-A947-70E740481C1C}">
-                <a14:useLocalDpi xmlns:a14="http://schemas.microsoft.com/office/drawing/2010/main" xmlns="" val="0"/>
+                <a14:useLocalDpi xmlns:a14="http://schemas.microsoft.com/office/drawing/2010/main" val="0"/>
               </a:ext>
             </a:extLst>
           </a:blip>
@@ -13822,14 +13941,14 @@
           <a:effectLst/>
           <a:extLst>
             <a:ext uri="{909E8E84-426E-40DD-AFC4-6F175D3DCCD1}">
-              <a14:hiddenFill xmlns:a14="http://schemas.microsoft.com/office/drawing/2010/main" xmlns="">
+              <a14:hiddenFill xmlns:a14="http://schemas.microsoft.com/office/drawing/2010/main">
                 <a:solidFill>
                   <a:schemeClr val="accent1"/>
                 </a:solidFill>
               </a14:hiddenFill>
             </a:ext>
             <a:ext uri="{91240B29-F687-4F45-9708-019B960494DF}">
-              <a14:hiddenLine xmlns:a14="http://schemas.microsoft.com/office/drawing/2010/main" xmlns="" w="9525">
+              <a14:hiddenLine xmlns:a14="http://schemas.microsoft.com/office/drawing/2010/main" w="9525">
                 <a:solidFill>
                   <a:schemeClr val="tx1"/>
                 </a:solidFill>
@@ -13839,7 +13958,7 @@
               </a14:hiddenLine>
             </a:ext>
             <a:ext uri="{AF507438-7753-43E0-B8FC-AC1667EBCBE1}">
-              <a14:hiddenEffects xmlns:a14="http://schemas.microsoft.com/office/drawing/2010/main" xmlns="">
+              <a14:hiddenEffects xmlns:a14="http://schemas.microsoft.com/office/drawing/2010/main">
                 <a:effectLst>
                   <a:outerShdw dist="35921" dir="2700000" algn="ctr" rotWithShape="0">
                     <a:schemeClr val="bg2"/>
@@ -13855,11 +13974,11 @@
   <p:clrMapOvr>
     <a:masterClrMapping/>
   </p:clrMapOvr>
-  <mc:AlternateContent xmlns:mc="http://schemas.openxmlformats.org/markup-compatibility/2006">
-    <mc:Choice xmlns:p14="http://schemas.microsoft.com/office/powerpoint/2010/main" xmlns="" Requires="p14">
+  <mc:AlternateContent xmlns:mc="http://schemas.openxmlformats.org/markup-compatibility/2006" xmlns:p14="http://schemas.microsoft.com/office/powerpoint/2010/main">
+    <mc:Choice Requires="p14">
       <p:transition spd="slow" p14:dur="2000"/>
     </mc:Choice>
-    <mc:Fallback>
+    <mc:Fallback xmlns="">
       <p:transition spd="slow"/>
     </mc:Fallback>
   </mc:AlternateContent>
@@ -13928,21 +14047,46 @@
           <a:bodyPr/>
           <a:lstStyle/>
           <a:p>
+            <a:pPr>
+              <a:lnSpc>
+                <a:spcPct val="100000"/>
+              </a:lnSpc>
+            </a:pPr>
             <a:r>
               <a:rPr lang="en-US" dirty="0" smtClean="0"/>
               <a:t>Implementing login:</a:t>
             </a:r>
           </a:p>
           <a:p>
+            <a:pPr>
+              <a:lnSpc>
+                <a:spcPct val="100000"/>
+              </a:lnSpc>
+            </a:pPr>
             <a:endParaRPr lang="en-US" dirty="0"/>
           </a:p>
           <a:p>
+            <a:pPr>
+              <a:lnSpc>
+                <a:spcPct val="100000"/>
+              </a:lnSpc>
+            </a:pPr>
             <a:endParaRPr lang="en-US" dirty="0" smtClean="0"/>
           </a:p>
           <a:p>
+            <a:pPr>
+              <a:lnSpc>
+                <a:spcPct val="100000"/>
+              </a:lnSpc>
+            </a:pPr>
             <a:endParaRPr lang="en-US" dirty="0"/>
           </a:p>
           <a:p>
+            <a:pPr>
+              <a:lnSpc>
+                <a:spcPct val="100000"/>
+              </a:lnSpc>
+            </a:pPr>
             <a:r>
               <a:rPr lang="en-US" dirty="0"/>
               <a:t>Implementing </a:t>
@@ -13953,9 +14097,19 @@
             </a:r>
           </a:p>
           <a:p>
+            <a:pPr>
+              <a:lnSpc>
+                <a:spcPct val="100000"/>
+              </a:lnSpc>
+            </a:pPr>
             <a:endParaRPr lang="en-US" dirty="0"/>
           </a:p>
           <a:p>
+            <a:pPr>
+              <a:lnSpc>
+                <a:spcPct val="100000"/>
+              </a:lnSpc>
+            </a:pPr>
             <a:r>
               <a:rPr lang="en-US" dirty="0" smtClean="0"/>
               <a:t>Creating new user:</a:t>
@@ -13963,6 +14117,11 @@
             <a:endParaRPr lang="en-US" dirty="0"/>
           </a:p>
           <a:p>
+            <a:pPr>
+              <a:lnSpc>
+                <a:spcPct val="100000"/>
+              </a:lnSpc>
+            </a:pPr>
             <a:endParaRPr lang="en-US" dirty="0"/>
           </a:p>
         </p:txBody>
@@ -14141,7 +14300,7 @@
                 <a:latin typeface="Consolas" pitchFamily="49" charset="0"/>
                 <a:cs typeface="Consolas" pitchFamily="49" charset="0"/>
               </a:rPr>
-              <a:t>    username, </a:t>
+              <a:t>   </a:t>
             </a:r>
             <a:r>
               <a:rPr lang="en-US" sz="2000" noProof="1" smtClean="0">
@@ -14151,7 +14310,17 @@
                 <a:latin typeface="Consolas" pitchFamily="49" charset="0"/>
                 <a:cs typeface="Consolas" pitchFamily="49" charset="0"/>
               </a:rPr>
-              <a:t>false);</a:t>
+              <a:t>username</a:t>
+            </a:r>
+            <a:r>
+              <a:rPr lang="en-US" sz="2000" noProof="1" smtClean="0">
+                <a:solidFill>
+                  <a:srgbClr val="8CF4F2"/>
+                </a:solidFill>
+                <a:latin typeface="Consolas" pitchFamily="49" charset="0"/>
+                <a:cs typeface="Consolas" pitchFamily="49" charset="0"/>
+              </a:rPr>
+              <a:t>, false);</a:t>
             </a:r>
             <a:endParaRPr lang="en-US" sz="2000" noProof="1">
               <a:solidFill>
@@ -14345,7 +14514,7 @@
     </p:spTree>
     <p:extLst>
       <p:ext uri="{BB962C8B-B14F-4D97-AF65-F5344CB8AC3E}">
-        <p14:creationId xmlns:p14="http://schemas.microsoft.com/office/powerpoint/2010/main" xmlns="" val="134884010"/>
+        <p14:creationId xmlns:p14="http://schemas.microsoft.com/office/powerpoint/2010/main" val="134884010"/>
       </p:ext>
     </p:extLst>
   </p:cSld>
@@ -14421,33 +14590,68 @@
           <a:bodyPr/>
           <a:lstStyle/>
           <a:p>
+            <a:pPr>
+              <a:lnSpc>
+                <a:spcPct val="100000"/>
+              </a:lnSpc>
+            </a:pPr>
             <a:r>
               <a:rPr lang="en-US" dirty="0" smtClean="0"/>
               <a:t>Getting the currently logged user:</a:t>
             </a:r>
           </a:p>
           <a:p>
+            <a:pPr>
+              <a:lnSpc>
+                <a:spcPct val="100000"/>
+              </a:lnSpc>
+            </a:pPr>
             <a:endParaRPr lang="en-US" dirty="0"/>
           </a:p>
           <a:p>
+            <a:pPr>
+              <a:lnSpc>
+                <a:spcPct val="100000"/>
+              </a:lnSpc>
+            </a:pPr>
             <a:r>
               <a:rPr lang="en-US" dirty="0" smtClean="0"/>
               <a:t>Creating new role:</a:t>
             </a:r>
           </a:p>
           <a:p>
+            <a:pPr>
+              <a:lnSpc>
+                <a:spcPct val="100000"/>
+              </a:lnSpc>
+            </a:pPr>
             <a:endParaRPr lang="en-US" dirty="0"/>
           </a:p>
           <a:p>
+            <a:pPr>
+              <a:lnSpc>
+                <a:spcPct val="100000"/>
+              </a:lnSpc>
+            </a:pPr>
             <a:r>
               <a:rPr lang="en-US" dirty="0" smtClean="0"/>
               <a:t>Adding user to existing role:</a:t>
             </a:r>
           </a:p>
           <a:p>
+            <a:pPr>
+              <a:lnSpc>
+                <a:spcPct val="100000"/>
+              </a:lnSpc>
+            </a:pPr>
             <a:endParaRPr lang="en-US" dirty="0"/>
           </a:p>
           <a:p>
+            <a:pPr>
+              <a:lnSpc>
+                <a:spcPct val="100000"/>
+              </a:lnSpc>
+            </a:pPr>
             <a:r>
               <a:rPr lang="en-US" dirty="0" smtClean="0"/>
               <a:t>Deleting user / role:</a:t>
@@ -14455,6 +14659,11 @@
             <a:endParaRPr lang="en-US" dirty="0"/>
           </a:p>
           <a:p>
+            <a:pPr>
+              <a:lnSpc>
+                <a:spcPct val="100000"/>
+              </a:lnSpc>
+            </a:pPr>
             <a:endParaRPr lang="en-US" dirty="0"/>
           </a:p>
         </p:txBody>
@@ -14783,7 +14992,7 @@
     </p:spTree>
     <p:extLst>
       <p:ext uri="{BB962C8B-B14F-4D97-AF65-F5344CB8AC3E}">
-        <p14:creationId xmlns:p14="http://schemas.microsoft.com/office/powerpoint/2010/main" xmlns="" val="503393213"/>
+        <p14:creationId xmlns:p14="http://schemas.microsoft.com/office/powerpoint/2010/main" val="503393213"/>
       </p:ext>
     </p:extLst>
   </p:cSld>
@@ -14889,7 +15098,7 @@
           <a:blip r:embed="rId2" cstate="print">
             <a:extLst>
               <a:ext uri="{28A0092B-C50C-407E-A947-70E740481C1C}">
-                <a14:useLocalDpi xmlns:a14="http://schemas.microsoft.com/office/drawing/2010/main" xmlns="" val="0"/>
+                <a14:useLocalDpi xmlns:a14="http://schemas.microsoft.com/office/drawing/2010/main" val="0"/>
               </a:ext>
             </a:extLst>
           </a:blip>
@@ -14915,14 +15124,14 @@
           <a:effectLst/>
           <a:extLst>
             <a:ext uri="{909E8E84-426E-40DD-AFC4-6F175D3DCCD1}">
-              <a14:hiddenFill xmlns:a14="http://schemas.microsoft.com/office/drawing/2010/main" xmlns="">
+              <a14:hiddenFill xmlns:a14="http://schemas.microsoft.com/office/drawing/2010/main">
                 <a:solidFill>
                   <a:schemeClr val="accent1"/>
                 </a:solidFill>
               </a14:hiddenFill>
             </a:ext>
             <a:ext uri="{91240B29-F687-4F45-9708-019B960494DF}">
-              <a14:hiddenLine xmlns:a14="http://schemas.microsoft.com/office/drawing/2010/main" xmlns="" w="9525">
+              <a14:hiddenLine xmlns:a14="http://schemas.microsoft.com/office/drawing/2010/main" w="9525">
                 <a:solidFill>
                   <a:schemeClr val="tx1"/>
                 </a:solidFill>
@@ -14932,7 +15141,7 @@
               </a14:hiddenLine>
             </a:ext>
             <a:ext uri="{AF507438-7753-43E0-B8FC-AC1667EBCBE1}">
-              <a14:hiddenEffects xmlns:a14="http://schemas.microsoft.com/office/drawing/2010/main" xmlns="">
+              <a14:hiddenEffects xmlns:a14="http://schemas.microsoft.com/office/drawing/2010/main">
                 <a:effectLst>
                   <a:outerShdw dist="35921" dir="2700000" algn="ctr" rotWithShape="0">
                     <a:schemeClr val="bg2"/>
@@ -14946,7 +15155,7 @@
     </p:spTree>
     <p:extLst>
       <p:ext uri="{BB962C8B-B14F-4D97-AF65-F5344CB8AC3E}">
-        <p14:creationId xmlns:p14="http://schemas.microsoft.com/office/powerpoint/2010/main" xmlns="" val="2651351571"/>
+        <p14:creationId xmlns:p14="http://schemas.microsoft.com/office/powerpoint/2010/main" val="2651351571"/>
       </p:ext>
     </p:extLst>
   </p:cSld>
@@ -15108,11 +15317,11 @@
   <p:clrMapOvr>
     <a:masterClrMapping/>
   </p:clrMapOvr>
-  <mc:AlternateContent xmlns:mc="http://schemas.openxmlformats.org/markup-compatibility/2006">
-    <mc:Choice xmlns:p14="http://schemas.microsoft.com/office/powerpoint/2010/main" xmlns="" Requires="p14">
+  <mc:AlternateContent xmlns:mc="http://schemas.openxmlformats.org/markup-compatibility/2006" xmlns:p14="http://schemas.microsoft.com/office/powerpoint/2010/main">
+    <mc:Choice Requires="p14">
       <p:transition spd="slow" p14:dur="2000"/>
     </mc:Choice>
-    <mc:Fallback>
+    <mc:Fallback xmlns="">
       <p:transition spd="slow"/>
     </mc:Fallback>
   </mc:AlternateContent>
@@ -15182,38 +15391,63 @@
         </p:nvSpPr>
         <p:spPr>
           <a:xfrm>
-            <a:off x="228600" y="1268760"/>
-            <a:ext cx="8686800" cy="5436840"/>
+            <a:off x="228600" y="1376536"/>
+            <a:ext cx="8686800" cy="5148808"/>
           </a:xfrm>
         </p:spPr>
         <p:txBody>
           <a:bodyPr/>
           <a:lstStyle/>
           <a:p>
+            <a:pPr>
+              <a:lnSpc>
+                <a:spcPct val="100000"/>
+              </a:lnSpc>
+            </a:pPr>
             <a:r>
               <a:rPr lang="en-US" dirty="0"/>
               <a:t>Designed to manage your Web site configuration</a:t>
             </a:r>
           </a:p>
           <a:p>
+            <a:pPr>
+              <a:lnSpc>
+                <a:spcPct val="100000"/>
+              </a:lnSpc>
+            </a:pPr>
             <a:r>
               <a:rPr lang="en-US" dirty="0"/>
               <a:t>Simple interface</a:t>
             </a:r>
           </a:p>
           <a:p>
+            <a:pPr>
+              <a:lnSpc>
+                <a:spcPct val="100000"/>
+              </a:lnSpc>
+            </a:pPr>
             <a:r>
               <a:rPr lang="en-US" dirty="0"/>
               <a:t>Can create and manage users, roles and providers </a:t>
             </a:r>
           </a:p>
           <a:p>
+            <a:pPr>
+              <a:lnSpc>
+                <a:spcPct val="100000"/>
+              </a:lnSpc>
+            </a:pPr>
             <a:r>
               <a:rPr lang="en-US" dirty="0"/>
               <a:t>Can manage application configuration settings</a:t>
             </a:r>
           </a:p>
           <a:p>
+            <a:pPr>
+              <a:lnSpc>
+                <a:spcPct val="100000"/>
+              </a:lnSpc>
+            </a:pPr>
             <a:r>
               <a:rPr lang="en-US" dirty="0"/>
               <a:t>Accessible </a:t>
@@ -15224,10 +15458,29 @@
             </a:r>
           </a:p>
           <a:p>
-            <a:pPr lvl="1"/>
+            <a:pPr lvl="1">
+              <a:lnSpc>
+                <a:spcPct val="100000"/>
+              </a:lnSpc>
+            </a:pPr>
             <a:r>
               <a:rPr lang="en-US" dirty="0" smtClean="0"/>
-              <a:t>[Project] </a:t>
+              <a:t>[</a:t>
+            </a:r>
+            <a:r>
+              <a:rPr lang="en-US" dirty="0" smtClean="0">
+                <a:solidFill>
+                  <a:schemeClr val="accent5">
+                    <a:lumMod val="20000"/>
+                    <a:lumOff val="80000"/>
+                  </a:schemeClr>
+                </a:solidFill>
+              </a:rPr>
+              <a:t>Project</a:t>
+            </a:r>
+            <a:r>
+              <a:rPr lang="en-US" dirty="0" smtClean="0"/>
+              <a:t>] </a:t>
             </a:r>
             <a:r>
               <a:rPr lang="en-US" dirty="0"/>
@@ -15246,8 +15499,19 @@
               <a:t>[</a:t>
             </a:r>
             <a:r>
+              <a:rPr lang="en-US" dirty="0" smtClean="0">
+                <a:solidFill>
+                  <a:schemeClr val="accent5">
+                    <a:lumMod val="20000"/>
+                    <a:lumOff val="80000"/>
+                  </a:schemeClr>
+                </a:solidFill>
+              </a:rPr>
+              <a:t>ASP.NET Configuration</a:t>
+            </a:r>
+            <a:r>
               <a:rPr lang="en-US" dirty="0" smtClean="0"/>
-              <a:t>ASP.NET Configuration]</a:t>
+              <a:t>]</a:t>
             </a:r>
             <a:endParaRPr lang="en-US" dirty="0"/>
           </a:p>
@@ -15258,11 +15522,11 @@
   <p:clrMapOvr>
     <a:masterClrMapping/>
   </p:clrMapOvr>
-  <mc:AlternateContent xmlns:mc="http://schemas.openxmlformats.org/markup-compatibility/2006">
-    <mc:Choice xmlns:p14="http://schemas.microsoft.com/office/powerpoint/2010/main" xmlns="" Requires="p14">
+  <mc:AlternateContent xmlns:mc="http://schemas.openxmlformats.org/markup-compatibility/2006" xmlns:p14="http://schemas.microsoft.com/office/powerpoint/2010/main">
+    <mc:Choice Requires="p14">
       <p:transition spd="slow" p14:dur="2000"/>
     </mc:Choice>
-    <mc:Fallback>
+    <mc:Fallback xmlns="">
       <p:transition spd="slow"/>
     </mc:Fallback>
   </mc:AlternateContent>
@@ -15313,6 +15577,11 @@
           <a:bodyPr/>
           <a:lstStyle/>
           <a:p>
+            <a:pPr>
+              <a:lnSpc>
+                <a:spcPct val="100000"/>
+              </a:lnSpc>
+            </a:pPr>
             <a:r>
               <a:rPr lang="en-US" dirty="0" smtClean="0"/>
               <a:t>Visual Studio Web Site Administration Tool</a:t>
@@ -15361,7 +15630,7 @@
           <a:blip r:embed="rId2" cstate="print">
             <a:extLst>
               <a:ext uri="{28A0092B-C50C-407E-A947-70E740481C1C}">
-                <a14:useLocalDpi xmlns:a14="http://schemas.microsoft.com/office/drawing/2010/main" xmlns="" val="0"/>
+                <a14:useLocalDpi xmlns:a14="http://schemas.microsoft.com/office/drawing/2010/main" val="0"/>
               </a:ext>
             </a:extLst>
           </a:blip>
@@ -15393,7 +15662,7 @@
           <a:effectLst/>
           <a:extLst>
             <a:ext uri="{909E8E84-426E-40DD-AFC4-6F175D3DCCD1}">
-              <a14:hiddenFill xmlns:a14="http://schemas.microsoft.com/office/drawing/2010/main" xmlns="">
+              <a14:hiddenFill xmlns:a14="http://schemas.microsoft.com/office/drawing/2010/main">
                 <a:solidFill>
                   <a:srgbClr val="FFFFFF">
                     <a:alpha val="30000"/>
@@ -15402,7 +15671,7 @@
               </a14:hiddenFill>
             </a:ext>
             <a:ext uri="{AF507438-7753-43E0-B8FC-AC1667EBCBE1}">
-              <a14:hiddenEffects xmlns:a14="http://schemas.microsoft.com/office/drawing/2010/main" xmlns="">
+              <a14:hiddenEffects xmlns:a14="http://schemas.microsoft.com/office/drawing/2010/main">
                 <a:effectLst>
                   <a:outerShdw dist="17961" dir="2700000" algn="ctr" rotWithShape="0">
                     <a:srgbClr val="FFFFFF"/>
@@ -15418,11 +15687,11 @@
   <p:clrMapOvr>
     <a:masterClrMapping/>
   </p:clrMapOvr>
-  <mc:AlternateContent xmlns:mc="http://schemas.openxmlformats.org/markup-compatibility/2006">
-    <mc:Choice xmlns:p14="http://schemas.microsoft.com/office/powerpoint/2010/main" xmlns="" Requires="p14">
+  <mc:AlternateContent xmlns:mc="http://schemas.openxmlformats.org/markup-compatibility/2006" xmlns:p14="http://schemas.microsoft.com/office/powerpoint/2010/main">
+    <mc:Choice Requires="p14">
       <p:transition spd="slow" p14:dur="2000"/>
     </mc:Choice>
-    <mc:Fallback>
+    <mc:Fallback xmlns="">
       <p:transition spd="slow"/>
     </mc:Fallback>
   </mc:AlternateContent>
@@ -15455,6 +15724,59 @@
       </p:grpSpPr>
       <p:sp>
         <p:nvSpPr>
+          <p:cNvPr id="2" name="Title 1"/>
+          <p:cNvSpPr>
+            <a:spLocks noGrp="1"/>
+          </p:cNvSpPr>
+          <p:nvPr>
+            <p:ph type="ctrTitle"/>
+          </p:nvPr>
+        </p:nvSpPr>
+        <p:spPr/>
+        <p:txBody>
+          <a:bodyPr/>
+          <a:lstStyle/>
+          <a:p>
+            <a:r>
+              <a:rPr lang="en-US" dirty="0" smtClean="0"/>
+              <a:t>Built-in Login Control</a:t>
+            </a:r>
+            <a:endParaRPr lang="en-US" dirty="0"/>
+          </a:p>
+        </p:txBody>
+      </p:sp>
+    </p:spTree>
+    <p:extLst>
+      <p:ext uri="{BB962C8B-B14F-4D97-AF65-F5344CB8AC3E}">
+        <p14:creationId xmlns:p14="http://schemas.microsoft.com/office/powerpoint/2010/main" val="2978659544"/>
+      </p:ext>
+    </p:extLst>
+  </p:cSld>
+  <p:clrMapOvr>
+    <a:masterClrMapping/>
+  </p:clrMapOvr>
+</p:sld>
+</file>
+
+<file path=ppt/slides/slide33.xml><?xml version="1.0" encoding="utf-8"?>
+<p:sld xmlns:a="http://schemas.openxmlformats.org/drawingml/2006/main" xmlns:r="http://schemas.openxmlformats.org/officeDocument/2006/relationships" xmlns:p="http://schemas.openxmlformats.org/presentationml/2006/main">
+  <p:cSld>
+    <p:spTree>
+      <p:nvGrpSpPr>
+        <p:cNvPr id="1" name=""/>
+        <p:cNvGrpSpPr/>
+        <p:nvPr/>
+      </p:nvGrpSpPr>
+      <p:grpSpPr>
+        <a:xfrm>
+          <a:off x="0" y="0"/>
+          <a:ext cx="0" cy="0"/>
+          <a:chOff x="0" y="0"/>
+          <a:chExt cx="0" cy="0"/>
+        </a:xfrm>
+      </p:grpSpPr>
+      <p:sp>
+        <p:nvSpPr>
           <p:cNvPr id="487426" name="Rectangle 2"/>
           <p:cNvSpPr>
             <a:spLocks noGrp="1" noChangeArrowheads="1"/>
@@ -15501,12 +15823,22 @@
           <a:bodyPr/>
           <a:lstStyle/>
           <a:p>
+            <a:pPr>
+              <a:lnSpc>
+                <a:spcPct val="100000"/>
+              </a:lnSpc>
+            </a:pPr>
             <a:r>
               <a:rPr lang="en-US" dirty="0"/>
               <a:t>The Login control provides the necessary interface through which a user can enter their username and password</a:t>
             </a:r>
           </a:p>
           <a:p>
+            <a:pPr>
+              <a:lnSpc>
+                <a:spcPct val="100000"/>
+              </a:lnSpc>
+            </a:pPr>
             <a:r>
               <a:rPr lang="en-US" dirty="0"/>
               <a:t>The control uses the membership provider specified in the </a:t>
@@ -15543,6 +15875,11 @@
             </a:r>
           </a:p>
           <a:p>
+            <a:pPr>
+              <a:lnSpc>
+                <a:spcPct val="100000"/>
+              </a:lnSpc>
+            </a:pPr>
             <a:r>
               <a:rPr lang="en-US" dirty="0"/>
               <a:t>Adding the login control to the page:</a:t>
@@ -15623,11 +15960,11 @@
   <p:clrMapOvr>
     <a:masterClrMapping/>
   </p:clrMapOvr>
-  <mc:AlternateContent xmlns:mc="http://schemas.openxmlformats.org/markup-compatibility/2006">
-    <mc:Choice xmlns:p14="http://schemas.microsoft.com/office/powerpoint/2010/main" xmlns="" Requires="p14">
+  <mc:AlternateContent xmlns:mc="http://schemas.openxmlformats.org/markup-compatibility/2006" xmlns:p14="http://schemas.microsoft.com/office/powerpoint/2010/main">
+    <mc:Choice Requires="p14">
       <p:transition spd="slow" p14:dur="2000"/>
     </mc:Choice>
-    <mc:Fallback>
+    <mc:Fallback xmlns="">
       <p:transition spd="slow"/>
     </mc:Fallback>
   </mc:AlternateContent>
@@ -15641,7 +15978,7 @@
 </p:sld>
 </file>
 
-<file path=ppt/slides/slide33.xml><?xml version="1.0" encoding="utf-8"?>
+<file path=ppt/slides/slide34.xml><?xml version="1.0" encoding="utf-8"?>
 <p:sld xmlns:a="http://schemas.openxmlformats.org/drawingml/2006/main" xmlns:r="http://schemas.openxmlformats.org/officeDocument/2006/relationships" xmlns:p="http://schemas.openxmlformats.org/presentationml/2006/main">
   <p:cSld>
     <p:spTree>
@@ -15717,7 +16054,7 @@
           <a:blip r:embed="rId2" cstate="print">
             <a:extLst>
               <a:ext uri="{28A0092B-C50C-407E-A947-70E740481C1C}">
-                <a14:useLocalDpi xmlns:a14="http://schemas.microsoft.com/office/drawing/2010/main" xmlns="" val="0"/>
+                <a14:useLocalDpi xmlns:a14="http://schemas.microsoft.com/office/drawing/2010/main" val="0"/>
               </a:ext>
             </a:extLst>
           </a:blip>
@@ -15737,11 +16074,11 @@
   <p:clrMapOvr>
     <a:masterClrMapping/>
   </p:clrMapOvr>
-  <mc:AlternateContent xmlns:mc="http://schemas.openxmlformats.org/markup-compatibility/2006">
-    <mc:Choice xmlns:p14="http://schemas.microsoft.com/office/powerpoint/2010/main" xmlns="" Requires="p14">
+  <mc:AlternateContent xmlns:mc="http://schemas.openxmlformats.org/markup-compatibility/2006" xmlns:p14="http://schemas.microsoft.com/office/powerpoint/2010/main">
+    <mc:Choice Requires="p14">
       <p:transition spd="slow" p14:dur="2000"/>
     </mc:Choice>
-    <mc:Fallback>
+    <mc:Fallback xmlns="">
       <p:transition spd="slow"/>
     </mc:Fallback>
   </mc:AlternateContent>
@@ -15755,7 +16092,7 @@
 </p:sld>
 </file>
 
-<file path=ppt/slides/slide34.xml><?xml version="1.0" encoding="utf-8"?>
+<file path=ppt/slides/slide35.xml><?xml version="1.0" encoding="utf-8"?>
 <p:sld xmlns:a="http://schemas.openxmlformats.org/drawingml/2006/main" xmlns:r="http://schemas.openxmlformats.org/officeDocument/2006/relationships" xmlns:p="http://schemas.openxmlformats.org/presentationml/2006/main">
   <p:cSld>
     <p:spTree>
@@ -15841,9 +16178,22 @@
           <a:bodyPr/>
           <a:lstStyle/>
           <a:p>
+            <a:pPr>
+              <a:lnSpc>
+                <a:spcPct val="100000"/>
+              </a:lnSpc>
+            </a:pPr>
             <a:r>
               <a:rPr lang="en-US" dirty="0"/>
-              <a:t>Once the user has logged in we can display his username just by adding the </a:t>
+              <a:t>Once </a:t>
+            </a:r>
+            <a:r>
+              <a:rPr lang="en-US" dirty="0" smtClean="0"/>
+              <a:t>a </a:t>
+            </a:r>
+            <a:r>
+              <a:rPr lang="en-US" dirty="0"/>
+              <a:t>user has logged in we can display his username just by adding the </a:t>
             </a:r>
             <a:r>
               <a:rPr lang="en-US" noProof="1">
@@ -15864,9 +16214,19 @@
             </a:r>
           </a:p>
           <a:p>
+            <a:pPr>
+              <a:lnSpc>
+                <a:spcPct val="100000"/>
+              </a:lnSpc>
+            </a:pPr>
             <a:endParaRPr lang="en-US" dirty="0"/>
           </a:p>
           <a:p>
+            <a:pPr>
+              <a:lnSpc>
+                <a:spcPct val="100000"/>
+              </a:lnSpc>
+            </a:pPr>
             <a:r>
               <a:rPr lang="en-US" dirty="0"/>
               <a:t>The </a:t>
@@ -16026,11 +16386,11 @@
   <p:clrMapOvr>
     <a:masterClrMapping/>
   </p:clrMapOvr>
-  <mc:AlternateContent xmlns:mc="http://schemas.openxmlformats.org/markup-compatibility/2006">
-    <mc:Choice xmlns:p14="http://schemas.microsoft.com/office/powerpoint/2010/main" xmlns="" Requires="p14">
+  <mc:AlternateContent xmlns:mc="http://schemas.openxmlformats.org/markup-compatibility/2006" xmlns:p14="http://schemas.microsoft.com/office/powerpoint/2010/main">
+    <mc:Choice Requires="p14">
       <p:transition spd="slow" p14:dur="2000"/>
     </mc:Choice>
-    <mc:Fallback>
+    <mc:Fallback xmlns="">
       <p:transition spd="slow"/>
     </mc:Fallback>
   </mc:AlternateContent>
@@ -16044,7 +16404,7 @@
 </p:sld>
 </file>
 
-<file path=ppt/slides/slide35.xml><?xml version="1.0" encoding="utf-8"?>
+<file path=ppt/slides/slide36.xml><?xml version="1.0" encoding="utf-8"?>
 <p:sld xmlns:a="http://schemas.openxmlformats.org/drawingml/2006/main" xmlns:r="http://schemas.openxmlformats.org/officeDocument/2006/relationships" xmlns:p="http://schemas.openxmlformats.org/presentationml/2006/main">
   <p:cSld>
     <p:spTree>
@@ -16125,7 +16485,7 @@
           <a:blip r:embed="rId2" cstate="print">
             <a:extLst>
               <a:ext uri="{28A0092B-C50C-407E-A947-70E740481C1C}">
-                <a14:useLocalDpi xmlns:a14="http://schemas.microsoft.com/office/drawing/2010/main" xmlns="" val="0"/>
+                <a14:useLocalDpi xmlns:a14="http://schemas.microsoft.com/office/drawing/2010/main" val="0"/>
               </a:ext>
             </a:extLst>
           </a:blip>
@@ -16145,11 +16505,11 @@
   <p:clrMapOvr>
     <a:masterClrMapping/>
   </p:clrMapOvr>
-  <mc:AlternateContent xmlns:mc="http://schemas.openxmlformats.org/markup-compatibility/2006">
-    <mc:Choice xmlns:p14="http://schemas.microsoft.com/office/powerpoint/2010/main" xmlns="" Requires="p14">
+  <mc:AlternateContent xmlns:mc="http://schemas.openxmlformats.org/markup-compatibility/2006" xmlns:p14="http://schemas.microsoft.com/office/powerpoint/2010/main">
+    <mc:Choice Requires="p14">
       <p:transition spd="slow" p14:dur="2000"/>
     </mc:Choice>
-    <mc:Fallback>
+    <mc:Fallback xmlns="">
       <p:transition spd="slow"/>
     </mc:Fallback>
   </mc:AlternateContent>
@@ -16163,7 +16523,7 @@
 </p:sld>
 </file>
 
-<file path=ppt/slides/slide36.xml><?xml version="1.0" encoding="utf-8"?>
+<file path=ppt/slides/slide37.xml><?xml version="1.0" encoding="utf-8"?>
 <p:sld xmlns:a="http://schemas.openxmlformats.org/drawingml/2006/main" xmlns:r="http://schemas.openxmlformats.org/officeDocument/2006/relationships" xmlns:p="http://schemas.openxmlformats.org/presentationml/2006/main">
   <p:cSld>
     <p:spTree>
@@ -16225,7 +16585,7 @@
         </p:nvSpPr>
         <p:spPr>
           <a:xfrm>
-            <a:off x="323850" y="1196975"/>
+            <a:off x="323850" y="1124744"/>
             <a:ext cx="8496300" cy="5400675"/>
           </a:xfrm>
         </p:spPr>
@@ -16233,6 +16593,11 @@
           <a:bodyPr/>
           <a:lstStyle/>
           <a:p>
+            <a:pPr>
+              <a:lnSpc>
+                <a:spcPct val="100000"/>
+              </a:lnSpc>
+            </a:pPr>
             <a:r>
               <a:rPr lang="en-US" dirty="0"/>
               <a:t>Customized information which will be shown to users through templates, based on their roles</a:t>
@@ -16244,6 +16609,11 @@
             <a:endParaRPr lang="en-US" dirty="0"/>
           </a:p>
           <a:p>
+            <a:pPr>
+              <a:lnSpc>
+                <a:spcPct val="100000"/>
+              </a:lnSpc>
+            </a:pPr>
             <a:r>
               <a:rPr lang="en-US" dirty="0"/>
               <a:t>By default there are </a:t>
@@ -16307,12 +16677,22 @@
             </a:endParaRPr>
           </a:p>
           <a:p>
+            <a:pPr>
+              <a:lnSpc>
+                <a:spcPct val="100000"/>
+              </a:lnSpc>
+            </a:pPr>
             <a:r>
               <a:rPr lang="en-US" dirty="0"/>
               <a:t>New custom templates can be added</a:t>
             </a:r>
           </a:p>
           <a:p>
+            <a:pPr>
+              <a:lnSpc>
+                <a:spcPct val="100000"/>
+              </a:lnSpc>
+            </a:pPr>
             <a:r>
               <a:rPr lang="en-US" dirty="0"/>
               <a:t>To add the control to the page use:</a:t>
@@ -16334,8 +16714,8 @@
         </p:nvSpPr>
         <p:spPr bwMode="auto">
           <a:xfrm>
-            <a:off x="612327" y="5373216"/>
-            <a:ext cx="7848106" cy="707886"/>
+            <a:off x="467544" y="5301208"/>
+            <a:ext cx="8208912" cy="707886"/>
           </a:xfrm>
           <a:prstGeom prst="rect">
             <a:avLst/>
@@ -16426,11 +16806,11 @@
   <p:clrMapOvr>
     <a:masterClrMapping/>
   </p:clrMapOvr>
-  <mc:AlternateContent xmlns:mc="http://schemas.openxmlformats.org/markup-compatibility/2006">
-    <mc:Choice xmlns:p14="http://schemas.microsoft.com/office/powerpoint/2010/main" xmlns="" Requires="p14">
+  <mc:AlternateContent xmlns:mc="http://schemas.openxmlformats.org/markup-compatibility/2006" xmlns:p14="http://schemas.microsoft.com/office/powerpoint/2010/main">
+    <mc:Choice Requires="p14">
       <p:transition spd="slow" p14:dur="2000"/>
     </mc:Choice>
-    <mc:Fallback>
+    <mc:Fallback xmlns="">
       <p:transition spd="slow"/>
     </mc:Fallback>
   </mc:AlternateContent>
@@ -16444,7 +16824,7 @@
 </p:sld>
 </file>
 
-<file path=ppt/slides/slide37.xml><?xml version="1.0" encoding="utf-8"?>
+<file path=ppt/slides/slide38.xml><?xml version="1.0" encoding="utf-8"?>
 <p:sld xmlns:a="http://schemas.openxmlformats.org/drawingml/2006/main" xmlns:r="http://schemas.openxmlformats.org/officeDocument/2006/relationships" xmlns:p="http://schemas.openxmlformats.org/presentationml/2006/main">
   <p:cSld>
     <p:spTree>
@@ -16515,25 +16895,25 @@
           <a:lstStyle/>
           <a:p>
             <a:r>
-              <a:rPr lang="en-US"/>
+              <a:rPr lang="en-US" dirty="0"/>
               <a:t>It is used to create new accounts</a:t>
             </a:r>
           </a:p>
           <a:p>
             <a:r>
-              <a:rPr lang="en-US"/>
+              <a:rPr lang="en-US" dirty="0"/>
               <a:t>It works with the membership provider class</a:t>
             </a:r>
           </a:p>
           <a:p>
             <a:r>
-              <a:rPr lang="en-US"/>
+              <a:rPr lang="en-US" dirty="0"/>
               <a:t>Offers many customizable features </a:t>
             </a:r>
           </a:p>
           <a:p>
             <a:r>
-              <a:rPr lang="en-US"/>
+              <a:rPr lang="en-US" dirty="0"/>
               <a:t>Can quickly be added to and used using </a:t>
             </a:r>
           </a:p>
@@ -16641,11 +17021,11 @@
   <p:clrMapOvr>
     <a:masterClrMapping/>
   </p:clrMapOvr>
-  <mc:AlternateContent xmlns:mc="http://schemas.openxmlformats.org/markup-compatibility/2006">
-    <mc:Choice xmlns:p14="http://schemas.microsoft.com/office/powerpoint/2010/main" xmlns="" Requires="p14">
+  <mc:AlternateContent xmlns:mc="http://schemas.openxmlformats.org/markup-compatibility/2006" xmlns:p14="http://schemas.microsoft.com/office/powerpoint/2010/main">
+    <mc:Choice Requires="p14">
       <p:transition spd="slow" p14:dur="2000"/>
     </mc:Choice>
-    <mc:Fallback>
+    <mc:Fallback xmlns="">
       <p:transition spd="slow"/>
     </mc:Fallback>
   </mc:AlternateContent>
@@ -16659,7 +17039,7 @@
 </p:sld>
 </file>
 
-<file path=ppt/slides/slide38.xml><?xml version="1.0" encoding="utf-8"?>
+<file path=ppt/slides/slide39.xml><?xml version="1.0" encoding="utf-8"?>
 <p:sld xmlns:a="http://schemas.openxmlformats.org/drawingml/2006/main" xmlns:r="http://schemas.openxmlformats.org/officeDocument/2006/relationships" xmlns:p="http://schemas.openxmlformats.org/presentationml/2006/main">
   <p:cSld>
     <p:spTree>
@@ -16733,7 +17113,7 @@
           <a:blip r:embed="rId2" cstate="print">
             <a:extLst>
               <a:ext uri="{28A0092B-C50C-407E-A947-70E740481C1C}">
-                <a14:useLocalDpi xmlns:a14="http://schemas.microsoft.com/office/drawing/2010/main" xmlns="" val="0"/>
+                <a14:useLocalDpi xmlns:a14="http://schemas.microsoft.com/office/drawing/2010/main" val="0"/>
               </a:ext>
             </a:extLst>
           </a:blip>
@@ -16746,6 +17126,11 @@
             <a:off x="1235629" y="1412776"/>
             <a:ext cx="6672742" cy="5004556"/>
           </a:xfrm>
+          <a:prstGeom prst="roundRect">
+            <a:avLst>
+              <a:gd name="adj" fmla="val 426"/>
+            </a:avLst>
+          </a:prstGeom>
         </p:spPr>
       </p:pic>
     </p:spTree>
@@ -16753,269 +17138,11 @@
   <p:clrMapOvr>
     <a:masterClrMapping/>
   </p:clrMapOvr>
-  <mc:AlternateContent xmlns:mc="http://schemas.openxmlformats.org/markup-compatibility/2006">
-    <mc:Choice xmlns:p14="http://schemas.microsoft.com/office/powerpoint/2010/main" xmlns="" Requires="p14">
+  <mc:AlternateContent xmlns:mc="http://schemas.openxmlformats.org/markup-compatibility/2006" xmlns:p14="http://schemas.microsoft.com/office/powerpoint/2010/main">
+    <mc:Choice Requires="p14">
       <p:transition spd="slow" p14:dur="2000"/>
     </mc:Choice>
-    <mc:Fallback>
-      <p:transition spd="slow"/>
-    </mc:Fallback>
-  </mc:AlternateContent>
-  <p:timing>
-    <p:tnLst>
-      <p:par>
-        <p:cTn id="1" dur="indefinite" restart="never" nodeType="tmRoot"/>
-      </p:par>
-    </p:tnLst>
-  </p:timing>
-</p:sld>
-</file>
-
-<file path=ppt/slides/slide39.xml><?xml version="1.0" encoding="utf-8"?>
-<p:sld xmlns:a="http://schemas.openxmlformats.org/drawingml/2006/main" xmlns:r="http://schemas.openxmlformats.org/officeDocument/2006/relationships" xmlns:p="http://schemas.openxmlformats.org/presentationml/2006/main">
-  <p:cSld>
-    <p:spTree>
-      <p:nvGrpSpPr>
-        <p:cNvPr id="1" name=""/>
-        <p:cNvGrpSpPr/>
-        <p:nvPr/>
-      </p:nvGrpSpPr>
-      <p:grpSpPr>
-        <a:xfrm>
-          <a:off x="0" y="0"/>
-          <a:ext cx="0" cy="0"/>
-          <a:chOff x="0" y="0"/>
-          <a:chExt cx="0" cy="0"/>
-        </a:xfrm>
-      </p:grpSpPr>
-      <p:sp>
-        <p:nvSpPr>
-          <p:cNvPr id="476162" name="Rectangle 2"/>
-          <p:cNvSpPr>
-            <a:spLocks noGrp="1" noChangeArrowheads="1"/>
-          </p:cNvSpPr>
-          <p:nvPr>
-            <p:ph type="title"/>
-          </p:nvPr>
-        </p:nvSpPr>
-        <p:spPr>
-          <a:xfrm>
-            <a:off x="2339752" y="143099"/>
-            <a:ext cx="6661150" cy="909637"/>
-          </a:xfrm>
-        </p:spPr>
-        <p:txBody>
-          <a:bodyPr/>
-          <a:lstStyle/>
-          <a:p>
-            <a:r>
-              <a:rPr lang="en-US" noProof="1"/>
-              <a:t>The </a:t>
-            </a:r>
-            <a:r>
-              <a:rPr lang="en-US" noProof="1">
-                <a:latin typeface="Consolas" pitchFamily="49" charset="0"/>
-                <a:cs typeface="Consolas" pitchFamily="49" charset="0"/>
-              </a:rPr>
-              <a:t>PasswordRecovery</a:t>
-            </a:r>
-            <a:r>
-              <a:rPr lang="en-US" noProof="1"/>
-              <a:t> Control </a:t>
-            </a:r>
-          </a:p>
-        </p:txBody>
-      </p:sp>
-      <p:sp>
-        <p:nvSpPr>
-          <p:cNvPr id="476163" name="Rectangle 3"/>
-          <p:cNvSpPr>
-            <a:spLocks noGrp="1" noChangeArrowheads="1"/>
-          </p:cNvSpPr>
-          <p:nvPr>
-            <p:ph idx="1"/>
-          </p:nvPr>
-        </p:nvSpPr>
-        <p:spPr/>
-        <p:txBody>
-          <a:bodyPr/>
-          <a:lstStyle/>
-          <a:p>
-            <a:r>
-              <a:rPr lang="en-US" dirty="0"/>
-              <a:t>It is used to retrieve passwords</a:t>
-            </a:r>
-          </a:p>
-          <a:p>
-            <a:r>
-              <a:rPr lang="en-US" dirty="0"/>
-              <a:t>The user is first prompted to enter username</a:t>
-            </a:r>
-          </a:p>
-          <a:p>
-            <a:r>
-              <a:rPr lang="en-US" dirty="0"/>
-              <a:t>Once users enter valid user names, they must answer their secret questions</a:t>
-            </a:r>
-          </a:p>
-          <a:p>
-            <a:r>
-              <a:rPr lang="en-US" dirty="0"/>
-              <a:t>The password is sent via e-mail</a:t>
-            </a:r>
-          </a:p>
-          <a:p>
-            <a:r>
-              <a:rPr lang="en-US" dirty="0"/>
-              <a:t>To add this control use:</a:t>
-            </a:r>
-          </a:p>
-        </p:txBody>
-      </p:sp>
-      <p:sp>
-        <p:nvSpPr>
-          <p:cNvPr id="476164" name="Rectangle 4"/>
-          <p:cNvSpPr>
-            <a:spLocks noChangeArrowheads="1"/>
-          </p:cNvSpPr>
-          <p:nvPr/>
-        </p:nvSpPr>
-        <p:spPr bwMode="auto">
-          <a:xfrm>
-            <a:off x="539306" y="4941168"/>
-            <a:ext cx="8065142" cy="707886"/>
-          </a:xfrm>
-          <a:prstGeom prst="rect">
-            <a:avLst/>
-          </a:prstGeom>
-          <a:solidFill>
-            <a:schemeClr val="accent5">
-              <a:lumMod val="40000"/>
-              <a:lumOff val="60000"/>
-              <a:alpha val="15000"/>
-            </a:schemeClr>
-          </a:solidFill>
-          <a:ln w="12700">
-            <a:solidFill>
-              <a:schemeClr val="accent5">
-                <a:lumMod val="60000"/>
-                <a:lumOff val="40000"/>
-              </a:schemeClr>
-            </a:solidFill>
-          </a:ln>
-        </p:spPr>
-        <p:txBody>
-          <a:bodyPr wrap="square">
-            <a:spAutoFit/>
-          </a:bodyPr>
-          <a:lstStyle/>
-          <a:p>
-            <a:pPr>
-              <a:lnSpc>
-                <a:spcPct val="100000"/>
-              </a:lnSpc>
-              <a:spcBef>
-                <a:spcPts val="0"/>
-              </a:spcBef>
-              <a:buClr>
-                <a:schemeClr val="accent5">
-                  <a:lumMod val="40000"/>
-                  <a:lumOff val="60000"/>
-                </a:schemeClr>
-              </a:buClr>
-              <a:buSzPct val="70000"/>
-              <a:buFont typeface="Wingdings 2" pitchFamily="18" charset="2"/>
-              <a:buNone/>
-            </a:pPr>
-            <a:r>
-              <a:rPr lang="en-US" sz="2000" noProof="1">
-                <a:solidFill>
-                  <a:srgbClr val="8CF4F2"/>
-                </a:solidFill>
-                <a:latin typeface="Consolas" pitchFamily="49" charset="0"/>
-                <a:cs typeface="Consolas" pitchFamily="49" charset="0"/>
-              </a:rPr>
-              <a:t>&lt;asp:PasswordRecovery id="</a:t>
-            </a:r>
-            <a:r>
-              <a:rPr lang="en-US" sz="2000" noProof="1" smtClean="0">
-                <a:solidFill>
-                  <a:srgbClr val="8CF4F2"/>
-                </a:solidFill>
-                <a:latin typeface="Consolas" pitchFamily="49" charset="0"/>
-                <a:cs typeface="Consolas" pitchFamily="49" charset="0"/>
-              </a:rPr>
-              <a:t>prForgotPass" runat</a:t>
-            </a:r>
-            <a:r>
-              <a:rPr lang="en-US" sz="2000" noProof="1">
-                <a:solidFill>
-                  <a:srgbClr val="8CF4F2"/>
-                </a:solidFill>
-                <a:latin typeface="Consolas" pitchFamily="49" charset="0"/>
-                <a:cs typeface="Consolas" pitchFamily="49" charset="0"/>
-              </a:rPr>
-              <a:t>="server</a:t>
-            </a:r>
-            <a:r>
-              <a:rPr lang="en-US" sz="2000" noProof="1" smtClean="0">
-                <a:solidFill>
-                  <a:srgbClr val="8CF4F2"/>
-                </a:solidFill>
-                <a:latin typeface="Consolas" pitchFamily="49" charset="0"/>
-                <a:cs typeface="Consolas" pitchFamily="49" charset="0"/>
-              </a:rPr>
-              <a:t>"&gt;</a:t>
-            </a:r>
-            <a:endParaRPr lang="en-US" sz="2000" dirty="0">
-              <a:solidFill>
-                <a:srgbClr val="8CF4F2"/>
-              </a:solidFill>
-              <a:latin typeface="Consolas" pitchFamily="49" charset="0"/>
-              <a:cs typeface="Consolas" pitchFamily="49" charset="0"/>
-            </a:endParaRPr>
-          </a:p>
-          <a:p>
-            <a:pPr>
-              <a:lnSpc>
-                <a:spcPct val="100000"/>
-              </a:lnSpc>
-              <a:spcBef>
-                <a:spcPts val="0"/>
-              </a:spcBef>
-              <a:buClr>
-                <a:schemeClr val="accent5">
-                  <a:lumMod val="40000"/>
-                  <a:lumOff val="60000"/>
-                </a:schemeClr>
-              </a:buClr>
-              <a:buSzPct val="70000"/>
-              <a:buFont typeface="Wingdings 2" pitchFamily="18" charset="2"/>
-              <a:buNone/>
-            </a:pPr>
-            <a:r>
-              <a:rPr lang="en-US" sz="2000" noProof="1">
-                <a:solidFill>
-                  <a:srgbClr val="8CF4F2"/>
-                </a:solidFill>
-                <a:latin typeface="Consolas" pitchFamily="49" charset="0"/>
-                <a:cs typeface="Consolas" pitchFamily="49" charset="0"/>
-              </a:rPr>
-              <a:t>&lt;/asp:PasswordRecovery&gt;</a:t>
-            </a:r>
-          </a:p>
-        </p:txBody>
-      </p:sp>
-    </p:spTree>
-  </p:cSld>
-  <p:clrMapOvr>
-    <a:masterClrMapping/>
-  </p:clrMapOvr>
-  <mc:AlternateContent xmlns:mc="http://schemas.openxmlformats.org/markup-compatibility/2006">
-    <mc:Choice xmlns:p14="http://schemas.microsoft.com/office/powerpoint/2010/main" xmlns="" Requires="p14">
-      <p:transition spd="slow" p14:dur="2000"/>
-    </mc:Choice>
-    <mc:Fallback>
+    <mc:Fallback xmlns="">
       <p:transition spd="slow"/>
     </mc:Fallback>
   </mc:AlternateContent>
@@ -17091,7 +17218,7 @@
           <a:blip r:embed="rId2" cstate="print">
             <a:extLst>
               <a:ext uri="{28A0092B-C50C-407E-A947-70E740481C1C}">
-                <a14:useLocalDpi xmlns:a14="http://schemas.microsoft.com/office/drawing/2010/main" xmlns="" val="0"/>
+                <a14:useLocalDpi xmlns:a14="http://schemas.microsoft.com/office/drawing/2010/main" val="0"/>
               </a:ext>
             </a:extLst>
           </a:blip>
@@ -17111,7 +17238,7 @@
           <a:noFill/>
           <a:extLst>
             <a:ext uri="{909E8E84-426E-40DD-AFC4-6F175D3DCCD1}">
-              <a14:hiddenFill xmlns:a14="http://schemas.microsoft.com/office/drawing/2010/main" xmlns="">
+              <a14:hiddenFill xmlns:a14="http://schemas.microsoft.com/office/drawing/2010/main">
                 <a:solidFill>
                   <a:srgbClr val="FFFFFF"/>
                 </a:solidFill>
@@ -17132,7 +17259,7 @@
           <a:blip r:embed="rId3" cstate="print">
             <a:extLst>
               <a:ext uri="{28A0092B-C50C-407E-A947-70E740481C1C}">
-                <a14:useLocalDpi xmlns:a14="http://schemas.microsoft.com/office/drawing/2010/main" xmlns="" val="0"/>
+                <a14:useLocalDpi xmlns:a14="http://schemas.microsoft.com/office/drawing/2010/main" val="0"/>
               </a:ext>
             </a:extLst>
           </a:blip>
@@ -17161,14 +17288,14 @@
           </a:effectLst>
           <a:extLst>
             <a:ext uri="{909E8E84-426E-40DD-AFC4-6F175D3DCCD1}">
-              <a14:hiddenFill xmlns:a14="http://schemas.microsoft.com/office/drawing/2010/main" xmlns="">
+              <a14:hiddenFill xmlns:a14="http://schemas.microsoft.com/office/drawing/2010/main">
                 <a:solidFill>
                   <a:schemeClr val="accent1"/>
                 </a:solidFill>
               </a14:hiddenFill>
             </a:ext>
             <a:ext uri="{91240B29-F687-4F45-9708-019B960494DF}">
-              <a14:hiddenLine xmlns:a14="http://schemas.microsoft.com/office/drawing/2010/main" xmlns="" w="9525">
+              <a14:hiddenLine xmlns:a14="http://schemas.microsoft.com/office/drawing/2010/main" w="9525">
                 <a:solidFill>
                   <a:schemeClr val="tx1"/>
                 </a:solidFill>
@@ -17192,7 +17319,7 @@
           <a:blip r:embed="rId4" cstate="print">
             <a:extLst>
               <a:ext uri="{28A0092B-C50C-407E-A947-70E740481C1C}">
-                <a14:useLocalDpi xmlns:a14="http://schemas.microsoft.com/office/drawing/2010/main" xmlns="" val="0"/>
+                <a14:useLocalDpi xmlns:a14="http://schemas.microsoft.com/office/drawing/2010/main" val="0"/>
               </a:ext>
             </a:extLst>
           </a:blip>
@@ -17228,7 +17355,7 @@
           </a:effectLst>
           <a:extLst>
             <a:ext uri="{909E8E84-426E-40DD-AFC4-6F175D3DCCD1}">
-              <a14:hiddenFill xmlns:a14="http://schemas.microsoft.com/office/drawing/2010/main" xmlns="">
+              <a14:hiddenFill xmlns:a14="http://schemas.microsoft.com/office/drawing/2010/main">
                 <a:solidFill>
                   <a:schemeClr val="accent1"/>
                 </a:solidFill>
@@ -17240,7 +17367,7 @@
     </p:spTree>
     <p:extLst>
       <p:ext uri="{BB962C8B-B14F-4D97-AF65-F5344CB8AC3E}">
-        <p14:creationId xmlns:p14="http://schemas.microsoft.com/office/powerpoint/2010/main" xmlns="" val="4236563826"/>
+        <p14:creationId xmlns:p14="http://schemas.microsoft.com/office/powerpoint/2010/main" val="4236563826"/>
       </p:ext>
     </p:extLst>
   </p:cSld>
@@ -17258,6 +17385,289 @@
 </file>
 
 <file path=ppt/slides/slide40.xml><?xml version="1.0" encoding="utf-8"?>
+<p:sld xmlns:a="http://schemas.openxmlformats.org/drawingml/2006/main" xmlns:r="http://schemas.openxmlformats.org/officeDocument/2006/relationships" xmlns:p="http://schemas.openxmlformats.org/presentationml/2006/main">
+  <p:cSld>
+    <p:spTree>
+      <p:nvGrpSpPr>
+        <p:cNvPr id="1" name=""/>
+        <p:cNvGrpSpPr/>
+        <p:nvPr/>
+      </p:nvGrpSpPr>
+      <p:grpSpPr>
+        <a:xfrm>
+          <a:off x="0" y="0"/>
+          <a:ext cx="0" cy="0"/>
+          <a:chOff x="0" y="0"/>
+          <a:chExt cx="0" cy="0"/>
+        </a:xfrm>
+      </p:grpSpPr>
+      <p:sp>
+        <p:nvSpPr>
+          <p:cNvPr id="476162" name="Rectangle 2"/>
+          <p:cNvSpPr>
+            <a:spLocks noGrp="1" noChangeArrowheads="1"/>
+          </p:cNvSpPr>
+          <p:nvPr>
+            <p:ph type="title"/>
+          </p:nvPr>
+        </p:nvSpPr>
+        <p:spPr>
+          <a:xfrm>
+            <a:off x="2339752" y="143099"/>
+            <a:ext cx="6661150" cy="909637"/>
+          </a:xfrm>
+        </p:spPr>
+        <p:txBody>
+          <a:bodyPr/>
+          <a:lstStyle/>
+          <a:p>
+            <a:r>
+              <a:rPr lang="en-US" noProof="1"/>
+              <a:t>The </a:t>
+            </a:r>
+            <a:r>
+              <a:rPr lang="en-US" noProof="1">
+                <a:latin typeface="Consolas" pitchFamily="49" charset="0"/>
+                <a:cs typeface="Consolas" pitchFamily="49" charset="0"/>
+              </a:rPr>
+              <a:t>PasswordRecovery</a:t>
+            </a:r>
+            <a:r>
+              <a:rPr lang="en-US" noProof="1"/>
+              <a:t> Control </a:t>
+            </a:r>
+          </a:p>
+        </p:txBody>
+      </p:sp>
+      <p:sp>
+        <p:nvSpPr>
+          <p:cNvPr id="476163" name="Rectangle 3"/>
+          <p:cNvSpPr>
+            <a:spLocks noGrp="1" noChangeArrowheads="1"/>
+          </p:cNvSpPr>
+          <p:nvPr>
+            <p:ph idx="1"/>
+          </p:nvPr>
+        </p:nvSpPr>
+        <p:spPr/>
+        <p:txBody>
+          <a:bodyPr/>
+          <a:lstStyle/>
+          <a:p>
+            <a:pPr>
+              <a:lnSpc>
+                <a:spcPct val="100000"/>
+              </a:lnSpc>
+            </a:pPr>
+            <a:r>
+              <a:rPr lang="en-US" dirty="0"/>
+              <a:t>It is used to retrieve passwords</a:t>
+            </a:r>
+          </a:p>
+          <a:p>
+            <a:pPr>
+              <a:lnSpc>
+                <a:spcPct val="100000"/>
+              </a:lnSpc>
+            </a:pPr>
+            <a:r>
+              <a:rPr lang="en-US" dirty="0"/>
+              <a:t>The user is first prompted to enter username</a:t>
+            </a:r>
+          </a:p>
+          <a:p>
+            <a:pPr>
+              <a:lnSpc>
+                <a:spcPct val="100000"/>
+              </a:lnSpc>
+            </a:pPr>
+            <a:r>
+              <a:rPr lang="en-US" dirty="0"/>
+              <a:t>Once users enter valid user names, they must answer their secret questions</a:t>
+            </a:r>
+          </a:p>
+          <a:p>
+            <a:pPr>
+              <a:lnSpc>
+                <a:spcPct val="100000"/>
+              </a:lnSpc>
+            </a:pPr>
+            <a:r>
+              <a:rPr lang="en-US" dirty="0"/>
+              <a:t>The password is sent via e-mail</a:t>
+            </a:r>
+          </a:p>
+          <a:p>
+            <a:pPr>
+              <a:lnSpc>
+                <a:spcPct val="100000"/>
+              </a:lnSpc>
+            </a:pPr>
+            <a:r>
+              <a:rPr lang="en-US" dirty="0"/>
+              <a:t>To add this control use:</a:t>
+            </a:r>
+          </a:p>
+        </p:txBody>
+      </p:sp>
+      <p:sp>
+        <p:nvSpPr>
+          <p:cNvPr id="476164" name="Rectangle 4"/>
+          <p:cNvSpPr>
+            <a:spLocks noChangeArrowheads="1"/>
+          </p:cNvSpPr>
+          <p:nvPr/>
+        </p:nvSpPr>
+        <p:spPr bwMode="auto">
+          <a:xfrm>
+            <a:off x="539306" y="4941168"/>
+            <a:ext cx="8065142" cy="707886"/>
+          </a:xfrm>
+          <a:prstGeom prst="rect">
+            <a:avLst/>
+          </a:prstGeom>
+          <a:solidFill>
+            <a:schemeClr val="accent5">
+              <a:lumMod val="40000"/>
+              <a:lumOff val="60000"/>
+              <a:alpha val="15000"/>
+            </a:schemeClr>
+          </a:solidFill>
+          <a:ln w="12700">
+            <a:solidFill>
+              <a:schemeClr val="accent5">
+                <a:lumMod val="60000"/>
+                <a:lumOff val="40000"/>
+              </a:schemeClr>
+            </a:solidFill>
+          </a:ln>
+        </p:spPr>
+        <p:txBody>
+          <a:bodyPr wrap="square">
+            <a:spAutoFit/>
+          </a:bodyPr>
+          <a:lstStyle/>
+          <a:p>
+            <a:pPr>
+              <a:lnSpc>
+                <a:spcPct val="100000"/>
+              </a:lnSpc>
+              <a:spcBef>
+                <a:spcPts val="0"/>
+              </a:spcBef>
+              <a:buClr>
+                <a:schemeClr val="accent5">
+                  <a:lumMod val="40000"/>
+                  <a:lumOff val="60000"/>
+                </a:schemeClr>
+              </a:buClr>
+              <a:buSzPct val="70000"/>
+              <a:buFont typeface="Wingdings 2" pitchFamily="18" charset="2"/>
+              <a:buNone/>
+            </a:pPr>
+            <a:r>
+              <a:rPr lang="en-US" sz="2000" noProof="1">
+                <a:solidFill>
+                  <a:srgbClr val="8CF4F2"/>
+                </a:solidFill>
+                <a:latin typeface="Consolas" pitchFamily="49" charset="0"/>
+                <a:cs typeface="Consolas" pitchFamily="49" charset="0"/>
+              </a:rPr>
+              <a:t>&lt;asp:PasswordRecovery id="</a:t>
+            </a:r>
+            <a:r>
+              <a:rPr lang="en-US" sz="2000" noProof="1" smtClean="0">
+                <a:solidFill>
+                  <a:srgbClr val="8CF4F2"/>
+                </a:solidFill>
+                <a:latin typeface="Consolas" pitchFamily="49" charset="0"/>
+                <a:cs typeface="Consolas" pitchFamily="49" charset="0"/>
+              </a:rPr>
+              <a:t>prForgotPass" runat</a:t>
+            </a:r>
+            <a:r>
+              <a:rPr lang="en-US" sz="2000" noProof="1">
+                <a:solidFill>
+                  <a:srgbClr val="8CF4F2"/>
+                </a:solidFill>
+                <a:latin typeface="Consolas" pitchFamily="49" charset="0"/>
+                <a:cs typeface="Consolas" pitchFamily="49" charset="0"/>
+              </a:rPr>
+              <a:t>="server</a:t>
+            </a:r>
+            <a:r>
+              <a:rPr lang="en-US" sz="2000" noProof="1" smtClean="0">
+                <a:solidFill>
+                  <a:srgbClr val="8CF4F2"/>
+                </a:solidFill>
+                <a:latin typeface="Consolas" pitchFamily="49" charset="0"/>
+                <a:cs typeface="Consolas" pitchFamily="49" charset="0"/>
+              </a:rPr>
+              <a:t>"&gt;</a:t>
+            </a:r>
+            <a:endParaRPr lang="en-US" sz="2000" dirty="0">
+              <a:solidFill>
+                <a:srgbClr val="8CF4F2"/>
+              </a:solidFill>
+              <a:latin typeface="Consolas" pitchFamily="49" charset="0"/>
+              <a:cs typeface="Consolas" pitchFamily="49" charset="0"/>
+            </a:endParaRPr>
+          </a:p>
+          <a:p>
+            <a:pPr>
+              <a:lnSpc>
+                <a:spcPct val="100000"/>
+              </a:lnSpc>
+              <a:spcBef>
+                <a:spcPts val="0"/>
+              </a:spcBef>
+              <a:buClr>
+                <a:schemeClr val="accent5">
+                  <a:lumMod val="40000"/>
+                  <a:lumOff val="60000"/>
+                </a:schemeClr>
+              </a:buClr>
+              <a:buSzPct val="70000"/>
+              <a:buFont typeface="Wingdings 2" pitchFamily="18" charset="2"/>
+              <a:buNone/>
+            </a:pPr>
+            <a:r>
+              <a:rPr lang="en-US" sz="2000" noProof="1">
+                <a:solidFill>
+                  <a:srgbClr val="8CF4F2"/>
+                </a:solidFill>
+                <a:latin typeface="Consolas" pitchFamily="49" charset="0"/>
+                <a:cs typeface="Consolas" pitchFamily="49" charset="0"/>
+              </a:rPr>
+              <a:t>&lt;/asp:PasswordRecovery&gt;</a:t>
+            </a:r>
+          </a:p>
+        </p:txBody>
+      </p:sp>
+    </p:spTree>
+  </p:cSld>
+  <p:clrMapOvr>
+    <a:masterClrMapping/>
+  </p:clrMapOvr>
+  <mc:AlternateContent xmlns:mc="http://schemas.openxmlformats.org/markup-compatibility/2006" xmlns:p14="http://schemas.microsoft.com/office/powerpoint/2010/main">
+    <mc:Choice Requires="p14">
+      <p:transition spd="slow" p14:dur="2000"/>
+    </mc:Choice>
+    <mc:Fallback xmlns="">
+      <p:transition spd="slow"/>
+    </mc:Fallback>
+  </mc:AlternateContent>
+  <p:timing>
+    <p:tnLst>
+      <p:par>
+        <p:cTn id="1" dur="indefinite" restart="never" nodeType="tmRoot"/>
+      </p:par>
+    </p:tnLst>
+  </p:timing>
+</p:sld>
+</file>
+
+<file path=ppt/slides/slide41.xml><?xml version="1.0" encoding="utf-8"?>
 <p:sld xmlns:a="http://schemas.openxmlformats.org/drawingml/2006/main" xmlns:r="http://schemas.openxmlformats.org/officeDocument/2006/relationships" xmlns:p="http://schemas.openxmlformats.org/presentationml/2006/main">
   <p:cSld>
     <p:spTree>
@@ -17447,11 +17857,11 @@
   <p:clrMapOvr>
     <a:masterClrMapping/>
   </p:clrMapOvr>
-  <mc:AlternateContent xmlns:mc="http://schemas.openxmlformats.org/markup-compatibility/2006">
-    <mc:Choice xmlns:p14="http://schemas.microsoft.com/office/powerpoint/2010/main" xmlns="" Requires="p14">
+  <mc:AlternateContent xmlns:mc="http://schemas.openxmlformats.org/markup-compatibility/2006" xmlns:p14="http://schemas.microsoft.com/office/powerpoint/2010/main">
+    <mc:Choice Requires="p14">
       <p:transition spd="slow" p14:dur="2000"/>
     </mc:Choice>
-    <mc:Fallback>
+    <mc:Fallback xmlns="">
       <p:transition spd="slow"/>
     </mc:Fallback>
   </mc:AlternateContent>
@@ -17465,7 +17875,7 @@
 </p:sld>
 </file>
 
-<file path=ppt/slides/slide41.xml><?xml version="1.0" encoding="utf-8"?>
+<file path=ppt/slides/slide42.xml><?xml version="1.0" encoding="utf-8"?>
 <p:sld xmlns:a="http://schemas.openxmlformats.org/drawingml/2006/main" xmlns:r="http://schemas.openxmlformats.org/officeDocument/2006/relationships" xmlns:p="http://schemas.openxmlformats.org/presentationml/2006/main">
   <p:cSld>
     <p:spTree>
@@ -17535,7 +17945,7 @@
           <a:blip r:embed="rId3" cstate="print">
             <a:extLst>
               <a:ext uri="{28A0092B-C50C-407E-A947-70E740481C1C}">
-                <a14:useLocalDpi xmlns:a14="http://schemas.microsoft.com/office/drawing/2010/main" xmlns="" val="0"/>
+                <a14:useLocalDpi xmlns:a14="http://schemas.microsoft.com/office/drawing/2010/main" val="0"/>
               </a:ext>
             </a:extLst>
           </a:blip>
@@ -17548,6 +17958,11 @@
             <a:off x="1115616" y="1293912"/>
             <a:ext cx="6912768" cy="5184576"/>
           </a:xfrm>
+          <a:prstGeom prst="roundRect">
+            <a:avLst>
+              <a:gd name="adj" fmla="val 990"/>
+            </a:avLst>
+          </a:prstGeom>
         </p:spPr>
       </p:pic>
     </p:spTree>
@@ -17555,152 +17970,11 @@
   <p:clrMapOvr>
     <a:masterClrMapping/>
   </p:clrMapOvr>
-  <mc:AlternateContent xmlns:mc="http://schemas.openxmlformats.org/markup-compatibility/2006">
-    <mc:Choice xmlns:p14="http://schemas.microsoft.com/office/powerpoint/2010/main" xmlns="" Requires="p14">
+  <mc:AlternateContent xmlns:mc="http://schemas.openxmlformats.org/markup-compatibility/2006" xmlns:p14="http://schemas.microsoft.com/office/powerpoint/2010/main">
+    <mc:Choice Requires="p14">
       <p:transition spd="slow" p14:dur="2000"/>
     </mc:Choice>
-    <mc:Fallback>
-      <p:transition spd="slow"/>
-    </mc:Fallback>
-  </mc:AlternateContent>
-  <p:timing>
-    <p:tnLst>
-      <p:par>
-        <p:cTn id="1" dur="indefinite" restart="never" nodeType="tmRoot"/>
-      </p:par>
-    </p:tnLst>
-  </p:timing>
-</p:sld>
-</file>
-
-<file path=ppt/slides/slide42.xml><?xml version="1.0" encoding="utf-8"?>
-<p:sld xmlns:a="http://schemas.openxmlformats.org/drawingml/2006/main" xmlns:r="http://schemas.openxmlformats.org/officeDocument/2006/relationships" xmlns:p="http://schemas.openxmlformats.org/presentationml/2006/main">
-  <p:cSld>
-    <p:spTree>
-      <p:nvGrpSpPr>
-        <p:cNvPr id="1" name=""/>
-        <p:cNvGrpSpPr/>
-        <p:nvPr/>
-      </p:nvGrpSpPr>
-      <p:grpSpPr>
-        <a:xfrm>
-          <a:off x="0" y="0"/>
-          <a:ext cx="0" cy="0"/>
-          <a:chOff x="0" y="0"/>
-          <a:chExt cx="0" cy="0"/>
-        </a:xfrm>
-      </p:grpSpPr>
-      <p:sp>
-        <p:nvSpPr>
-          <p:cNvPr id="449538" name="Rectangle 2"/>
-          <p:cNvSpPr>
-            <a:spLocks noGrp="1" noChangeArrowheads="1"/>
-          </p:cNvSpPr>
-          <p:nvPr>
-            <p:ph type="title"/>
-          </p:nvPr>
-        </p:nvSpPr>
-        <p:spPr/>
-        <p:txBody>
-          <a:bodyPr/>
-          <a:lstStyle/>
-          <a:p>
-            <a:r>
-              <a:rPr lang="en-US" sz="3800" dirty="0"/>
-              <a:t>Authentication &amp; Authorization</a:t>
-            </a:r>
-            <a:endParaRPr lang="bg-BG" sz="3800" dirty="0"/>
-          </a:p>
-        </p:txBody>
-      </p:sp>
-      <p:sp>
-        <p:nvSpPr>
-          <p:cNvPr id="449539" name="Rectangle 3"/>
-          <p:cNvSpPr>
-            <a:spLocks noGrp="1" noChangeArrowheads="1"/>
-          </p:cNvSpPr>
-          <p:nvPr>
-            <p:ph idx="1"/>
-          </p:nvPr>
-        </p:nvSpPr>
-        <p:spPr>
-          <a:xfrm>
-            <a:off x="2339975" y="1628800"/>
-            <a:ext cx="4608513" cy="1080765"/>
-          </a:xfrm>
-        </p:spPr>
-        <p:txBody>
-          <a:bodyPr/>
-          <a:lstStyle/>
-          <a:p>
-            <a:pPr algn="ctr">
-              <a:lnSpc>
-                <a:spcPct val="100000"/>
-              </a:lnSpc>
-              <a:buFontTx/>
-              <a:buNone/>
-            </a:pPr>
-            <a:r>
-              <a:rPr lang="en-US" sz="6000" dirty="0"/>
-              <a:t>Questions?</a:t>
-            </a:r>
-            <a:endParaRPr lang="bg-BG" sz="6000" dirty="0"/>
-          </a:p>
-        </p:txBody>
-      </p:sp>
-      <p:pic>
-        <p:nvPicPr>
-          <p:cNvPr id="1026" name="Picture 2" descr="http://blogs.netapp.com/photos/uncategorized/2008/12/24/421697032_silverlockkey.jpg"/>
-          <p:cNvPicPr>
-            <a:picLocks noChangeAspect="1" noChangeArrowheads="1"/>
-          </p:cNvPicPr>
-          <p:nvPr/>
-        </p:nvPicPr>
-        <p:blipFill>
-          <a:blip r:embed="rId2" cstate="screen">
-            <a:extLst>
-              <a:ext uri="{28A0092B-C50C-407E-A947-70E740481C1C}">
-                <a14:useLocalDpi xmlns:a14="http://schemas.microsoft.com/office/drawing/2010/main" xmlns=""/>
-              </a:ext>
-            </a:extLst>
-          </a:blip>
-          <a:srcRect/>
-          <a:stretch>
-            <a:fillRect/>
-          </a:stretch>
-        </p:blipFill>
-        <p:spPr bwMode="auto">
-          <a:xfrm>
-            <a:off x="2467940" y="3204962"/>
-            <a:ext cx="4338890" cy="2888334"/>
-          </a:xfrm>
-          <a:prstGeom prst="roundRect">
-            <a:avLst>
-              <a:gd name="adj" fmla="val 3415"/>
-            </a:avLst>
-          </a:prstGeom>
-          <a:noFill/>
-          <a:extLst>
-            <a:ext uri="{909E8E84-426E-40DD-AFC4-6F175D3DCCD1}">
-              <a14:hiddenFill xmlns:a14="http://schemas.microsoft.com/office/drawing/2010/main" xmlns="">
-                <a:solidFill>
-                  <a:srgbClr val="FFFFFF"/>
-                </a:solidFill>
-              </a14:hiddenFill>
-            </a:ext>
-          </a:extLst>
-        </p:spPr>
-      </p:pic>
-    </p:spTree>
-  </p:cSld>
-  <p:clrMapOvr>
-    <a:masterClrMapping/>
-  </p:clrMapOvr>
-  <mc:AlternateContent xmlns:mc="http://schemas.openxmlformats.org/markup-compatibility/2006">
-    <mc:Choice xmlns:p14="http://schemas.microsoft.com/office/powerpoint/2010/main" xmlns="" Requires="p14">
-      <p:transition spd="slow" p14:dur="2000"/>
-    </mc:Choice>
-    <mc:Fallback>
+    <mc:Fallback xmlns="">
       <p:transition spd="slow"/>
     </mc:Fallback>
   </mc:AlternateContent>
@@ -17733,7 +18007,7 @@
       </p:grpSpPr>
       <p:sp>
         <p:nvSpPr>
-          <p:cNvPr id="497666" name="Rectangle 2"/>
+          <p:cNvPr id="449538" name="Rectangle 2"/>
           <p:cNvSpPr>
             <a:spLocks noGrp="1" noChangeArrowheads="1"/>
           </p:cNvSpPr>
@@ -17747,16 +18021,16 @@
           <a:lstStyle/>
           <a:p>
             <a:r>
-              <a:rPr lang="en-US" dirty="0"/>
-              <a:t>Exercises</a:t>
-            </a:r>
-            <a:endParaRPr lang="bg-BG" dirty="0"/>
+              <a:rPr lang="en-US" sz="3800" dirty="0"/>
+              <a:t>Authentication &amp; Authorization</a:t>
+            </a:r>
+            <a:endParaRPr lang="bg-BG" sz="3800" dirty="0"/>
           </a:p>
         </p:txBody>
       </p:sp>
       <p:sp>
         <p:nvSpPr>
-          <p:cNvPr id="497667" name="Rectangle 3"/>
+          <p:cNvPr id="449539" name="Rectangle 3"/>
           <p:cNvSpPr>
             <a:spLocks noGrp="1" noChangeArrowheads="1"/>
           </p:cNvSpPr>
@@ -17766,164 +18040,82 @@
         </p:nvSpPr>
         <p:spPr>
           <a:xfrm>
-            <a:off x="323850" y="980728"/>
-            <a:ext cx="8496300" cy="5688632"/>
+            <a:off x="2339975" y="1628800"/>
+            <a:ext cx="4608513" cy="1080765"/>
           </a:xfrm>
         </p:spPr>
         <p:txBody>
           <a:bodyPr/>
           <a:lstStyle/>
           <a:p>
-            <a:pPr marL="446088" indent="-446088">
+            <a:pPr algn="ctr">
               <a:lnSpc>
                 <a:spcPct val="100000"/>
               </a:lnSpc>
-              <a:buFont typeface="+mj-lt"/>
-              <a:buAutoNum type="arabicPeriod"/>
-              <a:tabLst/>
+              <a:buFontTx/>
+              <a:buNone/>
             </a:pPr>
             <a:r>
-              <a:rPr lang="en-US" sz="2800" dirty="0" smtClean="0"/>
-              <a:t>Create a database </a:t>
-            </a:r>
-            <a:r>
-              <a:rPr lang="en-US" sz="2800" dirty="0" smtClean="0">
-                <a:solidFill>
-                  <a:schemeClr val="accent5">
-                    <a:lumMod val="20000"/>
-                    <a:lumOff val="80000"/>
-                  </a:schemeClr>
-                </a:solidFill>
-                <a:latin typeface="Consolas" pitchFamily="49" charset="0"/>
-                <a:cs typeface="Consolas" pitchFamily="49" charset="0"/>
-              </a:rPr>
-              <a:t>School</a:t>
-            </a:r>
-            <a:r>
-              <a:rPr lang="en-US" sz="2800" dirty="0" smtClean="0"/>
-              <a:t> in SQL Server. Using </a:t>
-            </a:r>
-            <a:r>
-              <a:rPr lang="en-US" sz="2800" noProof="1" smtClean="0">
-                <a:solidFill>
-                  <a:schemeClr val="accent5">
-                    <a:lumMod val="20000"/>
-                    <a:lumOff val="80000"/>
-                  </a:schemeClr>
-                </a:solidFill>
-                <a:latin typeface="Consolas" pitchFamily="49" charset="0"/>
-                <a:cs typeface="Consolas" pitchFamily="49" charset="0"/>
-              </a:rPr>
-              <a:t>aspnet_</a:t>
-            </a:r>
-            <a:r>
-              <a:rPr lang="en-US" sz="2800" dirty="0" smtClean="0">
-                <a:solidFill>
-                  <a:schemeClr val="accent5">
-                    <a:lumMod val="20000"/>
-                    <a:lumOff val="80000"/>
-                  </a:schemeClr>
-                </a:solidFill>
-                <a:latin typeface="Consolas" pitchFamily="49" charset="0"/>
-                <a:cs typeface="Consolas" pitchFamily="49" charset="0"/>
-              </a:rPr>
-              <a:t>r</a:t>
-            </a:r>
-            <a:r>
-              <a:rPr lang="en-US" sz="2800" noProof="1" smtClean="0">
-                <a:solidFill>
-                  <a:schemeClr val="accent5">
-                    <a:lumMod val="20000"/>
-                    <a:lumOff val="80000"/>
-                  </a:schemeClr>
-                </a:solidFill>
-                <a:latin typeface="Consolas" pitchFamily="49" charset="0"/>
-                <a:cs typeface="Consolas" pitchFamily="49" charset="0"/>
-              </a:rPr>
-              <a:t>egsql.exe</a:t>
-            </a:r>
-            <a:r>
-              <a:rPr lang="en-US" sz="2800" noProof="1" smtClean="0"/>
-              <a:t> add the SQL Server membership tables to support users / roles.</a:t>
-            </a:r>
-            <a:endParaRPr lang="bg-BG" sz="2800" dirty="0" smtClean="0"/>
-          </a:p>
-          <a:p>
-            <a:pPr marL="446088" indent="-446088">
-              <a:lnSpc>
-                <a:spcPct val="100000"/>
-              </a:lnSpc>
-              <a:buFont typeface="+mj-lt"/>
-              <a:buAutoNum type="arabicPeriod"/>
-              <a:tabLst/>
-            </a:pPr>
-            <a:r>
-              <a:rPr lang="en-US" sz="2800" dirty="0" smtClean="0"/>
-              <a:t>Using </a:t>
-            </a:r>
-            <a:r>
-              <a:rPr lang="en-US" sz="2800" dirty="0"/>
-              <a:t>the </a:t>
-            </a:r>
-            <a:r>
-              <a:rPr lang="en-US" sz="2800" dirty="0" smtClean="0"/>
-              <a:t>ASP.NET Web </a:t>
-            </a:r>
-            <a:r>
-              <a:rPr lang="en-US" sz="2800" dirty="0"/>
-              <a:t>Site Configuration Tool create a new role "Student" and two users that have the new role. Create a login page and try to enter the site with one of these two accounts.</a:t>
-            </a:r>
-          </a:p>
-          <a:p>
-            <a:pPr marL="446088" indent="-446088">
-              <a:lnSpc>
-                <a:spcPct val="100000"/>
-              </a:lnSpc>
-              <a:buFont typeface="+mj-lt"/>
-              <a:buAutoNum type="arabicPeriod"/>
-              <a:tabLst/>
-            </a:pPr>
-            <a:r>
-              <a:rPr lang="en-US" sz="2800" dirty="0" smtClean="0"/>
-              <a:t>Create a Web site and restrict </a:t>
-            </a:r>
-            <a:r>
-              <a:rPr lang="en-US" sz="2800" dirty="0"/>
-              <a:t>access to a </a:t>
-            </a:r>
-            <a:r>
-              <a:rPr lang="en-US" sz="2800" dirty="0" smtClean="0"/>
-              <a:t>it for </a:t>
-            </a:r>
-            <a:r>
-              <a:rPr lang="en-US" sz="2800" dirty="0"/>
-              <a:t>unregistered users. Implement login page, user registration page </a:t>
-            </a:r>
-            <a:r>
-              <a:rPr lang="en-US" sz="2800" dirty="0" smtClean="0"/>
-              <a:t>and logout link in the master page.</a:t>
-            </a:r>
-            <a:r>
-              <a:rPr lang="en-US" sz="2800" dirty="0"/>
-              <a:t> </a:t>
-            </a:r>
-            <a:r>
-              <a:rPr lang="en-US" sz="2800" dirty="0" smtClean="0"/>
-              <a:t>The site should have the following pages:</a:t>
-            </a:r>
+              <a:rPr lang="en-US" sz="6000" dirty="0"/>
+              <a:t>Questions?</a:t>
+            </a:r>
+            <a:endParaRPr lang="bg-BG" sz="6000" dirty="0"/>
           </a:p>
         </p:txBody>
       </p:sp>
+      <p:pic>
+        <p:nvPicPr>
+          <p:cNvPr id="1026" name="Picture 2" descr="http://blogs.netapp.com/photos/uncategorized/2008/12/24/421697032_silverlockkey.jpg"/>
+          <p:cNvPicPr>
+            <a:picLocks noChangeAspect="1" noChangeArrowheads="1"/>
+          </p:cNvPicPr>
+          <p:nvPr/>
+        </p:nvPicPr>
+        <p:blipFill>
+          <a:blip r:embed="rId2" cstate="screen">
+            <a:extLst>
+              <a:ext uri="{28A0092B-C50C-407E-A947-70E740481C1C}">
+                <a14:useLocalDpi xmlns:a14="http://schemas.microsoft.com/office/drawing/2010/main"/>
+              </a:ext>
+            </a:extLst>
+          </a:blip>
+          <a:srcRect/>
+          <a:stretch>
+            <a:fillRect/>
+          </a:stretch>
+        </p:blipFill>
+        <p:spPr bwMode="auto">
+          <a:xfrm>
+            <a:off x="2467940" y="3204962"/>
+            <a:ext cx="4338890" cy="2888334"/>
+          </a:xfrm>
+          <a:prstGeom prst="roundRect">
+            <a:avLst>
+              <a:gd name="adj" fmla="val 3415"/>
+            </a:avLst>
+          </a:prstGeom>
+          <a:noFill/>
+          <a:extLst>
+            <a:ext uri="{909E8E84-426E-40DD-AFC4-6F175D3DCCD1}">
+              <a14:hiddenFill xmlns:a14="http://schemas.microsoft.com/office/drawing/2010/main">
+                <a:solidFill>
+                  <a:srgbClr val="FFFFFF"/>
+                </a:solidFill>
+              </a14:hiddenFill>
+            </a:ext>
+          </a:extLst>
+        </p:spPr>
+      </p:pic>
     </p:spTree>
   </p:cSld>
   <p:clrMapOvr>
     <a:masterClrMapping/>
   </p:clrMapOvr>
-  <mc:AlternateContent xmlns:mc="http://schemas.openxmlformats.org/markup-compatibility/2006">
-    <mc:Choice xmlns:p14="http://schemas.microsoft.com/office/powerpoint/2010/main" xmlns="" Requires="p14">
+  <mc:AlternateContent xmlns:mc="http://schemas.openxmlformats.org/markup-compatibility/2006" xmlns:p14="http://schemas.microsoft.com/office/powerpoint/2010/main">
+    <mc:Choice Requires="p14">
       <p:transition spd="slow" p14:dur="2000"/>
     </mc:Choice>
-    <mc:Fallback>
+    <mc:Fallback xmlns="">
       <p:transition spd="slow"/>
     </mc:Fallback>
   </mc:AlternateContent>
@@ -17956,6 +18148,229 @@
       </p:grpSpPr>
       <p:sp>
         <p:nvSpPr>
+          <p:cNvPr id="497666" name="Rectangle 2"/>
+          <p:cNvSpPr>
+            <a:spLocks noGrp="1" noChangeArrowheads="1"/>
+          </p:cNvSpPr>
+          <p:nvPr>
+            <p:ph type="title"/>
+          </p:nvPr>
+        </p:nvSpPr>
+        <p:spPr/>
+        <p:txBody>
+          <a:bodyPr/>
+          <a:lstStyle/>
+          <a:p>
+            <a:r>
+              <a:rPr lang="en-US" dirty="0"/>
+              <a:t>Exercises</a:t>
+            </a:r>
+            <a:endParaRPr lang="bg-BG" dirty="0"/>
+          </a:p>
+        </p:txBody>
+      </p:sp>
+      <p:sp>
+        <p:nvSpPr>
+          <p:cNvPr id="497667" name="Rectangle 3"/>
+          <p:cNvSpPr>
+            <a:spLocks noGrp="1" noChangeArrowheads="1"/>
+          </p:cNvSpPr>
+          <p:nvPr>
+            <p:ph idx="1"/>
+          </p:nvPr>
+        </p:nvSpPr>
+        <p:spPr>
+          <a:xfrm>
+            <a:off x="323850" y="980728"/>
+            <a:ext cx="8496300" cy="5688632"/>
+          </a:xfrm>
+        </p:spPr>
+        <p:txBody>
+          <a:bodyPr/>
+          <a:lstStyle/>
+          <a:p>
+            <a:pPr marL="446088" indent="-446088">
+              <a:lnSpc>
+                <a:spcPct val="100000"/>
+              </a:lnSpc>
+              <a:buFont typeface="+mj-lt"/>
+              <a:buAutoNum type="arabicPeriod"/>
+              <a:tabLst/>
+            </a:pPr>
+            <a:r>
+              <a:rPr lang="en-US" sz="2800" dirty="0" smtClean="0"/>
+              <a:t>Create a database </a:t>
+            </a:r>
+            <a:r>
+              <a:rPr lang="en-US" sz="2800" dirty="0" smtClean="0">
+                <a:solidFill>
+                  <a:schemeClr val="accent5">
+                    <a:lumMod val="20000"/>
+                    <a:lumOff val="80000"/>
+                  </a:schemeClr>
+                </a:solidFill>
+                <a:latin typeface="Consolas" pitchFamily="49" charset="0"/>
+                <a:cs typeface="Consolas" pitchFamily="49" charset="0"/>
+              </a:rPr>
+              <a:t>School</a:t>
+            </a:r>
+            <a:r>
+              <a:rPr lang="en-US" sz="2800" dirty="0" smtClean="0"/>
+              <a:t> in SQL Server. Using </a:t>
+            </a:r>
+            <a:r>
+              <a:rPr lang="en-US" sz="2800" noProof="1" smtClean="0">
+                <a:solidFill>
+                  <a:schemeClr val="accent5">
+                    <a:lumMod val="20000"/>
+                    <a:lumOff val="80000"/>
+                  </a:schemeClr>
+                </a:solidFill>
+                <a:latin typeface="Consolas" pitchFamily="49" charset="0"/>
+                <a:cs typeface="Consolas" pitchFamily="49" charset="0"/>
+              </a:rPr>
+              <a:t>aspnet_</a:t>
+            </a:r>
+            <a:r>
+              <a:rPr lang="en-US" sz="2800" dirty="0" smtClean="0">
+                <a:solidFill>
+                  <a:schemeClr val="accent5">
+                    <a:lumMod val="20000"/>
+                    <a:lumOff val="80000"/>
+                  </a:schemeClr>
+                </a:solidFill>
+                <a:latin typeface="Consolas" pitchFamily="49" charset="0"/>
+                <a:cs typeface="Consolas" pitchFamily="49" charset="0"/>
+              </a:rPr>
+              <a:t>r</a:t>
+            </a:r>
+            <a:r>
+              <a:rPr lang="en-US" sz="2800" noProof="1" smtClean="0">
+                <a:solidFill>
+                  <a:schemeClr val="accent5">
+                    <a:lumMod val="20000"/>
+                    <a:lumOff val="80000"/>
+                  </a:schemeClr>
+                </a:solidFill>
+                <a:latin typeface="Consolas" pitchFamily="49" charset="0"/>
+                <a:cs typeface="Consolas" pitchFamily="49" charset="0"/>
+              </a:rPr>
+              <a:t>egsql.exe</a:t>
+            </a:r>
+            <a:r>
+              <a:rPr lang="en-US" sz="2800" noProof="1" smtClean="0"/>
+              <a:t> add the SQL Server membership tables to support users / roles.</a:t>
+            </a:r>
+            <a:endParaRPr lang="bg-BG" sz="2800" dirty="0" smtClean="0"/>
+          </a:p>
+          <a:p>
+            <a:pPr marL="446088" indent="-446088">
+              <a:lnSpc>
+                <a:spcPct val="100000"/>
+              </a:lnSpc>
+              <a:buFont typeface="+mj-lt"/>
+              <a:buAutoNum type="arabicPeriod"/>
+              <a:tabLst/>
+            </a:pPr>
+            <a:r>
+              <a:rPr lang="en-US" sz="2800" dirty="0" smtClean="0"/>
+              <a:t>Using </a:t>
+            </a:r>
+            <a:r>
+              <a:rPr lang="en-US" sz="2800" dirty="0"/>
+              <a:t>the </a:t>
+            </a:r>
+            <a:r>
+              <a:rPr lang="en-US" sz="2800" dirty="0" smtClean="0"/>
+              <a:t>ASP.NET Web </a:t>
+            </a:r>
+            <a:r>
+              <a:rPr lang="en-US" sz="2800" dirty="0"/>
+              <a:t>Site Configuration Tool create a new role "Student" and two users that have the new role. Create a login page and try to enter the site with one of these two accounts.</a:t>
+            </a:r>
+          </a:p>
+          <a:p>
+            <a:pPr marL="446088" indent="-446088">
+              <a:lnSpc>
+                <a:spcPct val="100000"/>
+              </a:lnSpc>
+              <a:buFont typeface="+mj-lt"/>
+              <a:buAutoNum type="arabicPeriod"/>
+              <a:tabLst/>
+            </a:pPr>
+            <a:r>
+              <a:rPr lang="en-US" sz="2800" dirty="0" smtClean="0"/>
+              <a:t>Create a Web site and restrict </a:t>
+            </a:r>
+            <a:r>
+              <a:rPr lang="en-US" sz="2800" dirty="0"/>
+              <a:t>access to a </a:t>
+            </a:r>
+            <a:r>
+              <a:rPr lang="en-US" sz="2800" dirty="0" smtClean="0"/>
+              <a:t>it for </a:t>
+            </a:r>
+            <a:r>
+              <a:rPr lang="en-US" sz="2800" dirty="0"/>
+              <a:t>unregistered users. Implement login page, user registration page </a:t>
+            </a:r>
+            <a:r>
+              <a:rPr lang="en-US" sz="2800" dirty="0" smtClean="0"/>
+              <a:t>and logout link in the master page.</a:t>
+            </a:r>
+            <a:r>
+              <a:rPr lang="en-US" sz="2800" dirty="0"/>
+              <a:t> </a:t>
+            </a:r>
+            <a:r>
+              <a:rPr lang="en-US" sz="2800" dirty="0" smtClean="0"/>
+              <a:t>The site should have the following pages:</a:t>
+            </a:r>
+          </a:p>
+        </p:txBody>
+      </p:sp>
+    </p:spTree>
+  </p:cSld>
+  <p:clrMapOvr>
+    <a:masterClrMapping/>
+  </p:clrMapOvr>
+  <mc:AlternateContent xmlns:mc="http://schemas.openxmlformats.org/markup-compatibility/2006" xmlns:p14="http://schemas.microsoft.com/office/powerpoint/2010/main">
+    <mc:Choice Requires="p14">
+      <p:transition spd="slow" p14:dur="2000"/>
+    </mc:Choice>
+    <mc:Fallback xmlns="">
+      <p:transition spd="slow"/>
+    </mc:Fallback>
+  </mc:AlternateContent>
+  <p:timing>
+    <p:tnLst>
+      <p:par>
+        <p:cTn id="1" dur="indefinite" restart="never" nodeType="tmRoot"/>
+      </p:par>
+    </p:tnLst>
+  </p:timing>
+</p:sld>
+</file>
+
+<file path=ppt/slides/slide45.xml><?xml version="1.0" encoding="utf-8"?>
+<p:sld xmlns:a="http://schemas.openxmlformats.org/drawingml/2006/main" xmlns:r="http://schemas.openxmlformats.org/officeDocument/2006/relationships" xmlns:p="http://schemas.openxmlformats.org/presentationml/2006/main">
+  <p:cSld>
+    <p:spTree>
+      <p:nvGrpSpPr>
+        <p:cNvPr id="1" name=""/>
+        <p:cNvGrpSpPr/>
+        <p:nvPr/>
+      </p:nvGrpSpPr>
+      <p:grpSpPr>
+        <a:xfrm>
+          <a:off x="0" y="0"/>
+          <a:ext cx="0" cy="0"/>
+          <a:chOff x="0" y="0"/>
+          <a:chExt cx="0" cy="0"/>
+        </a:xfrm>
+      </p:grpSpPr>
+      <p:sp>
+        <p:nvSpPr>
           <p:cNvPr id="2" name="Title 1"/>
           <p:cNvSpPr>
             <a:spLocks noGrp="1"/>
@@ -18121,7 +18536,7 @@
     </p:spTree>
     <p:extLst>
       <p:ext uri="{BB962C8B-B14F-4D97-AF65-F5344CB8AC3E}">
-        <p14:creationId xmlns:p14="http://schemas.microsoft.com/office/powerpoint/2010/main" xmlns="" val="2327633360"/>
+        <p14:creationId xmlns:p14="http://schemas.microsoft.com/office/powerpoint/2010/main" val="2327633360"/>
       </p:ext>
     </p:extLst>
   </p:cSld>
@@ -18138,7 +18553,7 @@
 </p:sld>
 </file>
 
-<file path=ppt/slides/slide45.xml><?xml version="1.0" encoding="utf-8"?>
+<file path=ppt/slides/slide46.xml><?xml version="1.0" encoding="utf-8"?>
 <p:sld xmlns:a="http://schemas.openxmlformats.org/drawingml/2006/main" xmlns:r="http://schemas.openxmlformats.org/officeDocument/2006/relationships" xmlns:p="http://schemas.openxmlformats.org/presentationml/2006/main">
   <p:cSld>
     <p:spTree>
@@ -18359,18 +18774,18 @@
     </p:spTree>
     <p:extLst>
       <p:ext uri="{BB962C8B-B14F-4D97-AF65-F5344CB8AC3E}">
-        <p14:creationId xmlns:p14="http://schemas.microsoft.com/office/powerpoint/2010/main" xmlns="" val="3907197757"/>
+        <p14:creationId xmlns:p14="http://schemas.microsoft.com/office/powerpoint/2010/main" val="3907197757"/>
       </p:ext>
     </p:extLst>
   </p:cSld>
   <p:clrMapOvr>
     <a:masterClrMapping/>
   </p:clrMapOvr>
-  <mc:AlternateContent xmlns:mc="http://schemas.openxmlformats.org/markup-compatibility/2006">
-    <mc:Choice xmlns:p14="http://schemas.microsoft.com/office/powerpoint/2010/main" xmlns="" Requires="p14">
+  <mc:AlternateContent xmlns:mc="http://schemas.openxmlformats.org/markup-compatibility/2006" xmlns:p14="http://schemas.microsoft.com/office/powerpoint/2010/main">
+    <mc:Choice Requires="p14">
       <p:transition spd="slow" p14:dur="2000"/>
     </mc:Choice>
-    <mc:Fallback>
+    <mc:Fallback xmlns="">
       <p:transition spd="slow"/>
     </mc:Fallback>
   </mc:AlternateContent>
@@ -18470,14 +18885,15 @@
             <a:pPr marL="712788" lvl="1" indent="-350838"/>
             <a:r>
               <a:rPr lang="en-US" dirty="0"/>
-              <a:t>Uses the security features integrated </a:t>
-            </a:r>
-            <a:br>
+              <a:t>Uses the security features </a:t>
+            </a:r>
+            <a:r>
+              <a:rPr lang="en-US" dirty="0" smtClean="0"/>
+              <a:t>integrated into </a:t>
+            </a:r>
+            <a:r>
               <a:rPr lang="en-US" dirty="0"/>
-            </a:br>
-            <a:r>
-              <a:rPr lang="en-US" dirty="0"/>
-              <a:t>into the Windows </a:t>
+              <a:t>the Windows </a:t>
             </a:r>
             <a:r>
               <a:rPr lang="en-US" dirty="0" smtClean="0"/>
@@ -18569,11 +18985,11 @@
   <p:clrMapOvr>
     <a:masterClrMapping/>
   </p:clrMapOvr>
-  <mc:AlternateContent xmlns:mc="http://schemas.openxmlformats.org/markup-compatibility/2006">
-    <mc:Choice xmlns:p14="http://schemas.microsoft.com/office/powerpoint/2010/main" xmlns="" Requires="p14">
+  <mc:AlternateContent xmlns:mc="http://schemas.openxmlformats.org/markup-compatibility/2006" xmlns:p14="http://schemas.microsoft.com/office/powerpoint/2010/main">
+    <mc:Choice Requires="p14">
       <p:transition spd="slow" p14:dur="2000"/>
     </mc:Choice>
-    <mc:Fallback>
+    <mc:Fallback xmlns="">
       <p:transition spd="slow"/>
     </mc:Fallback>
   </mc:AlternateContent>
@@ -18647,6 +19063,11 @@
           <a:bodyPr/>
           <a:lstStyle/>
           <a:p>
+            <a:pPr>
+              <a:lnSpc>
+                <a:spcPct val="100000"/>
+              </a:lnSpc>
+            </a:pPr>
             <a:r>
               <a:rPr lang="en-US" dirty="0" smtClean="0"/>
               <a:t>In </a:t>
@@ -18685,27 +19106,44 @@
             <a:endParaRPr lang="bg-BG" dirty="0"/>
           </a:p>
           <a:p>
+            <a:pPr>
+              <a:lnSpc>
+                <a:spcPct val="100000"/>
+              </a:lnSpc>
+            </a:pPr>
             <a:r>
               <a:rPr lang="en-US" dirty="0"/>
               <a:t>Network resources and Web applications use the same:</a:t>
             </a:r>
           </a:p>
           <a:p>
-            <a:pPr marL="808038" lvl="1" indent="-361950"/>
+            <a:pPr marL="808038" lvl="1" indent="-361950">
+              <a:lnSpc>
+                <a:spcPct val="100000"/>
+              </a:lnSpc>
+            </a:pPr>
             <a:r>
               <a:rPr lang="en-US" dirty="0"/>
               <a:t>User names</a:t>
             </a:r>
           </a:p>
           <a:p>
-            <a:pPr marL="808038" lvl="1" indent="-361950"/>
+            <a:pPr marL="808038" lvl="1" indent="-361950">
+              <a:lnSpc>
+                <a:spcPct val="100000"/>
+              </a:lnSpc>
+            </a:pPr>
             <a:r>
               <a:rPr lang="en-US" dirty="0"/>
               <a:t>Passwords</a:t>
             </a:r>
           </a:p>
           <a:p>
-            <a:pPr marL="808038" lvl="1" indent="-361950"/>
+            <a:pPr marL="808038" lvl="1" indent="-361950">
+              <a:lnSpc>
+                <a:spcPct val="100000"/>
+              </a:lnSpc>
+            </a:pPr>
             <a:r>
               <a:rPr lang="en-US" dirty="0"/>
               <a:t>Permissions</a:t>
@@ -18713,13 +19151,14 @@
             <a:endParaRPr lang="bg-BG" dirty="0"/>
           </a:p>
           <a:p>
+            <a:pPr>
+              <a:lnSpc>
+                <a:spcPct val="100000"/>
+              </a:lnSpc>
+            </a:pPr>
             <a:r>
               <a:rPr lang="en-US" dirty="0" smtClean="0"/>
-              <a:t>It is </a:t>
-            </a:r>
-            <a:r>
-              <a:rPr lang="en-US" dirty="0" smtClean="0"/>
-              <a:t>the default </a:t>
+              <a:t>It is the default </a:t>
             </a:r>
             <a:r>
               <a:rPr lang="en-US" dirty="0"/>
@@ -18741,11 +19180,11 @@
   <p:clrMapOvr>
     <a:masterClrMapping/>
   </p:clrMapOvr>
-  <mc:AlternateContent xmlns:mc="http://schemas.openxmlformats.org/markup-compatibility/2006">
-    <mc:Choice xmlns:p14="http://schemas.microsoft.com/office/powerpoint/2010/main" xmlns="" Requires="p14">
+  <mc:AlternateContent xmlns:mc="http://schemas.openxmlformats.org/markup-compatibility/2006" xmlns:p14="http://schemas.microsoft.com/office/powerpoint/2010/main">
+    <mc:Choice Requires="p14">
       <p:transition spd="slow" p14:dur="2000"/>
     </mc:Choice>
-    <mc:Fallback>
+    <mc:Fallback xmlns="">
       <p:transition spd="slow"/>
     </mc:Fallback>
   </mc:AlternateContent>
@@ -18888,11 +19327,11 @@
   <p:clrMapOvr>
     <a:masterClrMapping/>
   </p:clrMapOvr>
-  <mc:AlternateContent xmlns:mc="http://schemas.openxmlformats.org/markup-compatibility/2006">
-    <mc:Choice xmlns:p14="http://schemas.microsoft.com/office/powerpoint/2010/main" xmlns="" Requires="p14">
+  <mc:AlternateContent xmlns:mc="http://schemas.openxmlformats.org/markup-compatibility/2006" xmlns:p14="http://schemas.microsoft.com/office/powerpoint/2010/main">
+    <mc:Choice Requires="p14">
       <p:transition spd="slow" p14:dur="2000"/>
     </mc:Choice>
-    <mc:Fallback>
+    <mc:Fallback xmlns="">
       <p:transition spd="slow"/>
     </mc:Fallback>
   </mc:AlternateContent>
@@ -19252,11 +19691,11 @@
   <p:clrMapOvr>
     <a:masterClrMapping/>
   </p:clrMapOvr>
-  <mc:AlternateContent xmlns:mc="http://schemas.openxmlformats.org/markup-compatibility/2006">
-    <mc:Choice xmlns:p14="http://schemas.microsoft.com/office/powerpoint/2010/main" xmlns="" Requires="p14">
+  <mc:AlternateContent xmlns:mc="http://schemas.openxmlformats.org/markup-compatibility/2006" xmlns:p14="http://schemas.microsoft.com/office/powerpoint/2010/main">
+    <mc:Choice Requires="p14">
       <p:transition spd="slow" p14:dur="2000"/>
     </mc:Choice>
-    <mc:Fallback>
+    <mc:Fallback xmlns="">
       <p:transition spd="slow"/>
     </mc:Fallback>
   </mc:AlternateContent>
@@ -19349,7 +19788,7 @@
           <a:blip r:embed="rId2" cstate="print">
             <a:extLst>
               <a:ext uri="{28A0092B-C50C-407E-A947-70E740481C1C}">
-                <a14:useLocalDpi xmlns:a14="http://schemas.microsoft.com/office/drawing/2010/main" xmlns="" val="0"/>
+                <a14:useLocalDpi xmlns:a14="http://schemas.microsoft.com/office/drawing/2010/main" val="0"/>
               </a:ext>
             </a:extLst>
           </a:blip>
@@ -19372,14 +19811,14 @@
           <a:effectLst/>
           <a:extLst>
             <a:ext uri="{909E8E84-426E-40DD-AFC4-6F175D3DCCD1}">
-              <a14:hiddenFill xmlns:a14="http://schemas.microsoft.com/office/drawing/2010/main" xmlns="">
+              <a14:hiddenFill xmlns:a14="http://schemas.microsoft.com/office/drawing/2010/main">
                 <a:solidFill>
                   <a:schemeClr val="accent1"/>
                 </a:solidFill>
               </a14:hiddenFill>
             </a:ext>
             <a:ext uri="{91240B29-F687-4F45-9708-019B960494DF}">
-              <a14:hiddenLine xmlns:a14="http://schemas.microsoft.com/office/drawing/2010/main" xmlns="" w="9525">
+              <a14:hiddenLine xmlns:a14="http://schemas.microsoft.com/office/drawing/2010/main" w="9525">
                 <a:solidFill>
                   <a:schemeClr val="tx1"/>
                 </a:solidFill>
@@ -19389,7 +19828,7 @@
               </a14:hiddenLine>
             </a:ext>
             <a:ext uri="{AF507438-7753-43E0-B8FC-AC1667EBCBE1}">
-              <a14:hiddenEffects xmlns:a14="http://schemas.microsoft.com/office/drawing/2010/main" xmlns="">
+              <a14:hiddenEffects xmlns:a14="http://schemas.microsoft.com/office/drawing/2010/main">
                 <a:effectLst>
                   <a:outerShdw dist="35921" dir="2700000" algn="ctr" rotWithShape="0">
                     <a:schemeClr val="bg2"/>
@@ -20445,7 +20884,7 @@
     </p:spTree>
     <p:extLst>
       <p:ext uri="{BB962C8B-B14F-4D97-AF65-F5344CB8AC3E}">
-        <p14:creationId xmlns:p14="http://schemas.microsoft.com/office/powerpoint/2010/main" xmlns="" val="9758933"/>
+        <p14:creationId xmlns:p14="http://schemas.microsoft.com/office/powerpoint/2010/main" val="9758933"/>
       </p:ext>
     </p:extLst>
   </p:cSld>
@@ -20716,7 +21155,7 @@
         </a:effectLst>
         <a:extLst>
           <a:ext uri="{909E8E84-426E-40DD-AFC4-6F175D3DCCD1}">
-            <a14:hiddenFill xmlns:a14="http://schemas.microsoft.com/office/drawing/2010/main" xmlns="">
+            <a14:hiddenFill xmlns:a14="http://schemas.microsoft.com/office/drawing/2010/main">
               <a:solidFill>
                 <a:srgbClr val="FFFFFF">
                   <a:alpha val="30000"/>
@@ -20725,7 +21164,7 @@
             </a14:hiddenFill>
           </a:ext>
           <a:ext uri="{91240B29-F687-4F45-9708-019B960494DF}">
-            <a14:hiddenLine xmlns:a14="http://schemas.microsoft.com/office/drawing/2010/main" xmlns="" w="9525" cap="flat" cmpd="sng" algn="ctr">
+            <a14:hiddenLine xmlns:a14="http://schemas.microsoft.com/office/drawing/2010/main" w="9525" cap="flat" cmpd="sng" algn="ctr">
               <a:solidFill>
                 <a:schemeClr val="tx1"/>
               </a:solidFill>
@@ -20802,7 +21241,7 @@
         </a:effectLst>
         <a:extLst>
           <a:ext uri="{909E8E84-426E-40DD-AFC4-6F175D3DCCD1}">
-            <a14:hiddenFill xmlns:a14="http://schemas.microsoft.com/office/drawing/2010/main" xmlns="">
+            <a14:hiddenFill xmlns:a14="http://schemas.microsoft.com/office/drawing/2010/main">
               <a:solidFill>
                 <a:srgbClr val="FFFFFF">
                   <a:alpha val="30000"/>
@@ -20811,7 +21250,7 @@
             </a14:hiddenFill>
           </a:ext>
           <a:ext uri="{91240B29-F687-4F45-9708-019B960494DF}">
-            <a14:hiddenLine xmlns:a14="http://schemas.microsoft.com/office/drawing/2010/main" xmlns="" w="9525" cap="flat" cmpd="sng" algn="ctr">
+            <a14:hiddenLine xmlns:a14="http://schemas.microsoft.com/office/drawing/2010/main" w="9525" cap="flat" cmpd="sng" algn="ctr">
               <a:solidFill>
                 <a:schemeClr val="tx1"/>
               </a:solidFill>

--- a/trunk/2010/lectures/12. ASP.NET-Authentication-and-Authorization.pptx
+++ b/trunk/2010/lectures/12. ASP.NET-Authentication-and-Authorization.pptx
@@ -31,9 +31,9 @@
     <p:sldId id="335" r:id="rId19"/>
     <p:sldId id="337" r:id="rId20"/>
     <p:sldId id="309" r:id="rId21"/>
-    <p:sldId id="308" r:id="rId22"/>
-    <p:sldId id="332" r:id="rId23"/>
-    <p:sldId id="329" r:id="rId24"/>
+    <p:sldId id="329" r:id="rId22"/>
+    <p:sldId id="308" r:id="rId23"/>
+    <p:sldId id="332" r:id="rId24"/>
     <p:sldId id="330" r:id="rId25"/>
     <p:sldId id="310" r:id="rId26"/>
     <p:sldId id="346" r:id="rId27"/>
@@ -446,7 +446,7 @@
             <a:fld id="{3834C0C5-3A2C-4908-BFAA-28067658D7AC}" type="datetime1">
               <a:rPr lang="en-US"/>
               <a:pPr/>
-              <a:t>10/13/2010</a:t>
+              <a:t>1/13/2011</a:t>
             </a:fld>
             <a:endParaRPr lang="bg-BG"/>
           </a:p>
@@ -803,7 +803,7 @@
             <a:fld id="{51491A16-738F-4799-8716-258CFD03D432}" type="datetime1">
               <a:rPr lang="en-US"/>
               <a:pPr/>
-              <a:t>10/13/2010</a:t>
+              <a:t>1/13/2011</a:t>
             </a:fld>
             <a:r>
               <a:rPr lang="en-US"/>
@@ -1387,6 +1387,1986 @@
 </p:notes>
 </file>
 
+<file path=ppt/notesSlides/notesSlide10.xml><?xml version="1.0" encoding="utf-8"?>
+<p:notes xmlns:a="http://schemas.openxmlformats.org/drawingml/2006/main" xmlns:r="http://schemas.openxmlformats.org/officeDocument/2006/relationships" xmlns:p="http://schemas.openxmlformats.org/presentationml/2006/main">
+  <p:cSld>
+    <p:spTree>
+      <p:nvGrpSpPr>
+        <p:cNvPr id="1" name=""/>
+        <p:cNvGrpSpPr/>
+        <p:nvPr/>
+      </p:nvGrpSpPr>
+      <p:grpSpPr>
+        <a:xfrm>
+          <a:off x="0" y="0"/>
+          <a:ext cx="0" cy="0"/>
+          <a:chOff x="0" y="0"/>
+          <a:chExt cx="0" cy="0"/>
+        </a:xfrm>
+      </p:grpSpPr>
+      <p:sp>
+        <p:nvSpPr>
+          <p:cNvPr id="2" name="Slide Image Placeholder 1"/>
+          <p:cNvSpPr>
+            <a:spLocks noGrp="1" noRot="1" noChangeAspect="1"/>
+          </p:cNvSpPr>
+          <p:nvPr>
+            <p:ph type="sldImg"/>
+          </p:nvPr>
+        </p:nvSpPr>
+        <p:spPr/>
+      </p:sp>
+      <p:sp>
+        <p:nvSpPr>
+          <p:cNvPr id="3" name="Notes Placeholder 2"/>
+          <p:cNvSpPr>
+            <a:spLocks noGrp="1"/>
+          </p:cNvSpPr>
+          <p:nvPr>
+            <p:ph type="body" idx="1"/>
+          </p:nvPr>
+        </p:nvSpPr>
+        <p:spPr/>
+        <p:txBody>
+          <a:bodyPr/>
+          <a:lstStyle/>
+          <a:p>
+            <a:r>
+              <a:rPr lang="en-US" dirty="0" smtClean="0"/>
+              <a:t>1) </a:t>
+            </a:r>
+            <a:r>
+              <a:rPr lang="en-US" dirty="0" smtClean="0">
+                <a:effectLst/>
+              </a:rPr>
+              <a:t>A </a:t>
+            </a:r>
+            <a:r>
+              <a:rPr lang="en-US" i="1" dirty="0" smtClean="0">
+                <a:effectLst/>
+              </a:rPr>
+              <a:t>role</a:t>
+            </a:r>
+            <a:r>
+              <a:rPr lang="en-US" dirty="0" smtClean="0">
+                <a:effectLst/>
+              </a:rPr>
+              <a:t> in ASP.NET is, essentially, a group of users. By assigning users to specified roles ( admins, managers, staff, etc. ), you can selectively control access to specified portions of your application based on roles, instead of, or in addition to, allowing or denying authorization to individual users. </a:t>
+            </a:r>
+          </a:p>
+          <a:p>
+            <a:endParaRPr lang="en-US" dirty="0"/>
+          </a:p>
+        </p:txBody>
+      </p:sp>
+      <p:sp>
+        <p:nvSpPr>
+          <p:cNvPr id="4" name="Header Placeholder 3"/>
+          <p:cNvSpPr>
+            <a:spLocks noGrp="1"/>
+          </p:cNvSpPr>
+          <p:nvPr>
+            <p:ph type="hdr" sz="quarter" idx="10"/>
+          </p:nvPr>
+        </p:nvSpPr>
+        <p:spPr/>
+        <p:txBody>
+          <a:bodyPr/>
+          <a:lstStyle/>
+          <a:p>
+            <a:r>
+              <a:rPr lang="en-US" smtClean="0"/>
+              <a:t>*</a:t>
+            </a:r>
+            <a:endParaRPr lang="en-US" sz="1300" i="0"/>
+          </a:p>
+        </p:txBody>
+      </p:sp>
+      <p:sp>
+        <p:nvSpPr>
+          <p:cNvPr id="5" name="Footer Placeholder 4"/>
+          <p:cNvSpPr>
+            <a:spLocks noGrp="1"/>
+          </p:cNvSpPr>
+          <p:nvPr>
+            <p:ph type="ftr" sz="quarter" idx="11"/>
+          </p:nvPr>
+        </p:nvSpPr>
+        <p:spPr/>
+        <p:txBody>
+          <a:bodyPr/>
+          <a:lstStyle/>
+          <a:p>
+            <a:r>
+              <a:rPr lang="en-US" smtClean="0"/>
+              <a:t>(c) 2005 National Academy for Software Development - http://academy.devbg.org. All rights reserved. Unauthorized copying or re-distribution is strictly prohibited.*</a:t>
+            </a:r>
+            <a:endParaRPr lang="en-US" sz="1300" i="0"/>
+          </a:p>
+        </p:txBody>
+      </p:sp>
+      <p:sp>
+        <p:nvSpPr>
+          <p:cNvPr id="6" name="Slide Number Placeholder 5"/>
+          <p:cNvSpPr>
+            <a:spLocks noGrp="1"/>
+          </p:cNvSpPr>
+          <p:nvPr>
+            <p:ph type="sldNum" sz="quarter" idx="12"/>
+          </p:nvPr>
+        </p:nvSpPr>
+        <p:spPr/>
+        <p:txBody>
+          <a:bodyPr/>
+          <a:lstStyle/>
+          <a:p>
+            <a:fld id="{625F40C3-04A4-4B2D-AC38-F17D07917260}" type="slidenum">
+              <a:rPr lang="en-US" smtClean="0"/>
+              <a:pPr/>
+              <a:t>21</a:t>
+            </a:fld>
+            <a:r>
+              <a:rPr lang="en-US" smtClean="0"/>
+              <a:t>##</a:t>
+            </a:r>
+            <a:endParaRPr lang="en-US" sz="1300" i="0"/>
+          </a:p>
+        </p:txBody>
+      </p:sp>
+    </p:spTree>
+    <p:extLst>
+      <p:ext uri="{BB962C8B-B14F-4D97-AF65-F5344CB8AC3E}">
+        <p14:creationId xmlns:p14="http://schemas.microsoft.com/office/powerpoint/2010/main" val="922620845"/>
+      </p:ext>
+    </p:extLst>
+  </p:cSld>
+  <p:clrMapOvr>
+    <a:masterClrMapping/>
+  </p:clrMapOvr>
+</p:notes>
+</file>
+
+<file path=ppt/notesSlides/notesSlide11.xml><?xml version="1.0" encoding="utf-8"?>
+<p:notes xmlns:a="http://schemas.openxmlformats.org/drawingml/2006/main" xmlns:r="http://schemas.openxmlformats.org/officeDocument/2006/relationships" xmlns:p="http://schemas.openxmlformats.org/presentationml/2006/main">
+  <p:cSld>
+    <p:spTree>
+      <p:nvGrpSpPr>
+        <p:cNvPr id="1" name=""/>
+        <p:cNvGrpSpPr/>
+        <p:nvPr/>
+      </p:nvGrpSpPr>
+      <p:grpSpPr>
+        <a:xfrm>
+          <a:off x="0" y="0"/>
+          <a:ext cx="0" cy="0"/>
+          <a:chOff x="0" y="0"/>
+          <a:chExt cx="0" cy="0"/>
+        </a:xfrm>
+      </p:grpSpPr>
+      <p:sp>
+        <p:nvSpPr>
+          <p:cNvPr id="2" name="Slide Image Placeholder 1"/>
+          <p:cNvSpPr>
+            <a:spLocks noGrp="1" noRot="1" noChangeAspect="1"/>
+          </p:cNvSpPr>
+          <p:nvPr>
+            <p:ph type="sldImg"/>
+          </p:nvPr>
+        </p:nvSpPr>
+        <p:spPr/>
+      </p:sp>
+      <p:sp>
+        <p:nvSpPr>
+          <p:cNvPr id="3" name="Notes Placeholder 2"/>
+          <p:cNvSpPr>
+            <a:spLocks noGrp="1"/>
+          </p:cNvSpPr>
+          <p:nvPr>
+            <p:ph type="body" idx="1"/>
+          </p:nvPr>
+        </p:nvSpPr>
+        <p:spPr/>
+        <p:txBody>
+          <a:bodyPr/>
+          <a:lstStyle/>
+          <a:p>
+            <a:pPr marL="0" marR="0" indent="0" algn="l" defTabSz="914400" rtl="0" eaLnBrk="1" fontAlgn="base" latinLnBrk="0" hangingPunct="1">
+              <a:lnSpc>
+                <a:spcPct val="100000"/>
+              </a:lnSpc>
+              <a:spcBef>
+                <a:spcPct val="30000"/>
+              </a:spcBef>
+              <a:spcAft>
+                <a:spcPct val="0"/>
+              </a:spcAft>
+              <a:buClrTx/>
+              <a:buSzTx/>
+              <a:buFontTx/>
+              <a:buNone/>
+              <a:tabLst/>
+              <a:defRPr/>
+            </a:pPr>
+            <a:r>
+              <a:rPr lang="en-US" dirty="0" smtClean="0"/>
+              <a:t>1) The ASP.NET SQL Server registration tool (Aspnet_regsql.exe) is used to create a Microsoft SQL Server database that is used by the SQL Server providers in ASP.NET. The tool is also used to add or remove options from an existing database. </a:t>
+            </a:r>
+          </a:p>
+          <a:p>
+            <a:pPr marL="0" marR="0" indent="0" algn="l" defTabSz="914400" rtl="0" eaLnBrk="1" fontAlgn="base" latinLnBrk="0" hangingPunct="1">
+              <a:lnSpc>
+                <a:spcPct val="100000"/>
+              </a:lnSpc>
+              <a:spcBef>
+                <a:spcPct val="30000"/>
+              </a:spcBef>
+              <a:spcAft>
+                <a:spcPct val="0"/>
+              </a:spcAft>
+              <a:buClrTx/>
+              <a:buSzTx/>
+              <a:buFontTx/>
+              <a:buNone/>
+              <a:tabLst/>
+              <a:defRPr/>
+            </a:pPr>
+            <a:r>
+              <a:rPr lang="en-US" dirty="0" smtClean="0"/>
+              <a:t>2) When you install ASP.NET, the </a:t>
+            </a:r>
+            <a:r>
+              <a:rPr lang="en-US" dirty="0" err="1" smtClean="0"/>
+              <a:t>Machine.config</a:t>
+            </a:r>
+            <a:r>
+              <a:rPr lang="en-US" dirty="0" smtClean="0"/>
+              <a:t> file for your server includes configuration elements that specify SQL Server providers for each of the ASP.NET features that rely on a provider. These providers are configured, by default, to connect to a local user instance of SQL Server Express. If you change the default connection string used by the providers, then before you can use any of the ASP.NET features configured in the machine configuration, you must install the SQL Server database and the database elements for your chosen feature using Aspnet_regsql.exe. If the database that you specify with Aspnet_regsql.exe does not already exist (</a:t>
+            </a:r>
+            <a:r>
+              <a:rPr lang="en-US" dirty="0" err="1" smtClean="0"/>
+              <a:t>aspnetdb</a:t>
+            </a:r>
+            <a:r>
+              <a:rPr lang="en-US" dirty="0" smtClean="0"/>
+              <a:t> will be the default database if one is not specified on the command line), then the current user must have rights to create databases in SQL Server as well as to create schema elements within a database.</a:t>
+            </a:r>
+          </a:p>
+          <a:p>
+            <a:pPr marL="0" marR="0" indent="0" algn="l" defTabSz="914400" rtl="0" eaLnBrk="1" fontAlgn="base" latinLnBrk="0" hangingPunct="1">
+              <a:lnSpc>
+                <a:spcPct val="100000"/>
+              </a:lnSpc>
+              <a:spcBef>
+                <a:spcPct val="30000"/>
+              </a:spcBef>
+              <a:spcAft>
+                <a:spcPct val="0"/>
+              </a:spcAft>
+              <a:buClrTx/>
+              <a:buSzTx/>
+              <a:buFontTx/>
+              <a:buNone/>
+              <a:tabLst/>
+              <a:defRPr/>
+            </a:pPr>
+            <a:r>
+              <a:rPr lang="en-US" dirty="0" smtClean="0"/>
+              <a:t>3) You can run Aspnet_regsql.exe without any command-line arguments to run a wizard that will walk you through specifying connection information for your SQL Server database and installing or removing the database elements for supported features. </a:t>
+            </a:r>
+          </a:p>
+          <a:p>
+            <a:endParaRPr lang="en-US" dirty="0"/>
+          </a:p>
+        </p:txBody>
+      </p:sp>
+      <p:sp>
+        <p:nvSpPr>
+          <p:cNvPr id="4" name="Header Placeholder 3"/>
+          <p:cNvSpPr>
+            <a:spLocks noGrp="1"/>
+          </p:cNvSpPr>
+          <p:nvPr>
+            <p:ph type="hdr" sz="quarter" idx="10"/>
+          </p:nvPr>
+        </p:nvSpPr>
+        <p:spPr/>
+        <p:txBody>
+          <a:bodyPr/>
+          <a:lstStyle/>
+          <a:p>
+            <a:r>
+              <a:rPr lang="en-US" smtClean="0"/>
+              <a:t>*</a:t>
+            </a:r>
+            <a:endParaRPr lang="en-US" sz="1300" i="0"/>
+          </a:p>
+        </p:txBody>
+      </p:sp>
+      <p:sp>
+        <p:nvSpPr>
+          <p:cNvPr id="5" name="Footer Placeholder 4"/>
+          <p:cNvSpPr>
+            <a:spLocks noGrp="1"/>
+          </p:cNvSpPr>
+          <p:nvPr>
+            <p:ph type="ftr" sz="quarter" idx="11"/>
+          </p:nvPr>
+        </p:nvSpPr>
+        <p:spPr/>
+        <p:txBody>
+          <a:bodyPr/>
+          <a:lstStyle/>
+          <a:p>
+            <a:r>
+              <a:rPr lang="en-US" smtClean="0"/>
+              <a:t>(c) 2005 National Academy for Software Development - http://academy.devbg.org. All rights reserved. Unauthorized copying or re-distribution is strictly prohibited.*</a:t>
+            </a:r>
+            <a:endParaRPr lang="en-US" sz="1300" i="0"/>
+          </a:p>
+        </p:txBody>
+      </p:sp>
+      <p:sp>
+        <p:nvSpPr>
+          <p:cNvPr id="6" name="Slide Number Placeholder 5"/>
+          <p:cNvSpPr>
+            <a:spLocks noGrp="1"/>
+          </p:cNvSpPr>
+          <p:nvPr>
+            <p:ph type="sldNum" sz="quarter" idx="12"/>
+          </p:nvPr>
+        </p:nvSpPr>
+        <p:spPr/>
+        <p:txBody>
+          <a:bodyPr/>
+          <a:lstStyle/>
+          <a:p>
+            <a:fld id="{625F40C3-04A4-4B2D-AC38-F17D07917260}" type="slidenum">
+              <a:rPr lang="en-US" smtClean="0"/>
+              <a:pPr/>
+              <a:t>24</a:t>
+            </a:fld>
+            <a:r>
+              <a:rPr lang="en-US" smtClean="0"/>
+              <a:t>##</a:t>
+            </a:r>
+            <a:endParaRPr lang="en-US" sz="1300" i="0"/>
+          </a:p>
+        </p:txBody>
+      </p:sp>
+    </p:spTree>
+    <p:extLst>
+      <p:ext uri="{BB962C8B-B14F-4D97-AF65-F5344CB8AC3E}">
+        <p14:creationId xmlns:p14="http://schemas.microsoft.com/office/powerpoint/2010/main" val="2584331794"/>
+      </p:ext>
+    </p:extLst>
+  </p:cSld>
+  <p:clrMapOvr>
+    <a:masterClrMapping/>
+  </p:clrMapOvr>
+</p:notes>
+</file>
+
+<file path=ppt/notesSlides/notesSlide12.xml><?xml version="1.0" encoding="utf-8"?>
+<p:notes xmlns:a="http://schemas.openxmlformats.org/drawingml/2006/main" xmlns:r="http://schemas.openxmlformats.org/officeDocument/2006/relationships" xmlns:p="http://schemas.openxmlformats.org/presentationml/2006/main">
+  <p:cSld>
+    <p:spTree>
+      <p:nvGrpSpPr>
+        <p:cNvPr id="1" name=""/>
+        <p:cNvGrpSpPr/>
+        <p:nvPr/>
+      </p:nvGrpSpPr>
+      <p:grpSpPr>
+        <a:xfrm>
+          <a:off x="0" y="0"/>
+          <a:ext cx="0" cy="0"/>
+          <a:chOff x="0" y="0"/>
+          <a:chExt cx="0" cy="0"/>
+        </a:xfrm>
+      </p:grpSpPr>
+      <p:sp>
+        <p:nvSpPr>
+          <p:cNvPr id="2" name="Slide Image Placeholder 1"/>
+          <p:cNvSpPr>
+            <a:spLocks noGrp="1" noRot="1" noChangeAspect="1"/>
+          </p:cNvSpPr>
+          <p:nvPr>
+            <p:ph type="sldImg"/>
+          </p:nvPr>
+        </p:nvSpPr>
+        <p:spPr/>
+      </p:sp>
+      <p:sp>
+        <p:nvSpPr>
+          <p:cNvPr id="3" name="Notes Placeholder 2"/>
+          <p:cNvSpPr>
+            <a:spLocks noGrp="1"/>
+          </p:cNvSpPr>
+          <p:nvPr>
+            <p:ph type="body" idx="1"/>
+          </p:nvPr>
+        </p:nvSpPr>
+        <p:spPr/>
+        <p:txBody>
+          <a:bodyPr/>
+          <a:lstStyle/>
+          <a:p>
+            <a:endParaRPr lang="en-US" dirty="0"/>
+          </a:p>
+        </p:txBody>
+      </p:sp>
+      <p:sp>
+        <p:nvSpPr>
+          <p:cNvPr id="4" name="Header Placeholder 3"/>
+          <p:cNvSpPr>
+            <a:spLocks noGrp="1"/>
+          </p:cNvSpPr>
+          <p:nvPr>
+            <p:ph type="hdr" sz="quarter" idx="10"/>
+          </p:nvPr>
+        </p:nvSpPr>
+        <p:spPr/>
+        <p:txBody>
+          <a:bodyPr/>
+          <a:lstStyle/>
+          <a:p>
+            <a:r>
+              <a:rPr lang="en-US" smtClean="0"/>
+              <a:t>*</a:t>
+            </a:r>
+            <a:endParaRPr lang="en-US" sz="1300" i="0"/>
+          </a:p>
+        </p:txBody>
+      </p:sp>
+      <p:sp>
+        <p:nvSpPr>
+          <p:cNvPr id="5" name="Footer Placeholder 4"/>
+          <p:cNvSpPr>
+            <a:spLocks noGrp="1"/>
+          </p:cNvSpPr>
+          <p:nvPr>
+            <p:ph type="ftr" sz="quarter" idx="11"/>
+          </p:nvPr>
+        </p:nvSpPr>
+        <p:spPr/>
+        <p:txBody>
+          <a:bodyPr/>
+          <a:lstStyle/>
+          <a:p>
+            <a:r>
+              <a:rPr lang="en-US" smtClean="0"/>
+              <a:t>(c) 2005 National Academy for Software Development - http://academy.devbg.org. All rights reserved. Unauthorized copying or re-distribution is strictly prohibited.*</a:t>
+            </a:r>
+            <a:endParaRPr lang="en-US" sz="1300" i="0"/>
+          </a:p>
+        </p:txBody>
+      </p:sp>
+      <p:sp>
+        <p:nvSpPr>
+          <p:cNvPr id="6" name="Slide Number Placeholder 5"/>
+          <p:cNvSpPr>
+            <a:spLocks noGrp="1"/>
+          </p:cNvSpPr>
+          <p:nvPr>
+            <p:ph type="sldNum" sz="quarter" idx="12"/>
+          </p:nvPr>
+        </p:nvSpPr>
+        <p:spPr/>
+        <p:txBody>
+          <a:bodyPr/>
+          <a:lstStyle/>
+          <a:p>
+            <a:fld id="{625F40C3-04A4-4B2D-AC38-F17D07917260}" type="slidenum">
+              <a:rPr lang="en-US" smtClean="0"/>
+              <a:pPr/>
+              <a:t>25</a:t>
+            </a:fld>
+            <a:r>
+              <a:rPr lang="en-US" smtClean="0"/>
+              <a:t>##</a:t>
+            </a:r>
+            <a:endParaRPr lang="en-US" sz="1300" i="0"/>
+          </a:p>
+        </p:txBody>
+      </p:sp>
+    </p:spTree>
+    <p:extLst>
+      <p:ext uri="{BB962C8B-B14F-4D97-AF65-F5344CB8AC3E}">
+        <p14:creationId xmlns:p14="http://schemas.microsoft.com/office/powerpoint/2010/main" val="1249445755"/>
+      </p:ext>
+    </p:extLst>
+  </p:cSld>
+  <p:clrMapOvr>
+    <a:masterClrMapping/>
+  </p:clrMapOvr>
+</p:notes>
+</file>
+
+<file path=ppt/notesSlides/notesSlide13.xml><?xml version="1.0" encoding="utf-8"?>
+<p:notes xmlns:a="http://schemas.openxmlformats.org/drawingml/2006/main" xmlns:r="http://schemas.openxmlformats.org/officeDocument/2006/relationships" xmlns:p="http://schemas.openxmlformats.org/presentationml/2006/main">
+  <p:cSld>
+    <p:spTree>
+      <p:nvGrpSpPr>
+        <p:cNvPr id="1" name=""/>
+        <p:cNvGrpSpPr/>
+        <p:nvPr/>
+      </p:nvGrpSpPr>
+      <p:grpSpPr>
+        <a:xfrm>
+          <a:off x="0" y="0"/>
+          <a:ext cx="0" cy="0"/>
+          <a:chOff x="0" y="0"/>
+          <a:chExt cx="0" cy="0"/>
+        </a:xfrm>
+      </p:grpSpPr>
+      <p:sp>
+        <p:nvSpPr>
+          <p:cNvPr id="2" name="Slide Image Placeholder 1"/>
+          <p:cNvSpPr>
+            <a:spLocks noGrp="1" noRot="1" noChangeAspect="1"/>
+          </p:cNvSpPr>
+          <p:nvPr>
+            <p:ph type="sldImg"/>
+          </p:nvPr>
+        </p:nvSpPr>
+        <p:spPr/>
+      </p:sp>
+      <p:sp>
+        <p:nvSpPr>
+          <p:cNvPr id="3" name="Notes Placeholder 2"/>
+          <p:cNvSpPr>
+            <a:spLocks noGrp="1"/>
+          </p:cNvSpPr>
+          <p:nvPr>
+            <p:ph type="body" idx="1"/>
+          </p:nvPr>
+        </p:nvSpPr>
+        <p:spPr/>
+        <p:txBody>
+          <a:bodyPr/>
+          <a:lstStyle/>
+          <a:p>
+            <a:endParaRPr lang="en-US" dirty="0"/>
+          </a:p>
+        </p:txBody>
+      </p:sp>
+      <p:sp>
+        <p:nvSpPr>
+          <p:cNvPr id="4" name="Header Placeholder 3"/>
+          <p:cNvSpPr>
+            <a:spLocks noGrp="1"/>
+          </p:cNvSpPr>
+          <p:nvPr>
+            <p:ph type="hdr" sz="quarter" idx="10"/>
+          </p:nvPr>
+        </p:nvSpPr>
+        <p:spPr/>
+        <p:txBody>
+          <a:bodyPr/>
+          <a:lstStyle/>
+          <a:p>
+            <a:r>
+              <a:rPr lang="en-US" smtClean="0"/>
+              <a:t>*</a:t>
+            </a:r>
+            <a:endParaRPr lang="en-US" sz="1300" i="0"/>
+          </a:p>
+        </p:txBody>
+      </p:sp>
+      <p:sp>
+        <p:nvSpPr>
+          <p:cNvPr id="5" name="Footer Placeholder 4"/>
+          <p:cNvSpPr>
+            <a:spLocks noGrp="1"/>
+          </p:cNvSpPr>
+          <p:nvPr>
+            <p:ph type="ftr" sz="quarter" idx="11"/>
+          </p:nvPr>
+        </p:nvSpPr>
+        <p:spPr/>
+        <p:txBody>
+          <a:bodyPr/>
+          <a:lstStyle/>
+          <a:p>
+            <a:r>
+              <a:rPr lang="en-US" smtClean="0"/>
+              <a:t>(c) 2005 National Academy for Software Development - http://academy.devbg.org. All rights reserved. Unauthorized copying or re-distribution is strictly prohibited.*</a:t>
+            </a:r>
+            <a:endParaRPr lang="en-US" sz="1300" i="0"/>
+          </a:p>
+        </p:txBody>
+      </p:sp>
+      <p:sp>
+        <p:nvSpPr>
+          <p:cNvPr id="6" name="Slide Number Placeholder 5"/>
+          <p:cNvSpPr>
+            <a:spLocks noGrp="1"/>
+          </p:cNvSpPr>
+          <p:nvPr>
+            <p:ph type="sldNum" sz="quarter" idx="12"/>
+          </p:nvPr>
+        </p:nvSpPr>
+        <p:spPr/>
+        <p:txBody>
+          <a:bodyPr/>
+          <a:lstStyle/>
+          <a:p>
+            <a:fld id="{625F40C3-04A4-4B2D-AC38-F17D07917260}" type="slidenum">
+              <a:rPr lang="en-US" smtClean="0"/>
+              <a:pPr/>
+              <a:t>30</a:t>
+            </a:fld>
+            <a:r>
+              <a:rPr lang="en-US" smtClean="0"/>
+              <a:t>##</a:t>
+            </a:r>
+            <a:endParaRPr lang="en-US" sz="1300" i="0"/>
+          </a:p>
+        </p:txBody>
+      </p:sp>
+    </p:spTree>
+    <p:extLst>
+      <p:ext uri="{BB962C8B-B14F-4D97-AF65-F5344CB8AC3E}">
+        <p14:creationId xmlns:p14="http://schemas.microsoft.com/office/powerpoint/2010/main" val="2505670962"/>
+      </p:ext>
+    </p:extLst>
+  </p:cSld>
+  <p:clrMapOvr>
+    <a:masterClrMapping/>
+  </p:clrMapOvr>
+</p:notes>
+</file>
+
+<file path=ppt/notesSlides/notesSlide14.xml><?xml version="1.0" encoding="utf-8"?>
+<p:notes xmlns:a="http://schemas.openxmlformats.org/drawingml/2006/main" xmlns:r="http://schemas.openxmlformats.org/officeDocument/2006/relationships" xmlns:p="http://schemas.openxmlformats.org/presentationml/2006/main">
+  <p:cSld>
+    <p:spTree>
+      <p:nvGrpSpPr>
+        <p:cNvPr id="1" name=""/>
+        <p:cNvGrpSpPr/>
+        <p:nvPr/>
+      </p:nvGrpSpPr>
+      <p:grpSpPr>
+        <a:xfrm>
+          <a:off x="0" y="0"/>
+          <a:ext cx="0" cy="0"/>
+          <a:chOff x="0" y="0"/>
+          <a:chExt cx="0" cy="0"/>
+        </a:xfrm>
+      </p:grpSpPr>
+      <p:sp>
+        <p:nvSpPr>
+          <p:cNvPr id="2" name="Slide Image Placeholder 1"/>
+          <p:cNvSpPr>
+            <a:spLocks noGrp="1" noRot="1" noChangeAspect="1"/>
+          </p:cNvSpPr>
+          <p:nvPr>
+            <p:ph type="sldImg"/>
+          </p:nvPr>
+        </p:nvSpPr>
+        <p:spPr/>
+      </p:sp>
+      <p:sp>
+        <p:nvSpPr>
+          <p:cNvPr id="3" name="Notes Placeholder 2"/>
+          <p:cNvSpPr>
+            <a:spLocks noGrp="1"/>
+          </p:cNvSpPr>
+          <p:nvPr>
+            <p:ph type="body" idx="1"/>
+          </p:nvPr>
+        </p:nvSpPr>
+        <p:spPr/>
+        <p:txBody>
+          <a:bodyPr/>
+          <a:lstStyle/>
+          <a:p>
+            <a:r>
+              <a:rPr lang="en-US" dirty="0" smtClean="0"/>
+              <a:t>1) The </a:t>
+            </a:r>
+            <a:r>
+              <a:rPr lang="en-US" dirty="0" smtClean="0">
+                <a:hlinkClick r:id="rId3"/>
+              </a:rPr>
+              <a:t>Login</a:t>
+            </a:r>
+            <a:r>
+              <a:rPr lang="en-US" dirty="0" smtClean="0"/>
+              <a:t> control displays a user interface for user authentication. The </a:t>
+            </a:r>
+            <a:r>
+              <a:rPr lang="en-US" dirty="0" smtClean="0">
+                <a:hlinkClick r:id="rId3"/>
+              </a:rPr>
+              <a:t>Login</a:t>
+            </a:r>
+            <a:r>
+              <a:rPr lang="en-US" dirty="0" smtClean="0"/>
+              <a:t> control contains text boxes for the user name and password and a check box that allows users to indicate whether they want the server to store their identity using ASP.NET membership and automatically be authenticated the next time they visit the site.</a:t>
+            </a:r>
+          </a:p>
+          <a:p>
+            <a:endParaRPr lang="en-US" dirty="0" smtClean="0"/>
+          </a:p>
+          <a:p>
+            <a:r>
+              <a:rPr lang="en-US" dirty="0" smtClean="0"/>
+              <a:t>2)The </a:t>
+            </a:r>
+            <a:r>
+              <a:rPr lang="en-US" dirty="0" smtClean="0">
+                <a:hlinkClick r:id="rId3"/>
+              </a:rPr>
+              <a:t>Login</a:t>
+            </a:r>
+            <a:r>
+              <a:rPr lang="en-US" dirty="0" smtClean="0"/>
+              <a:t> control has properties for customized display, for customized messages, and for links to other pages where users can change their password or recover a forgotten password.</a:t>
+            </a:r>
+            <a:r>
+              <a:rPr lang="en-US" baseline="0" dirty="0" smtClean="0"/>
+              <a:t> </a:t>
+            </a:r>
+            <a:r>
+              <a:rPr lang="en-US" dirty="0" smtClean="0"/>
+              <a:t>The </a:t>
+            </a:r>
+            <a:r>
+              <a:rPr lang="en-US" dirty="0" smtClean="0">
+                <a:hlinkClick r:id="rId3"/>
+              </a:rPr>
+              <a:t>Login</a:t>
+            </a:r>
+            <a:r>
+              <a:rPr lang="en-US" dirty="0" smtClean="0"/>
+              <a:t> control can be used as a standalone control on a main or home page, or you can use it on a dedicated login page.</a:t>
+            </a:r>
+          </a:p>
+          <a:p>
+            <a:endParaRPr lang="en-US" dirty="0" smtClean="0"/>
+          </a:p>
+          <a:p>
+            <a:r>
+              <a:rPr lang="en-US" dirty="0" smtClean="0"/>
+              <a:t>3) If you use the </a:t>
+            </a:r>
+            <a:r>
+              <a:rPr lang="en-US" dirty="0" smtClean="0">
+                <a:hlinkClick r:id="rId3"/>
+              </a:rPr>
+              <a:t>Login</a:t>
+            </a:r>
+            <a:r>
+              <a:rPr lang="en-US" dirty="0" smtClean="0"/>
+              <a:t> control with ASP.NET membership, you do not need to write code to perform authentication. However, if you want to create your own authentication logic, you can handle the </a:t>
+            </a:r>
+            <a:r>
+              <a:rPr lang="en-US" dirty="0" smtClean="0">
+                <a:hlinkClick r:id="rId3"/>
+              </a:rPr>
+              <a:t>Login</a:t>
+            </a:r>
+            <a:r>
+              <a:rPr lang="en-US" dirty="0" smtClean="0"/>
+              <a:t> control's </a:t>
+            </a:r>
+            <a:r>
+              <a:rPr lang="en-US" dirty="0" smtClean="0">
+                <a:hlinkClick r:id="rId4"/>
+              </a:rPr>
+              <a:t>Authenticate</a:t>
+            </a:r>
+            <a:r>
+              <a:rPr lang="en-US" dirty="0" smtClean="0"/>
+              <a:t> event and add custom authentication code.</a:t>
+            </a:r>
+            <a:endParaRPr lang="en-US" dirty="0"/>
+          </a:p>
+        </p:txBody>
+      </p:sp>
+      <p:sp>
+        <p:nvSpPr>
+          <p:cNvPr id="4" name="Header Placeholder 3"/>
+          <p:cNvSpPr>
+            <a:spLocks noGrp="1"/>
+          </p:cNvSpPr>
+          <p:nvPr>
+            <p:ph type="hdr" sz="quarter" idx="10"/>
+          </p:nvPr>
+        </p:nvSpPr>
+        <p:spPr/>
+        <p:txBody>
+          <a:bodyPr/>
+          <a:lstStyle/>
+          <a:p>
+            <a:r>
+              <a:rPr lang="en-US" smtClean="0"/>
+              <a:t>*</a:t>
+            </a:r>
+            <a:endParaRPr lang="en-US" sz="1300" i="0"/>
+          </a:p>
+        </p:txBody>
+      </p:sp>
+      <p:sp>
+        <p:nvSpPr>
+          <p:cNvPr id="5" name="Footer Placeholder 4"/>
+          <p:cNvSpPr>
+            <a:spLocks noGrp="1"/>
+          </p:cNvSpPr>
+          <p:nvPr>
+            <p:ph type="ftr" sz="quarter" idx="11"/>
+          </p:nvPr>
+        </p:nvSpPr>
+        <p:spPr/>
+        <p:txBody>
+          <a:bodyPr/>
+          <a:lstStyle/>
+          <a:p>
+            <a:r>
+              <a:rPr lang="en-US" smtClean="0"/>
+              <a:t>(c) 2005 National Academy for Software Development - http://academy.devbg.org. All rights reserved. Unauthorized copying or re-distribution is strictly prohibited.*</a:t>
+            </a:r>
+            <a:endParaRPr lang="en-US" sz="1300" i="0"/>
+          </a:p>
+        </p:txBody>
+      </p:sp>
+      <p:sp>
+        <p:nvSpPr>
+          <p:cNvPr id="6" name="Slide Number Placeholder 5"/>
+          <p:cNvSpPr>
+            <a:spLocks noGrp="1"/>
+          </p:cNvSpPr>
+          <p:nvPr>
+            <p:ph type="sldNum" sz="quarter" idx="12"/>
+          </p:nvPr>
+        </p:nvSpPr>
+        <p:spPr/>
+        <p:txBody>
+          <a:bodyPr/>
+          <a:lstStyle/>
+          <a:p>
+            <a:fld id="{625F40C3-04A4-4B2D-AC38-F17D07917260}" type="slidenum">
+              <a:rPr lang="en-US" smtClean="0"/>
+              <a:pPr/>
+              <a:t>33</a:t>
+            </a:fld>
+            <a:r>
+              <a:rPr lang="en-US" smtClean="0"/>
+              <a:t>##</a:t>
+            </a:r>
+            <a:endParaRPr lang="en-US" sz="1300" i="0"/>
+          </a:p>
+        </p:txBody>
+      </p:sp>
+    </p:spTree>
+    <p:extLst>
+      <p:ext uri="{BB962C8B-B14F-4D97-AF65-F5344CB8AC3E}">
+        <p14:creationId xmlns:p14="http://schemas.microsoft.com/office/powerpoint/2010/main" val="1885885827"/>
+      </p:ext>
+    </p:extLst>
+  </p:cSld>
+  <p:clrMapOvr>
+    <a:masterClrMapping/>
+  </p:clrMapOvr>
+</p:notes>
+</file>
+
+<file path=ppt/notesSlides/notesSlide15.xml><?xml version="1.0" encoding="utf-8"?>
+<p:notes xmlns:a="http://schemas.openxmlformats.org/drawingml/2006/main" xmlns:r="http://schemas.openxmlformats.org/officeDocument/2006/relationships" xmlns:p="http://schemas.openxmlformats.org/presentationml/2006/main">
+  <p:cSld>
+    <p:spTree>
+      <p:nvGrpSpPr>
+        <p:cNvPr id="1" name=""/>
+        <p:cNvGrpSpPr/>
+        <p:nvPr/>
+      </p:nvGrpSpPr>
+      <p:grpSpPr>
+        <a:xfrm>
+          <a:off x="0" y="0"/>
+          <a:ext cx="0" cy="0"/>
+          <a:chOff x="0" y="0"/>
+          <a:chExt cx="0" cy="0"/>
+        </a:xfrm>
+      </p:grpSpPr>
+      <p:sp>
+        <p:nvSpPr>
+          <p:cNvPr id="2" name="Slide Image Placeholder 1"/>
+          <p:cNvSpPr>
+            <a:spLocks noGrp="1" noRot="1" noChangeAspect="1"/>
+          </p:cNvSpPr>
+          <p:nvPr>
+            <p:ph type="sldImg"/>
+          </p:nvPr>
+        </p:nvSpPr>
+        <p:spPr/>
+      </p:sp>
+      <p:sp>
+        <p:nvSpPr>
+          <p:cNvPr id="3" name="Notes Placeholder 2"/>
+          <p:cNvSpPr>
+            <a:spLocks noGrp="1"/>
+          </p:cNvSpPr>
+          <p:nvPr>
+            <p:ph type="body" idx="1"/>
+          </p:nvPr>
+        </p:nvSpPr>
+        <p:spPr/>
+        <p:txBody>
+          <a:bodyPr/>
+          <a:lstStyle/>
+          <a:p>
+            <a:pPr marL="228600" indent="-228600">
+              <a:buAutoNum type="arabicParenR"/>
+            </a:pPr>
+            <a:r>
+              <a:rPr lang="en-US" dirty="0" smtClean="0"/>
+              <a:t>The </a:t>
+            </a:r>
+            <a:r>
+              <a:rPr lang="en-US" dirty="0" err="1" smtClean="0">
+                <a:hlinkClick r:id="rId3"/>
+              </a:rPr>
+              <a:t>LoginName</a:t>
+            </a:r>
+            <a:r>
+              <a:rPr lang="en-US" dirty="0" smtClean="0"/>
+              <a:t> control displays a user's login name if the user has logged in using ASP.NET membership. Alternatively, if your site uses integrated Windows authentication, the control displays the user's Windows account name</a:t>
+            </a:r>
+          </a:p>
+          <a:p>
+            <a:pPr marL="228600" indent="-228600">
+              <a:buAutoNum type="arabicParenR"/>
+            </a:pPr>
+            <a:endParaRPr lang="en-US" dirty="0" smtClean="0"/>
+          </a:p>
+          <a:p>
+            <a:r>
+              <a:rPr lang="en-US" dirty="0" smtClean="0"/>
+              <a:t>2) The </a:t>
+            </a:r>
+            <a:r>
+              <a:rPr lang="en-US" dirty="0" err="1" smtClean="0">
+                <a:hlinkClick r:id="rId4"/>
+              </a:rPr>
+              <a:t>LoginStatus</a:t>
+            </a:r>
+            <a:r>
+              <a:rPr lang="en-US" dirty="0" smtClean="0"/>
+              <a:t> control displays a login link for users who are not authenticated and a logout link for users who are authenticated. The login link takes the user to a login page. The logout link resets the current user's identity to be an anonymous user.</a:t>
+            </a:r>
+          </a:p>
+          <a:p>
+            <a:r>
+              <a:rPr lang="en-US" dirty="0" smtClean="0"/>
+              <a:t>You can customize the appearance of the </a:t>
+            </a:r>
+            <a:r>
+              <a:rPr lang="en-US" dirty="0" err="1" smtClean="0">
+                <a:hlinkClick r:id="rId4"/>
+              </a:rPr>
+              <a:t>LoginStatus</a:t>
+            </a:r>
+            <a:r>
+              <a:rPr lang="en-US" dirty="0" smtClean="0"/>
+              <a:t> control by setting the </a:t>
+            </a:r>
+            <a:r>
+              <a:rPr lang="en-US" dirty="0" err="1" smtClean="0">
+                <a:hlinkClick r:id="rId5"/>
+              </a:rPr>
+              <a:t>LoginText</a:t>
+            </a:r>
+            <a:r>
+              <a:rPr lang="en-US" dirty="0" smtClean="0"/>
+              <a:t> and </a:t>
+            </a:r>
+            <a:r>
+              <a:rPr lang="en-US" dirty="0" err="1" smtClean="0">
+                <a:hlinkClick r:id="rId6"/>
+              </a:rPr>
+              <a:t>LoginImageUrl</a:t>
+            </a:r>
+            <a:r>
+              <a:rPr lang="en-US" dirty="0" smtClean="0"/>
+              <a:t> properties.</a:t>
+            </a:r>
+          </a:p>
+          <a:p>
+            <a:pPr marL="0" indent="0">
+              <a:buNone/>
+            </a:pPr>
+            <a:endParaRPr lang="en-US" dirty="0"/>
+          </a:p>
+        </p:txBody>
+      </p:sp>
+      <p:sp>
+        <p:nvSpPr>
+          <p:cNvPr id="4" name="Header Placeholder 3"/>
+          <p:cNvSpPr>
+            <a:spLocks noGrp="1"/>
+          </p:cNvSpPr>
+          <p:nvPr>
+            <p:ph type="hdr" sz="quarter" idx="10"/>
+          </p:nvPr>
+        </p:nvSpPr>
+        <p:spPr/>
+        <p:txBody>
+          <a:bodyPr/>
+          <a:lstStyle/>
+          <a:p>
+            <a:r>
+              <a:rPr lang="en-US" smtClean="0"/>
+              <a:t>*</a:t>
+            </a:r>
+            <a:endParaRPr lang="en-US" sz="1300" i="0"/>
+          </a:p>
+        </p:txBody>
+      </p:sp>
+      <p:sp>
+        <p:nvSpPr>
+          <p:cNvPr id="5" name="Footer Placeholder 4"/>
+          <p:cNvSpPr>
+            <a:spLocks noGrp="1"/>
+          </p:cNvSpPr>
+          <p:nvPr>
+            <p:ph type="ftr" sz="quarter" idx="11"/>
+          </p:nvPr>
+        </p:nvSpPr>
+        <p:spPr/>
+        <p:txBody>
+          <a:bodyPr/>
+          <a:lstStyle/>
+          <a:p>
+            <a:r>
+              <a:rPr lang="en-US" smtClean="0"/>
+              <a:t>(c) 2005 National Academy for Software Development - http://academy.devbg.org. All rights reserved. Unauthorized copying or re-distribution is strictly prohibited.*</a:t>
+            </a:r>
+            <a:endParaRPr lang="en-US" sz="1300" i="0"/>
+          </a:p>
+        </p:txBody>
+      </p:sp>
+      <p:sp>
+        <p:nvSpPr>
+          <p:cNvPr id="6" name="Slide Number Placeholder 5"/>
+          <p:cNvSpPr>
+            <a:spLocks noGrp="1"/>
+          </p:cNvSpPr>
+          <p:nvPr>
+            <p:ph type="sldNum" sz="quarter" idx="12"/>
+          </p:nvPr>
+        </p:nvSpPr>
+        <p:spPr/>
+        <p:txBody>
+          <a:bodyPr/>
+          <a:lstStyle/>
+          <a:p>
+            <a:fld id="{625F40C3-04A4-4B2D-AC38-F17D07917260}" type="slidenum">
+              <a:rPr lang="en-US" smtClean="0"/>
+              <a:pPr/>
+              <a:t>35</a:t>
+            </a:fld>
+            <a:r>
+              <a:rPr lang="en-US" smtClean="0"/>
+              <a:t>##</a:t>
+            </a:r>
+            <a:endParaRPr lang="en-US" sz="1300" i="0"/>
+          </a:p>
+        </p:txBody>
+      </p:sp>
+    </p:spTree>
+    <p:extLst>
+      <p:ext uri="{BB962C8B-B14F-4D97-AF65-F5344CB8AC3E}">
+        <p14:creationId xmlns:p14="http://schemas.microsoft.com/office/powerpoint/2010/main" val="955306937"/>
+      </p:ext>
+    </p:extLst>
+  </p:cSld>
+  <p:clrMapOvr>
+    <a:masterClrMapping/>
+  </p:clrMapOvr>
+</p:notes>
+</file>
+
+<file path=ppt/notesSlides/notesSlide16.xml><?xml version="1.0" encoding="utf-8"?>
+<p:notes xmlns:a="http://schemas.openxmlformats.org/drawingml/2006/main" xmlns:r="http://schemas.openxmlformats.org/officeDocument/2006/relationships" xmlns:p="http://schemas.openxmlformats.org/presentationml/2006/main">
+  <p:cSld>
+    <p:spTree>
+      <p:nvGrpSpPr>
+        <p:cNvPr id="1" name=""/>
+        <p:cNvGrpSpPr/>
+        <p:nvPr/>
+      </p:nvGrpSpPr>
+      <p:grpSpPr>
+        <a:xfrm>
+          <a:off x="0" y="0"/>
+          <a:ext cx="0" cy="0"/>
+          <a:chOff x="0" y="0"/>
+          <a:chExt cx="0" cy="0"/>
+        </a:xfrm>
+      </p:grpSpPr>
+      <p:sp>
+        <p:nvSpPr>
+          <p:cNvPr id="2" name="Slide Image Placeholder 1"/>
+          <p:cNvSpPr>
+            <a:spLocks noGrp="1" noRot="1" noChangeAspect="1"/>
+          </p:cNvSpPr>
+          <p:nvPr>
+            <p:ph type="sldImg"/>
+          </p:nvPr>
+        </p:nvSpPr>
+        <p:spPr/>
+      </p:sp>
+      <p:sp>
+        <p:nvSpPr>
+          <p:cNvPr id="3" name="Notes Placeholder 2"/>
+          <p:cNvSpPr>
+            <a:spLocks noGrp="1"/>
+          </p:cNvSpPr>
+          <p:nvPr>
+            <p:ph type="body" idx="1"/>
+          </p:nvPr>
+        </p:nvSpPr>
+        <p:spPr/>
+        <p:txBody>
+          <a:bodyPr/>
+          <a:lstStyle/>
+          <a:p>
+            <a:r>
+              <a:rPr lang="en-US" dirty="0" smtClean="0"/>
+              <a:t>The </a:t>
+            </a:r>
+            <a:r>
+              <a:rPr lang="en-US" dirty="0" err="1" smtClean="0">
+                <a:hlinkClick r:id="rId3"/>
+              </a:rPr>
+              <a:t>LoginView</a:t>
+            </a:r>
+            <a:r>
+              <a:rPr lang="en-US" dirty="0" smtClean="0"/>
+              <a:t> control allows you to display different information to anonymous and logged-in users. The control displays one of two templates: the </a:t>
+            </a:r>
+            <a:r>
+              <a:rPr lang="en-US" dirty="0" err="1" smtClean="0">
+                <a:hlinkClick r:id="rId4"/>
+              </a:rPr>
+              <a:t>AnonymousTemplate</a:t>
+            </a:r>
+            <a:r>
+              <a:rPr lang="en-US" dirty="0" smtClean="0"/>
+              <a:t> or the </a:t>
+            </a:r>
+            <a:r>
+              <a:rPr lang="en-US" dirty="0" err="1" smtClean="0">
+                <a:hlinkClick r:id="rId5"/>
+              </a:rPr>
+              <a:t>LoggedInTemplate</a:t>
+            </a:r>
+            <a:r>
+              <a:rPr lang="en-US" dirty="0" smtClean="0"/>
+              <a:t>. In the templates, you can add markup and controls that display information appropriate for anonymous users and authenticated users, respectively.</a:t>
+            </a:r>
+          </a:p>
+          <a:p>
+            <a:r>
+              <a:rPr lang="en-US" dirty="0" smtClean="0"/>
+              <a:t>The </a:t>
+            </a:r>
+            <a:r>
+              <a:rPr lang="en-US" dirty="0" err="1" smtClean="0">
+                <a:hlinkClick r:id="rId3"/>
+              </a:rPr>
+              <a:t>LoginView</a:t>
+            </a:r>
+            <a:r>
+              <a:rPr lang="en-US" dirty="0" smtClean="0"/>
+              <a:t> control also includes events for </a:t>
+            </a:r>
+            <a:r>
+              <a:rPr lang="en-US" dirty="0" err="1" smtClean="0">
+                <a:hlinkClick r:id="rId6"/>
+              </a:rPr>
+              <a:t>ViewChanging</a:t>
+            </a:r>
+            <a:r>
+              <a:rPr lang="en-US" dirty="0" smtClean="0"/>
+              <a:t> and </a:t>
+            </a:r>
+            <a:r>
+              <a:rPr lang="en-US" dirty="0" err="1" smtClean="0">
+                <a:hlinkClick r:id="rId7"/>
+              </a:rPr>
+              <a:t>ViewChanged</a:t>
+            </a:r>
+            <a:r>
+              <a:rPr lang="en-US" dirty="0" smtClean="0"/>
+              <a:t>, which allow you to write handlers for when the user logs in and changes status. </a:t>
+            </a:r>
+          </a:p>
+          <a:p>
+            <a:endParaRPr lang="en-US" dirty="0"/>
+          </a:p>
+        </p:txBody>
+      </p:sp>
+      <p:sp>
+        <p:nvSpPr>
+          <p:cNvPr id="4" name="Header Placeholder 3"/>
+          <p:cNvSpPr>
+            <a:spLocks noGrp="1"/>
+          </p:cNvSpPr>
+          <p:nvPr>
+            <p:ph type="hdr" sz="quarter" idx="10"/>
+          </p:nvPr>
+        </p:nvSpPr>
+        <p:spPr/>
+        <p:txBody>
+          <a:bodyPr/>
+          <a:lstStyle/>
+          <a:p>
+            <a:r>
+              <a:rPr lang="en-US" smtClean="0"/>
+              <a:t>*</a:t>
+            </a:r>
+            <a:endParaRPr lang="en-US" sz="1300" i="0"/>
+          </a:p>
+        </p:txBody>
+      </p:sp>
+      <p:sp>
+        <p:nvSpPr>
+          <p:cNvPr id="5" name="Footer Placeholder 4"/>
+          <p:cNvSpPr>
+            <a:spLocks noGrp="1"/>
+          </p:cNvSpPr>
+          <p:nvPr>
+            <p:ph type="ftr" sz="quarter" idx="11"/>
+          </p:nvPr>
+        </p:nvSpPr>
+        <p:spPr/>
+        <p:txBody>
+          <a:bodyPr/>
+          <a:lstStyle/>
+          <a:p>
+            <a:r>
+              <a:rPr lang="en-US" smtClean="0"/>
+              <a:t>(c) 2005 National Academy for Software Development - http://academy.devbg.org. All rights reserved. Unauthorized copying or re-distribution is strictly prohibited.*</a:t>
+            </a:r>
+            <a:endParaRPr lang="en-US" sz="1300" i="0"/>
+          </a:p>
+        </p:txBody>
+      </p:sp>
+      <p:sp>
+        <p:nvSpPr>
+          <p:cNvPr id="6" name="Slide Number Placeholder 5"/>
+          <p:cNvSpPr>
+            <a:spLocks noGrp="1"/>
+          </p:cNvSpPr>
+          <p:nvPr>
+            <p:ph type="sldNum" sz="quarter" idx="12"/>
+          </p:nvPr>
+        </p:nvSpPr>
+        <p:spPr/>
+        <p:txBody>
+          <a:bodyPr/>
+          <a:lstStyle/>
+          <a:p>
+            <a:fld id="{625F40C3-04A4-4B2D-AC38-F17D07917260}" type="slidenum">
+              <a:rPr lang="en-US" smtClean="0"/>
+              <a:pPr/>
+              <a:t>37</a:t>
+            </a:fld>
+            <a:r>
+              <a:rPr lang="en-US" smtClean="0"/>
+              <a:t>##</a:t>
+            </a:r>
+            <a:endParaRPr lang="en-US" sz="1300" i="0"/>
+          </a:p>
+        </p:txBody>
+      </p:sp>
+    </p:spTree>
+    <p:extLst>
+      <p:ext uri="{BB962C8B-B14F-4D97-AF65-F5344CB8AC3E}">
+        <p14:creationId xmlns:p14="http://schemas.microsoft.com/office/powerpoint/2010/main" val="526794477"/>
+      </p:ext>
+    </p:extLst>
+  </p:cSld>
+  <p:clrMapOvr>
+    <a:masterClrMapping/>
+  </p:clrMapOvr>
+</p:notes>
+</file>
+
+<file path=ppt/notesSlides/notesSlide17.xml><?xml version="1.0" encoding="utf-8"?>
+<p:notes xmlns:a="http://schemas.openxmlformats.org/drawingml/2006/main" xmlns:r="http://schemas.openxmlformats.org/officeDocument/2006/relationships" xmlns:p="http://schemas.openxmlformats.org/presentationml/2006/main">
+  <p:cSld>
+    <p:spTree>
+      <p:nvGrpSpPr>
+        <p:cNvPr id="1" name=""/>
+        <p:cNvGrpSpPr/>
+        <p:nvPr/>
+      </p:nvGrpSpPr>
+      <p:grpSpPr>
+        <a:xfrm>
+          <a:off x="0" y="0"/>
+          <a:ext cx="0" cy="0"/>
+          <a:chOff x="0" y="0"/>
+          <a:chExt cx="0" cy="0"/>
+        </a:xfrm>
+      </p:grpSpPr>
+      <p:sp>
+        <p:nvSpPr>
+          <p:cNvPr id="2" name="Slide Image Placeholder 1"/>
+          <p:cNvSpPr>
+            <a:spLocks noGrp="1" noRot="1" noChangeAspect="1"/>
+          </p:cNvSpPr>
+          <p:nvPr>
+            <p:ph type="sldImg"/>
+          </p:nvPr>
+        </p:nvSpPr>
+        <p:spPr/>
+      </p:sp>
+      <p:sp>
+        <p:nvSpPr>
+          <p:cNvPr id="3" name="Notes Placeholder 2"/>
+          <p:cNvSpPr>
+            <a:spLocks noGrp="1"/>
+          </p:cNvSpPr>
+          <p:nvPr>
+            <p:ph type="body" idx="1"/>
+          </p:nvPr>
+        </p:nvSpPr>
+        <p:spPr/>
+        <p:txBody>
+          <a:bodyPr/>
+          <a:lstStyle/>
+          <a:p>
+            <a:r>
+              <a:rPr lang="en-US" dirty="0" smtClean="0"/>
+              <a:t>1) The </a:t>
+            </a:r>
+            <a:r>
+              <a:rPr lang="en-US" dirty="0" err="1" smtClean="0">
+                <a:hlinkClick r:id="rId3"/>
+              </a:rPr>
+              <a:t>CreateUserWizard</a:t>
+            </a:r>
+            <a:r>
+              <a:rPr lang="en-US" dirty="0" smtClean="0"/>
+              <a:t> control collects information from potential users. By default, the </a:t>
+            </a:r>
+            <a:r>
+              <a:rPr lang="en-US" dirty="0" err="1" smtClean="0">
+                <a:hlinkClick r:id="rId3"/>
+              </a:rPr>
+              <a:t>CreateUserWizard</a:t>
+            </a:r>
+            <a:r>
+              <a:rPr lang="en-US" dirty="0" smtClean="0"/>
+              <a:t> control adds the new user to the ASP.NET membership system.</a:t>
+            </a:r>
+          </a:p>
+          <a:p>
+            <a:endParaRPr lang="en-US" dirty="0" smtClean="0"/>
+          </a:p>
+          <a:p>
+            <a:r>
+              <a:rPr lang="en-US" dirty="0" smtClean="0"/>
+              <a:t>2) The </a:t>
+            </a:r>
+            <a:r>
+              <a:rPr lang="en-US" dirty="0" err="1" smtClean="0">
+                <a:hlinkClick r:id="rId3"/>
+              </a:rPr>
+              <a:t>CreateUserWizard</a:t>
+            </a:r>
+            <a:r>
+              <a:rPr lang="en-US" dirty="0" smtClean="0"/>
+              <a:t> control gathers the following user information:</a:t>
+            </a:r>
+          </a:p>
+          <a:p>
+            <a:pPr marL="628650" lvl="1" indent="-171450">
+              <a:buFont typeface="Arial" pitchFamily="34" charset="0"/>
+              <a:buChar char="•"/>
+            </a:pPr>
+            <a:r>
+              <a:rPr lang="en-US" dirty="0" smtClean="0"/>
+              <a:t>User name</a:t>
+            </a:r>
+          </a:p>
+          <a:p>
+            <a:pPr marL="628650" lvl="1" indent="-171450">
+              <a:buFont typeface="Arial" pitchFamily="34" charset="0"/>
+              <a:buChar char="•"/>
+            </a:pPr>
+            <a:r>
+              <a:rPr lang="en-US" dirty="0" smtClean="0"/>
+              <a:t>Password</a:t>
+            </a:r>
+          </a:p>
+          <a:p>
+            <a:pPr marL="628650" lvl="1" indent="-171450">
+              <a:buFont typeface="Arial" pitchFamily="34" charset="0"/>
+              <a:buChar char="•"/>
+            </a:pPr>
+            <a:r>
+              <a:rPr lang="en-US" dirty="0" smtClean="0"/>
+              <a:t>Confirmation of password</a:t>
+            </a:r>
+          </a:p>
+          <a:p>
+            <a:pPr marL="628650" lvl="1" indent="-171450">
+              <a:buFont typeface="Arial" pitchFamily="34" charset="0"/>
+              <a:buChar char="•"/>
+            </a:pPr>
+            <a:r>
+              <a:rPr lang="en-US" dirty="0" smtClean="0"/>
+              <a:t>E-mail address</a:t>
+            </a:r>
+          </a:p>
+          <a:p>
+            <a:pPr marL="628650" lvl="1" indent="-171450">
+              <a:buFont typeface="Arial" pitchFamily="34" charset="0"/>
+              <a:buChar char="•"/>
+            </a:pPr>
+            <a:r>
+              <a:rPr lang="en-US" dirty="0" smtClean="0"/>
+              <a:t>Security question</a:t>
+            </a:r>
+          </a:p>
+          <a:p>
+            <a:pPr marL="628650" lvl="1" indent="-171450">
+              <a:buFont typeface="Arial" pitchFamily="34" charset="0"/>
+              <a:buChar char="•"/>
+            </a:pPr>
+            <a:r>
+              <a:rPr lang="en-US" dirty="0" smtClean="0"/>
+              <a:t>Security answer</a:t>
+            </a:r>
+          </a:p>
+          <a:p>
+            <a:endParaRPr lang="en-US" dirty="0"/>
+          </a:p>
+        </p:txBody>
+      </p:sp>
+      <p:sp>
+        <p:nvSpPr>
+          <p:cNvPr id="4" name="Header Placeholder 3"/>
+          <p:cNvSpPr>
+            <a:spLocks noGrp="1"/>
+          </p:cNvSpPr>
+          <p:nvPr>
+            <p:ph type="hdr" sz="quarter" idx="10"/>
+          </p:nvPr>
+        </p:nvSpPr>
+        <p:spPr/>
+        <p:txBody>
+          <a:bodyPr/>
+          <a:lstStyle/>
+          <a:p>
+            <a:r>
+              <a:rPr lang="en-US" smtClean="0"/>
+              <a:t>*</a:t>
+            </a:r>
+            <a:endParaRPr lang="en-US" sz="1300" i="0"/>
+          </a:p>
+        </p:txBody>
+      </p:sp>
+      <p:sp>
+        <p:nvSpPr>
+          <p:cNvPr id="5" name="Footer Placeholder 4"/>
+          <p:cNvSpPr>
+            <a:spLocks noGrp="1"/>
+          </p:cNvSpPr>
+          <p:nvPr>
+            <p:ph type="ftr" sz="quarter" idx="11"/>
+          </p:nvPr>
+        </p:nvSpPr>
+        <p:spPr/>
+        <p:txBody>
+          <a:bodyPr/>
+          <a:lstStyle/>
+          <a:p>
+            <a:r>
+              <a:rPr lang="en-US" smtClean="0"/>
+              <a:t>(c) 2005 National Academy for Software Development - http://academy.devbg.org. All rights reserved. Unauthorized copying or re-distribution is strictly prohibited.*</a:t>
+            </a:r>
+            <a:endParaRPr lang="en-US" sz="1300" i="0"/>
+          </a:p>
+        </p:txBody>
+      </p:sp>
+      <p:sp>
+        <p:nvSpPr>
+          <p:cNvPr id="6" name="Slide Number Placeholder 5"/>
+          <p:cNvSpPr>
+            <a:spLocks noGrp="1"/>
+          </p:cNvSpPr>
+          <p:nvPr>
+            <p:ph type="sldNum" sz="quarter" idx="12"/>
+          </p:nvPr>
+        </p:nvSpPr>
+        <p:spPr/>
+        <p:txBody>
+          <a:bodyPr/>
+          <a:lstStyle/>
+          <a:p>
+            <a:fld id="{625F40C3-04A4-4B2D-AC38-F17D07917260}" type="slidenum">
+              <a:rPr lang="en-US" smtClean="0"/>
+              <a:pPr/>
+              <a:t>38</a:t>
+            </a:fld>
+            <a:r>
+              <a:rPr lang="en-US" smtClean="0"/>
+              <a:t>##</a:t>
+            </a:r>
+            <a:endParaRPr lang="en-US" sz="1300" i="0"/>
+          </a:p>
+        </p:txBody>
+      </p:sp>
+    </p:spTree>
+    <p:extLst>
+      <p:ext uri="{BB962C8B-B14F-4D97-AF65-F5344CB8AC3E}">
+        <p14:creationId xmlns:p14="http://schemas.microsoft.com/office/powerpoint/2010/main" val="44203778"/>
+      </p:ext>
+    </p:extLst>
+  </p:cSld>
+  <p:clrMapOvr>
+    <a:masterClrMapping/>
+  </p:clrMapOvr>
+</p:notes>
+</file>
+
+<file path=ppt/notesSlides/notesSlide18.xml><?xml version="1.0" encoding="utf-8"?>
+<p:notes xmlns:a="http://schemas.openxmlformats.org/drawingml/2006/main" xmlns:r="http://schemas.openxmlformats.org/officeDocument/2006/relationships" xmlns:p="http://schemas.openxmlformats.org/presentationml/2006/main">
+  <p:cSld>
+    <p:spTree>
+      <p:nvGrpSpPr>
+        <p:cNvPr id="1" name=""/>
+        <p:cNvGrpSpPr/>
+        <p:nvPr/>
+      </p:nvGrpSpPr>
+      <p:grpSpPr>
+        <a:xfrm>
+          <a:off x="0" y="0"/>
+          <a:ext cx="0" cy="0"/>
+          <a:chOff x="0" y="0"/>
+          <a:chExt cx="0" cy="0"/>
+        </a:xfrm>
+      </p:grpSpPr>
+      <p:sp>
+        <p:nvSpPr>
+          <p:cNvPr id="2" name="Slide Image Placeholder 1"/>
+          <p:cNvSpPr>
+            <a:spLocks noGrp="1" noRot="1" noChangeAspect="1"/>
+          </p:cNvSpPr>
+          <p:nvPr>
+            <p:ph type="sldImg"/>
+          </p:nvPr>
+        </p:nvSpPr>
+        <p:spPr/>
+      </p:sp>
+      <p:sp>
+        <p:nvSpPr>
+          <p:cNvPr id="3" name="Notes Placeholder 2"/>
+          <p:cNvSpPr>
+            <a:spLocks noGrp="1"/>
+          </p:cNvSpPr>
+          <p:nvPr>
+            <p:ph type="body" idx="1"/>
+          </p:nvPr>
+        </p:nvSpPr>
+        <p:spPr/>
+        <p:txBody>
+          <a:bodyPr/>
+          <a:lstStyle/>
+          <a:p>
+            <a:r>
+              <a:rPr lang="en-US" dirty="0" smtClean="0"/>
+              <a:t>The </a:t>
+            </a:r>
+            <a:r>
+              <a:rPr lang="en-US" dirty="0" err="1" smtClean="0">
+                <a:hlinkClick r:id="rId3"/>
+              </a:rPr>
+              <a:t>PasswordRecovery</a:t>
+            </a:r>
+            <a:r>
+              <a:rPr lang="en-US" dirty="0" smtClean="0"/>
+              <a:t> control allows user passwords to be retrieved based on the e-mail address that was used when the account was created. The </a:t>
+            </a:r>
+            <a:r>
+              <a:rPr lang="en-US" dirty="0" err="1" smtClean="0">
+                <a:hlinkClick r:id="rId3"/>
+              </a:rPr>
+              <a:t>PasswordRecovery</a:t>
+            </a:r>
+            <a:r>
+              <a:rPr lang="en-US" dirty="0" smtClean="0"/>
+              <a:t> control sends an e-mail message containing a password to the user.</a:t>
+            </a:r>
+          </a:p>
+          <a:p>
+            <a:r>
+              <a:rPr lang="en-US" dirty="0" smtClean="0"/>
+              <a:t>You can configure ASP.NET membership to store passwords using non-reversible encryption. In that case, the </a:t>
+            </a:r>
+            <a:r>
+              <a:rPr lang="en-US" dirty="0" err="1" smtClean="0">
+                <a:hlinkClick r:id="rId3"/>
+              </a:rPr>
+              <a:t>PasswordRecovery</a:t>
+            </a:r>
+            <a:r>
+              <a:rPr lang="en-US" dirty="0" smtClean="0"/>
+              <a:t> control generates a new password instead of sending the original password to the user.</a:t>
+            </a:r>
+          </a:p>
+          <a:p>
+            <a:r>
+              <a:rPr lang="en-US" dirty="0" smtClean="0"/>
+              <a:t>You can also configure membership to include a security question that the user must answer to recover a password. If you do, the </a:t>
+            </a:r>
+            <a:r>
+              <a:rPr lang="en-US" dirty="0" err="1" smtClean="0">
+                <a:hlinkClick r:id="rId3"/>
+              </a:rPr>
+              <a:t>PasswordRecovery</a:t>
+            </a:r>
+            <a:r>
+              <a:rPr lang="en-US" dirty="0" smtClean="0"/>
+              <a:t> control asks the question and checks the answer before recovering the password.</a:t>
+            </a:r>
+          </a:p>
+          <a:p>
+            <a:r>
+              <a:rPr lang="en-US" dirty="0" smtClean="0"/>
+              <a:t>The </a:t>
+            </a:r>
+            <a:r>
+              <a:rPr lang="en-US" dirty="0" err="1" smtClean="0">
+                <a:hlinkClick r:id="rId3"/>
+              </a:rPr>
+              <a:t>PasswordRecovery</a:t>
+            </a:r>
+            <a:r>
+              <a:rPr lang="en-US" dirty="0" smtClean="0"/>
+              <a:t> control requires that your application can forward e-mail message to a Simple Mail Transfer Protocol (SMTP) server. You can customize the text and format of the e-mail message sent to the user by setting the </a:t>
+            </a:r>
+            <a:r>
+              <a:rPr lang="en-US" dirty="0" err="1" smtClean="0">
+                <a:hlinkClick r:id="rId4"/>
+              </a:rPr>
+              <a:t>MailDefinition</a:t>
+            </a:r>
+            <a:r>
+              <a:rPr lang="en-US" dirty="0" smtClean="0"/>
+              <a:t> property.</a:t>
+            </a:r>
+          </a:p>
+          <a:p>
+            <a:endParaRPr lang="en-US" dirty="0"/>
+          </a:p>
+        </p:txBody>
+      </p:sp>
+      <p:sp>
+        <p:nvSpPr>
+          <p:cNvPr id="4" name="Header Placeholder 3"/>
+          <p:cNvSpPr>
+            <a:spLocks noGrp="1"/>
+          </p:cNvSpPr>
+          <p:nvPr>
+            <p:ph type="hdr" sz="quarter" idx="10"/>
+          </p:nvPr>
+        </p:nvSpPr>
+        <p:spPr/>
+        <p:txBody>
+          <a:bodyPr/>
+          <a:lstStyle/>
+          <a:p>
+            <a:r>
+              <a:rPr lang="en-US" smtClean="0"/>
+              <a:t>*</a:t>
+            </a:r>
+            <a:endParaRPr lang="en-US" sz="1300" i="0"/>
+          </a:p>
+        </p:txBody>
+      </p:sp>
+      <p:sp>
+        <p:nvSpPr>
+          <p:cNvPr id="5" name="Footer Placeholder 4"/>
+          <p:cNvSpPr>
+            <a:spLocks noGrp="1"/>
+          </p:cNvSpPr>
+          <p:nvPr>
+            <p:ph type="ftr" sz="quarter" idx="11"/>
+          </p:nvPr>
+        </p:nvSpPr>
+        <p:spPr/>
+        <p:txBody>
+          <a:bodyPr/>
+          <a:lstStyle/>
+          <a:p>
+            <a:r>
+              <a:rPr lang="en-US" smtClean="0"/>
+              <a:t>(c) 2005 National Academy for Software Development - http://academy.devbg.org. All rights reserved. Unauthorized copying or re-distribution is strictly prohibited.*</a:t>
+            </a:r>
+            <a:endParaRPr lang="en-US" sz="1300" i="0"/>
+          </a:p>
+        </p:txBody>
+      </p:sp>
+      <p:sp>
+        <p:nvSpPr>
+          <p:cNvPr id="6" name="Slide Number Placeholder 5"/>
+          <p:cNvSpPr>
+            <a:spLocks noGrp="1"/>
+          </p:cNvSpPr>
+          <p:nvPr>
+            <p:ph type="sldNum" sz="quarter" idx="12"/>
+          </p:nvPr>
+        </p:nvSpPr>
+        <p:spPr/>
+        <p:txBody>
+          <a:bodyPr/>
+          <a:lstStyle/>
+          <a:p>
+            <a:fld id="{625F40C3-04A4-4B2D-AC38-F17D07917260}" type="slidenum">
+              <a:rPr lang="en-US" smtClean="0"/>
+              <a:pPr/>
+              <a:t>40</a:t>
+            </a:fld>
+            <a:r>
+              <a:rPr lang="en-US" smtClean="0"/>
+              <a:t>##</a:t>
+            </a:r>
+            <a:endParaRPr lang="en-US" sz="1300" i="0"/>
+          </a:p>
+        </p:txBody>
+      </p:sp>
+    </p:spTree>
+    <p:extLst>
+      <p:ext uri="{BB962C8B-B14F-4D97-AF65-F5344CB8AC3E}">
+        <p14:creationId xmlns:p14="http://schemas.microsoft.com/office/powerpoint/2010/main" val="994007835"/>
+      </p:ext>
+    </p:extLst>
+  </p:cSld>
+  <p:clrMapOvr>
+    <a:masterClrMapping/>
+  </p:clrMapOvr>
+</p:notes>
+</file>
+
+<file path=ppt/notesSlides/notesSlide19.xml><?xml version="1.0" encoding="utf-8"?>
+<p:notes xmlns:a="http://schemas.openxmlformats.org/drawingml/2006/main" xmlns:r="http://schemas.openxmlformats.org/officeDocument/2006/relationships" xmlns:p="http://schemas.openxmlformats.org/presentationml/2006/main">
+  <p:cSld>
+    <p:spTree>
+      <p:nvGrpSpPr>
+        <p:cNvPr id="1" name=""/>
+        <p:cNvGrpSpPr/>
+        <p:nvPr/>
+      </p:nvGrpSpPr>
+      <p:grpSpPr>
+        <a:xfrm>
+          <a:off x="0" y="0"/>
+          <a:ext cx="0" cy="0"/>
+          <a:chOff x="0" y="0"/>
+          <a:chExt cx="0" cy="0"/>
+        </a:xfrm>
+      </p:grpSpPr>
+      <p:sp>
+        <p:nvSpPr>
+          <p:cNvPr id="2" name="Slide Image Placeholder 1"/>
+          <p:cNvSpPr>
+            <a:spLocks noGrp="1" noRot="1" noChangeAspect="1"/>
+          </p:cNvSpPr>
+          <p:nvPr>
+            <p:ph type="sldImg"/>
+          </p:nvPr>
+        </p:nvSpPr>
+        <p:spPr/>
+      </p:sp>
+      <p:sp>
+        <p:nvSpPr>
+          <p:cNvPr id="3" name="Notes Placeholder 2"/>
+          <p:cNvSpPr>
+            <a:spLocks noGrp="1"/>
+          </p:cNvSpPr>
+          <p:nvPr>
+            <p:ph type="body" idx="1"/>
+          </p:nvPr>
+        </p:nvSpPr>
+        <p:spPr/>
+        <p:txBody>
+          <a:bodyPr/>
+          <a:lstStyle/>
+          <a:p>
+            <a:r>
+              <a:rPr lang="en-US" dirty="0" smtClean="0"/>
+              <a:t>The </a:t>
+            </a:r>
+            <a:r>
+              <a:rPr lang="en-US" dirty="0" err="1" smtClean="0">
+                <a:hlinkClick r:id="rId3"/>
+              </a:rPr>
+              <a:t>ChangePassword</a:t>
+            </a:r>
+            <a:r>
+              <a:rPr lang="en-US" dirty="0" smtClean="0"/>
+              <a:t> control allows users to change their password. The user must first supply the original password and then create and confirm the new password. If the original password is correct, the user password is changed to the new password. The control also includes support for sending an e-mail message about the new password.</a:t>
+            </a:r>
+          </a:p>
+          <a:p>
+            <a:r>
+              <a:rPr lang="en-US" dirty="0" smtClean="0"/>
+              <a:t>The </a:t>
+            </a:r>
+            <a:r>
+              <a:rPr lang="en-US" dirty="0" err="1" smtClean="0">
+                <a:hlinkClick r:id="rId3"/>
+              </a:rPr>
+              <a:t>ChangePassword</a:t>
+            </a:r>
+            <a:r>
+              <a:rPr lang="en-US" dirty="0" smtClean="0"/>
+              <a:t> control includes two </a:t>
+            </a:r>
+            <a:r>
+              <a:rPr lang="en-US" dirty="0" err="1" smtClean="0"/>
+              <a:t>templated</a:t>
+            </a:r>
+            <a:r>
+              <a:rPr lang="en-US" dirty="0" smtClean="0"/>
+              <a:t> views that are displayed to the user. The first is the </a:t>
+            </a:r>
+            <a:r>
+              <a:rPr lang="en-US" dirty="0" err="1" smtClean="0">
+                <a:hlinkClick r:id="rId4"/>
+              </a:rPr>
+              <a:t>ChangePasswordTemplate</a:t>
+            </a:r>
+            <a:r>
+              <a:rPr lang="en-US" dirty="0" smtClean="0"/>
+              <a:t>, which displays the user interface used to gather the data required to change the user password. The second template is the </a:t>
+            </a:r>
+            <a:r>
+              <a:rPr lang="en-US" dirty="0" err="1" smtClean="0">
+                <a:hlinkClick r:id="rId5"/>
+              </a:rPr>
+              <a:t>SuccessTemplate</a:t>
+            </a:r>
+            <a:r>
+              <a:rPr lang="en-US" dirty="0" smtClean="0"/>
+              <a:t>, which defines the user interface that is displayed after a user password has been successfully changed.</a:t>
+            </a:r>
+          </a:p>
+          <a:p>
+            <a:r>
+              <a:rPr lang="en-US" dirty="0" smtClean="0"/>
+              <a:t>The </a:t>
+            </a:r>
+            <a:r>
+              <a:rPr lang="en-US" dirty="0" err="1" smtClean="0">
+                <a:hlinkClick r:id="rId3"/>
+              </a:rPr>
+              <a:t>ChangePassword</a:t>
+            </a:r>
+            <a:r>
+              <a:rPr lang="en-US" dirty="0" smtClean="0"/>
+              <a:t> control works with authenticated and non-authenticated users. If a user has not been authenticated, the control prompts the user for a login name. </a:t>
+            </a:r>
+            <a:r>
+              <a:rPr lang="en-US" smtClean="0"/>
+              <a:t>If the user is authenticated, the control populates the text box with the user's login name</a:t>
+            </a:r>
+          </a:p>
+          <a:p>
+            <a:endParaRPr lang="en-US" dirty="0"/>
+          </a:p>
+        </p:txBody>
+      </p:sp>
+      <p:sp>
+        <p:nvSpPr>
+          <p:cNvPr id="4" name="Header Placeholder 3"/>
+          <p:cNvSpPr>
+            <a:spLocks noGrp="1"/>
+          </p:cNvSpPr>
+          <p:nvPr>
+            <p:ph type="hdr" sz="quarter" idx="10"/>
+          </p:nvPr>
+        </p:nvSpPr>
+        <p:spPr/>
+        <p:txBody>
+          <a:bodyPr/>
+          <a:lstStyle/>
+          <a:p>
+            <a:r>
+              <a:rPr lang="en-US" smtClean="0"/>
+              <a:t>*</a:t>
+            </a:r>
+            <a:endParaRPr lang="en-US" sz="1300" i="0"/>
+          </a:p>
+        </p:txBody>
+      </p:sp>
+      <p:sp>
+        <p:nvSpPr>
+          <p:cNvPr id="5" name="Footer Placeholder 4"/>
+          <p:cNvSpPr>
+            <a:spLocks noGrp="1"/>
+          </p:cNvSpPr>
+          <p:nvPr>
+            <p:ph type="ftr" sz="quarter" idx="11"/>
+          </p:nvPr>
+        </p:nvSpPr>
+        <p:spPr/>
+        <p:txBody>
+          <a:bodyPr/>
+          <a:lstStyle/>
+          <a:p>
+            <a:r>
+              <a:rPr lang="en-US" smtClean="0"/>
+              <a:t>(c) 2005 National Academy for Software Development - http://academy.devbg.org. All rights reserved. Unauthorized copying or re-distribution is strictly prohibited.*</a:t>
+            </a:r>
+            <a:endParaRPr lang="en-US" sz="1300" i="0"/>
+          </a:p>
+        </p:txBody>
+      </p:sp>
+      <p:sp>
+        <p:nvSpPr>
+          <p:cNvPr id="6" name="Slide Number Placeholder 5"/>
+          <p:cNvSpPr>
+            <a:spLocks noGrp="1"/>
+          </p:cNvSpPr>
+          <p:nvPr>
+            <p:ph type="sldNum" sz="quarter" idx="12"/>
+          </p:nvPr>
+        </p:nvSpPr>
+        <p:spPr/>
+        <p:txBody>
+          <a:bodyPr/>
+          <a:lstStyle/>
+          <a:p>
+            <a:fld id="{625F40C3-04A4-4B2D-AC38-F17D07917260}" type="slidenum">
+              <a:rPr lang="en-US" smtClean="0"/>
+              <a:pPr/>
+              <a:t>41</a:t>
+            </a:fld>
+            <a:r>
+              <a:rPr lang="en-US" smtClean="0"/>
+              <a:t>##</a:t>
+            </a:r>
+            <a:endParaRPr lang="en-US" sz="1300" i="0"/>
+          </a:p>
+        </p:txBody>
+      </p:sp>
+    </p:spTree>
+    <p:extLst>
+      <p:ext uri="{BB962C8B-B14F-4D97-AF65-F5344CB8AC3E}">
+        <p14:creationId xmlns:p14="http://schemas.microsoft.com/office/powerpoint/2010/main" val="573000308"/>
+      </p:ext>
+    </p:extLst>
+  </p:cSld>
+  <p:clrMapOvr>
+    <a:masterClrMapping/>
+  </p:clrMapOvr>
+</p:notes>
+</file>
+
 <file path=ppt/notesSlides/notesSlide2.xml><?xml version="1.0" encoding="utf-8"?>
 <p:notes xmlns:a="http://schemas.openxmlformats.org/drawingml/2006/main" xmlns:r="http://schemas.openxmlformats.org/officeDocument/2006/relationships" xmlns:p="http://schemas.openxmlformats.org/presentationml/2006/main">
   <p:cSld>
@@ -1501,6 +3481,420 @@
       <p:sp>
         <p:nvSpPr>
           <p:cNvPr id="445443" name="Rectangle 3"/>
+          <p:cNvSpPr>
+            <a:spLocks noGrp="1" noChangeArrowheads="1"/>
+          </p:cNvSpPr>
+          <p:nvPr>
+            <p:ph type="body" idx="1"/>
+          </p:nvPr>
+        </p:nvSpPr>
+        <p:spPr/>
+        <p:txBody>
+          <a:bodyPr/>
+          <a:lstStyle/>
+          <a:p>
+            <a:endParaRPr lang="bg-BG" dirty="0"/>
+          </a:p>
+        </p:txBody>
+      </p:sp>
+    </p:spTree>
+  </p:cSld>
+  <p:clrMapOvr>
+    <a:masterClrMapping/>
+  </p:clrMapOvr>
+</p:notes>
+</file>
+
+<file path=ppt/notesSlides/notesSlide20.xml><?xml version="1.0" encoding="utf-8"?>
+<p:notes xmlns:a="http://schemas.openxmlformats.org/drawingml/2006/main" xmlns:r="http://schemas.openxmlformats.org/officeDocument/2006/relationships" xmlns:p="http://schemas.openxmlformats.org/presentationml/2006/main">
+  <p:cSld>
+    <p:spTree>
+      <p:nvGrpSpPr>
+        <p:cNvPr id="1" name=""/>
+        <p:cNvGrpSpPr/>
+        <p:nvPr/>
+      </p:nvGrpSpPr>
+      <p:grpSpPr>
+        <a:xfrm>
+          <a:off x="0" y="0"/>
+          <a:ext cx="0" cy="0"/>
+          <a:chOff x="0" y="0"/>
+          <a:chExt cx="0" cy="0"/>
+        </a:xfrm>
+      </p:grpSpPr>
+      <p:sp>
+        <p:nvSpPr>
+          <p:cNvPr id="4" name="Rectangle 2"/>
+          <p:cNvSpPr>
+            <a:spLocks noGrp="1" noChangeArrowheads="1"/>
+          </p:cNvSpPr>
+          <p:nvPr>
+            <p:ph type="hdr" sz="quarter"/>
+          </p:nvPr>
+        </p:nvSpPr>
+        <p:spPr>
+          <a:ln/>
+        </p:spPr>
+        <p:txBody>
+          <a:bodyPr/>
+          <a:lstStyle/>
+          <a:p>
+            <a:r>
+              <a:rPr lang="en-US"/>
+              <a:t>*</a:t>
+            </a:r>
+            <a:endParaRPr lang="en-US" sz="1300" i="0"/>
+          </a:p>
+        </p:txBody>
+      </p:sp>
+      <p:sp>
+        <p:nvSpPr>
+          <p:cNvPr id="5" name="Rectangle 6"/>
+          <p:cNvSpPr>
+            <a:spLocks noGrp="1" noChangeArrowheads="1"/>
+          </p:cNvSpPr>
+          <p:nvPr>
+            <p:ph type="ftr" sz="quarter" idx="4"/>
+          </p:nvPr>
+        </p:nvSpPr>
+        <p:spPr>
+          <a:ln/>
+        </p:spPr>
+        <p:txBody>
+          <a:bodyPr/>
+          <a:lstStyle/>
+          <a:p>
+            <a:r>
+              <a:rPr lang="en-US"/>
+              <a:t>(c) 2005 National Academy for Software Development - http://academy.devbg.org. All rights reserved. Unauthorized copying or re-distribution is strictly prohibited.*</a:t>
+            </a:r>
+            <a:endParaRPr lang="en-US" sz="1300" i="0"/>
+          </a:p>
+        </p:txBody>
+      </p:sp>
+      <p:sp>
+        <p:nvSpPr>
+          <p:cNvPr id="6" name="Rectangle 7"/>
+          <p:cNvSpPr>
+            <a:spLocks noGrp="1" noChangeArrowheads="1"/>
+          </p:cNvSpPr>
+          <p:nvPr>
+            <p:ph type="sldNum" sz="quarter" idx="5"/>
+          </p:nvPr>
+        </p:nvSpPr>
+        <p:spPr>
+          <a:ln/>
+        </p:spPr>
+        <p:txBody>
+          <a:bodyPr/>
+          <a:lstStyle/>
+          <a:p>
+            <a:fld id="{BFBEEAE8-221B-4CAF-95E2-20F69172E38C}" type="slidenum">
+              <a:rPr lang="en-US"/>
+              <a:pPr/>
+              <a:t>42</a:t>
+            </a:fld>
+            <a:r>
+              <a:rPr lang="en-US"/>
+              <a:t>##</a:t>
+            </a:r>
+            <a:endParaRPr lang="en-US" sz="1300" i="0"/>
+          </a:p>
+        </p:txBody>
+      </p:sp>
+      <p:sp>
+        <p:nvSpPr>
+          <p:cNvPr id="496642" name="Rectangle 2"/>
+          <p:cNvSpPr>
+            <a:spLocks noGrp="1" noRot="1" noChangeAspect="1" noChangeArrowheads="1" noTextEdit="1"/>
+          </p:cNvSpPr>
+          <p:nvPr>
+            <p:ph type="sldImg"/>
+          </p:nvPr>
+        </p:nvSpPr>
+        <p:spPr>
+          <a:ln/>
+        </p:spPr>
+      </p:sp>
+      <p:sp>
+        <p:nvSpPr>
+          <p:cNvPr id="496643" name="Rectangle 3"/>
+          <p:cNvSpPr>
+            <a:spLocks noGrp="1" noChangeArrowheads="1"/>
+          </p:cNvSpPr>
+          <p:nvPr>
+            <p:ph type="body" idx="1"/>
+          </p:nvPr>
+        </p:nvSpPr>
+        <p:spPr/>
+        <p:txBody>
+          <a:bodyPr/>
+          <a:lstStyle/>
+          <a:p>
+            <a:endParaRPr lang="en-US"/>
+          </a:p>
+        </p:txBody>
+      </p:sp>
+    </p:spTree>
+  </p:cSld>
+  <p:clrMapOvr>
+    <a:masterClrMapping/>
+  </p:clrMapOvr>
+</p:notes>
+</file>
+
+<file path=ppt/notesSlides/notesSlide21.xml><?xml version="1.0" encoding="utf-8"?>
+<p:notes xmlns:a="http://schemas.openxmlformats.org/drawingml/2006/main" xmlns:r="http://schemas.openxmlformats.org/officeDocument/2006/relationships" xmlns:p="http://schemas.openxmlformats.org/presentationml/2006/main">
+  <p:cSld>
+    <p:spTree>
+      <p:nvGrpSpPr>
+        <p:cNvPr id="1" name=""/>
+        <p:cNvGrpSpPr/>
+        <p:nvPr/>
+      </p:nvGrpSpPr>
+      <p:grpSpPr>
+        <a:xfrm>
+          <a:off x="0" y="0"/>
+          <a:ext cx="0" cy="0"/>
+          <a:chOff x="0" y="0"/>
+          <a:chExt cx="0" cy="0"/>
+        </a:xfrm>
+      </p:grpSpPr>
+      <p:sp>
+        <p:nvSpPr>
+          <p:cNvPr id="4" name="Rectangle 2"/>
+          <p:cNvSpPr>
+            <a:spLocks noGrp="1" noChangeArrowheads="1"/>
+          </p:cNvSpPr>
+          <p:nvPr>
+            <p:ph type="hdr" sz="quarter"/>
+          </p:nvPr>
+        </p:nvSpPr>
+        <p:spPr>
+          <a:ln/>
+        </p:spPr>
+        <p:txBody>
+          <a:bodyPr/>
+          <a:lstStyle/>
+          <a:p>
+            <a:r>
+              <a:rPr lang="en-US"/>
+              <a:t>*</a:t>
+            </a:r>
+            <a:endParaRPr lang="en-US" sz="1300" i="0"/>
+          </a:p>
+        </p:txBody>
+      </p:sp>
+      <p:sp>
+        <p:nvSpPr>
+          <p:cNvPr id="5" name="Rectangle 6"/>
+          <p:cNvSpPr>
+            <a:spLocks noGrp="1" noChangeArrowheads="1"/>
+          </p:cNvSpPr>
+          <p:nvPr>
+            <p:ph type="ftr" sz="quarter" idx="4"/>
+          </p:nvPr>
+        </p:nvSpPr>
+        <p:spPr>
+          <a:ln/>
+        </p:spPr>
+        <p:txBody>
+          <a:bodyPr/>
+          <a:lstStyle/>
+          <a:p>
+            <a:r>
+              <a:rPr lang="en-US"/>
+              <a:t>(c) 2005 National Academy for Software Development - http://academy.devbg.org. All rights reserved. Unauthorized copying or re-distribution is strictly prohibited.*</a:t>
+            </a:r>
+            <a:endParaRPr lang="en-US" sz="1300" i="0"/>
+          </a:p>
+        </p:txBody>
+      </p:sp>
+      <p:sp>
+        <p:nvSpPr>
+          <p:cNvPr id="6" name="Rectangle 7"/>
+          <p:cNvSpPr>
+            <a:spLocks noGrp="1" noChangeArrowheads="1"/>
+          </p:cNvSpPr>
+          <p:nvPr>
+            <p:ph type="sldNum" sz="quarter" idx="5"/>
+          </p:nvPr>
+        </p:nvSpPr>
+        <p:spPr>
+          <a:ln/>
+        </p:spPr>
+        <p:txBody>
+          <a:bodyPr/>
+          <a:lstStyle/>
+          <a:p>
+            <a:fld id="{F56C672D-86BB-43D0-A997-220A6AFD3443}" type="slidenum">
+              <a:rPr lang="en-US"/>
+              <a:pPr/>
+              <a:t>44</a:t>
+            </a:fld>
+            <a:r>
+              <a:rPr lang="en-US"/>
+              <a:t>##</a:t>
+            </a:r>
+            <a:endParaRPr lang="en-US" sz="1300" i="0"/>
+          </a:p>
+        </p:txBody>
+      </p:sp>
+      <p:sp>
+        <p:nvSpPr>
+          <p:cNvPr id="498690" name="Rectangle 2"/>
+          <p:cNvSpPr>
+            <a:spLocks noGrp="1" noRot="1" noChangeAspect="1" noChangeArrowheads="1" noTextEdit="1"/>
+          </p:cNvSpPr>
+          <p:nvPr>
+            <p:ph type="sldImg"/>
+          </p:nvPr>
+        </p:nvSpPr>
+        <p:spPr>
+          <a:ln/>
+        </p:spPr>
+      </p:sp>
+      <p:sp>
+        <p:nvSpPr>
+          <p:cNvPr id="498691" name="Rectangle 3"/>
+          <p:cNvSpPr>
+            <a:spLocks noGrp="1" noChangeArrowheads="1"/>
+          </p:cNvSpPr>
+          <p:nvPr>
+            <p:ph type="body" idx="1"/>
+          </p:nvPr>
+        </p:nvSpPr>
+        <p:spPr/>
+        <p:txBody>
+          <a:bodyPr/>
+          <a:lstStyle/>
+          <a:p>
+            <a:endParaRPr lang="bg-BG"/>
+          </a:p>
+        </p:txBody>
+      </p:sp>
+    </p:spTree>
+  </p:cSld>
+  <p:clrMapOvr>
+    <a:masterClrMapping/>
+  </p:clrMapOvr>
+</p:notes>
+</file>
+
+<file path=ppt/notesSlides/notesSlide22.xml><?xml version="1.0" encoding="utf-8"?>
+<p:notes xmlns:a="http://schemas.openxmlformats.org/drawingml/2006/main" xmlns:r="http://schemas.openxmlformats.org/officeDocument/2006/relationships" xmlns:p="http://schemas.openxmlformats.org/presentationml/2006/main">
+  <p:cSld>
+    <p:spTree>
+      <p:nvGrpSpPr>
+        <p:cNvPr id="1" name=""/>
+        <p:cNvGrpSpPr/>
+        <p:nvPr/>
+      </p:nvGrpSpPr>
+      <p:grpSpPr>
+        <a:xfrm>
+          <a:off x="0" y="0"/>
+          <a:ext cx="0" cy="0"/>
+          <a:chOff x="0" y="0"/>
+          <a:chExt cx="0" cy="0"/>
+        </a:xfrm>
+      </p:grpSpPr>
+      <p:sp>
+        <p:nvSpPr>
+          <p:cNvPr id="4" name="Rectangle 2"/>
+          <p:cNvSpPr>
+            <a:spLocks noGrp="1" noChangeArrowheads="1"/>
+          </p:cNvSpPr>
+          <p:nvPr>
+            <p:ph type="hdr" sz="quarter"/>
+          </p:nvPr>
+        </p:nvSpPr>
+        <p:spPr>
+          <a:ln/>
+        </p:spPr>
+        <p:txBody>
+          <a:bodyPr/>
+          <a:lstStyle/>
+          <a:p>
+            <a:r>
+              <a:rPr lang="en-US"/>
+              <a:t>*</a:t>
+            </a:r>
+            <a:endParaRPr lang="en-US" sz="1300" i="0"/>
+          </a:p>
+        </p:txBody>
+      </p:sp>
+      <p:sp>
+        <p:nvSpPr>
+          <p:cNvPr id="5" name="Rectangle 6"/>
+          <p:cNvSpPr>
+            <a:spLocks noGrp="1" noChangeArrowheads="1"/>
+          </p:cNvSpPr>
+          <p:nvPr>
+            <p:ph type="ftr" sz="quarter" idx="4"/>
+          </p:nvPr>
+        </p:nvSpPr>
+        <p:spPr>
+          <a:ln/>
+        </p:spPr>
+        <p:txBody>
+          <a:bodyPr/>
+          <a:lstStyle/>
+          <a:p>
+            <a:r>
+              <a:rPr lang="en-US"/>
+              <a:t>(c) 2005 National Academy for Software Development - http://academy.devbg.org. All rights reserved. Unauthorized copying or re-distribution is strictly prohibited.*</a:t>
+            </a:r>
+            <a:endParaRPr lang="en-US" sz="1300" i="0"/>
+          </a:p>
+        </p:txBody>
+      </p:sp>
+      <p:sp>
+        <p:nvSpPr>
+          <p:cNvPr id="6" name="Rectangle 7"/>
+          <p:cNvSpPr>
+            <a:spLocks noGrp="1" noChangeArrowheads="1"/>
+          </p:cNvSpPr>
+          <p:nvPr>
+            <p:ph type="sldNum" sz="quarter" idx="5"/>
+          </p:nvPr>
+        </p:nvSpPr>
+        <p:spPr>
+          <a:ln/>
+        </p:spPr>
+        <p:txBody>
+          <a:bodyPr/>
+          <a:lstStyle/>
+          <a:p>
+            <a:fld id="{F56C672D-86BB-43D0-A997-220A6AFD3443}" type="slidenum">
+              <a:rPr lang="en-US"/>
+              <a:pPr/>
+              <a:t>46</a:t>
+            </a:fld>
+            <a:r>
+              <a:rPr lang="en-US"/>
+              <a:t>##</a:t>
+            </a:r>
+            <a:endParaRPr lang="en-US" sz="1300" i="0"/>
+          </a:p>
+        </p:txBody>
+      </p:sp>
+      <p:sp>
+        <p:nvSpPr>
+          <p:cNvPr id="498690" name="Rectangle 2"/>
+          <p:cNvSpPr>
+            <a:spLocks noGrp="1" noRot="1" noChangeAspect="1" noChangeArrowheads="1" noTextEdit="1"/>
+          </p:cNvSpPr>
+          <p:nvPr>
+            <p:ph type="sldImg"/>
+          </p:nvPr>
+        </p:nvSpPr>
+        <p:spPr>
+          <a:ln/>
+        </p:spPr>
+      </p:sp>
+      <p:sp>
+        <p:nvSpPr>
+          <p:cNvPr id="498691" name="Rectangle 3"/>
           <p:cNvSpPr>
             <a:spLocks noGrp="1" noChangeArrowheads="1"/>
           </p:cNvSpPr>
@@ -1544,103 +3938,21 @@
       </p:grpSpPr>
       <p:sp>
         <p:nvSpPr>
-          <p:cNvPr id="4" name="Rectangle 2"/>
-          <p:cNvSpPr>
-            <a:spLocks noGrp="1" noChangeArrowheads="1"/>
-          </p:cNvSpPr>
-          <p:nvPr>
-            <p:ph type="hdr" sz="quarter"/>
-          </p:nvPr>
-        </p:nvSpPr>
-        <p:spPr>
-          <a:ln/>
-        </p:spPr>
-        <p:txBody>
-          <a:bodyPr/>
-          <a:lstStyle/>
-          <a:p>
-            <a:r>
-              <a:rPr lang="en-US"/>
-              <a:t>*</a:t>
-            </a:r>
-            <a:endParaRPr lang="en-US" sz="1300" i="0"/>
-          </a:p>
-        </p:txBody>
-      </p:sp>
-      <p:sp>
-        <p:nvSpPr>
-          <p:cNvPr id="5" name="Rectangle 6"/>
-          <p:cNvSpPr>
-            <a:spLocks noGrp="1" noChangeArrowheads="1"/>
-          </p:cNvSpPr>
-          <p:nvPr>
-            <p:ph type="ftr" sz="quarter" idx="4"/>
-          </p:nvPr>
-        </p:nvSpPr>
-        <p:spPr>
-          <a:ln/>
-        </p:spPr>
-        <p:txBody>
-          <a:bodyPr/>
-          <a:lstStyle/>
-          <a:p>
-            <a:r>
-              <a:rPr lang="en-US"/>
-              <a:t>(c) 2005 National Academy for Software Development - http://academy.devbg.org. All rights reserved. Unauthorized copying or re-distribution is strictly prohibited.*</a:t>
-            </a:r>
-            <a:endParaRPr lang="en-US" sz="1300" i="0"/>
-          </a:p>
-        </p:txBody>
-      </p:sp>
-      <p:sp>
-        <p:nvSpPr>
-          <p:cNvPr id="6" name="Rectangle 7"/>
-          <p:cNvSpPr>
-            <a:spLocks noGrp="1" noChangeArrowheads="1"/>
-          </p:cNvSpPr>
-          <p:nvPr>
-            <p:ph type="sldNum" sz="quarter" idx="5"/>
-          </p:nvPr>
-        </p:nvSpPr>
-        <p:spPr>
-          <a:ln/>
-        </p:spPr>
-        <p:txBody>
-          <a:bodyPr/>
-          <a:lstStyle/>
-          <a:p>
-            <a:fld id="{BFBEEAE8-221B-4CAF-95E2-20F69172E38C}" type="slidenum">
-              <a:rPr lang="en-US"/>
-              <a:pPr/>
-              <a:t>42</a:t>
-            </a:fld>
-            <a:r>
-              <a:rPr lang="en-US"/>
-              <a:t>##</a:t>
-            </a:r>
-            <a:endParaRPr lang="en-US" sz="1300" i="0"/>
-          </a:p>
-        </p:txBody>
-      </p:sp>
-      <p:sp>
-        <p:nvSpPr>
-          <p:cNvPr id="496642" name="Rectangle 2"/>
-          <p:cNvSpPr>
-            <a:spLocks noGrp="1" noRot="1" noChangeAspect="1" noChangeArrowheads="1" noTextEdit="1"/>
+          <p:cNvPr id="2" name="Slide Image Placeholder 1"/>
+          <p:cNvSpPr>
+            <a:spLocks noGrp="1" noRot="1" noChangeAspect="1"/>
           </p:cNvSpPr>
           <p:nvPr>
             <p:ph type="sldImg"/>
           </p:nvPr>
         </p:nvSpPr>
-        <p:spPr>
-          <a:ln/>
-        </p:spPr>
-      </p:sp>
-      <p:sp>
-        <p:nvSpPr>
-          <p:cNvPr id="496643" name="Rectangle 3"/>
-          <p:cNvSpPr>
-            <a:spLocks noGrp="1" noChangeArrowheads="1"/>
+        <p:spPr/>
+      </p:sp>
+      <p:sp>
+        <p:nvSpPr>
+          <p:cNvPr id="3" name="Notes Placeholder 2"/>
+          <p:cNvSpPr>
+            <a:spLocks noGrp="1"/>
           </p:cNvSpPr>
           <p:nvPr>
             <p:ph type="body" idx="1"/>
@@ -1651,11 +3963,164 @@
           <a:bodyPr/>
           <a:lstStyle/>
           <a:p>
-            <a:endParaRPr lang="en-US"/>
+            <a:pPr marL="228600" marR="0" indent="-228600" algn="l" defTabSz="914400" rtl="0" eaLnBrk="1" fontAlgn="base" latinLnBrk="0" hangingPunct="1">
+              <a:lnSpc>
+                <a:spcPct val="100000"/>
+              </a:lnSpc>
+              <a:spcBef>
+                <a:spcPct val="30000"/>
+              </a:spcBef>
+              <a:spcAft>
+                <a:spcPct val="0"/>
+              </a:spcAft>
+              <a:buClrTx/>
+              <a:buSzTx/>
+              <a:buFontTx/>
+              <a:buAutoNum type="arabicParenR"/>
+              <a:tabLst/>
+              <a:defRPr/>
+            </a:pPr>
+            <a:r>
+              <a:rPr lang="en-US" dirty="0" smtClean="0"/>
+              <a:t>Authentication -</a:t>
+            </a:r>
+            <a:r>
+              <a:rPr lang="en-US" sz="1200" dirty="0" smtClean="0"/>
+              <a:t> This is the process of accepting credentials from a user and validating those credentials against a designated authority. The user's (or potentially an application's or computer's) identity is referred to as a security principal. The client must provide credentials to allow the server to verify the identity of the principal. After the identity is known, the application can authorize the principal to access resources on the system. </a:t>
+            </a:r>
+          </a:p>
+          <a:p>
+            <a:pPr marL="228600" marR="0" indent="-228600" algn="l" defTabSz="914400" rtl="0" eaLnBrk="1" fontAlgn="base" latinLnBrk="0" hangingPunct="1">
+              <a:lnSpc>
+                <a:spcPct val="100000"/>
+              </a:lnSpc>
+              <a:spcBef>
+                <a:spcPct val="30000"/>
+              </a:spcBef>
+              <a:spcAft>
+                <a:spcPct val="0"/>
+              </a:spcAft>
+              <a:buClrTx/>
+              <a:buSzTx/>
+              <a:buFontTx/>
+              <a:buAutoNum type="arabicParenR"/>
+              <a:tabLst/>
+              <a:defRPr/>
+            </a:pPr>
+            <a:r>
+              <a:rPr lang="en-US" sz="1200" smtClean="0"/>
+              <a:t>Authorization - This </a:t>
+            </a:r>
+            <a:r>
+              <a:rPr lang="en-US" sz="1200" dirty="0" smtClean="0"/>
+              <a:t>is the process of determining whether the proven identity is allowed to access a specific resource. </a:t>
+            </a:r>
+          </a:p>
+          <a:p>
+            <a:pPr marL="228600" marR="0" indent="-228600" algn="l" defTabSz="914400" rtl="0" eaLnBrk="1" fontAlgn="base" latinLnBrk="0" hangingPunct="1">
+              <a:lnSpc>
+                <a:spcPct val="100000"/>
+              </a:lnSpc>
+              <a:spcBef>
+                <a:spcPct val="30000"/>
+              </a:spcBef>
+              <a:spcAft>
+                <a:spcPct val="0"/>
+              </a:spcAft>
+              <a:buClrTx/>
+              <a:buSzTx/>
+              <a:buFontTx/>
+              <a:buAutoNum type="arabicParenR"/>
+              <a:tabLst/>
+              <a:defRPr/>
+            </a:pPr>
+            <a:endParaRPr lang="en-US" sz="1200" dirty="0" smtClean="0"/>
+          </a:p>
+          <a:p>
+            <a:endParaRPr lang="en-US" dirty="0"/>
           </a:p>
         </p:txBody>
       </p:sp>
+      <p:sp>
+        <p:nvSpPr>
+          <p:cNvPr id="4" name="Header Placeholder 3"/>
+          <p:cNvSpPr>
+            <a:spLocks noGrp="1"/>
+          </p:cNvSpPr>
+          <p:nvPr>
+            <p:ph type="hdr" sz="quarter" idx="10"/>
+          </p:nvPr>
+        </p:nvSpPr>
+        <p:spPr/>
+        <p:txBody>
+          <a:bodyPr/>
+          <a:lstStyle/>
+          <a:p>
+            <a:r>
+              <a:rPr lang="en-US" smtClean="0"/>
+              <a:t>*</a:t>
+            </a:r>
+            <a:endParaRPr lang="en-US" sz="1300" i="0"/>
+          </a:p>
+        </p:txBody>
+      </p:sp>
+      <p:sp>
+        <p:nvSpPr>
+          <p:cNvPr id="5" name="Footer Placeholder 4"/>
+          <p:cNvSpPr>
+            <a:spLocks noGrp="1"/>
+          </p:cNvSpPr>
+          <p:nvPr>
+            <p:ph type="ftr" sz="quarter" idx="11"/>
+          </p:nvPr>
+        </p:nvSpPr>
+        <p:spPr/>
+        <p:txBody>
+          <a:bodyPr/>
+          <a:lstStyle/>
+          <a:p>
+            <a:r>
+              <a:rPr lang="en-US" smtClean="0"/>
+              <a:t>(c) 2005 National Academy for Software Development - http://academy.devbg.org. All rights reserved. Unauthorized copying or re-distribution is strictly prohibited.*</a:t>
+            </a:r>
+            <a:endParaRPr lang="en-US" sz="1300" i="0"/>
+          </a:p>
+        </p:txBody>
+      </p:sp>
+      <p:sp>
+        <p:nvSpPr>
+          <p:cNvPr id="6" name="Slide Number Placeholder 5"/>
+          <p:cNvSpPr>
+            <a:spLocks noGrp="1"/>
+          </p:cNvSpPr>
+          <p:nvPr>
+            <p:ph type="sldNum" sz="quarter" idx="12"/>
+          </p:nvPr>
+        </p:nvSpPr>
+        <p:spPr/>
+        <p:txBody>
+          <a:bodyPr/>
+          <a:lstStyle/>
+          <a:p>
+            <a:fld id="{625F40C3-04A4-4B2D-AC38-F17D07917260}" type="slidenum">
+              <a:rPr lang="en-US" smtClean="0"/>
+              <a:pPr/>
+              <a:t>3</a:t>
+            </a:fld>
+            <a:r>
+              <a:rPr lang="en-US" smtClean="0"/>
+              <a:t>##</a:t>
+            </a:r>
+            <a:endParaRPr lang="en-US" sz="1300" i="0"/>
+          </a:p>
+        </p:txBody>
+      </p:sp>
     </p:spTree>
+    <p:extLst>
+      <p:ext uri="{BB962C8B-B14F-4D97-AF65-F5344CB8AC3E}">
+        <p14:creationId xmlns:p14="http://schemas.microsoft.com/office/powerpoint/2010/main" val="2237065878"/>
+      </p:ext>
+    </p:extLst>
   </p:cSld>
   <p:clrMapOvr>
     <a:masterClrMapping/>
@@ -1682,103 +4147,21 @@
       </p:grpSpPr>
       <p:sp>
         <p:nvSpPr>
-          <p:cNvPr id="4" name="Rectangle 2"/>
-          <p:cNvSpPr>
-            <a:spLocks noGrp="1" noChangeArrowheads="1"/>
-          </p:cNvSpPr>
-          <p:nvPr>
-            <p:ph type="hdr" sz="quarter"/>
-          </p:nvPr>
-        </p:nvSpPr>
-        <p:spPr>
-          <a:ln/>
-        </p:spPr>
-        <p:txBody>
-          <a:bodyPr/>
-          <a:lstStyle/>
-          <a:p>
-            <a:r>
-              <a:rPr lang="en-US"/>
-              <a:t>*</a:t>
-            </a:r>
-            <a:endParaRPr lang="en-US" sz="1300" i="0"/>
-          </a:p>
-        </p:txBody>
-      </p:sp>
-      <p:sp>
-        <p:nvSpPr>
-          <p:cNvPr id="5" name="Rectangle 6"/>
-          <p:cNvSpPr>
-            <a:spLocks noGrp="1" noChangeArrowheads="1"/>
-          </p:cNvSpPr>
-          <p:nvPr>
-            <p:ph type="ftr" sz="quarter" idx="4"/>
-          </p:nvPr>
-        </p:nvSpPr>
-        <p:spPr>
-          <a:ln/>
-        </p:spPr>
-        <p:txBody>
-          <a:bodyPr/>
-          <a:lstStyle/>
-          <a:p>
-            <a:r>
-              <a:rPr lang="en-US"/>
-              <a:t>(c) 2005 National Academy for Software Development - http://academy.devbg.org. All rights reserved. Unauthorized copying or re-distribution is strictly prohibited.*</a:t>
-            </a:r>
-            <a:endParaRPr lang="en-US" sz="1300" i="0"/>
-          </a:p>
-        </p:txBody>
-      </p:sp>
-      <p:sp>
-        <p:nvSpPr>
-          <p:cNvPr id="6" name="Rectangle 7"/>
-          <p:cNvSpPr>
-            <a:spLocks noGrp="1" noChangeArrowheads="1"/>
-          </p:cNvSpPr>
-          <p:nvPr>
-            <p:ph type="sldNum" sz="quarter" idx="5"/>
-          </p:nvPr>
-        </p:nvSpPr>
-        <p:spPr>
-          <a:ln/>
-        </p:spPr>
-        <p:txBody>
-          <a:bodyPr/>
-          <a:lstStyle/>
-          <a:p>
-            <a:fld id="{F56C672D-86BB-43D0-A997-220A6AFD3443}" type="slidenum">
-              <a:rPr lang="en-US"/>
-              <a:pPr/>
-              <a:t>44</a:t>
-            </a:fld>
-            <a:r>
-              <a:rPr lang="en-US"/>
-              <a:t>##</a:t>
-            </a:r>
-            <a:endParaRPr lang="en-US" sz="1300" i="0"/>
-          </a:p>
-        </p:txBody>
-      </p:sp>
-      <p:sp>
-        <p:nvSpPr>
-          <p:cNvPr id="498690" name="Rectangle 2"/>
-          <p:cNvSpPr>
-            <a:spLocks noGrp="1" noRot="1" noChangeAspect="1" noChangeArrowheads="1" noTextEdit="1"/>
+          <p:cNvPr id="2" name="Slide Image Placeholder 1"/>
+          <p:cNvSpPr>
+            <a:spLocks noGrp="1" noRot="1" noChangeAspect="1"/>
           </p:cNvSpPr>
           <p:nvPr>
             <p:ph type="sldImg"/>
           </p:nvPr>
         </p:nvSpPr>
-        <p:spPr>
-          <a:ln/>
-        </p:spPr>
-      </p:sp>
-      <p:sp>
-        <p:nvSpPr>
-          <p:cNvPr id="498691" name="Rectangle 3"/>
-          <p:cNvSpPr>
-            <a:spLocks noGrp="1" noChangeArrowheads="1"/>
+        <p:spPr/>
+      </p:sp>
+      <p:sp>
+        <p:nvSpPr>
+          <p:cNvPr id="3" name="Notes Placeholder 2"/>
+          <p:cNvSpPr>
+            <a:spLocks noGrp="1"/>
           </p:cNvSpPr>
           <p:nvPr>
             <p:ph type="body" idx="1"/>
@@ -1789,11 +4172,159 @@
           <a:bodyPr/>
           <a:lstStyle/>
           <a:p>
-            <a:endParaRPr lang="bg-BG"/>
+            <a:r>
+              <a:rPr lang="en-US" dirty="0" smtClean="0"/>
+              <a:t>1) </a:t>
+            </a:r>
+            <a:r>
+              <a:rPr lang="en-US" dirty="0" smtClean="0">
+                <a:effectLst/>
+              </a:rPr>
+              <a:t>In Windows authentication, IIS performs the authentication, and the authenticated token is forwarded to the ASP.NET worker process. The advantage of using Windows authentication is that it requires minimal coding. You may want to use Windows authentication to impersonate the Windows user account that IIS authenticates before you hand off the request to ASP.NET.</a:t>
+            </a:r>
+            <a:br>
+              <a:rPr lang="en-US" dirty="0" smtClean="0">
+                <a:effectLst/>
+              </a:rPr>
+            </a:br>
+            <a:r>
+              <a:rPr lang="en-US" dirty="0" smtClean="0">
+                <a:effectLst/>
+              </a:rPr>
+              <a:t/>
+            </a:r>
+            <a:br>
+              <a:rPr lang="en-US" dirty="0" smtClean="0">
+                <a:effectLst/>
+              </a:rPr>
+            </a:br>
+            <a:r>
+              <a:rPr lang="en-US" dirty="0" smtClean="0">
+                <a:effectLst/>
+              </a:rPr>
+              <a:t>2) Forms authentication refers to a system in which unauthenticated requests are redirected to a Hypertext Markup Language (HTML) form in which users type their credentials. After the user provides credentials and submits the form, the application authenticates the request, and the system issues an authorization ticket in the form of a cookie. This cookie contains the credentials or a key to reacquire the identity. Subsequent requests from the browser automatically include the cookie.</a:t>
+            </a:r>
+          </a:p>
+          <a:p>
+            <a:endParaRPr lang="en-US" dirty="0" smtClean="0"/>
+          </a:p>
+          <a:p>
+            <a:r>
+              <a:rPr lang="en-US" dirty="0" smtClean="0"/>
+              <a:t>3) </a:t>
+            </a:r>
+            <a:r>
+              <a:rPr kumimoji="1" lang="en-US" sz="1200" kern="1200" dirty="0" smtClean="0">
+                <a:solidFill>
+                  <a:schemeClr val="tx1"/>
+                </a:solidFill>
+                <a:latin typeface="Arial" charset="0"/>
+                <a:ea typeface="+mn-ea"/>
+                <a:cs typeface="+mn-cs"/>
+              </a:rPr>
+              <a:t>Passport authentication lets you to use Microsoft's passport service to authenticate users of your application. If your users have signed up with passport, and you configure the authentication mode of the application to the passport authentication, all authentication duties are offloaded to the passport servers.</a:t>
+            </a:r>
+            <a:endParaRPr lang="en-US" dirty="0" smtClean="0"/>
+          </a:p>
+          <a:p>
+            <a:r>
+              <a:rPr kumimoji="1" lang="en-US" sz="1200" kern="1200" dirty="0" smtClean="0">
+                <a:solidFill>
+                  <a:schemeClr val="tx1"/>
+                </a:solidFill>
+                <a:latin typeface="Arial" charset="0"/>
+                <a:ea typeface="+mn-ea"/>
+                <a:cs typeface="+mn-cs"/>
+              </a:rPr>
+              <a:t>Passport uses an encrypted cookie mechanism to indicate authenticated users. If users have already signed into passport when they visit your site, they'll be considered authenticated by ASP.NET. Otherwise they'll be redirected to the passport servers to log in. When they are successfully log in, they'll be redirected back to your site</a:t>
+            </a:r>
+            <a:endParaRPr lang="en-US" dirty="0" smtClean="0"/>
+          </a:p>
+          <a:p>
+            <a:endParaRPr lang="en-US" dirty="0"/>
           </a:p>
         </p:txBody>
       </p:sp>
+      <p:sp>
+        <p:nvSpPr>
+          <p:cNvPr id="4" name="Header Placeholder 3"/>
+          <p:cNvSpPr>
+            <a:spLocks noGrp="1"/>
+          </p:cNvSpPr>
+          <p:nvPr>
+            <p:ph type="hdr" sz="quarter" idx="10"/>
+          </p:nvPr>
+        </p:nvSpPr>
+        <p:spPr/>
+        <p:txBody>
+          <a:bodyPr/>
+          <a:lstStyle/>
+          <a:p>
+            <a:r>
+              <a:rPr lang="en-US" smtClean="0"/>
+              <a:t>*</a:t>
+            </a:r>
+            <a:endParaRPr lang="en-US" sz="1300" i="0"/>
+          </a:p>
+        </p:txBody>
+      </p:sp>
+      <p:sp>
+        <p:nvSpPr>
+          <p:cNvPr id="5" name="Footer Placeholder 4"/>
+          <p:cNvSpPr>
+            <a:spLocks noGrp="1"/>
+          </p:cNvSpPr>
+          <p:nvPr>
+            <p:ph type="ftr" sz="quarter" idx="11"/>
+          </p:nvPr>
+        </p:nvSpPr>
+        <p:spPr/>
+        <p:txBody>
+          <a:bodyPr/>
+          <a:lstStyle/>
+          <a:p>
+            <a:r>
+              <a:rPr lang="en-US" smtClean="0"/>
+              <a:t>(c) 2005 National Academy for Software Development - http://academy.devbg.org. All rights reserved. Unauthorized copying or re-distribution is strictly prohibited.*</a:t>
+            </a:r>
+            <a:endParaRPr lang="en-US" sz="1300" i="0"/>
+          </a:p>
+        </p:txBody>
+      </p:sp>
+      <p:sp>
+        <p:nvSpPr>
+          <p:cNvPr id="6" name="Slide Number Placeholder 5"/>
+          <p:cNvSpPr>
+            <a:spLocks noGrp="1"/>
+          </p:cNvSpPr>
+          <p:nvPr>
+            <p:ph type="sldNum" sz="quarter" idx="12"/>
+          </p:nvPr>
+        </p:nvSpPr>
+        <p:spPr/>
+        <p:txBody>
+          <a:bodyPr/>
+          <a:lstStyle/>
+          <a:p>
+            <a:fld id="{625F40C3-04A4-4B2D-AC38-F17D07917260}" type="slidenum">
+              <a:rPr lang="en-US" smtClean="0"/>
+              <a:pPr/>
+              <a:t>5</a:t>
+            </a:fld>
+            <a:r>
+              <a:rPr lang="en-US" smtClean="0"/>
+              <a:t>##</a:t>
+            </a:r>
+            <a:endParaRPr lang="en-US" sz="1300" i="0"/>
+          </a:p>
+        </p:txBody>
+      </p:sp>
     </p:spTree>
+    <p:extLst>
+      <p:ext uri="{BB962C8B-B14F-4D97-AF65-F5344CB8AC3E}">
+        <p14:creationId xmlns:p14="http://schemas.microsoft.com/office/powerpoint/2010/main" val="2120799942"/>
+      </p:ext>
+    </p:extLst>
   </p:cSld>
   <p:clrMapOvr>
     <a:masterClrMapping/>
@@ -1820,103 +4351,21 @@
       </p:grpSpPr>
       <p:sp>
         <p:nvSpPr>
-          <p:cNvPr id="4" name="Rectangle 2"/>
-          <p:cNvSpPr>
-            <a:spLocks noGrp="1" noChangeArrowheads="1"/>
-          </p:cNvSpPr>
-          <p:nvPr>
-            <p:ph type="hdr" sz="quarter"/>
-          </p:nvPr>
-        </p:nvSpPr>
-        <p:spPr>
-          <a:ln/>
-        </p:spPr>
-        <p:txBody>
-          <a:bodyPr/>
-          <a:lstStyle/>
-          <a:p>
-            <a:r>
-              <a:rPr lang="en-US"/>
-              <a:t>*</a:t>
-            </a:r>
-            <a:endParaRPr lang="en-US" sz="1300" i="0"/>
-          </a:p>
-        </p:txBody>
-      </p:sp>
-      <p:sp>
-        <p:nvSpPr>
-          <p:cNvPr id="5" name="Rectangle 6"/>
-          <p:cNvSpPr>
-            <a:spLocks noGrp="1" noChangeArrowheads="1"/>
-          </p:cNvSpPr>
-          <p:nvPr>
-            <p:ph type="ftr" sz="quarter" idx="4"/>
-          </p:nvPr>
-        </p:nvSpPr>
-        <p:spPr>
-          <a:ln/>
-        </p:spPr>
-        <p:txBody>
-          <a:bodyPr/>
-          <a:lstStyle/>
-          <a:p>
-            <a:r>
-              <a:rPr lang="en-US"/>
-              <a:t>(c) 2005 National Academy for Software Development - http://academy.devbg.org. All rights reserved. Unauthorized copying or re-distribution is strictly prohibited.*</a:t>
-            </a:r>
-            <a:endParaRPr lang="en-US" sz="1300" i="0"/>
-          </a:p>
-        </p:txBody>
-      </p:sp>
-      <p:sp>
-        <p:nvSpPr>
-          <p:cNvPr id="6" name="Rectangle 7"/>
-          <p:cNvSpPr>
-            <a:spLocks noGrp="1" noChangeArrowheads="1"/>
-          </p:cNvSpPr>
-          <p:nvPr>
-            <p:ph type="sldNum" sz="quarter" idx="5"/>
-          </p:nvPr>
-        </p:nvSpPr>
-        <p:spPr>
-          <a:ln/>
-        </p:spPr>
-        <p:txBody>
-          <a:bodyPr/>
-          <a:lstStyle/>
-          <a:p>
-            <a:fld id="{F56C672D-86BB-43D0-A997-220A6AFD3443}" type="slidenum">
-              <a:rPr lang="en-US"/>
-              <a:pPr/>
-              <a:t>46</a:t>
-            </a:fld>
-            <a:r>
-              <a:rPr lang="en-US"/>
-              <a:t>##</a:t>
-            </a:r>
-            <a:endParaRPr lang="en-US" sz="1300" i="0"/>
-          </a:p>
-        </p:txBody>
-      </p:sp>
-      <p:sp>
-        <p:nvSpPr>
-          <p:cNvPr id="498690" name="Rectangle 2"/>
-          <p:cNvSpPr>
-            <a:spLocks noGrp="1" noRot="1" noChangeAspect="1" noChangeArrowheads="1" noTextEdit="1"/>
+          <p:cNvPr id="2" name="Slide Image Placeholder 1"/>
+          <p:cNvSpPr>
+            <a:spLocks noGrp="1" noRot="1" noChangeAspect="1"/>
           </p:cNvSpPr>
           <p:nvPr>
             <p:ph type="sldImg"/>
           </p:nvPr>
         </p:nvSpPr>
-        <p:spPr>
-          <a:ln/>
-        </p:spPr>
-      </p:sp>
-      <p:sp>
-        <p:nvSpPr>
-          <p:cNvPr id="498691" name="Rectangle 3"/>
-          <p:cNvSpPr>
-            <a:spLocks noGrp="1" noChangeArrowheads="1"/>
+        <p:spPr/>
+      </p:sp>
+      <p:sp>
+        <p:nvSpPr>
+          <p:cNvPr id="3" name="Notes Placeholder 2"/>
+          <p:cNvSpPr>
+            <a:spLocks noGrp="1"/>
           </p:cNvSpPr>
           <p:nvPr>
             <p:ph type="body" idx="1"/>
@@ -1927,11 +4376,1040 @@
           <a:bodyPr/>
           <a:lstStyle/>
           <a:p>
-            <a:endParaRPr lang="bg-BG"/>
+            <a:pPr marL="0" marR="0" indent="0" algn="l" defTabSz="914400" rtl="0" eaLnBrk="1" fontAlgn="base" latinLnBrk="0" hangingPunct="1">
+              <a:lnSpc>
+                <a:spcPct val="100000"/>
+              </a:lnSpc>
+              <a:spcBef>
+                <a:spcPct val="30000"/>
+              </a:spcBef>
+              <a:spcAft>
+                <a:spcPct val="0"/>
+              </a:spcAft>
+              <a:buClrTx/>
+              <a:buSzTx/>
+              <a:buFontTx/>
+              <a:buNone/>
+              <a:tabLst/>
+              <a:defRPr/>
+            </a:pPr>
+            <a:r>
+              <a:rPr lang="en-US" dirty="0" smtClean="0"/>
+              <a:t>1)</a:t>
+            </a:r>
+            <a:r>
+              <a:rPr lang="en-US" baseline="0" dirty="0" smtClean="0"/>
+              <a:t> </a:t>
+            </a:r>
+            <a:r>
+              <a:rPr lang="en-US" dirty="0" smtClean="0"/>
+              <a:t>Windows Authentication treats the user identity supplied by Microsoft Internet Information Services (IIS) as the authenticated user in an ASP.NET application. IIS provides a number of authentication mechanisms to verify user identity, including anonymous authentication, Windows integrated (NTLM) authentication, Windows integrated (Kerberos) authentication, Basic (base64 encoded) authentication, Digest authentication, and authentication based on client certificates. </a:t>
+            </a:r>
+          </a:p>
+          <a:p>
+            <a:endParaRPr lang="en-US" dirty="0"/>
           </a:p>
         </p:txBody>
       </p:sp>
+      <p:sp>
+        <p:nvSpPr>
+          <p:cNvPr id="4" name="Header Placeholder 3"/>
+          <p:cNvSpPr>
+            <a:spLocks noGrp="1"/>
+          </p:cNvSpPr>
+          <p:nvPr>
+            <p:ph type="hdr" sz="quarter" idx="10"/>
+          </p:nvPr>
+        </p:nvSpPr>
+        <p:spPr/>
+        <p:txBody>
+          <a:bodyPr/>
+          <a:lstStyle/>
+          <a:p>
+            <a:r>
+              <a:rPr lang="en-US" smtClean="0"/>
+              <a:t>*</a:t>
+            </a:r>
+            <a:endParaRPr lang="en-US" sz="1300" i="0"/>
+          </a:p>
+        </p:txBody>
+      </p:sp>
+      <p:sp>
+        <p:nvSpPr>
+          <p:cNvPr id="5" name="Footer Placeholder 4"/>
+          <p:cNvSpPr>
+            <a:spLocks noGrp="1"/>
+          </p:cNvSpPr>
+          <p:nvPr>
+            <p:ph type="ftr" sz="quarter" idx="11"/>
+          </p:nvPr>
+        </p:nvSpPr>
+        <p:spPr/>
+        <p:txBody>
+          <a:bodyPr/>
+          <a:lstStyle/>
+          <a:p>
+            <a:r>
+              <a:rPr lang="en-US" smtClean="0"/>
+              <a:t>(c) 2005 National Academy for Software Development - http://academy.devbg.org. All rights reserved. Unauthorized copying or re-distribution is strictly prohibited.*</a:t>
+            </a:r>
+            <a:endParaRPr lang="en-US" sz="1300" i="0"/>
+          </a:p>
+        </p:txBody>
+      </p:sp>
+      <p:sp>
+        <p:nvSpPr>
+          <p:cNvPr id="6" name="Slide Number Placeholder 5"/>
+          <p:cNvSpPr>
+            <a:spLocks noGrp="1"/>
+          </p:cNvSpPr>
+          <p:nvPr>
+            <p:ph type="sldNum" sz="quarter" idx="12"/>
+          </p:nvPr>
+        </p:nvSpPr>
+        <p:spPr/>
+        <p:txBody>
+          <a:bodyPr/>
+          <a:lstStyle/>
+          <a:p>
+            <a:fld id="{625F40C3-04A4-4B2D-AC38-F17D07917260}" type="slidenum">
+              <a:rPr lang="en-US" smtClean="0"/>
+              <a:pPr/>
+              <a:t>6</a:t>
+            </a:fld>
+            <a:r>
+              <a:rPr lang="en-US" smtClean="0"/>
+              <a:t>##</a:t>
+            </a:r>
+            <a:endParaRPr lang="en-US" sz="1300" i="0"/>
+          </a:p>
+        </p:txBody>
+      </p:sp>
     </p:spTree>
+    <p:extLst>
+      <p:ext uri="{BB962C8B-B14F-4D97-AF65-F5344CB8AC3E}">
+        <p14:creationId xmlns:p14="http://schemas.microsoft.com/office/powerpoint/2010/main" val="117170690"/>
+      </p:ext>
+    </p:extLst>
+  </p:cSld>
+  <p:clrMapOvr>
+    <a:masterClrMapping/>
+  </p:clrMapOvr>
+</p:notes>
+</file>
+
+<file path=ppt/notesSlides/notesSlide6.xml><?xml version="1.0" encoding="utf-8"?>
+<p:notes xmlns:a="http://schemas.openxmlformats.org/drawingml/2006/main" xmlns:r="http://schemas.openxmlformats.org/officeDocument/2006/relationships" xmlns:p="http://schemas.openxmlformats.org/presentationml/2006/main">
+  <p:cSld>
+    <p:spTree>
+      <p:nvGrpSpPr>
+        <p:cNvPr id="1" name=""/>
+        <p:cNvGrpSpPr/>
+        <p:nvPr/>
+      </p:nvGrpSpPr>
+      <p:grpSpPr>
+        <a:xfrm>
+          <a:off x="0" y="0"/>
+          <a:ext cx="0" cy="0"/>
+          <a:chOff x="0" y="0"/>
+          <a:chExt cx="0" cy="0"/>
+        </a:xfrm>
+      </p:grpSpPr>
+      <p:sp>
+        <p:nvSpPr>
+          <p:cNvPr id="2" name="Slide Image Placeholder 1"/>
+          <p:cNvSpPr>
+            <a:spLocks noGrp="1" noRot="1" noChangeAspect="1"/>
+          </p:cNvSpPr>
+          <p:nvPr>
+            <p:ph type="sldImg"/>
+          </p:nvPr>
+        </p:nvSpPr>
+        <p:spPr/>
+      </p:sp>
+      <p:sp>
+        <p:nvSpPr>
+          <p:cNvPr id="3" name="Notes Placeholder 2"/>
+          <p:cNvSpPr>
+            <a:spLocks noGrp="1"/>
+          </p:cNvSpPr>
+          <p:nvPr>
+            <p:ph type="body" idx="1"/>
+          </p:nvPr>
+        </p:nvSpPr>
+        <p:spPr/>
+        <p:txBody>
+          <a:bodyPr/>
+          <a:lstStyle/>
+          <a:p>
+            <a:pPr marL="0" marR="0" indent="0" algn="l" defTabSz="914400" rtl="0" eaLnBrk="1" fontAlgn="base" latinLnBrk="0" hangingPunct="1">
+              <a:lnSpc>
+                <a:spcPct val="100000"/>
+              </a:lnSpc>
+              <a:spcBef>
+                <a:spcPct val="30000"/>
+              </a:spcBef>
+              <a:spcAft>
+                <a:spcPct val="0"/>
+              </a:spcAft>
+              <a:buClrTx/>
+              <a:buSzTx/>
+              <a:buFontTx/>
+              <a:buNone/>
+              <a:tabLst/>
+              <a:defRPr/>
+            </a:pPr>
+            <a:r>
+              <a:rPr lang="en-US" dirty="0" smtClean="0"/>
+              <a:t>1) Although the Windows Authentication mode sets the value of the current </a:t>
+            </a:r>
+            <a:r>
+              <a:rPr lang="en-US" dirty="0" smtClean="0">
+                <a:hlinkClick r:id="rId3"/>
+              </a:rPr>
+              <a:t>User</a:t>
+            </a:r>
+            <a:r>
+              <a:rPr lang="en-US" dirty="0" smtClean="0"/>
+              <a:t> property to a </a:t>
+            </a:r>
+            <a:r>
+              <a:rPr lang="en-US" dirty="0" err="1" smtClean="0">
+                <a:hlinkClick r:id="rId4"/>
+              </a:rPr>
+              <a:t>WindowsIdentity</a:t>
+            </a:r>
+            <a:r>
+              <a:rPr lang="en-US" dirty="0" smtClean="0"/>
+              <a:t> based on the credentials supplied by IIS, it does not modify the Windows identity that is supplied to the operating system. The Windows identity supplied to the operating system is used for permission checking, such as NTFS file permissions, or for connecting to a database using integrated security. By default, this Windows identity is the identity of the ASP.NET process. On Microsoft Windows 2000 and Windows XP Professional, this is the identity of the ASP.NET worker process, which is the local ASPNET account. On Windows Server 2003, this is the identity of the IIS Application Pool that the ASP.NET application is part of. By default, this is the NETWORK SERVICE account.</a:t>
+            </a:r>
+            <a:r>
+              <a:rPr lang="en-US" baseline="0" dirty="0" smtClean="0"/>
+              <a:t> </a:t>
+            </a:r>
+            <a:r>
+              <a:rPr lang="en-US" dirty="0" smtClean="0"/>
+              <a:t>You can configure the Windows identity of your ASP.NET application as the Windows identity supplied by IIS by enabling impersonation. That is, you instruct your ASP.NET application to impersonate the identity supplied by IIS for all tasks that the Windows operating system authenticates, including file and network access.</a:t>
+            </a:r>
+          </a:p>
+          <a:p>
+            <a:pPr marL="0" marR="0" indent="0" algn="l" defTabSz="914400" rtl="0" eaLnBrk="1" fontAlgn="base" latinLnBrk="0" hangingPunct="1">
+              <a:lnSpc>
+                <a:spcPct val="100000"/>
+              </a:lnSpc>
+              <a:spcBef>
+                <a:spcPct val="30000"/>
+              </a:spcBef>
+              <a:spcAft>
+                <a:spcPct val="0"/>
+              </a:spcAft>
+              <a:buClrTx/>
+              <a:buSzTx/>
+              <a:buFontTx/>
+              <a:buNone/>
+              <a:tabLst/>
+              <a:defRPr/>
+            </a:pPr>
+            <a:endParaRPr lang="en-US" dirty="0" smtClean="0"/>
+          </a:p>
+          <a:p>
+            <a:r>
+              <a:rPr lang="en-US" dirty="0" smtClean="0"/>
+              <a:t>2) </a:t>
+            </a:r>
+            <a:r>
+              <a:rPr kumimoji="1" lang="en-US" sz="1200" kern="1200" dirty="0" smtClean="0">
+                <a:solidFill>
+                  <a:schemeClr val="tx1"/>
+                </a:solidFill>
+                <a:latin typeface="Arial" charset="0"/>
+                <a:ea typeface="+mn-ea"/>
+                <a:cs typeface="+mn-cs"/>
+              </a:rPr>
+              <a:t>Anonymous, basic digest, and windows integrated</a:t>
+            </a:r>
+            <a:endParaRPr lang="en-US" dirty="0" smtClean="0"/>
+          </a:p>
+          <a:p>
+            <a:pPr marL="628650" lvl="1" indent="-171450">
+              <a:buFont typeface="Arial" pitchFamily="34" charset="0"/>
+              <a:buChar char="•"/>
+            </a:pPr>
+            <a:r>
+              <a:rPr kumimoji="1" lang="en-US" sz="1200" kern="1200" dirty="0" smtClean="0">
+                <a:solidFill>
+                  <a:schemeClr val="tx1"/>
+                </a:solidFill>
+                <a:latin typeface="Arial" charset="0"/>
+                <a:ea typeface="+mn-ea"/>
+                <a:cs typeface="+mn-cs"/>
+              </a:rPr>
+              <a:t>If you select anonymous authentication, IIS doesn't perform any authentication, Any one is allowed to access the ASP.NET application.</a:t>
+            </a:r>
+            <a:endParaRPr lang="en-US" dirty="0" smtClean="0"/>
+          </a:p>
+          <a:p>
+            <a:pPr marL="628650" lvl="1" indent="-171450">
+              <a:buFont typeface="Arial" pitchFamily="34" charset="0"/>
+              <a:buChar char="•"/>
+            </a:pPr>
+            <a:r>
+              <a:rPr kumimoji="1" lang="en-US" sz="1200" kern="1200" dirty="0" smtClean="0">
+                <a:solidFill>
+                  <a:schemeClr val="tx1"/>
+                </a:solidFill>
+                <a:latin typeface="Arial" charset="0"/>
+                <a:ea typeface="+mn-ea"/>
+                <a:cs typeface="+mn-cs"/>
+              </a:rPr>
+              <a:t>If you select basic authentication, users must provide a windows username and password to connect. How ever this information is sent over the network in clear text, which makes basic authentication very much insecure over the internet.</a:t>
+            </a:r>
+            <a:endParaRPr lang="en-US" dirty="0" smtClean="0"/>
+          </a:p>
+          <a:p>
+            <a:pPr marL="628650" lvl="1" indent="-171450">
+              <a:buFont typeface="Arial" pitchFamily="34" charset="0"/>
+              <a:buChar char="•"/>
+            </a:pPr>
+            <a:r>
+              <a:rPr kumimoji="1" lang="en-US" sz="1200" kern="1200" dirty="0" smtClean="0">
+                <a:solidFill>
+                  <a:schemeClr val="tx1"/>
+                </a:solidFill>
+                <a:latin typeface="Arial" charset="0"/>
+                <a:ea typeface="+mn-ea"/>
+                <a:cs typeface="+mn-cs"/>
+              </a:rPr>
+              <a:t>If you select digest authentication, users must still provide a windows user name and password to connect. However the password is hashed before it is sent across the network. Digest authentication requires that all users be running Internet Explorer 5 or later and that windows accounts to stored in active directory.</a:t>
+            </a:r>
+            <a:endParaRPr lang="en-US" dirty="0" smtClean="0"/>
+          </a:p>
+          <a:p>
+            <a:pPr marL="628650" lvl="1" indent="-171450">
+              <a:buFont typeface="Arial" pitchFamily="34" charset="0"/>
+              <a:buChar char="•"/>
+            </a:pPr>
+            <a:r>
+              <a:rPr kumimoji="1" lang="en-US" sz="1200" kern="1200" dirty="0" smtClean="0">
+                <a:solidFill>
+                  <a:schemeClr val="tx1"/>
+                </a:solidFill>
+                <a:latin typeface="Arial" charset="0"/>
+                <a:ea typeface="+mn-ea"/>
+                <a:cs typeface="+mn-cs"/>
+              </a:rPr>
+              <a:t>If you select windows integrated authentication, passwords never cross the network. Users must still have a username and password, but the application uses either the Kerberos or challenge/response protocols authenticate the user. Windows-integrated authentication requires that all users be running internet explorer 3.01 or later Kerberos is a network authentication protocol. It is designed to provide strong authentication for client/server applications by using secret-key cryptography. Kerberos is a solution to network security problems. It provides the tools of authentication and strong cryptography over the network to help to secure information in systems across entire enterprise</a:t>
+            </a:r>
+            <a:endParaRPr lang="en-US" dirty="0" smtClean="0"/>
+          </a:p>
+          <a:p>
+            <a:pPr marL="0" marR="0" indent="0" algn="l" defTabSz="914400" rtl="0" eaLnBrk="1" fontAlgn="base" latinLnBrk="0" hangingPunct="1">
+              <a:lnSpc>
+                <a:spcPct val="100000"/>
+              </a:lnSpc>
+              <a:spcBef>
+                <a:spcPct val="30000"/>
+              </a:spcBef>
+              <a:spcAft>
+                <a:spcPct val="0"/>
+              </a:spcAft>
+              <a:buClrTx/>
+              <a:buSzTx/>
+              <a:buFontTx/>
+              <a:buNone/>
+              <a:tabLst/>
+              <a:defRPr/>
+            </a:pPr>
+            <a:endParaRPr lang="en-US" dirty="0" smtClean="0"/>
+          </a:p>
+          <a:p>
+            <a:pPr marL="0" marR="0" indent="0" algn="l" defTabSz="914400" rtl="0" eaLnBrk="1" fontAlgn="base" latinLnBrk="0" hangingPunct="1">
+              <a:lnSpc>
+                <a:spcPct val="100000"/>
+              </a:lnSpc>
+              <a:spcBef>
+                <a:spcPct val="30000"/>
+              </a:spcBef>
+              <a:spcAft>
+                <a:spcPct val="0"/>
+              </a:spcAft>
+              <a:buClrTx/>
+              <a:buSzTx/>
+              <a:buFontTx/>
+              <a:buNone/>
+              <a:tabLst/>
+              <a:defRPr/>
+            </a:pPr>
+            <a:r>
+              <a:rPr lang="en-US" dirty="0" smtClean="0"/>
+              <a:t>3) After IIS authentication, ASP.NET checks whether Impersonation is enabled or not. If impersonation is enabled, ASP.NET executes with the identity of the entity on behalf of which it is performing executing the task. If impersonation is not enabled, the application runs with the identity of the IIS local machine’s identity and the privileges of the ASP.NET user account. ASPNET or NETWORK SERVICE is the default ASP.NET unprivileged account on Windows XP and Windows Server 2003, respectively. Now, the identity that has already been authenticated and verified is used to request resources from the operating system. Then ASP.NET performs an authorization check on the requested resources and if the user is authorized, it returns the request through IIS.</a:t>
+            </a:r>
+          </a:p>
+          <a:p>
+            <a:pPr marL="0" marR="0" indent="0" algn="l" defTabSz="914400" rtl="0" eaLnBrk="1" fontAlgn="base" latinLnBrk="0" hangingPunct="1">
+              <a:lnSpc>
+                <a:spcPct val="100000"/>
+              </a:lnSpc>
+              <a:spcBef>
+                <a:spcPct val="30000"/>
+              </a:spcBef>
+              <a:spcAft>
+                <a:spcPct val="0"/>
+              </a:spcAft>
+              <a:buClrTx/>
+              <a:buSzTx/>
+              <a:buFontTx/>
+              <a:buNone/>
+              <a:tabLst/>
+              <a:defRPr/>
+            </a:pPr>
+            <a:endParaRPr lang="en-US" dirty="0" smtClean="0"/>
+          </a:p>
+        </p:txBody>
+      </p:sp>
+      <p:sp>
+        <p:nvSpPr>
+          <p:cNvPr id="4" name="Header Placeholder 3"/>
+          <p:cNvSpPr>
+            <a:spLocks noGrp="1"/>
+          </p:cNvSpPr>
+          <p:nvPr>
+            <p:ph type="hdr" sz="quarter" idx="10"/>
+          </p:nvPr>
+        </p:nvSpPr>
+        <p:spPr/>
+        <p:txBody>
+          <a:bodyPr/>
+          <a:lstStyle/>
+          <a:p>
+            <a:r>
+              <a:rPr lang="en-US" smtClean="0"/>
+              <a:t>*</a:t>
+            </a:r>
+            <a:endParaRPr lang="en-US" sz="1300" i="0"/>
+          </a:p>
+        </p:txBody>
+      </p:sp>
+      <p:sp>
+        <p:nvSpPr>
+          <p:cNvPr id="5" name="Footer Placeholder 4"/>
+          <p:cNvSpPr>
+            <a:spLocks noGrp="1"/>
+          </p:cNvSpPr>
+          <p:nvPr>
+            <p:ph type="ftr" sz="quarter" idx="11"/>
+          </p:nvPr>
+        </p:nvSpPr>
+        <p:spPr/>
+        <p:txBody>
+          <a:bodyPr/>
+          <a:lstStyle/>
+          <a:p>
+            <a:r>
+              <a:rPr lang="en-US" smtClean="0"/>
+              <a:t>(c) 2005 National Academy for Software Development - http://academy.devbg.org. All rights reserved. Unauthorized copying or re-distribution is strictly prohibited.*</a:t>
+            </a:r>
+            <a:endParaRPr lang="en-US" sz="1300" i="0"/>
+          </a:p>
+        </p:txBody>
+      </p:sp>
+      <p:sp>
+        <p:nvSpPr>
+          <p:cNvPr id="6" name="Slide Number Placeholder 5"/>
+          <p:cNvSpPr>
+            <a:spLocks noGrp="1"/>
+          </p:cNvSpPr>
+          <p:nvPr>
+            <p:ph type="sldNum" sz="quarter" idx="12"/>
+          </p:nvPr>
+        </p:nvSpPr>
+        <p:spPr/>
+        <p:txBody>
+          <a:bodyPr/>
+          <a:lstStyle/>
+          <a:p>
+            <a:fld id="{625F40C3-04A4-4B2D-AC38-F17D07917260}" type="slidenum">
+              <a:rPr lang="en-US" smtClean="0"/>
+              <a:pPr/>
+              <a:t>7</a:t>
+            </a:fld>
+            <a:r>
+              <a:rPr lang="en-US" smtClean="0"/>
+              <a:t>##</a:t>
+            </a:r>
+            <a:endParaRPr lang="en-US" sz="1300" i="0"/>
+          </a:p>
+        </p:txBody>
+      </p:sp>
+    </p:spTree>
+    <p:extLst>
+      <p:ext uri="{BB962C8B-B14F-4D97-AF65-F5344CB8AC3E}">
+        <p14:creationId xmlns:p14="http://schemas.microsoft.com/office/powerpoint/2010/main" val="3419772791"/>
+      </p:ext>
+    </p:extLst>
+  </p:cSld>
+  <p:clrMapOvr>
+    <a:masterClrMapping/>
+  </p:clrMapOvr>
+</p:notes>
+</file>
+
+<file path=ppt/notesSlides/notesSlide7.xml><?xml version="1.0" encoding="utf-8"?>
+<p:notes xmlns:a="http://schemas.openxmlformats.org/drawingml/2006/main" xmlns:r="http://schemas.openxmlformats.org/officeDocument/2006/relationships" xmlns:p="http://schemas.openxmlformats.org/presentationml/2006/main">
+  <p:cSld>
+    <p:spTree>
+      <p:nvGrpSpPr>
+        <p:cNvPr id="1" name=""/>
+        <p:cNvGrpSpPr/>
+        <p:nvPr/>
+      </p:nvGrpSpPr>
+      <p:grpSpPr>
+        <a:xfrm>
+          <a:off x="0" y="0"/>
+          <a:ext cx="0" cy="0"/>
+          <a:chOff x="0" y="0"/>
+          <a:chExt cx="0" cy="0"/>
+        </a:xfrm>
+      </p:grpSpPr>
+      <p:sp>
+        <p:nvSpPr>
+          <p:cNvPr id="2" name="Slide Image Placeholder 1"/>
+          <p:cNvSpPr>
+            <a:spLocks noGrp="1" noRot="1" noChangeAspect="1"/>
+          </p:cNvSpPr>
+          <p:nvPr>
+            <p:ph type="sldImg"/>
+          </p:nvPr>
+        </p:nvSpPr>
+        <p:spPr/>
+      </p:sp>
+      <p:sp>
+        <p:nvSpPr>
+          <p:cNvPr id="3" name="Notes Placeholder 2"/>
+          <p:cNvSpPr>
+            <a:spLocks noGrp="1"/>
+          </p:cNvSpPr>
+          <p:nvPr>
+            <p:ph type="body" idx="1"/>
+          </p:nvPr>
+        </p:nvSpPr>
+        <p:spPr/>
+        <p:txBody>
+          <a:bodyPr/>
+          <a:lstStyle/>
+          <a:p>
+            <a:r>
+              <a:rPr lang="en-US" dirty="0" smtClean="0"/>
+              <a:t>1)</a:t>
+            </a:r>
+            <a:r>
+              <a:rPr lang="en-US" baseline="0" dirty="0" smtClean="0"/>
+              <a:t> </a:t>
+            </a:r>
+            <a:r>
+              <a:rPr lang="en-US" b="1" dirty="0" smtClean="0">
+                <a:effectLst/>
+              </a:rPr>
+              <a:t>NTLM Handshake</a:t>
+            </a:r>
+            <a:endParaRPr lang="en-US" dirty="0"/>
+          </a:p>
+        </p:txBody>
+      </p:sp>
+      <p:sp>
+        <p:nvSpPr>
+          <p:cNvPr id="4" name="Header Placeholder 3"/>
+          <p:cNvSpPr>
+            <a:spLocks noGrp="1"/>
+          </p:cNvSpPr>
+          <p:nvPr>
+            <p:ph type="hdr" sz="quarter" idx="10"/>
+          </p:nvPr>
+        </p:nvSpPr>
+        <p:spPr/>
+        <p:txBody>
+          <a:bodyPr/>
+          <a:lstStyle/>
+          <a:p>
+            <a:r>
+              <a:rPr lang="en-US" smtClean="0"/>
+              <a:t>*</a:t>
+            </a:r>
+            <a:endParaRPr lang="en-US" sz="1300" i="0"/>
+          </a:p>
+        </p:txBody>
+      </p:sp>
+      <p:sp>
+        <p:nvSpPr>
+          <p:cNvPr id="5" name="Footer Placeholder 4"/>
+          <p:cNvSpPr>
+            <a:spLocks noGrp="1"/>
+          </p:cNvSpPr>
+          <p:nvPr>
+            <p:ph type="ftr" sz="quarter" idx="11"/>
+          </p:nvPr>
+        </p:nvSpPr>
+        <p:spPr/>
+        <p:txBody>
+          <a:bodyPr/>
+          <a:lstStyle/>
+          <a:p>
+            <a:r>
+              <a:rPr lang="en-US" smtClean="0"/>
+              <a:t>(c) 2005 National Academy for Software Development - http://academy.devbg.org. All rights reserved. Unauthorized copying or re-distribution is strictly prohibited.*</a:t>
+            </a:r>
+            <a:endParaRPr lang="en-US" sz="1300" i="0"/>
+          </a:p>
+        </p:txBody>
+      </p:sp>
+      <p:sp>
+        <p:nvSpPr>
+          <p:cNvPr id="6" name="Slide Number Placeholder 5"/>
+          <p:cNvSpPr>
+            <a:spLocks noGrp="1"/>
+          </p:cNvSpPr>
+          <p:nvPr>
+            <p:ph type="sldNum" sz="quarter" idx="12"/>
+          </p:nvPr>
+        </p:nvSpPr>
+        <p:spPr/>
+        <p:txBody>
+          <a:bodyPr/>
+          <a:lstStyle/>
+          <a:p>
+            <a:fld id="{625F40C3-04A4-4B2D-AC38-F17D07917260}" type="slidenum">
+              <a:rPr lang="en-US" smtClean="0"/>
+              <a:pPr/>
+              <a:t>9</a:t>
+            </a:fld>
+            <a:r>
+              <a:rPr lang="en-US" smtClean="0"/>
+              <a:t>##</a:t>
+            </a:r>
+            <a:endParaRPr lang="en-US" sz="1300" i="0"/>
+          </a:p>
+        </p:txBody>
+      </p:sp>
+    </p:spTree>
+    <p:extLst>
+      <p:ext uri="{BB962C8B-B14F-4D97-AF65-F5344CB8AC3E}">
+        <p14:creationId xmlns:p14="http://schemas.microsoft.com/office/powerpoint/2010/main" val="669112947"/>
+      </p:ext>
+    </p:extLst>
+  </p:cSld>
+  <p:clrMapOvr>
+    <a:masterClrMapping/>
+  </p:clrMapOvr>
+</p:notes>
+</file>
+
+<file path=ppt/notesSlides/notesSlide8.xml><?xml version="1.0" encoding="utf-8"?>
+<p:notes xmlns:a="http://schemas.openxmlformats.org/drawingml/2006/main" xmlns:r="http://schemas.openxmlformats.org/officeDocument/2006/relationships" xmlns:p="http://schemas.openxmlformats.org/presentationml/2006/main">
+  <p:cSld>
+    <p:spTree>
+      <p:nvGrpSpPr>
+        <p:cNvPr id="1" name=""/>
+        <p:cNvGrpSpPr/>
+        <p:nvPr/>
+      </p:nvGrpSpPr>
+      <p:grpSpPr>
+        <a:xfrm>
+          <a:off x="0" y="0"/>
+          <a:ext cx="0" cy="0"/>
+          <a:chOff x="0" y="0"/>
+          <a:chExt cx="0" cy="0"/>
+        </a:xfrm>
+      </p:grpSpPr>
+      <p:sp>
+        <p:nvSpPr>
+          <p:cNvPr id="2" name="Slide Image Placeholder 1"/>
+          <p:cNvSpPr>
+            <a:spLocks noGrp="1" noRot="1" noChangeAspect="1"/>
+          </p:cNvSpPr>
+          <p:nvPr>
+            <p:ph type="sldImg"/>
+          </p:nvPr>
+        </p:nvSpPr>
+        <p:spPr/>
+      </p:sp>
+      <p:sp>
+        <p:nvSpPr>
+          <p:cNvPr id="3" name="Notes Placeholder 2"/>
+          <p:cNvSpPr>
+            <a:spLocks noGrp="1"/>
+          </p:cNvSpPr>
+          <p:nvPr>
+            <p:ph type="body" idx="1"/>
+          </p:nvPr>
+        </p:nvSpPr>
+        <p:spPr/>
+        <p:txBody>
+          <a:bodyPr/>
+          <a:lstStyle/>
+          <a:p>
+            <a:pPr marL="0" marR="0" indent="0" algn="l" defTabSz="914400" rtl="0" eaLnBrk="1" fontAlgn="base" latinLnBrk="0" hangingPunct="1">
+              <a:lnSpc>
+                <a:spcPct val="100000"/>
+              </a:lnSpc>
+              <a:spcBef>
+                <a:spcPct val="30000"/>
+              </a:spcBef>
+              <a:spcAft>
+                <a:spcPct val="0"/>
+              </a:spcAft>
+              <a:buClrTx/>
+              <a:buSzTx/>
+              <a:buFontTx/>
+              <a:buNone/>
+              <a:tabLst/>
+              <a:defRPr/>
+            </a:pPr>
+            <a:r>
+              <a:rPr lang="en-US" dirty="0" smtClean="0"/>
+              <a:t>1) Forms authentication enables you to authenticate the user name and password of your users using a login form that you create. Unauthenticated requests are redirected to a login page, where the user provides credentials and submits the form. If the application authenticates the request, the system issues a ticket that contains a key for reestablishing the identity for subsequent requests. </a:t>
+            </a:r>
+          </a:p>
+          <a:p>
+            <a:pPr marL="0" marR="0" indent="0" algn="l" defTabSz="914400" rtl="0" eaLnBrk="1" fontAlgn="base" latinLnBrk="0" hangingPunct="1">
+              <a:lnSpc>
+                <a:spcPct val="100000"/>
+              </a:lnSpc>
+              <a:spcBef>
+                <a:spcPct val="30000"/>
+              </a:spcBef>
+              <a:spcAft>
+                <a:spcPct val="0"/>
+              </a:spcAft>
+              <a:buClrTx/>
+              <a:buSzTx/>
+              <a:buFontTx/>
+              <a:buNone/>
+              <a:tabLst/>
+              <a:defRPr/>
+            </a:pPr>
+            <a:r>
+              <a:rPr lang="en-US" dirty="0" smtClean="0"/>
+              <a:t>2) After successful authentication, the </a:t>
+            </a:r>
+            <a:r>
+              <a:rPr lang="en-US" dirty="0" err="1" smtClean="0">
+                <a:hlinkClick r:id="rId3"/>
+              </a:rPr>
+              <a:t>FormsAuthenticationModule</a:t>
+            </a:r>
+            <a:r>
+              <a:rPr lang="en-US" dirty="0" smtClean="0"/>
+              <a:t> module sets the value of the </a:t>
+            </a:r>
+            <a:r>
+              <a:rPr lang="en-US" dirty="0" smtClean="0">
+                <a:hlinkClick r:id="rId4"/>
+              </a:rPr>
+              <a:t>User</a:t>
+            </a:r>
+            <a:r>
+              <a:rPr lang="en-US" dirty="0" smtClean="0"/>
+              <a:t> property to a reference to the authenticated user. </a:t>
+            </a:r>
+            <a:endParaRPr lang="en-US" dirty="0"/>
+          </a:p>
+        </p:txBody>
+      </p:sp>
+      <p:sp>
+        <p:nvSpPr>
+          <p:cNvPr id="4" name="Header Placeholder 3"/>
+          <p:cNvSpPr>
+            <a:spLocks noGrp="1"/>
+          </p:cNvSpPr>
+          <p:nvPr>
+            <p:ph type="hdr" sz="quarter" idx="10"/>
+          </p:nvPr>
+        </p:nvSpPr>
+        <p:spPr/>
+        <p:txBody>
+          <a:bodyPr/>
+          <a:lstStyle/>
+          <a:p>
+            <a:r>
+              <a:rPr lang="en-US" smtClean="0"/>
+              <a:t>*</a:t>
+            </a:r>
+            <a:endParaRPr lang="en-US" sz="1300" i="0"/>
+          </a:p>
+        </p:txBody>
+      </p:sp>
+      <p:sp>
+        <p:nvSpPr>
+          <p:cNvPr id="5" name="Footer Placeholder 4"/>
+          <p:cNvSpPr>
+            <a:spLocks noGrp="1"/>
+          </p:cNvSpPr>
+          <p:nvPr>
+            <p:ph type="ftr" sz="quarter" idx="11"/>
+          </p:nvPr>
+        </p:nvSpPr>
+        <p:spPr/>
+        <p:txBody>
+          <a:bodyPr/>
+          <a:lstStyle/>
+          <a:p>
+            <a:r>
+              <a:rPr lang="en-US" smtClean="0"/>
+              <a:t>(c) 2005 National Academy for Software Development - http://academy.devbg.org. All rights reserved. Unauthorized copying or re-distribution is strictly prohibited.*</a:t>
+            </a:r>
+            <a:endParaRPr lang="en-US" sz="1300" i="0"/>
+          </a:p>
+        </p:txBody>
+      </p:sp>
+      <p:sp>
+        <p:nvSpPr>
+          <p:cNvPr id="6" name="Slide Number Placeholder 5"/>
+          <p:cNvSpPr>
+            <a:spLocks noGrp="1"/>
+          </p:cNvSpPr>
+          <p:nvPr>
+            <p:ph type="sldNum" sz="quarter" idx="12"/>
+          </p:nvPr>
+        </p:nvSpPr>
+        <p:spPr/>
+        <p:txBody>
+          <a:bodyPr/>
+          <a:lstStyle/>
+          <a:p>
+            <a:fld id="{625F40C3-04A4-4B2D-AC38-F17D07917260}" type="slidenum">
+              <a:rPr lang="en-US" smtClean="0"/>
+              <a:pPr/>
+              <a:t>11</a:t>
+            </a:fld>
+            <a:r>
+              <a:rPr lang="en-US" smtClean="0"/>
+              <a:t>##</a:t>
+            </a:r>
+            <a:endParaRPr lang="en-US" sz="1300" i="0"/>
+          </a:p>
+        </p:txBody>
+      </p:sp>
+    </p:spTree>
+    <p:extLst>
+      <p:ext uri="{BB962C8B-B14F-4D97-AF65-F5344CB8AC3E}">
+        <p14:creationId xmlns:p14="http://schemas.microsoft.com/office/powerpoint/2010/main" val="2306520738"/>
+      </p:ext>
+    </p:extLst>
+  </p:cSld>
+  <p:clrMapOvr>
+    <a:masterClrMapping/>
+  </p:clrMapOvr>
+</p:notes>
+</file>
+
+<file path=ppt/notesSlides/notesSlide9.xml><?xml version="1.0" encoding="utf-8"?>
+<p:notes xmlns:a="http://schemas.openxmlformats.org/drawingml/2006/main" xmlns:r="http://schemas.openxmlformats.org/officeDocument/2006/relationships" xmlns:p="http://schemas.openxmlformats.org/presentationml/2006/main">
+  <p:cSld>
+    <p:spTree>
+      <p:nvGrpSpPr>
+        <p:cNvPr id="1" name=""/>
+        <p:cNvGrpSpPr/>
+        <p:nvPr/>
+      </p:nvGrpSpPr>
+      <p:grpSpPr>
+        <a:xfrm>
+          <a:off x="0" y="0"/>
+          <a:ext cx="0" cy="0"/>
+          <a:chOff x="0" y="0"/>
+          <a:chExt cx="0" cy="0"/>
+        </a:xfrm>
+      </p:grpSpPr>
+      <p:sp>
+        <p:nvSpPr>
+          <p:cNvPr id="2" name="Slide Image Placeholder 1"/>
+          <p:cNvSpPr>
+            <a:spLocks noGrp="1" noRot="1" noChangeAspect="1"/>
+          </p:cNvSpPr>
+          <p:nvPr>
+            <p:ph type="sldImg"/>
+          </p:nvPr>
+        </p:nvSpPr>
+        <p:spPr/>
+      </p:sp>
+      <p:sp>
+        <p:nvSpPr>
+          <p:cNvPr id="3" name="Notes Placeholder 2"/>
+          <p:cNvSpPr>
+            <a:spLocks noGrp="1"/>
+          </p:cNvSpPr>
+          <p:nvPr>
+            <p:ph type="body" idx="1"/>
+          </p:nvPr>
+        </p:nvSpPr>
+        <p:spPr/>
+        <p:txBody>
+          <a:bodyPr/>
+          <a:lstStyle/>
+          <a:p>
+            <a:r>
+              <a:rPr lang="en-US" dirty="0" smtClean="0"/>
+              <a:t>1)</a:t>
+            </a:r>
+            <a:r>
+              <a:rPr lang="en-US" baseline="0" dirty="0" smtClean="0"/>
+              <a:t> </a:t>
+            </a:r>
+            <a:r>
+              <a:rPr lang="en-US" dirty="0" smtClean="0"/>
+              <a:t>ASP.NET membership gives you a built-in way to validate and store user credentials. ASP.NET membership therefore helps you manage user authentication in your Web sites. You can use ASP.NET membership with ASP.NET forms authentication by using with the ASP.NET login controls to create a complete system for authenticating users.</a:t>
+            </a:r>
+          </a:p>
+          <a:p>
+            <a:r>
+              <a:rPr lang="en-US" dirty="0" smtClean="0"/>
+              <a:t>2) ASP.NET membership supports facilities for:</a:t>
+            </a:r>
+          </a:p>
+          <a:p>
+            <a:pPr marL="628650" lvl="1" indent="-171450">
+              <a:buFont typeface="Arial" pitchFamily="34" charset="0"/>
+              <a:buChar char="•"/>
+            </a:pPr>
+            <a:r>
+              <a:rPr lang="en-US" dirty="0" smtClean="0"/>
+              <a:t>Creating new users and passwords.</a:t>
+            </a:r>
+          </a:p>
+          <a:p>
+            <a:pPr marL="628650" lvl="1" indent="-171450">
+              <a:buFont typeface="Arial" pitchFamily="34" charset="0"/>
+              <a:buChar char="•"/>
+            </a:pPr>
+            <a:r>
+              <a:rPr lang="en-US" dirty="0" smtClean="0"/>
+              <a:t>Storing membership information (user names, passwords, and supporting data) in Microsoft SQL Server, Active Directory, or an alternative data store.</a:t>
+            </a:r>
+          </a:p>
+          <a:p>
+            <a:pPr marL="628650" lvl="1" indent="-171450">
+              <a:buFont typeface="Arial" pitchFamily="34" charset="0"/>
+              <a:buChar char="•"/>
+            </a:pPr>
+            <a:r>
+              <a:rPr lang="en-US" dirty="0" smtClean="0"/>
+              <a:t>Authenticating users who visit your site. You can authenticate users programmatically, or you can use the ASP.NET login controls to create a complete authentication system that requires little or no code.</a:t>
+            </a:r>
+          </a:p>
+          <a:p>
+            <a:pPr marL="628650" lvl="1" indent="-171450">
+              <a:buFont typeface="Arial" pitchFamily="34" charset="0"/>
+              <a:buChar char="•"/>
+            </a:pPr>
+            <a:r>
+              <a:rPr lang="en-US" dirty="0" smtClean="0"/>
+              <a:t>Managing passwords, which includes creating, changing, and resetting them . Depending on membership options you choose, the membership system can also provide an automated password-reset system that takes a user-supplied question and response.</a:t>
+            </a:r>
+          </a:p>
+          <a:p>
+            <a:pPr marL="628650" lvl="1" indent="-171450">
+              <a:buFont typeface="Arial" pitchFamily="34" charset="0"/>
+              <a:buChar char="•"/>
+            </a:pPr>
+            <a:r>
+              <a:rPr lang="en-US" dirty="0" smtClean="0"/>
+              <a:t>Exposing a unique identification for authenticated users that you can use in your own applications and that also integrates with the ASP.NET personalization and role-management (authorization) systems.</a:t>
+            </a:r>
+          </a:p>
+          <a:p>
+            <a:pPr marL="628650" lvl="1" indent="-171450">
+              <a:buFont typeface="Arial" pitchFamily="34" charset="0"/>
+              <a:buChar char="•"/>
+            </a:pPr>
+            <a:r>
+              <a:rPr lang="en-US" dirty="0" smtClean="0"/>
+              <a:t>Specifying a custom membership provider, which allows you to substitute your own code to manage membership and maintain membership data in a custom data store</a:t>
+            </a:r>
+          </a:p>
+          <a:p>
+            <a:endParaRPr lang="en-US" dirty="0"/>
+          </a:p>
+        </p:txBody>
+      </p:sp>
+      <p:sp>
+        <p:nvSpPr>
+          <p:cNvPr id="4" name="Header Placeholder 3"/>
+          <p:cNvSpPr>
+            <a:spLocks noGrp="1"/>
+          </p:cNvSpPr>
+          <p:nvPr>
+            <p:ph type="hdr" sz="quarter" idx="10"/>
+          </p:nvPr>
+        </p:nvSpPr>
+        <p:spPr/>
+        <p:txBody>
+          <a:bodyPr/>
+          <a:lstStyle/>
+          <a:p>
+            <a:r>
+              <a:rPr lang="en-US" smtClean="0"/>
+              <a:t>*</a:t>
+            </a:r>
+            <a:endParaRPr lang="en-US" sz="1300" i="0"/>
+          </a:p>
+        </p:txBody>
+      </p:sp>
+      <p:sp>
+        <p:nvSpPr>
+          <p:cNvPr id="5" name="Footer Placeholder 4"/>
+          <p:cNvSpPr>
+            <a:spLocks noGrp="1"/>
+          </p:cNvSpPr>
+          <p:nvPr>
+            <p:ph type="ftr" sz="quarter" idx="11"/>
+          </p:nvPr>
+        </p:nvSpPr>
+        <p:spPr/>
+        <p:txBody>
+          <a:bodyPr/>
+          <a:lstStyle/>
+          <a:p>
+            <a:r>
+              <a:rPr lang="en-US" smtClean="0"/>
+              <a:t>(c) 2005 National Academy for Software Development - http://academy.devbg.org. All rights reserved. Unauthorized copying or re-distribution is strictly prohibited.*</a:t>
+            </a:r>
+            <a:endParaRPr lang="en-US" sz="1300" i="0"/>
+          </a:p>
+        </p:txBody>
+      </p:sp>
+      <p:sp>
+        <p:nvSpPr>
+          <p:cNvPr id="6" name="Slide Number Placeholder 5"/>
+          <p:cNvSpPr>
+            <a:spLocks noGrp="1"/>
+          </p:cNvSpPr>
+          <p:nvPr>
+            <p:ph type="sldNum" sz="quarter" idx="12"/>
+          </p:nvPr>
+        </p:nvSpPr>
+        <p:spPr/>
+        <p:txBody>
+          <a:bodyPr/>
+          <a:lstStyle/>
+          <a:p>
+            <a:fld id="{625F40C3-04A4-4B2D-AC38-F17D07917260}" type="slidenum">
+              <a:rPr lang="en-US" smtClean="0"/>
+              <a:pPr/>
+              <a:t>19</a:t>
+            </a:fld>
+            <a:r>
+              <a:rPr lang="en-US" smtClean="0"/>
+              <a:t>##</a:t>
+            </a:r>
+            <a:endParaRPr lang="en-US" sz="1300" i="0"/>
+          </a:p>
+        </p:txBody>
+      </p:sp>
+    </p:spTree>
+    <p:extLst>
+      <p:ext uri="{BB962C8B-B14F-4D97-AF65-F5344CB8AC3E}">
+        <p14:creationId xmlns:p14="http://schemas.microsoft.com/office/powerpoint/2010/main" val="193960636"/>
+      </p:ext>
+    </p:extLst>
   </p:cSld>
   <p:clrMapOvr>
     <a:masterClrMapping/>
@@ -7336,7 +10814,7 @@
           <a:p>
             <a:r>
               <a:rPr lang="en-US" dirty="0" smtClean="0"/>
-              <a:t>Svetlin Nakov</a:t>
+              <a:t>Ventsislav Popov</a:t>
             </a:r>
             <a:endParaRPr lang="en-US" dirty="0"/>
           </a:p>
@@ -7355,7 +10833,7 @@
         <p:spPr>
           <a:xfrm>
             <a:off x="457200" y="5757446"/>
-            <a:ext cx="2090957" cy="369332"/>
+            <a:ext cx="1633781" cy="369332"/>
           </a:xfrm>
         </p:spPr>
         <p:txBody>
@@ -7364,32 +10842,7 @@
           <a:p>
             <a:r>
               <a:rPr lang="en-US" dirty="0" smtClean="0"/>
-              <a:t>Telerik Corporation</a:t>
-            </a:r>
-            <a:endParaRPr lang="en-US" dirty="0"/>
-          </a:p>
-        </p:txBody>
-      </p:sp>
-      <p:sp>
-        <p:nvSpPr>
-          <p:cNvPr id="9" name="Text Placeholder 8"/>
-          <p:cNvSpPr>
-            <a:spLocks noGrp="1"/>
-          </p:cNvSpPr>
-          <p:nvPr>
-            <p:ph type="body" sz="quarter" idx="12"/>
-          </p:nvPr>
-        </p:nvSpPr>
-        <p:spPr/>
-        <p:txBody>
-          <a:bodyPr/>
-          <a:lstStyle/>
-          <a:p>
-            <a:r>
-              <a:rPr lang="en-US" dirty="0" smtClean="0">
-                <a:hlinkClick r:id="rId3"/>
-              </a:rPr>
-              <a:t>www.telerik.com</a:t>
+              <a:t>Crossroad Ltd.</a:t>
             </a:r>
             <a:endParaRPr lang="en-US" dirty="0"/>
           </a:p>
@@ -7404,11 +10857,11 @@
           <p:nvPr/>
         </p:nvPicPr>
         <p:blipFill>
-          <a:blip r:embed="rId4" cstate="screen">
+          <a:blip r:embed="rId3" cstate="screen">
             <a:extLst>
               <a:ext uri="{BEBA8EAE-BF5A-486C-A8C5-ECC9F3942E4B}">
                 <a14:imgProps xmlns:a14="http://schemas.microsoft.com/office/drawing/2010/main">
-                  <a14:imgLayer r:embed="rId5">
+                  <a14:imgLayer r:embed="rId4">
                     <a14:imgEffect>
                       <a14:backgroundRemoval t="10000" b="90000" l="10000" r="90000">
                         <a14:foregroundMark x1="27000" y1="29831" x2="27000" y2="29831"/>
@@ -7480,7 +10933,7 @@
           <p:nvPr/>
         </p:nvPicPr>
         <p:blipFill>
-          <a:blip r:embed="rId6" cstate="print">
+          <a:blip r:embed="rId5" cstate="print">
             <a:extLst>
               <a:ext uri="{28A0092B-C50C-407E-A947-70E740481C1C}">
                 <a14:useLocalDpi xmlns:a14="http://schemas.microsoft.com/office/drawing/2010/main" val="0"/>
@@ -7653,7 +11106,7 @@
         </p:blipFill>
         <p:spPr bwMode="auto">
           <a:xfrm>
-            <a:off x="2249419" y="901899"/>
+            <a:off x="2249419" y="908720"/>
             <a:ext cx="4624922" cy="3535214"/>
           </a:xfrm>
           <a:prstGeom prst="roundRect">
@@ -9793,13 +13246,8 @@
             </a:pPr>
             <a:r>
               <a:rPr lang="en-US" sz="3000" dirty="0" smtClean="0"/>
-              <a:t>Logging-out the currently logged user</a:t>
-            </a:r>
-            <a:r>
-              <a:rPr lang="en-US" sz="3000" dirty="0" smtClean="0"/>
-              <a:t>:</a:t>
-            </a:r>
-            <a:endParaRPr lang="en-US" sz="3000" dirty="0" smtClean="0"/>
+              <a:t>Logging-out the currently logged user:</a:t>
+            </a:r>
           </a:p>
           <a:p>
             <a:pPr>
@@ -10819,7 +14267,7 @@
           <a:p>
             <a:r>
               <a:rPr lang="en-US" sz="3900" dirty="0" smtClean="0"/>
-              <a:t>ASP.NET Membership Providers</a:t>
+              <a:t>ASP.NET Membership</a:t>
             </a:r>
             <a:endParaRPr lang="bg-BG" sz="3900" dirty="0"/>
           </a:p>
@@ -10842,14 +14290,6 @@
           <a:p>
             <a:r>
               <a:rPr lang="en-US" dirty="0" smtClean="0"/>
-              <a:t>Membership providers in ASP.NET </a:t>
-            </a:r>
-            <a:endParaRPr lang="en-US" dirty="0"/>
-          </a:p>
-          <a:p>
-            <a:pPr lvl="1"/>
-            <a:r>
-              <a:rPr lang="en-US" dirty="0" smtClean="0"/>
               <a:t>Simplify </a:t>
             </a:r>
             <a:r>
@@ -10863,7 +14303,7 @@
             <a:endParaRPr lang="en-US" dirty="0"/>
           </a:p>
           <a:p>
-            <a:pPr lvl="2"/>
+            <a:pPr lvl="1"/>
             <a:r>
               <a:rPr lang="en-US" noProof="1" smtClean="0">
                 <a:solidFill>
@@ -10889,7 +14329,7 @@
             </a:endParaRPr>
           </a:p>
           <a:p>
-            <a:pPr lvl="2"/>
+            <a:pPr lvl="1"/>
             <a:r>
               <a:rPr lang="en-US" noProof="1" smtClean="0">
                 <a:solidFill>
@@ -10915,7 +14355,7 @@
             </a:endParaRPr>
           </a:p>
           <a:p>
-            <a:pPr lvl="2"/>
+            <a:pPr lvl="1"/>
             <a:r>
               <a:rPr lang="en-US" noProof="1" smtClean="0">
                 <a:solidFill>
@@ -10941,7 +14381,7 @@
             </a:endParaRPr>
           </a:p>
           <a:p>
-            <a:pPr lvl="2"/>
+            <a:pPr lvl="1"/>
             <a:r>
               <a:rPr lang="en-US" noProof="1" smtClean="0">
                 <a:solidFill>
@@ -10957,7 +14397,7 @@
             </a:r>
           </a:p>
           <a:p>
-            <a:pPr lvl="2"/>
+            <a:pPr lvl="1"/>
             <a:r>
               <a:rPr lang="en-US" noProof="1" smtClean="0">
                 <a:solidFill>
@@ -10973,7 +14413,6 @@
             </a:r>
           </a:p>
           <a:p>
-            <a:pPr lvl="1"/>
             <a:r>
               <a:rPr lang="en-US" dirty="0" smtClean="0"/>
               <a:t>Can store user credentials in database / file / etc.</a:t>
@@ -11112,8 +14551,28 @@
             </a:pPr>
             <a:r>
               <a:rPr lang="en-US" dirty="0"/>
-              <a:t>Forms Authentication</a:t>
-            </a:r>
+              <a:t>Forms </a:t>
+            </a:r>
+            <a:r>
+              <a:rPr lang="en-US" dirty="0" smtClean="0"/>
+              <a:t>Authentication</a:t>
+            </a:r>
+          </a:p>
+          <a:p>
+            <a:pPr marL="987425" lvl="1" indent="-360363">
+              <a:lnSpc>
+                <a:spcPct val="110000"/>
+              </a:lnSpc>
+            </a:pPr>
+            <a:r>
+              <a:rPr lang="en-US" dirty="0" smtClean="0"/>
+              <a:t>Passport </a:t>
+            </a:r>
+            <a:r>
+              <a:rPr lang="en-US" dirty="0"/>
+              <a:t>Authentication</a:t>
+            </a:r>
+            <a:endParaRPr lang="en-US" dirty="0"/>
           </a:p>
           <a:p>
             <a:pPr marL="446088" indent="-446088">
@@ -11292,7 +14751,7 @@
       </p:grpSpPr>
       <p:sp>
         <p:nvSpPr>
-          <p:cNvPr id="470018" name="Rectangle 2"/>
+          <p:cNvPr id="491522" name="Rectangle 2"/>
           <p:cNvSpPr>
             <a:spLocks noGrp="1" noChangeArrowheads="1"/>
           </p:cNvSpPr>
@@ -11300,72 +14759,68 @@
             <p:ph type="title"/>
           </p:nvPr>
         </p:nvSpPr>
-        <p:spPr/>
-        <p:txBody>
-          <a:bodyPr/>
-          <a:lstStyle/>
-          <a:p>
-            <a:r>
-              <a:rPr lang="en-US" smtClean="0"/>
-              <a:t>Roles in ASP.NET</a:t>
-            </a:r>
-            <a:endParaRPr lang="bg-BG" dirty="0"/>
-          </a:p>
-        </p:txBody>
-      </p:sp>
-      <p:sp>
-        <p:nvSpPr>
-          <p:cNvPr id="470019" name="Rectangle 3"/>
-          <p:cNvSpPr>
-            <a:spLocks noGrp="1" noChangeArrowheads="1"/>
-          </p:cNvSpPr>
-          <p:nvPr>
-            <p:ph idx="1"/>
-          </p:nvPr>
-        </p:nvSpPr>
         <p:spPr>
           <a:xfrm>
-            <a:off x="228600" y="980728"/>
-            <a:ext cx="8686800" cy="5724872"/>
+            <a:off x="3491880" y="188640"/>
+            <a:ext cx="5423520" cy="914400"/>
           </a:xfrm>
         </p:spPr>
         <p:txBody>
           <a:bodyPr/>
           <a:lstStyle/>
           <a:p>
+            <a:r>
+              <a:rPr lang="en-US" dirty="0" smtClean="0"/>
+              <a:t>Registering a Membership Provider</a:t>
+            </a:r>
+            <a:endParaRPr lang="bg-BG" dirty="0"/>
+          </a:p>
+        </p:txBody>
+      </p:sp>
+      <p:sp>
+        <p:nvSpPr>
+          <p:cNvPr id="491523" name="Rectangle 3"/>
+          <p:cNvSpPr>
+            <a:spLocks noGrp="1" noChangeArrowheads="1"/>
+          </p:cNvSpPr>
+          <p:nvPr>
+            <p:ph idx="1"/>
+          </p:nvPr>
+        </p:nvSpPr>
+        <p:spPr>
+          <a:xfrm>
+            <a:off x="228600" y="1412776"/>
+            <a:ext cx="8686800" cy="5292824"/>
+          </a:xfrm>
+        </p:spPr>
+        <p:txBody>
+          <a:bodyPr/>
+          <a:lstStyle/>
+          <a:p>
             <a:pPr>
               <a:lnSpc>
                 <a:spcPct val="100000"/>
               </a:lnSpc>
             </a:pPr>
             <a:r>
-              <a:rPr lang="en-US" dirty="0" smtClean="0">
+              <a:rPr lang="en-US" sz="3000" dirty="0"/>
+              <a:t>Adding membership provider to the </a:t>
+            </a:r>
+            <a:r>
+              <a:rPr lang="en-US" sz="3000" dirty="0">
                 <a:solidFill>
                   <a:schemeClr val="accent5">
                     <a:lumMod val="20000"/>
                     <a:lumOff val="80000"/>
                   </a:schemeClr>
                 </a:solidFill>
-              </a:rPr>
-              <a:t>Roles</a:t>
-            </a:r>
-            <a:r>
-              <a:rPr lang="en-US" dirty="0" smtClean="0"/>
-              <a:t> in ASP.NET allow assigning permissions to a group of users</a:t>
-            </a:r>
-          </a:p>
-          <a:p>
-            <a:pPr lvl="1">
-              <a:lnSpc>
-                <a:spcPct val="100000"/>
-              </a:lnSpc>
-            </a:pPr>
-            <a:r>
-              <a:rPr lang="en-US" dirty="0" smtClean="0"/>
-              <a:t>E.g. "</a:t>
-            </a:r>
-            <a:r>
-              <a:rPr lang="en-US" noProof="1" smtClean="0">
+                <a:latin typeface="Consolas" pitchFamily="49" charset="0"/>
+                <a:cs typeface="Consolas" pitchFamily="49" charset="0"/>
+              </a:rPr>
+              <a:t>W</a:t>
+            </a:r>
+            <a:r>
+              <a:rPr lang="en-US" sz="3000" noProof="1">
                 <a:solidFill>
                   <a:schemeClr val="accent5">
                     <a:lumMod val="20000"/>
@@ -11375,110 +14830,95 @@
                 <a:latin typeface="Consolas" pitchFamily="49" charset="0"/>
                 <a:cs typeface="Consolas" pitchFamily="49" charset="0"/>
               </a:rPr>
-              <a:t>Admins</a:t>
-            </a:r>
-            <a:r>
-              <a:rPr lang="en-US" dirty="0" smtClean="0"/>
-              <a:t>" role could have more privileges than "</a:t>
-            </a:r>
-            <a:r>
-              <a:rPr lang="en-US" noProof="1" smtClean="0">
-                <a:solidFill>
-                  <a:schemeClr val="accent5">
-                    <a:lumMod val="20000"/>
-                    <a:lumOff val="80000"/>
-                  </a:schemeClr>
-                </a:solidFill>
-                <a:latin typeface="Consolas" pitchFamily="49" charset="0"/>
-                <a:cs typeface="Consolas" pitchFamily="49" charset="0"/>
-              </a:rPr>
-              <a:t>Guests</a:t>
-            </a:r>
-            <a:r>
-              <a:rPr lang="en-US" dirty="0" smtClean="0"/>
-              <a:t>" role</a:t>
-            </a:r>
-            <a:endParaRPr lang="en-US" dirty="0"/>
-          </a:p>
+              <a:t>eb.config</a:t>
+            </a:r>
+          </a:p>
+        </p:txBody>
+      </p:sp>
+      <p:sp>
+        <p:nvSpPr>
+          <p:cNvPr id="491524" name="Rectangle 4"/>
+          <p:cNvSpPr>
+            <a:spLocks noChangeArrowheads="1"/>
+          </p:cNvSpPr>
+          <p:nvPr/>
+        </p:nvSpPr>
+        <p:spPr bwMode="auto">
+          <a:xfrm>
+            <a:off x="538982" y="2204864"/>
+            <a:ext cx="8065466" cy="4093428"/>
+          </a:xfrm>
+          <a:prstGeom prst="rect">
+            <a:avLst/>
+          </a:prstGeom>
+          <a:solidFill>
+            <a:schemeClr val="accent5">
+              <a:lumMod val="40000"/>
+              <a:lumOff val="60000"/>
+              <a:alpha val="15000"/>
+            </a:schemeClr>
+          </a:solidFill>
+          <a:ln w="12700">
+            <a:solidFill>
+              <a:schemeClr val="accent5">
+                <a:lumMod val="60000"/>
+                <a:lumOff val="40000"/>
+              </a:schemeClr>
+            </a:solidFill>
+          </a:ln>
+        </p:spPr>
+        <p:txBody>
+          <a:bodyPr wrap="square">
+            <a:spAutoFit/>
+          </a:bodyPr>
+          <a:lstStyle/>
           <a:p>
             <a:pPr>
               <a:lnSpc>
                 <a:spcPct val="100000"/>
               </a:lnSpc>
+              <a:spcBef>
+                <a:spcPts val="0"/>
+              </a:spcBef>
+              <a:buClr>
+                <a:schemeClr val="accent5">
+                  <a:lumMod val="40000"/>
+                  <a:lumOff val="60000"/>
+                </a:schemeClr>
+              </a:buClr>
+              <a:buSzPct val="70000"/>
+              <a:buFont typeface="Wingdings 2" pitchFamily="18" charset="2"/>
+              <a:buNone/>
             </a:pPr>
             <a:r>
-              <a:rPr lang="en-US" dirty="0" smtClean="0"/>
-              <a:t>A </a:t>
-            </a:r>
-            <a:r>
-              <a:rPr lang="en-US" dirty="0"/>
-              <a:t>user account can be assigned </a:t>
-            </a:r>
-            <a:r>
-              <a:rPr lang="en-US" dirty="0" smtClean="0"/>
-              <a:t>to multiple roles in the same time</a:t>
-            </a:r>
-          </a:p>
-          <a:p>
-            <a:pPr lvl="1">
-              <a:lnSpc>
-                <a:spcPct val="100000"/>
-              </a:lnSpc>
-            </a:pPr>
-            <a:r>
-              <a:rPr lang="en-US" dirty="0" smtClean="0"/>
-              <a:t>E.g. user "</a:t>
-            </a:r>
-            <a:r>
-              <a:rPr lang="en-US" noProof="1" smtClean="0">
-                <a:solidFill>
-                  <a:schemeClr val="accent5">
-                    <a:lumMod val="20000"/>
-                    <a:lumOff val="80000"/>
-                  </a:schemeClr>
+              <a:rPr lang="en-US" sz="2000" noProof="1">
+                <a:solidFill>
+                  <a:srgbClr val="8CF4F2"/>
                 </a:solidFill>
                 <a:latin typeface="Consolas" pitchFamily="49" charset="0"/>
                 <a:cs typeface="Consolas" pitchFamily="49" charset="0"/>
               </a:rPr>
-              <a:t>Peter</a:t>
-            </a:r>
-            <a:r>
-              <a:rPr lang="en-US" dirty="0" smtClean="0"/>
-              <a:t>" can be member of "</a:t>
-            </a:r>
-            <a:r>
-              <a:rPr lang="en-US" noProof="1" smtClean="0">
-                <a:solidFill>
-                  <a:schemeClr val="accent5">
-                    <a:lumMod val="20000"/>
-                    <a:lumOff val="80000"/>
-                  </a:schemeClr>
+              <a:t>&lt;membership defaultProvider="</a:t>
+            </a:r>
+            <a:r>
+              <a:rPr lang="en-US" sz="2000" noProof="1" smtClean="0">
+                <a:solidFill>
+                  <a:srgbClr val="8CF4F2"/>
                 </a:solidFill>
                 <a:latin typeface="Consolas" pitchFamily="49" charset="0"/>
                 <a:cs typeface="Consolas" pitchFamily="49" charset="0"/>
               </a:rPr>
-              <a:t>Admins</a:t>
-            </a:r>
-            <a:r>
-              <a:rPr lang="en-US" dirty="0" smtClean="0"/>
-              <a:t>" and "</a:t>
-            </a:r>
-            <a:r>
-              <a:rPr lang="en-US" noProof="1" smtClean="0">
-                <a:solidFill>
-                  <a:schemeClr val="accent5">
-                    <a:lumMod val="20000"/>
-                    <a:lumOff val="80000"/>
-                  </a:schemeClr>
+              <a:t>MyMembershipProvider</a:t>
+            </a:r>
+            <a:r>
+              <a:rPr lang="en-US" sz="2000" noProof="1">
+                <a:solidFill>
+                  <a:srgbClr val="8CF4F2"/>
                 </a:solidFill>
                 <a:latin typeface="Consolas" pitchFamily="49" charset="0"/>
                 <a:cs typeface="Consolas" pitchFamily="49" charset="0"/>
               </a:rPr>
-              <a:t>TrustedUsers</a:t>
-            </a:r>
-            <a:r>
-              <a:rPr lang="en-US" dirty="0" smtClean="0"/>
-              <a:t>" roles</a:t>
+              <a:t>"&gt;	     </a:t>
             </a:r>
           </a:p>
           <a:p>
@@ -11486,16 +14926,572 @@
               <a:lnSpc>
                 <a:spcPct val="100000"/>
               </a:lnSpc>
+              <a:spcBef>
+                <a:spcPts val="0"/>
+              </a:spcBef>
+              <a:buClr>
+                <a:schemeClr val="accent5">
+                  <a:lumMod val="40000"/>
+                  <a:lumOff val="60000"/>
+                </a:schemeClr>
+              </a:buClr>
+              <a:buSzPct val="70000"/>
+              <a:buFont typeface="Wingdings 2" pitchFamily="18" charset="2"/>
+              <a:buNone/>
             </a:pPr>
             <a:r>
-              <a:rPr lang="en-US" dirty="0"/>
-              <a:t>Permissions can be granted to multiple users sharing the same </a:t>
-            </a:r>
-            <a:r>
-              <a:rPr lang="en-US" dirty="0" smtClean="0"/>
-              <a:t>role</a:t>
-            </a:r>
-            <a:endParaRPr lang="bg-BG" dirty="0"/>
+              <a:rPr lang="en-US" sz="2000" noProof="1" smtClean="0">
+                <a:solidFill>
+                  <a:srgbClr val="8CF4F2"/>
+                </a:solidFill>
+                <a:latin typeface="Consolas" pitchFamily="49" charset="0"/>
+                <a:cs typeface="Consolas" pitchFamily="49" charset="0"/>
+              </a:rPr>
+              <a:t>  &lt;</a:t>
+            </a:r>
+            <a:r>
+              <a:rPr lang="en-US" sz="2000" noProof="1">
+                <a:solidFill>
+                  <a:srgbClr val="8CF4F2"/>
+                </a:solidFill>
+                <a:latin typeface="Consolas" pitchFamily="49" charset="0"/>
+                <a:cs typeface="Consolas" pitchFamily="49" charset="0"/>
+              </a:rPr>
+              <a:t>providers&gt;</a:t>
+            </a:r>
+          </a:p>
+          <a:p>
+            <a:pPr>
+              <a:lnSpc>
+                <a:spcPct val="100000"/>
+              </a:lnSpc>
+              <a:spcBef>
+                <a:spcPts val="0"/>
+              </a:spcBef>
+              <a:buClr>
+                <a:schemeClr val="accent5">
+                  <a:lumMod val="40000"/>
+                  <a:lumOff val="60000"/>
+                </a:schemeClr>
+              </a:buClr>
+              <a:buSzPct val="70000"/>
+              <a:buFont typeface="Wingdings 2" pitchFamily="18" charset="2"/>
+              <a:buNone/>
+            </a:pPr>
+            <a:r>
+              <a:rPr lang="en-US" sz="2000" noProof="1" smtClean="0">
+                <a:solidFill>
+                  <a:srgbClr val="8CF4F2"/>
+                </a:solidFill>
+                <a:latin typeface="Consolas" pitchFamily="49" charset="0"/>
+                <a:cs typeface="Consolas" pitchFamily="49" charset="0"/>
+              </a:rPr>
+              <a:t>    &lt;</a:t>
+            </a:r>
+            <a:r>
+              <a:rPr lang="en-US" sz="2000" noProof="1">
+                <a:solidFill>
+                  <a:srgbClr val="8CF4F2"/>
+                </a:solidFill>
+                <a:latin typeface="Consolas" pitchFamily="49" charset="0"/>
+                <a:cs typeface="Consolas" pitchFamily="49" charset="0"/>
+              </a:rPr>
+              <a:t>add connectionStringName</a:t>
+            </a:r>
+            <a:r>
+              <a:rPr lang="en-US" sz="2000" noProof="1" smtClean="0">
+                <a:solidFill>
+                  <a:srgbClr val="8CF4F2"/>
+                </a:solidFill>
+                <a:latin typeface="Consolas" pitchFamily="49" charset="0"/>
+                <a:cs typeface="Consolas" pitchFamily="49" charset="0"/>
+              </a:rPr>
+              <a:t>="UsersConnectionString"</a:t>
+            </a:r>
+            <a:endParaRPr lang="en-US" sz="2000" noProof="1">
+              <a:solidFill>
+                <a:srgbClr val="8CF4F2"/>
+              </a:solidFill>
+              <a:latin typeface="Consolas" pitchFamily="49" charset="0"/>
+              <a:cs typeface="Consolas" pitchFamily="49" charset="0"/>
+            </a:endParaRPr>
+          </a:p>
+          <a:p>
+            <a:pPr>
+              <a:lnSpc>
+                <a:spcPct val="100000"/>
+              </a:lnSpc>
+              <a:spcBef>
+                <a:spcPts val="0"/>
+              </a:spcBef>
+              <a:buClr>
+                <a:schemeClr val="accent5">
+                  <a:lumMod val="40000"/>
+                  <a:lumOff val="60000"/>
+                </a:schemeClr>
+              </a:buClr>
+              <a:buSzPct val="70000"/>
+              <a:buFont typeface="Wingdings 2" pitchFamily="18" charset="2"/>
+              <a:buNone/>
+            </a:pPr>
+            <a:r>
+              <a:rPr lang="en-US" sz="2000" noProof="1">
+                <a:solidFill>
+                  <a:srgbClr val="8CF4F2"/>
+                </a:solidFill>
+                <a:latin typeface="Consolas" pitchFamily="49" charset="0"/>
+                <a:cs typeface="Consolas" pitchFamily="49" charset="0"/>
+              </a:rPr>
+              <a:t>  </a:t>
+            </a:r>
+            <a:r>
+              <a:rPr lang="en-US" sz="2000" noProof="1" smtClean="0">
+                <a:solidFill>
+                  <a:srgbClr val="8CF4F2"/>
+                </a:solidFill>
+                <a:latin typeface="Consolas" pitchFamily="49" charset="0"/>
+                <a:cs typeface="Consolas" pitchFamily="49" charset="0"/>
+              </a:rPr>
+              <a:t>    </a:t>
+            </a:r>
+            <a:r>
+              <a:rPr lang="en-US" sz="2000" noProof="1">
+                <a:solidFill>
+                  <a:srgbClr val="8CF4F2"/>
+                </a:solidFill>
+                <a:latin typeface="Consolas" pitchFamily="49" charset="0"/>
+                <a:cs typeface="Consolas" pitchFamily="49" charset="0"/>
+              </a:rPr>
+              <a:t>minRequiredPasswordLength="6"</a:t>
+            </a:r>
+          </a:p>
+          <a:p>
+            <a:pPr>
+              <a:lnSpc>
+                <a:spcPct val="100000"/>
+              </a:lnSpc>
+              <a:spcBef>
+                <a:spcPts val="0"/>
+              </a:spcBef>
+              <a:buClr>
+                <a:schemeClr val="accent5">
+                  <a:lumMod val="40000"/>
+                  <a:lumOff val="60000"/>
+                </a:schemeClr>
+              </a:buClr>
+              <a:buSzPct val="70000"/>
+              <a:buFont typeface="Wingdings 2" pitchFamily="18" charset="2"/>
+              <a:buNone/>
+            </a:pPr>
+            <a:r>
+              <a:rPr lang="en-US" sz="2000" noProof="1">
+                <a:solidFill>
+                  <a:srgbClr val="8CF4F2"/>
+                </a:solidFill>
+                <a:latin typeface="Consolas" pitchFamily="49" charset="0"/>
+                <a:cs typeface="Consolas" pitchFamily="49" charset="0"/>
+              </a:rPr>
+              <a:t>   </a:t>
+            </a:r>
+            <a:r>
+              <a:rPr lang="en-US" sz="2000" noProof="1" smtClean="0">
+                <a:solidFill>
+                  <a:srgbClr val="8CF4F2"/>
+                </a:solidFill>
+                <a:latin typeface="Consolas" pitchFamily="49" charset="0"/>
+                <a:cs typeface="Consolas" pitchFamily="49" charset="0"/>
+              </a:rPr>
+              <a:t>   </a:t>
+            </a:r>
+            <a:r>
+              <a:rPr lang="en-US" sz="2000" noProof="1">
+                <a:solidFill>
+                  <a:srgbClr val="8CF4F2"/>
+                </a:solidFill>
+                <a:latin typeface="Consolas" pitchFamily="49" charset="0"/>
+                <a:cs typeface="Consolas" pitchFamily="49" charset="0"/>
+              </a:rPr>
+              <a:t>requiresQuestionAndAnswer="true" </a:t>
+            </a:r>
+          </a:p>
+          <a:p>
+            <a:pPr>
+              <a:lnSpc>
+                <a:spcPct val="100000"/>
+              </a:lnSpc>
+              <a:spcBef>
+                <a:spcPts val="0"/>
+              </a:spcBef>
+              <a:buClr>
+                <a:schemeClr val="accent5">
+                  <a:lumMod val="40000"/>
+                  <a:lumOff val="60000"/>
+                </a:schemeClr>
+              </a:buClr>
+              <a:buSzPct val="70000"/>
+              <a:buFont typeface="Wingdings 2" pitchFamily="18" charset="2"/>
+              <a:buNone/>
+            </a:pPr>
+            <a:r>
+              <a:rPr lang="en-US" sz="2000" noProof="1">
+                <a:solidFill>
+                  <a:srgbClr val="8CF4F2"/>
+                </a:solidFill>
+                <a:latin typeface="Consolas" pitchFamily="49" charset="0"/>
+                <a:cs typeface="Consolas" pitchFamily="49" charset="0"/>
+              </a:rPr>
+              <a:t>   </a:t>
+            </a:r>
+            <a:r>
+              <a:rPr lang="en-US" sz="2000" noProof="1" smtClean="0">
+                <a:solidFill>
+                  <a:srgbClr val="8CF4F2"/>
+                </a:solidFill>
+                <a:latin typeface="Consolas" pitchFamily="49" charset="0"/>
+                <a:cs typeface="Consolas" pitchFamily="49" charset="0"/>
+              </a:rPr>
+              <a:t>   </a:t>
+            </a:r>
+            <a:r>
+              <a:rPr lang="en-US" sz="2000" noProof="1">
+                <a:solidFill>
+                  <a:srgbClr val="8CF4F2"/>
+                </a:solidFill>
+                <a:latin typeface="Consolas" pitchFamily="49" charset="0"/>
+                <a:cs typeface="Consolas" pitchFamily="49" charset="0"/>
+              </a:rPr>
+              <a:t>enablePasswordRetrieval="false"</a:t>
+            </a:r>
+          </a:p>
+          <a:p>
+            <a:pPr>
+              <a:lnSpc>
+                <a:spcPct val="100000"/>
+              </a:lnSpc>
+              <a:spcBef>
+                <a:spcPts val="0"/>
+              </a:spcBef>
+              <a:buClr>
+                <a:schemeClr val="accent5">
+                  <a:lumMod val="40000"/>
+                  <a:lumOff val="60000"/>
+                </a:schemeClr>
+              </a:buClr>
+              <a:buSzPct val="70000"/>
+              <a:buFont typeface="Wingdings 2" pitchFamily="18" charset="2"/>
+              <a:buNone/>
+            </a:pPr>
+            <a:r>
+              <a:rPr lang="en-US" sz="2000" noProof="1">
+                <a:solidFill>
+                  <a:srgbClr val="8CF4F2"/>
+                </a:solidFill>
+                <a:latin typeface="Consolas" pitchFamily="49" charset="0"/>
+                <a:cs typeface="Consolas" pitchFamily="49" charset="0"/>
+              </a:rPr>
+              <a:t>   </a:t>
+            </a:r>
+            <a:r>
+              <a:rPr lang="en-US" sz="2000" noProof="1" smtClean="0">
+                <a:solidFill>
+                  <a:srgbClr val="8CF4F2"/>
+                </a:solidFill>
+                <a:latin typeface="Consolas" pitchFamily="49" charset="0"/>
+                <a:cs typeface="Consolas" pitchFamily="49" charset="0"/>
+              </a:rPr>
+              <a:t>   </a:t>
+            </a:r>
+            <a:r>
+              <a:rPr lang="en-US" sz="2000" noProof="1">
+                <a:solidFill>
+                  <a:srgbClr val="8CF4F2"/>
+                </a:solidFill>
+                <a:latin typeface="Consolas" pitchFamily="49" charset="0"/>
+                <a:cs typeface="Consolas" pitchFamily="49" charset="0"/>
+              </a:rPr>
+              <a:t>requiresUniqueEmail="false" </a:t>
+            </a:r>
+          </a:p>
+          <a:p>
+            <a:pPr>
+              <a:lnSpc>
+                <a:spcPct val="100000"/>
+              </a:lnSpc>
+              <a:spcBef>
+                <a:spcPts val="0"/>
+              </a:spcBef>
+              <a:buClr>
+                <a:schemeClr val="accent5">
+                  <a:lumMod val="40000"/>
+                  <a:lumOff val="60000"/>
+                </a:schemeClr>
+              </a:buClr>
+              <a:buSzPct val="70000"/>
+              <a:buFont typeface="Wingdings 2" pitchFamily="18" charset="2"/>
+              <a:buNone/>
+            </a:pPr>
+            <a:r>
+              <a:rPr lang="en-US" sz="2000" noProof="1">
+                <a:solidFill>
+                  <a:srgbClr val="8CF4F2"/>
+                </a:solidFill>
+                <a:latin typeface="Consolas" pitchFamily="49" charset="0"/>
+                <a:cs typeface="Consolas" pitchFamily="49" charset="0"/>
+              </a:rPr>
+              <a:t>    </a:t>
+            </a:r>
+            <a:r>
+              <a:rPr lang="en-US" sz="2000" noProof="1" smtClean="0">
+                <a:solidFill>
+                  <a:srgbClr val="8CF4F2"/>
+                </a:solidFill>
+                <a:latin typeface="Consolas" pitchFamily="49" charset="0"/>
+                <a:cs typeface="Consolas" pitchFamily="49" charset="0"/>
+              </a:rPr>
+              <a:t>  </a:t>
+            </a:r>
+            <a:r>
+              <a:rPr lang="en-US" sz="2000" noProof="1">
+                <a:solidFill>
+                  <a:srgbClr val="8CF4F2"/>
+                </a:solidFill>
+                <a:latin typeface="Consolas" pitchFamily="49" charset="0"/>
+                <a:cs typeface="Consolas" pitchFamily="49" charset="0"/>
+              </a:rPr>
+              <a:t>applicationName="/MyApp" </a:t>
+            </a:r>
+          </a:p>
+          <a:p>
+            <a:pPr>
+              <a:lnSpc>
+                <a:spcPct val="100000"/>
+              </a:lnSpc>
+              <a:spcBef>
+                <a:spcPts val="0"/>
+              </a:spcBef>
+              <a:buClr>
+                <a:schemeClr val="accent5">
+                  <a:lumMod val="40000"/>
+                  <a:lumOff val="60000"/>
+                </a:schemeClr>
+              </a:buClr>
+              <a:buSzPct val="70000"/>
+              <a:buFont typeface="Wingdings 2" pitchFamily="18" charset="2"/>
+              <a:buNone/>
+            </a:pPr>
+            <a:r>
+              <a:rPr lang="en-US" sz="2000" noProof="1">
+                <a:solidFill>
+                  <a:srgbClr val="8CF4F2"/>
+                </a:solidFill>
+                <a:latin typeface="Consolas" pitchFamily="49" charset="0"/>
+                <a:cs typeface="Consolas" pitchFamily="49" charset="0"/>
+              </a:rPr>
+              <a:t>   </a:t>
+            </a:r>
+            <a:r>
+              <a:rPr lang="en-US" sz="2000" noProof="1" smtClean="0">
+                <a:solidFill>
+                  <a:srgbClr val="8CF4F2"/>
+                </a:solidFill>
+                <a:latin typeface="Consolas" pitchFamily="49" charset="0"/>
+                <a:cs typeface="Consolas" pitchFamily="49" charset="0"/>
+              </a:rPr>
+              <a:t>   </a:t>
+            </a:r>
+            <a:r>
+              <a:rPr lang="en-US" sz="2000" noProof="1">
+                <a:solidFill>
+                  <a:srgbClr val="8CF4F2"/>
+                </a:solidFill>
+                <a:latin typeface="Consolas" pitchFamily="49" charset="0"/>
+                <a:cs typeface="Consolas" pitchFamily="49" charset="0"/>
+              </a:rPr>
+              <a:t>minRequiredNonalphanumericCharacters="1"</a:t>
+            </a:r>
+          </a:p>
+          <a:p>
+            <a:pPr>
+              <a:lnSpc>
+                <a:spcPct val="100000"/>
+              </a:lnSpc>
+              <a:spcBef>
+                <a:spcPts val="0"/>
+              </a:spcBef>
+              <a:buClr>
+                <a:schemeClr val="accent5">
+                  <a:lumMod val="40000"/>
+                  <a:lumOff val="60000"/>
+                </a:schemeClr>
+              </a:buClr>
+              <a:buSzPct val="70000"/>
+              <a:buFont typeface="Wingdings 2" pitchFamily="18" charset="2"/>
+              <a:buNone/>
+            </a:pPr>
+            <a:r>
+              <a:rPr lang="en-US" sz="2000" noProof="1">
+                <a:solidFill>
+                  <a:srgbClr val="8CF4F2"/>
+                </a:solidFill>
+                <a:latin typeface="Consolas" pitchFamily="49" charset="0"/>
+                <a:cs typeface="Consolas" pitchFamily="49" charset="0"/>
+              </a:rPr>
+              <a:t>   </a:t>
+            </a:r>
+            <a:r>
+              <a:rPr lang="en-US" sz="2000" noProof="1" smtClean="0">
+                <a:solidFill>
+                  <a:srgbClr val="8CF4F2"/>
+                </a:solidFill>
+                <a:latin typeface="Consolas" pitchFamily="49" charset="0"/>
+                <a:cs typeface="Consolas" pitchFamily="49" charset="0"/>
+              </a:rPr>
+              <a:t>   </a:t>
+            </a:r>
+            <a:r>
+              <a:rPr lang="en-US" sz="2000" noProof="1">
+                <a:solidFill>
+                  <a:srgbClr val="8CF4F2"/>
+                </a:solidFill>
+                <a:latin typeface="Consolas" pitchFamily="49" charset="0"/>
+                <a:cs typeface="Consolas" pitchFamily="49" charset="0"/>
+              </a:rPr>
+              <a:t>name</a:t>
+            </a:r>
+            <a:r>
+              <a:rPr lang="en-US" sz="2000" noProof="1" smtClean="0">
+                <a:solidFill>
+                  <a:srgbClr val="8CF4F2"/>
+                </a:solidFill>
+                <a:latin typeface="Consolas" pitchFamily="49" charset="0"/>
+                <a:cs typeface="Consolas" pitchFamily="49" charset="0"/>
+              </a:rPr>
+              <a:t>="MyMembershipProvider" </a:t>
+            </a:r>
+            <a:endParaRPr lang="en-US" sz="2000" noProof="1">
+              <a:solidFill>
+                <a:srgbClr val="8CF4F2"/>
+              </a:solidFill>
+              <a:latin typeface="Consolas" pitchFamily="49" charset="0"/>
+              <a:cs typeface="Consolas" pitchFamily="49" charset="0"/>
+            </a:endParaRPr>
+          </a:p>
+          <a:p>
+            <a:pPr>
+              <a:lnSpc>
+                <a:spcPct val="100000"/>
+              </a:lnSpc>
+              <a:spcBef>
+                <a:spcPts val="0"/>
+              </a:spcBef>
+              <a:buClr>
+                <a:schemeClr val="accent5">
+                  <a:lumMod val="40000"/>
+                  <a:lumOff val="60000"/>
+                </a:schemeClr>
+              </a:buClr>
+              <a:buSzPct val="70000"/>
+              <a:buFont typeface="Wingdings 2" pitchFamily="18" charset="2"/>
+              <a:buNone/>
+            </a:pPr>
+            <a:r>
+              <a:rPr lang="en-US" sz="2000" noProof="1">
+                <a:solidFill>
+                  <a:srgbClr val="8CF4F2"/>
+                </a:solidFill>
+                <a:latin typeface="Consolas" pitchFamily="49" charset="0"/>
+                <a:cs typeface="Consolas" pitchFamily="49" charset="0"/>
+              </a:rPr>
+              <a:t>    </a:t>
+            </a:r>
+            <a:r>
+              <a:rPr lang="en-US" sz="2000" noProof="1" smtClean="0">
+                <a:solidFill>
+                  <a:srgbClr val="8CF4F2"/>
+                </a:solidFill>
+                <a:latin typeface="Consolas" pitchFamily="49" charset="0"/>
+                <a:cs typeface="Consolas" pitchFamily="49" charset="0"/>
+              </a:rPr>
+              <a:t>  </a:t>
+            </a:r>
+            <a:r>
+              <a:rPr lang="en-US" sz="2000" noProof="1">
+                <a:solidFill>
+                  <a:srgbClr val="8CF4F2"/>
+                </a:solidFill>
+                <a:latin typeface="Consolas" pitchFamily="49" charset="0"/>
+                <a:cs typeface="Consolas" pitchFamily="49" charset="0"/>
+              </a:rPr>
+              <a:t>type="System.Web.Security.SqlMembershipProvider"/&gt;</a:t>
+            </a:r>
+          </a:p>
+          <a:p>
+            <a:pPr>
+              <a:lnSpc>
+                <a:spcPct val="100000"/>
+              </a:lnSpc>
+              <a:spcBef>
+                <a:spcPts val="0"/>
+              </a:spcBef>
+              <a:buClr>
+                <a:schemeClr val="accent5">
+                  <a:lumMod val="40000"/>
+                  <a:lumOff val="60000"/>
+                </a:schemeClr>
+              </a:buClr>
+              <a:buSzPct val="70000"/>
+              <a:buFont typeface="Wingdings 2" pitchFamily="18" charset="2"/>
+              <a:buNone/>
+            </a:pPr>
+            <a:r>
+              <a:rPr lang="en-US" sz="2000" noProof="1" smtClean="0">
+                <a:solidFill>
+                  <a:srgbClr val="8CF4F2"/>
+                </a:solidFill>
+                <a:latin typeface="Consolas" pitchFamily="49" charset="0"/>
+                <a:cs typeface="Consolas" pitchFamily="49" charset="0"/>
+              </a:rPr>
+              <a:t>  &lt;/</a:t>
+            </a:r>
+            <a:r>
+              <a:rPr lang="en-US" sz="2000" noProof="1">
+                <a:solidFill>
+                  <a:srgbClr val="8CF4F2"/>
+                </a:solidFill>
+                <a:latin typeface="Consolas" pitchFamily="49" charset="0"/>
+                <a:cs typeface="Consolas" pitchFamily="49" charset="0"/>
+              </a:rPr>
+              <a:t>providers&gt;</a:t>
+            </a:r>
+          </a:p>
+          <a:p>
+            <a:pPr>
+              <a:lnSpc>
+                <a:spcPct val="100000"/>
+              </a:lnSpc>
+              <a:spcBef>
+                <a:spcPts val="0"/>
+              </a:spcBef>
+              <a:buClr>
+                <a:schemeClr val="accent5">
+                  <a:lumMod val="40000"/>
+                  <a:lumOff val="60000"/>
+                </a:schemeClr>
+              </a:buClr>
+              <a:buSzPct val="70000"/>
+              <a:buFont typeface="Wingdings 2" pitchFamily="18" charset="2"/>
+              <a:buNone/>
+            </a:pPr>
+            <a:r>
+              <a:rPr lang="en-US" sz="2000" noProof="1">
+                <a:solidFill>
+                  <a:srgbClr val="8CF4F2"/>
+                </a:solidFill>
+                <a:latin typeface="Consolas" pitchFamily="49" charset="0"/>
+                <a:cs typeface="Consolas" pitchFamily="49" charset="0"/>
+              </a:rPr>
+              <a:t>&lt;/membership&gt;</a:t>
+            </a:r>
           </a:p>
         </p:txBody>
       </p:sp>
@@ -11541,7 +15537,7 @@
       </p:grpSpPr>
       <p:sp>
         <p:nvSpPr>
-          <p:cNvPr id="494594" name="Rectangle 2"/>
+          <p:cNvPr id="470018" name="Rectangle 2"/>
           <p:cNvSpPr>
             <a:spLocks noGrp="1" noChangeArrowheads="1"/>
           </p:cNvSpPr>
@@ -11555,8 +15551,8 @@
           <a:lstStyle/>
           <a:p>
             <a:r>
-              <a:rPr lang="en-US" dirty="0" smtClean="0"/>
-              <a:t>ASP.NET Role Providers</a:t>
+              <a:rPr lang="en-US" smtClean="0"/>
+              <a:t>Roles in ASP.NET</a:t>
             </a:r>
             <a:endParaRPr lang="bg-BG" dirty="0"/>
           </a:p>
@@ -11564,7 +15560,7 @@
       </p:sp>
       <p:sp>
         <p:nvSpPr>
-          <p:cNvPr id="494595" name="Rectangle 3"/>
+          <p:cNvPr id="470019" name="Rectangle 3"/>
           <p:cNvSpPr>
             <a:spLocks noGrp="1" noChangeArrowheads="1"/>
           </p:cNvSpPr>
@@ -11572,61 +15568,47 @@
             <p:ph idx="1"/>
           </p:nvPr>
         </p:nvSpPr>
-        <p:spPr/>
+        <p:spPr>
+          <a:xfrm>
+            <a:off x="228600" y="980728"/>
+            <a:ext cx="8686800" cy="5724872"/>
+          </a:xfrm>
+        </p:spPr>
         <p:txBody>
           <a:bodyPr/>
           <a:lstStyle/>
           <a:p>
-            <a:r>
-              <a:rPr lang="en-US" dirty="0" smtClean="0"/>
-              <a:t>Role providers in ASP.NET</a:t>
-            </a:r>
-            <a:endParaRPr lang="en-US" dirty="0"/>
-          </a:p>
-          <a:p>
-            <a:pPr lvl="1"/>
-            <a:r>
-              <a:rPr lang="en-US" dirty="0" smtClean="0"/>
-              <a:t>Simplify </a:t>
-            </a:r>
-            <a:r>
-              <a:rPr lang="en-US" dirty="0"/>
-              <a:t>common authorization </a:t>
-            </a:r>
-            <a:r>
-              <a:rPr lang="en-US" dirty="0" smtClean="0"/>
-              <a:t>tasks and role management tasks</a:t>
-            </a:r>
-            <a:endParaRPr lang="en-US" dirty="0"/>
-          </a:p>
-          <a:p>
-            <a:pPr lvl="2"/>
-            <a:r>
-              <a:rPr lang="en-US" noProof="1" smtClean="0">
+            <a:pPr>
+              <a:lnSpc>
+                <a:spcPct val="100000"/>
+              </a:lnSpc>
+            </a:pPr>
+            <a:r>
+              <a:rPr lang="en-US" dirty="0" smtClean="0">
                 <a:solidFill>
                   <a:schemeClr val="accent5">
                     <a:lumMod val="20000"/>
                     <a:lumOff val="80000"/>
                   </a:schemeClr>
                 </a:solidFill>
-                <a:latin typeface="Consolas" pitchFamily="49" charset="0"/>
-                <a:cs typeface="Consolas" pitchFamily="49" charset="0"/>
-              </a:rPr>
-              <a:t>CreateRole()</a:t>
-            </a:r>
-            <a:endParaRPr lang="en-US" noProof="1">
-              <a:solidFill>
-                <a:schemeClr val="accent5">
-                  <a:lumMod val="20000"/>
-                  <a:lumOff val="80000"/>
-                </a:schemeClr>
-              </a:solidFill>
-              <a:latin typeface="Consolas" pitchFamily="49" charset="0"/>
-              <a:cs typeface="Consolas" pitchFamily="49" charset="0"/>
-            </a:endParaRPr>
-          </a:p>
-          <a:p>
-            <a:pPr lvl="2"/>
+              </a:rPr>
+              <a:t>Roles</a:t>
+            </a:r>
+            <a:r>
+              <a:rPr lang="en-US" dirty="0" smtClean="0"/>
+              <a:t> in ASP.NET allow assigning permissions to a group of users</a:t>
+            </a:r>
+          </a:p>
+          <a:p>
+            <a:pPr lvl="1">
+              <a:lnSpc>
+                <a:spcPct val="100000"/>
+              </a:lnSpc>
+            </a:pPr>
+            <a:r>
+              <a:rPr lang="en-US" dirty="0" smtClean="0"/>
+              <a:t>E.g. "</a:t>
+            </a:r>
             <a:r>
               <a:rPr lang="en-US" noProof="1" smtClean="0">
                 <a:solidFill>
@@ -11638,21 +15620,12 @@
                 <a:latin typeface="Consolas" pitchFamily="49" charset="0"/>
                 <a:cs typeface="Consolas" pitchFamily="49" charset="0"/>
               </a:rPr>
-              <a:t>IsUserInRole()</a:t>
-            </a:r>
-            <a:endParaRPr lang="en-US" noProof="1">
-              <a:solidFill>
-                <a:schemeClr val="accent5">
-                  <a:lumMod val="20000"/>
-                  <a:lumOff val="80000"/>
-                </a:schemeClr>
-              </a:solidFill>
-              <a:latin typeface="Consolas" pitchFamily="49" charset="0"/>
-              <a:cs typeface="Consolas" pitchFamily="49" charset="0"/>
-            </a:endParaRPr>
-          </a:p>
-          <a:p>
-            <a:pPr lvl="2"/>
+              <a:t>Admins</a:t>
+            </a:r>
+            <a:r>
+              <a:rPr lang="en-US" dirty="0" smtClean="0"/>
+              <a:t>" role could have more privileges than "</a:t>
+            </a:r>
             <a:r>
               <a:rPr lang="en-US" noProof="1" smtClean="0">
                 <a:solidFill>
@@ -11664,21 +15637,43 @@
                 <a:latin typeface="Consolas" pitchFamily="49" charset="0"/>
                 <a:cs typeface="Consolas" pitchFamily="49" charset="0"/>
               </a:rPr>
-              <a:t>GetAllRoles()</a:t>
-            </a:r>
-            <a:endParaRPr lang="en-US" noProof="1">
-              <a:solidFill>
-                <a:schemeClr val="accent5">
-                  <a:lumMod val="20000"/>
-                  <a:lumOff val="80000"/>
-                </a:schemeClr>
-              </a:solidFill>
-              <a:latin typeface="Consolas" pitchFamily="49" charset="0"/>
-              <a:cs typeface="Consolas" pitchFamily="49" charset="0"/>
-            </a:endParaRPr>
-          </a:p>
-          <a:p>
-            <a:pPr lvl="2"/>
+              <a:t>Guests</a:t>
+            </a:r>
+            <a:r>
+              <a:rPr lang="en-US" dirty="0" smtClean="0"/>
+              <a:t>" role</a:t>
+            </a:r>
+            <a:endParaRPr lang="en-US" dirty="0"/>
+          </a:p>
+          <a:p>
+            <a:pPr>
+              <a:lnSpc>
+                <a:spcPct val="100000"/>
+              </a:lnSpc>
+            </a:pPr>
+            <a:r>
+              <a:rPr lang="en-US" dirty="0" smtClean="0"/>
+              <a:t>A </a:t>
+            </a:r>
+            <a:r>
+              <a:rPr lang="en-US" dirty="0"/>
+              <a:t>user account can be assigned </a:t>
+            </a:r>
+            <a:r>
+              <a:rPr lang="en-US" dirty="0" smtClean="0"/>
+              <a:t>to multiple roles in the same time</a:t>
+            </a:r>
+          </a:p>
+          <a:p>
+            <a:pPr lvl="1">
+              <a:lnSpc>
+                <a:spcPct val="100000"/>
+              </a:lnSpc>
+            </a:pPr>
+            <a:r>
+              <a:rPr lang="en-US" dirty="0" smtClean="0"/>
+              <a:t>E.g. user "</a:t>
+            </a:r>
             <a:r>
               <a:rPr lang="en-US" noProof="1" smtClean="0">
                 <a:solidFill>
@@ -11690,11 +15685,12 @@
                 <a:latin typeface="Consolas" pitchFamily="49" charset="0"/>
                 <a:cs typeface="Consolas" pitchFamily="49" charset="0"/>
               </a:rPr>
-              <a:t>GetRolesForUser()</a:t>
-            </a:r>
-          </a:p>
-          <a:p>
-            <a:pPr lvl="2"/>
+              <a:t>Peter</a:t>
+            </a:r>
+            <a:r>
+              <a:rPr lang="en-US" dirty="0" smtClean="0"/>
+              <a:t>" can be member of "</a:t>
+            </a:r>
             <a:r>
               <a:rPr lang="en-US" noProof="1" smtClean="0">
                 <a:solidFill>
@@ -11706,28 +15702,45 @@
                 <a:latin typeface="Consolas" pitchFamily="49" charset="0"/>
                 <a:cs typeface="Consolas" pitchFamily="49" charset="0"/>
               </a:rPr>
-              <a:t>…</a:t>
-            </a:r>
-          </a:p>
-          <a:p>
-            <a:pPr lvl="1"/>
+              <a:t>Admins</a:t>
+            </a:r>
+            <a:r>
+              <a:rPr lang="en-US" dirty="0" smtClean="0"/>
+              <a:t>" and "</a:t>
+            </a:r>
+            <a:r>
+              <a:rPr lang="en-US" noProof="1" smtClean="0">
+                <a:solidFill>
+                  <a:schemeClr val="accent5">
+                    <a:lumMod val="20000"/>
+                    <a:lumOff val="80000"/>
+                  </a:schemeClr>
+                </a:solidFill>
+                <a:latin typeface="Consolas" pitchFamily="49" charset="0"/>
+                <a:cs typeface="Consolas" pitchFamily="49" charset="0"/>
+              </a:rPr>
+              <a:t>TrustedUsers</a:t>
+            </a:r>
+            <a:r>
+              <a:rPr lang="en-US" dirty="0" smtClean="0"/>
+              <a:t>" roles</a:t>
+            </a:r>
+          </a:p>
+          <a:p>
+            <a:pPr>
+              <a:lnSpc>
+                <a:spcPct val="100000"/>
+              </a:lnSpc>
+            </a:pPr>
             <a:r>
               <a:rPr lang="en-US" dirty="0"/>
-              <a:t>Can store user credentials in database / file / etc.</a:t>
-            </a:r>
-          </a:p>
-          <a:p>
-            <a:pPr lvl="2"/>
-            <a:endParaRPr lang="en-US" noProof="1">
-              <a:solidFill>
-                <a:schemeClr val="accent5">
-                  <a:lumMod val="20000"/>
-                  <a:lumOff val="80000"/>
-                </a:schemeClr>
-              </a:solidFill>
-              <a:latin typeface="Consolas" pitchFamily="49" charset="0"/>
-              <a:cs typeface="Consolas" pitchFamily="49" charset="0"/>
-            </a:endParaRPr>
+              <a:t>Permissions can be granted to multiple users sharing the same </a:t>
+            </a:r>
+            <a:r>
+              <a:rPr lang="en-US" dirty="0" smtClean="0"/>
+              <a:t>role</a:t>
+            </a:r>
+            <a:endParaRPr lang="bg-BG" dirty="0"/>
           </a:p>
         </p:txBody>
       </p:sp>
@@ -11773,7 +15786,7 @@
       </p:grpSpPr>
       <p:sp>
         <p:nvSpPr>
-          <p:cNvPr id="491522" name="Rectangle 2"/>
+          <p:cNvPr id="494594" name="Rectangle 2"/>
           <p:cNvSpPr>
             <a:spLocks noGrp="1" noChangeArrowheads="1"/>
           </p:cNvSpPr>
@@ -11781,19 +15794,14 @@
             <p:ph type="title"/>
           </p:nvPr>
         </p:nvSpPr>
-        <p:spPr>
-          <a:xfrm>
-            <a:off x="3491880" y="188640"/>
-            <a:ext cx="5423520" cy="914400"/>
-          </a:xfrm>
-        </p:spPr>
+        <p:spPr/>
         <p:txBody>
           <a:bodyPr/>
           <a:lstStyle/>
           <a:p>
             <a:r>
               <a:rPr lang="en-US" dirty="0" smtClean="0"/>
-              <a:t>Registering a Membership Provider</a:t>
+              <a:t>ASP.NET Role Providers</a:t>
             </a:r>
             <a:endParaRPr lang="bg-BG" dirty="0"/>
           </a:p>
@@ -11801,7 +15809,7 @@
       </p:sp>
       <p:sp>
         <p:nvSpPr>
-          <p:cNvPr id="491523" name="Rectangle 3"/>
+          <p:cNvPr id="494595" name="Rectangle 3"/>
           <p:cNvSpPr>
             <a:spLocks noGrp="1" noChangeArrowheads="1"/>
           </p:cNvSpPr>
@@ -11809,27 +15817,37 @@
             <p:ph idx="1"/>
           </p:nvPr>
         </p:nvSpPr>
-        <p:spPr>
-          <a:xfrm>
-            <a:off x="228600" y="1412776"/>
-            <a:ext cx="8686800" cy="5292824"/>
-          </a:xfrm>
-        </p:spPr>
+        <p:spPr/>
         <p:txBody>
           <a:bodyPr/>
           <a:lstStyle/>
           <a:p>
-            <a:pPr>
-              <a:lnSpc>
-                <a:spcPct val="100000"/>
-              </a:lnSpc>
-            </a:pPr>
-            <a:r>
-              <a:rPr lang="en-US" sz="3000" dirty="0"/>
-              <a:t>Adding membership provider to the </a:t>
-            </a:r>
-            <a:r>
-              <a:rPr lang="en-US" sz="3000" dirty="0">
+            <a:r>
+              <a:rPr lang="en-US" dirty="0" smtClean="0"/>
+              <a:t>Role providers in ASP.NET</a:t>
+            </a:r>
+            <a:endParaRPr lang="en-US" dirty="0"/>
+          </a:p>
+          <a:p>
+            <a:pPr lvl="1"/>
+            <a:r>
+              <a:rPr lang="en-US" dirty="0" smtClean="0"/>
+              <a:t>Simplify </a:t>
+            </a:r>
+            <a:r>
+              <a:rPr lang="en-US" dirty="0"/>
+              <a:t>common authorization </a:t>
+            </a:r>
+            <a:r>
+              <a:rPr lang="en-US" dirty="0" smtClean="0"/>
+              <a:t>tasks and role management tasks</a:t>
+            </a:r>
+            <a:endParaRPr lang="en-US" dirty="0"/>
+          </a:p>
+          <a:p>
+            <a:pPr lvl="2"/>
+            <a:r>
+              <a:rPr lang="en-US" noProof="1" smtClean="0">
                 <a:solidFill>
                   <a:schemeClr val="accent5">
                     <a:lumMod val="20000"/>
@@ -11839,10 +15857,23 @@
                 <a:latin typeface="Consolas" pitchFamily="49" charset="0"/>
                 <a:cs typeface="Consolas" pitchFamily="49" charset="0"/>
               </a:rPr>
-              <a:t>W</a:t>
-            </a:r>
-            <a:r>
-              <a:rPr lang="en-US" sz="3000" noProof="1">
+              <a:t>CreateRole()</a:t>
+            </a:r>
+            <a:endParaRPr lang="en-US" noProof="1">
+              <a:solidFill>
+                <a:schemeClr val="accent5">
+                  <a:lumMod val="20000"/>
+                  <a:lumOff val="80000"/>
+                </a:schemeClr>
+              </a:solidFill>
+              <a:latin typeface="Consolas" pitchFamily="49" charset="0"/>
+              <a:cs typeface="Consolas" pitchFamily="49" charset="0"/>
+            </a:endParaRPr>
+          </a:p>
+          <a:p>
+            <a:pPr lvl="2"/>
+            <a:r>
+              <a:rPr lang="en-US" noProof="1" smtClean="0">
                 <a:solidFill>
                   <a:schemeClr val="accent5">
                     <a:lumMod val="20000"/>
@@ -11852,668 +15883,96 @@
                 <a:latin typeface="Consolas" pitchFamily="49" charset="0"/>
                 <a:cs typeface="Consolas" pitchFamily="49" charset="0"/>
               </a:rPr>
-              <a:t>eb.config</a:t>
-            </a:r>
-          </a:p>
-        </p:txBody>
-      </p:sp>
-      <p:sp>
-        <p:nvSpPr>
-          <p:cNvPr id="491524" name="Rectangle 4"/>
-          <p:cNvSpPr>
-            <a:spLocks noChangeArrowheads="1"/>
-          </p:cNvSpPr>
-          <p:nvPr/>
-        </p:nvSpPr>
-        <p:spPr bwMode="auto">
-          <a:xfrm>
-            <a:off x="538982" y="2204864"/>
-            <a:ext cx="8065466" cy="4093428"/>
-          </a:xfrm>
-          <a:prstGeom prst="rect">
-            <a:avLst/>
-          </a:prstGeom>
-          <a:solidFill>
-            <a:schemeClr val="accent5">
-              <a:lumMod val="40000"/>
-              <a:lumOff val="60000"/>
-              <a:alpha val="15000"/>
-            </a:schemeClr>
-          </a:solidFill>
-          <a:ln w="12700">
-            <a:solidFill>
-              <a:schemeClr val="accent5">
-                <a:lumMod val="60000"/>
-                <a:lumOff val="40000"/>
-              </a:schemeClr>
-            </a:solidFill>
-          </a:ln>
-        </p:spPr>
-        <p:txBody>
-          <a:bodyPr wrap="square">
-            <a:spAutoFit/>
-          </a:bodyPr>
-          <a:lstStyle/>
-          <a:p>
-            <a:pPr>
-              <a:lnSpc>
-                <a:spcPct val="100000"/>
-              </a:lnSpc>
-              <a:spcBef>
-                <a:spcPts val="0"/>
-              </a:spcBef>
-              <a:buClr>
+              <a:t>IsUserInRole()</a:t>
+            </a:r>
+            <a:endParaRPr lang="en-US" noProof="1">
+              <a:solidFill>
                 <a:schemeClr val="accent5">
-                  <a:lumMod val="40000"/>
-                  <a:lumOff val="60000"/>
+                  <a:lumMod val="20000"/>
+                  <a:lumOff val="80000"/>
                 </a:schemeClr>
-              </a:buClr>
-              <a:buSzPct val="70000"/>
-              <a:buFont typeface="Wingdings 2" pitchFamily="18" charset="2"/>
-              <a:buNone/>
-            </a:pPr>
-            <a:r>
-              <a:rPr lang="en-US" sz="2000" noProof="1">
-                <a:solidFill>
-                  <a:srgbClr val="8CF4F2"/>
-                </a:solidFill>
-                <a:latin typeface="Consolas" pitchFamily="49" charset="0"/>
-                <a:cs typeface="Consolas" pitchFamily="49" charset="0"/>
-              </a:rPr>
-              <a:t>&lt;membership defaultProvider="</a:t>
-            </a:r>
-            <a:r>
-              <a:rPr lang="en-US" sz="2000" noProof="1" smtClean="0">
-                <a:solidFill>
-                  <a:srgbClr val="8CF4F2"/>
-                </a:solidFill>
-                <a:latin typeface="Consolas" pitchFamily="49" charset="0"/>
-                <a:cs typeface="Consolas" pitchFamily="49" charset="0"/>
-              </a:rPr>
-              <a:t>MyMembershipProvider</a:t>
-            </a:r>
-            <a:r>
-              <a:rPr lang="en-US" sz="2000" noProof="1">
-                <a:solidFill>
-                  <a:srgbClr val="8CF4F2"/>
-                </a:solidFill>
-                <a:latin typeface="Consolas" pitchFamily="49" charset="0"/>
-                <a:cs typeface="Consolas" pitchFamily="49" charset="0"/>
-              </a:rPr>
-              <a:t>"&gt;	     </a:t>
-            </a:r>
-          </a:p>
-          <a:p>
-            <a:pPr>
-              <a:lnSpc>
-                <a:spcPct val="100000"/>
-              </a:lnSpc>
-              <a:spcBef>
-                <a:spcPts val="0"/>
-              </a:spcBef>
-              <a:buClr>
-                <a:schemeClr val="accent5">
-                  <a:lumMod val="40000"/>
-                  <a:lumOff val="60000"/>
-                </a:schemeClr>
-              </a:buClr>
-              <a:buSzPct val="70000"/>
-              <a:buFont typeface="Wingdings 2" pitchFamily="18" charset="2"/>
-              <a:buNone/>
-            </a:pPr>
-            <a:r>
-              <a:rPr lang="en-US" sz="2000" noProof="1" smtClean="0">
-                <a:solidFill>
-                  <a:srgbClr val="8CF4F2"/>
-                </a:solidFill>
-                <a:latin typeface="Consolas" pitchFamily="49" charset="0"/>
-                <a:cs typeface="Consolas" pitchFamily="49" charset="0"/>
-              </a:rPr>
-              <a:t>  &lt;</a:t>
-            </a:r>
-            <a:r>
-              <a:rPr lang="en-US" sz="2000" noProof="1">
-                <a:solidFill>
-                  <a:srgbClr val="8CF4F2"/>
-                </a:solidFill>
-                <a:latin typeface="Consolas" pitchFamily="49" charset="0"/>
-                <a:cs typeface="Consolas" pitchFamily="49" charset="0"/>
-              </a:rPr>
-              <a:t>providers&gt;</a:t>
-            </a:r>
-          </a:p>
-          <a:p>
-            <a:pPr>
-              <a:lnSpc>
-                <a:spcPct val="100000"/>
-              </a:lnSpc>
-              <a:spcBef>
-                <a:spcPts val="0"/>
-              </a:spcBef>
-              <a:buClr>
-                <a:schemeClr val="accent5">
-                  <a:lumMod val="40000"/>
-                  <a:lumOff val="60000"/>
-                </a:schemeClr>
-              </a:buClr>
-              <a:buSzPct val="70000"/>
-              <a:buFont typeface="Wingdings 2" pitchFamily="18" charset="2"/>
-              <a:buNone/>
-            </a:pPr>
-            <a:r>
-              <a:rPr lang="en-US" sz="2000" noProof="1" smtClean="0">
-                <a:solidFill>
-                  <a:srgbClr val="8CF4F2"/>
-                </a:solidFill>
-                <a:latin typeface="Consolas" pitchFamily="49" charset="0"/>
-                <a:cs typeface="Consolas" pitchFamily="49" charset="0"/>
-              </a:rPr>
-              <a:t>    &lt;</a:t>
-            </a:r>
-            <a:r>
-              <a:rPr lang="en-US" sz="2000" noProof="1">
-                <a:solidFill>
-                  <a:srgbClr val="8CF4F2"/>
-                </a:solidFill>
-                <a:latin typeface="Consolas" pitchFamily="49" charset="0"/>
-                <a:cs typeface="Consolas" pitchFamily="49" charset="0"/>
-              </a:rPr>
-              <a:t>add connectionStringName</a:t>
-            </a:r>
-            <a:r>
-              <a:rPr lang="en-US" sz="2000" noProof="1" smtClean="0">
-                <a:solidFill>
-                  <a:srgbClr val="8CF4F2"/>
-                </a:solidFill>
-                <a:latin typeface="Consolas" pitchFamily="49" charset="0"/>
-                <a:cs typeface="Consolas" pitchFamily="49" charset="0"/>
-              </a:rPr>
-              <a:t>="UsersConnectionString"</a:t>
-            </a:r>
-            <a:endParaRPr lang="en-US" sz="2000" noProof="1">
-              <a:solidFill>
-                <a:srgbClr val="8CF4F2"/>
               </a:solidFill>
               <a:latin typeface="Consolas" pitchFamily="49" charset="0"/>
               <a:cs typeface="Consolas" pitchFamily="49" charset="0"/>
             </a:endParaRPr>
           </a:p>
           <a:p>
-            <a:pPr>
-              <a:lnSpc>
-                <a:spcPct val="100000"/>
-              </a:lnSpc>
-              <a:spcBef>
-                <a:spcPts val="0"/>
-              </a:spcBef>
-              <a:buClr>
-                <a:schemeClr val="accent5">
-                  <a:lumMod val="40000"/>
-                  <a:lumOff val="60000"/>
-                </a:schemeClr>
-              </a:buClr>
-              <a:buSzPct val="70000"/>
-              <a:buFont typeface="Wingdings 2" pitchFamily="18" charset="2"/>
-              <a:buNone/>
-            </a:pPr>
-            <a:r>
-              <a:rPr lang="en-US" sz="2000" noProof="1">
-                <a:solidFill>
-                  <a:srgbClr val="8CF4F2"/>
+            <a:pPr lvl="2"/>
+            <a:r>
+              <a:rPr lang="en-US" noProof="1" smtClean="0">
+                <a:solidFill>
+                  <a:schemeClr val="accent5">
+                    <a:lumMod val="20000"/>
+                    <a:lumOff val="80000"/>
+                  </a:schemeClr>
                 </a:solidFill>
                 <a:latin typeface="Consolas" pitchFamily="49" charset="0"/>
                 <a:cs typeface="Consolas" pitchFamily="49" charset="0"/>
               </a:rPr>
-              <a:t>  </a:t>
-            </a:r>
-            <a:r>
-              <a:rPr lang="en-US" sz="2000" noProof="1" smtClean="0">
-                <a:solidFill>
-                  <a:srgbClr val="8CF4F2"/>
-                </a:solidFill>
-                <a:latin typeface="Consolas" pitchFamily="49" charset="0"/>
-                <a:cs typeface="Consolas" pitchFamily="49" charset="0"/>
-              </a:rPr>
-              <a:t>    </a:t>
-            </a:r>
-            <a:r>
-              <a:rPr lang="en-US" sz="2000" noProof="1">
-                <a:solidFill>
-                  <a:srgbClr val="8CF4F2"/>
-                </a:solidFill>
-                <a:latin typeface="Consolas" pitchFamily="49" charset="0"/>
-                <a:cs typeface="Consolas" pitchFamily="49" charset="0"/>
-              </a:rPr>
-              <a:t>minRequiredPasswordLength="6"</a:t>
-            </a:r>
-          </a:p>
-          <a:p>
-            <a:pPr>
-              <a:lnSpc>
-                <a:spcPct val="100000"/>
-              </a:lnSpc>
-              <a:spcBef>
-                <a:spcPts val="0"/>
-              </a:spcBef>
-              <a:buClr>
+              <a:t>GetAllRoles()</a:t>
+            </a:r>
+            <a:endParaRPr lang="en-US" noProof="1">
+              <a:solidFill>
                 <a:schemeClr val="accent5">
-                  <a:lumMod val="40000"/>
-                  <a:lumOff val="60000"/>
+                  <a:lumMod val="20000"/>
+                  <a:lumOff val="80000"/>
                 </a:schemeClr>
-              </a:buClr>
-              <a:buSzPct val="70000"/>
-              <a:buFont typeface="Wingdings 2" pitchFamily="18" charset="2"/>
-              <a:buNone/>
-            </a:pPr>
-            <a:r>
-              <a:rPr lang="en-US" sz="2000" noProof="1">
-                <a:solidFill>
-                  <a:srgbClr val="8CF4F2"/>
-                </a:solidFill>
-                <a:latin typeface="Consolas" pitchFamily="49" charset="0"/>
-                <a:cs typeface="Consolas" pitchFamily="49" charset="0"/>
-              </a:rPr>
-              <a:t>   </a:t>
-            </a:r>
-            <a:r>
-              <a:rPr lang="en-US" sz="2000" noProof="1" smtClean="0">
-                <a:solidFill>
-                  <a:srgbClr val="8CF4F2"/>
-                </a:solidFill>
-                <a:latin typeface="Consolas" pitchFamily="49" charset="0"/>
-                <a:cs typeface="Consolas" pitchFamily="49" charset="0"/>
-              </a:rPr>
-              <a:t>   </a:t>
-            </a:r>
-            <a:r>
-              <a:rPr lang="en-US" sz="2000" noProof="1">
-                <a:solidFill>
-                  <a:srgbClr val="8CF4F2"/>
-                </a:solidFill>
-                <a:latin typeface="Consolas" pitchFamily="49" charset="0"/>
-                <a:cs typeface="Consolas" pitchFamily="49" charset="0"/>
-              </a:rPr>
-              <a:t>requiresQuestionAndAnswer="true" </a:t>
-            </a:r>
-          </a:p>
-          <a:p>
-            <a:pPr>
-              <a:lnSpc>
-                <a:spcPct val="100000"/>
-              </a:lnSpc>
-              <a:spcBef>
-                <a:spcPts val="0"/>
-              </a:spcBef>
-              <a:buClr>
-                <a:schemeClr val="accent5">
-                  <a:lumMod val="40000"/>
-                  <a:lumOff val="60000"/>
-                </a:schemeClr>
-              </a:buClr>
-              <a:buSzPct val="70000"/>
-              <a:buFont typeface="Wingdings 2" pitchFamily="18" charset="2"/>
-              <a:buNone/>
-            </a:pPr>
-            <a:r>
-              <a:rPr lang="en-US" sz="2000" noProof="1">
-                <a:solidFill>
-                  <a:srgbClr val="8CF4F2"/>
-                </a:solidFill>
-                <a:latin typeface="Consolas" pitchFamily="49" charset="0"/>
-                <a:cs typeface="Consolas" pitchFamily="49" charset="0"/>
-              </a:rPr>
-              <a:t>   </a:t>
-            </a:r>
-            <a:r>
-              <a:rPr lang="en-US" sz="2000" noProof="1" smtClean="0">
-                <a:solidFill>
-                  <a:srgbClr val="8CF4F2"/>
-                </a:solidFill>
-                <a:latin typeface="Consolas" pitchFamily="49" charset="0"/>
-                <a:cs typeface="Consolas" pitchFamily="49" charset="0"/>
-              </a:rPr>
-              <a:t>   </a:t>
-            </a:r>
-            <a:r>
-              <a:rPr lang="en-US" sz="2000" noProof="1">
-                <a:solidFill>
-                  <a:srgbClr val="8CF4F2"/>
-                </a:solidFill>
-                <a:latin typeface="Consolas" pitchFamily="49" charset="0"/>
-                <a:cs typeface="Consolas" pitchFamily="49" charset="0"/>
-              </a:rPr>
-              <a:t>enablePasswordRetrieval="false"</a:t>
-            </a:r>
-          </a:p>
-          <a:p>
-            <a:pPr>
-              <a:lnSpc>
-                <a:spcPct val="100000"/>
-              </a:lnSpc>
-              <a:spcBef>
-                <a:spcPts val="0"/>
-              </a:spcBef>
-              <a:buClr>
-                <a:schemeClr val="accent5">
-                  <a:lumMod val="40000"/>
-                  <a:lumOff val="60000"/>
-                </a:schemeClr>
-              </a:buClr>
-              <a:buSzPct val="70000"/>
-              <a:buFont typeface="Wingdings 2" pitchFamily="18" charset="2"/>
-              <a:buNone/>
-            </a:pPr>
-            <a:r>
-              <a:rPr lang="en-US" sz="2000" noProof="1">
-                <a:solidFill>
-                  <a:srgbClr val="8CF4F2"/>
-                </a:solidFill>
-                <a:latin typeface="Consolas" pitchFamily="49" charset="0"/>
-                <a:cs typeface="Consolas" pitchFamily="49" charset="0"/>
-              </a:rPr>
-              <a:t>   </a:t>
-            </a:r>
-            <a:r>
-              <a:rPr lang="en-US" sz="2000" noProof="1" smtClean="0">
-                <a:solidFill>
-                  <a:srgbClr val="8CF4F2"/>
-                </a:solidFill>
-                <a:latin typeface="Consolas" pitchFamily="49" charset="0"/>
-                <a:cs typeface="Consolas" pitchFamily="49" charset="0"/>
-              </a:rPr>
-              <a:t>   </a:t>
-            </a:r>
-            <a:r>
-              <a:rPr lang="en-US" sz="2000" noProof="1">
-                <a:solidFill>
-                  <a:srgbClr val="8CF4F2"/>
-                </a:solidFill>
-                <a:latin typeface="Consolas" pitchFamily="49" charset="0"/>
-                <a:cs typeface="Consolas" pitchFamily="49" charset="0"/>
-              </a:rPr>
-              <a:t>requiresUniqueEmail="false" </a:t>
-            </a:r>
-          </a:p>
-          <a:p>
-            <a:pPr>
-              <a:lnSpc>
-                <a:spcPct val="100000"/>
-              </a:lnSpc>
-              <a:spcBef>
-                <a:spcPts val="0"/>
-              </a:spcBef>
-              <a:buClr>
-                <a:schemeClr val="accent5">
-                  <a:lumMod val="40000"/>
-                  <a:lumOff val="60000"/>
-                </a:schemeClr>
-              </a:buClr>
-              <a:buSzPct val="70000"/>
-              <a:buFont typeface="Wingdings 2" pitchFamily="18" charset="2"/>
-              <a:buNone/>
-            </a:pPr>
-            <a:r>
-              <a:rPr lang="en-US" sz="2000" noProof="1">
-                <a:solidFill>
-                  <a:srgbClr val="8CF4F2"/>
-                </a:solidFill>
-                <a:latin typeface="Consolas" pitchFamily="49" charset="0"/>
-                <a:cs typeface="Consolas" pitchFamily="49" charset="0"/>
-              </a:rPr>
-              <a:t>    </a:t>
-            </a:r>
-            <a:r>
-              <a:rPr lang="en-US" sz="2000" noProof="1" smtClean="0">
-                <a:solidFill>
-                  <a:srgbClr val="8CF4F2"/>
-                </a:solidFill>
-                <a:latin typeface="Consolas" pitchFamily="49" charset="0"/>
-                <a:cs typeface="Consolas" pitchFamily="49" charset="0"/>
-              </a:rPr>
-              <a:t>  </a:t>
-            </a:r>
-            <a:r>
-              <a:rPr lang="en-US" sz="2000" noProof="1">
-                <a:solidFill>
-                  <a:srgbClr val="8CF4F2"/>
-                </a:solidFill>
-                <a:latin typeface="Consolas" pitchFamily="49" charset="0"/>
-                <a:cs typeface="Consolas" pitchFamily="49" charset="0"/>
-              </a:rPr>
-              <a:t>applicationName="/MyApp" </a:t>
-            </a:r>
-          </a:p>
-          <a:p>
-            <a:pPr>
-              <a:lnSpc>
-                <a:spcPct val="100000"/>
-              </a:lnSpc>
-              <a:spcBef>
-                <a:spcPts val="0"/>
-              </a:spcBef>
-              <a:buClr>
-                <a:schemeClr val="accent5">
-                  <a:lumMod val="40000"/>
-                  <a:lumOff val="60000"/>
-                </a:schemeClr>
-              </a:buClr>
-              <a:buSzPct val="70000"/>
-              <a:buFont typeface="Wingdings 2" pitchFamily="18" charset="2"/>
-              <a:buNone/>
-            </a:pPr>
-            <a:r>
-              <a:rPr lang="en-US" sz="2000" noProof="1">
-                <a:solidFill>
-                  <a:srgbClr val="8CF4F2"/>
-                </a:solidFill>
-                <a:latin typeface="Consolas" pitchFamily="49" charset="0"/>
-                <a:cs typeface="Consolas" pitchFamily="49" charset="0"/>
-              </a:rPr>
-              <a:t>   </a:t>
-            </a:r>
-            <a:r>
-              <a:rPr lang="en-US" sz="2000" noProof="1" smtClean="0">
-                <a:solidFill>
-                  <a:srgbClr val="8CF4F2"/>
-                </a:solidFill>
-                <a:latin typeface="Consolas" pitchFamily="49" charset="0"/>
-                <a:cs typeface="Consolas" pitchFamily="49" charset="0"/>
-              </a:rPr>
-              <a:t>   </a:t>
-            </a:r>
-            <a:r>
-              <a:rPr lang="en-US" sz="2000" noProof="1">
-                <a:solidFill>
-                  <a:srgbClr val="8CF4F2"/>
-                </a:solidFill>
-                <a:latin typeface="Consolas" pitchFamily="49" charset="0"/>
-                <a:cs typeface="Consolas" pitchFamily="49" charset="0"/>
-              </a:rPr>
-              <a:t>minRequiredNonalphanumericCharacters="1"</a:t>
-            </a:r>
-          </a:p>
-          <a:p>
-            <a:pPr>
-              <a:lnSpc>
-                <a:spcPct val="100000"/>
-              </a:lnSpc>
-              <a:spcBef>
-                <a:spcPts val="0"/>
-              </a:spcBef>
-              <a:buClr>
-                <a:schemeClr val="accent5">
-                  <a:lumMod val="40000"/>
-                  <a:lumOff val="60000"/>
-                </a:schemeClr>
-              </a:buClr>
-              <a:buSzPct val="70000"/>
-              <a:buFont typeface="Wingdings 2" pitchFamily="18" charset="2"/>
-              <a:buNone/>
-            </a:pPr>
-            <a:r>
-              <a:rPr lang="en-US" sz="2000" noProof="1">
-                <a:solidFill>
-                  <a:srgbClr val="8CF4F2"/>
-                </a:solidFill>
-                <a:latin typeface="Consolas" pitchFamily="49" charset="0"/>
-                <a:cs typeface="Consolas" pitchFamily="49" charset="0"/>
-              </a:rPr>
-              <a:t>   </a:t>
-            </a:r>
-            <a:r>
-              <a:rPr lang="en-US" sz="2000" noProof="1" smtClean="0">
-                <a:solidFill>
-                  <a:srgbClr val="8CF4F2"/>
-                </a:solidFill>
-                <a:latin typeface="Consolas" pitchFamily="49" charset="0"/>
-                <a:cs typeface="Consolas" pitchFamily="49" charset="0"/>
-              </a:rPr>
-              <a:t>   </a:t>
-            </a:r>
-            <a:r>
-              <a:rPr lang="en-US" sz="2000" noProof="1">
-                <a:solidFill>
-                  <a:srgbClr val="8CF4F2"/>
-                </a:solidFill>
-                <a:latin typeface="Consolas" pitchFamily="49" charset="0"/>
-                <a:cs typeface="Consolas" pitchFamily="49" charset="0"/>
-              </a:rPr>
-              <a:t>name</a:t>
-            </a:r>
-            <a:r>
-              <a:rPr lang="en-US" sz="2000" noProof="1" smtClean="0">
-                <a:solidFill>
-                  <a:srgbClr val="8CF4F2"/>
-                </a:solidFill>
-                <a:latin typeface="Consolas" pitchFamily="49" charset="0"/>
-                <a:cs typeface="Consolas" pitchFamily="49" charset="0"/>
-              </a:rPr>
-              <a:t>="MyMembershipProvider" </a:t>
-            </a:r>
-            <a:endParaRPr lang="en-US" sz="2000" noProof="1">
-              <a:solidFill>
-                <a:srgbClr val="8CF4F2"/>
               </a:solidFill>
               <a:latin typeface="Consolas" pitchFamily="49" charset="0"/>
               <a:cs typeface="Consolas" pitchFamily="49" charset="0"/>
             </a:endParaRPr>
           </a:p>
           <a:p>
-            <a:pPr>
-              <a:lnSpc>
-                <a:spcPct val="100000"/>
-              </a:lnSpc>
-              <a:spcBef>
-                <a:spcPts val="0"/>
-              </a:spcBef>
-              <a:buClr>
-                <a:schemeClr val="accent5">
-                  <a:lumMod val="40000"/>
-                  <a:lumOff val="60000"/>
-                </a:schemeClr>
-              </a:buClr>
-              <a:buSzPct val="70000"/>
-              <a:buFont typeface="Wingdings 2" pitchFamily="18" charset="2"/>
-              <a:buNone/>
-            </a:pPr>
-            <a:r>
-              <a:rPr lang="en-US" sz="2000" noProof="1">
-                <a:solidFill>
-                  <a:srgbClr val="8CF4F2"/>
+            <a:pPr lvl="2"/>
+            <a:r>
+              <a:rPr lang="en-US" noProof="1" smtClean="0">
+                <a:solidFill>
+                  <a:schemeClr val="accent5">
+                    <a:lumMod val="20000"/>
+                    <a:lumOff val="80000"/>
+                  </a:schemeClr>
                 </a:solidFill>
                 <a:latin typeface="Consolas" pitchFamily="49" charset="0"/>
                 <a:cs typeface="Consolas" pitchFamily="49" charset="0"/>
               </a:rPr>
-              <a:t>    </a:t>
-            </a:r>
-            <a:r>
-              <a:rPr lang="en-US" sz="2000" noProof="1" smtClean="0">
-                <a:solidFill>
-                  <a:srgbClr val="8CF4F2"/>
+              <a:t>GetRolesForUser()</a:t>
+            </a:r>
+          </a:p>
+          <a:p>
+            <a:pPr lvl="2"/>
+            <a:r>
+              <a:rPr lang="en-US" noProof="1" smtClean="0">
+                <a:solidFill>
+                  <a:schemeClr val="accent5">
+                    <a:lumMod val="20000"/>
+                    <a:lumOff val="80000"/>
+                  </a:schemeClr>
                 </a:solidFill>
                 <a:latin typeface="Consolas" pitchFamily="49" charset="0"/>
                 <a:cs typeface="Consolas" pitchFamily="49" charset="0"/>
               </a:rPr>
-              <a:t>  </a:t>
-            </a:r>
-            <a:r>
-              <a:rPr lang="en-US" sz="2000" noProof="1">
-                <a:solidFill>
-                  <a:srgbClr val="8CF4F2"/>
-                </a:solidFill>
-                <a:latin typeface="Consolas" pitchFamily="49" charset="0"/>
-                <a:cs typeface="Consolas" pitchFamily="49" charset="0"/>
-              </a:rPr>
-              <a:t>type="System.Web.Security.SqlMembershipProvider"/&gt;</a:t>
-            </a:r>
-          </a:p>
-          <a:p>
-            <a:pPr>
-              <a:lnSpc>
-                <a:spcPct val="100000"/>
-              </a:lnSpc>
-              <a:spcBef>
-                <a:spcPts val="0"/>
-              </a:spcBef>
-              <a:buClr>
+              <a:t>…</a:t>
+            </a:r>
+          </a:p>
+          <a:p>
+            <a:pPr lvl="1"/>
+            <a:r>
+              <a:rPr lang="en-US" dirty="0"/>
+              <a:t>Can store user credentials in database / file / etc.</a:t>
+            </a:r>
+          </a:p>
+          <a:p>
+            <a:pPr lvl="2"/>
+            <a:endParaRPr lang="en-US" noProof="1">
+              <a:solidFill>
                 <a:schemeClr val="accent5">
-                  <a:lumMod val="40000"/>
-                  <a:lumOff val="60000"/>
+                  <a:lumMod val="20000"/>
+                  <a:lumOff val="80000"/>
                 </a:schemeClr>
-              </a:buClr>
-              <a:buSzPct val="70000"/>
-              <a:buFont typeface="Wingdings 2" pitchFamily="18" charset="2"/>
-              <a:buNone/>
-            </a:pPr>
-            <a:r>
-              <a:rPr lang="en-US" sz="2000" noProof="1" smtClean="0">
-                <a:solidFill>
-                  <a:srgbClr val="8CF4F2"/>
-                </a:solidFill>
-                <a:latin typeface="Consolas" pitchFamily="49" charset="0"/>
-                <a:cs typeface="Consolas" pitchFamily="49" charset="0"/>
-              </a:rPr>
-              <a:t>  &lt;/</a:t>
-            </a:r>
-            <a:r>
-              <a:rPr lang="en-US" sz="2000" noProof="1">
-                <a:solidFill>
-                  <a:srgbClr val="8CF4F2"/>
-                </a:solidFill>
-                <a:latin typeface="Consolas" pitchFamily="49" charset="0"/>
-                <a:cs typeface="Consolas" pitchFamily="49" charset="0"/>
-              </a:rPr>
-              <a:t>providers&gt;</a:t>
-            </a:r>
-          </a:p>
-          <a:p>
-            <a:pPr>
-              <a:lnSpc>
-                <a:spcPct val="100000"/>
-              </a:lnSpc>
-              <a:spcBef>
-                <a:spcPts val="0"/>
-              </a:spcBef>
-              <a:buClr>
-                <a:schemeClr val="accent5">
-                  <a:lumMod val="40000"/>
-                  <a:lumOff val="60000"/>
-                </a:schemeClr>
-              </a:buClr>
-              <a:buSzPct val="70000"/>
-              <a:buFont typeface="Wingdings 2" pitchFamily="18" charset="2"/>
-              <a:buNone/>
-            </a:pPr>
-            <a:r>
-              <a:rPr lang="en-US" sz="2000" noProof="1">
-                <a:solidFill>
-                  <a:srgbClr val="8CF4F2"/>
-                </a:solidFill>
-                <a:latin typeface="Consolas" pitchFamily="49" charset="0"/>
-                <a:cs typeface="Consolas" pitchFamily="49" charset="0"/>
-              </a:rPr>
-              <a:t>&lt;/membership&gt;</a:t>
-            </a:r>
+              </a:solidFill>
+              <a:latin typeface="Consolas" pitchFamily="49" charset="0"/>
+              <a:cs typeface="Consolas" pitchFamily="49" charset="0"/>
+            </a:endParaRPr>
           </a:p>
         </p:txBody>
       </p:sp>
@@ -12927,17 +16386,7 @@
                 <a:latin typeface="Consolas" pitchFamily="49" charset="0"/>
                 <a:cs typeface="Consolas" pitchFamily="49" charset="0"/>
               </a:rPr>
-              <a:t>     </a:t>
-            </a:r>
-            <a:r>
-              <a:rPr lang="en-US" sz="2000" noProof="1" smtClean="0">
-                <a:solidFill>
-                  <a:srgbClr val="8CF4F2"/>
-                </a:solidFill>
-                <a:latin typeface="Consolas" pitchFamily="49" charset="0"/>
-                <a:cs typeface="Consolas" pitchFamily="49" charset="0"/>
-              </a:rPr>
-              <a:t>name</a:t>
+              <a:t>     name</a:t>
             </a:r>
             <a:r>
               <a:rPr lang="en-US" sz="2000" noProof="1">
@@ -12993,17 +16442,7 @@
                 <a:latin typeface="Consolas" pitchFamily="49" charset="0"/>
                 <a:cs typeface="Consolas" pitchFamily="49" charset="0"/>
               </a:rPr>
-              <a:t>     </a:t>
-            </a:r>
-            <a:r>
-              <a:rPr lang="en-US" sz="2000" noProof="1" smtClean="0">
-                <a:solidFill>
-                  <a:srgbClr val="8CF4F2"/>
-                </a:solidFill>
-                <a:latin typeface="Consolas" pitchFamily="49" charset="0"/>
-                <a:cs typeface="Consolas" pitchFamily="49" charset="0"/>
-              </a:rPr>
-              <a:t>type</a:t>
+              <a:t>     type</a:t>
             </a:r>
             <a:r>
               <a:rPr lang="en-US" sz="2000" noProof="1">
@@ -13775,7 +17214,7 @@
           <p:nvPr/>
         </p:nvPicPr>
         <p:blipFill rotWithShape="1">
-          <a:blip r:embed="rId2" cstate="print">
+          <a:blip r:embed="rId3" cstate="print">
             <a:extLst>
               <a:ext uri="{28A0092B-C50C-407E-A947-70E740481C1C}">
                 <a14:useLocalDpi xmlns:a14="http://schemas.microsoft.com/office/drawing/2010/main" val="0"/>
@@ -14300,27 +17739,7 @@
                 <a:latin typeface="Consolas" pitchFamily="49" charset="0"/>
                 <a:cs typeface="Consolas" pitchFamily="49" charset="0"/>
               </a:rPr>
-              <a:t>   </a:t>
-            </a:r>
-            <a:r>
-              <a:rPr lang="en-US" sz="2000" noProof="1" smtClean="0">
-                <a:solidFill>
-                  <a:srgbClr val="8CF4F2"/>
-                </a:solidFill>
-                <a:latin typeface="Consolas" pitchFamily="49" charset="0"/>
-                <a:cs typeface="Consolas" pitchFamily="49" charset="0"/>
-              </a:rPr>
-              <a:t>username</a:t>
-            </a:r>
-            <a:r>
-              <a:rPr lang="en-US" sz="2000" noProof="1" smtClean="0">
-                <a:solidFill>
-                  <a:srgbClr val="8CF4F2"/>
-                </a:solidFill>
-                <a:latin typeface="Consolas" pitchFamily="49" charset="0"/>
-                <a:cs typeface="Consolas" pitchFamily="49" charset="0"/>
-              </a:rPr>
-              <a:t>, false);</a:t>
+              <a:t>   username, false);</a:t>
             </a:r>
             <a:endParaRPr lang="en-US" sz="2000" noProof="1">
               <a:solidFill>
@@ -15755,6 +19174,13 @@
   <p:clrMapOvr>
     <a:masterClrMapping/>
   </p:clrMapOvr>
+  <p:timing>
+    <p:tnLst>
+      <p:par>
+        <p:cTn id="1" dur="indefinite" restart="never" nodeType="tmRoot"/>
+      </p:par>
+    </p:tnLst>
+  </p:timing>
 </p:sld>
 </file>
 
@@ -18884,25 +22310,6 @@
           <a:p>
             <a:pPr marL="712788" lvl="1" indent="-350838"/>
             <a:r>
-              <a:rPr lang="en-US" dirty="0"/>
-              <a:t>Uses the security features </a:t>
-            </a:r>
-            <a:r>
-              <a:rPr lang="en-US" dirty="0" smtClean="0"/>
-              <a:t>integrated into </a:t>
-            </a:r>
-            <a:r>
-              <a:rPr lang="en-US" dirty="0"/>
-              <a:t>the Windows </a:t>
-            </a:r>
-            <a:r>
-              <a:rPr lang="en-US" dirty="0" smtClean="0"/>
-              <a:t>operating systems</a:t>
-            </a:r>
-          </a:p>
-          <a:p>
-            <a:pPr marL="712788" lvl="1" indent="-350838"/>
-            <a:r>
               <a:rPr lang="en-US" dirty="0" smtClean="0"/>
               <a:t>Uses Active Directory / Windows accounts</a:t>
             </a:r>
@@ -18976,7 +22383,40 @@
               <a:rPr lang="en-US" dirty="0" smtClean="0"/>
               <a:t>are usually stored in a database</a:t>
             </a:r>
-            <a:endParaRPr lang="en-US" dirty="0"/>
+          </a:p>
+          <a:p>
+            <a:pPr marL="365125" indent="-350838"/>
+            <a:r>
+              <a:rPr lang="en-US" dirty="0">
+                <a:solidFill>
+                  <a:schemeClr val="accent5">
+                    <a:lumMod val="20000"/>
+                    <a:lumOff val="80000"/>
+                  </a:schemeClr>
+                </a:solidFill>
+                <a:cs typeface="Consolas" pitchFamily="49" charset="0"/>
+              </a:rPr>
+              <a:t>Passport </a:t>
+            </a:r>
+            <a:r>
+              <a:rPr lang="en-US" dirty="0" smtClean="0">
+                <a:solidFill>
+                  <a:schemeClr val="accent5">
+                    <a:lumMod val="20000"/>
+                    <a:lumOff val="80000"/>
+                  </a:schemeClr>
+                </a:solidFill>
+                <a:cs typeface="Consolas" pitchFamily="49" charset="0"/>
+              </a:rPr>
+              <a:t>Authentication</a:t>
+            </a:r>
+          </a:p>
+          <a:p>
+            <a:pPr marL="712788" lvl="1" indent="-350838"/>
+            <a:r>
+              <a:rPr lang="en-US" dirty="0"/>
+              <a:t>Uses  Microsoft's passport service</a:t>
+            </a:r>
           </a:p>
         </p:txBody>
       </p:sp>
@@ -19271,7 +22711,7 @@
             <a:pPr lvl="1"/>
             <a:r>
               <a:rPr lang="en-US" dirty="0" smtClean="0"/>
-              <a:t>Known as NTLM authentication protocol</a:t>
+              <a:t>NTLM or Kerberos authentication protocol</a:t>
             </a:r>
             <a:endParaRPr lang="en-US" dirty="0"/>
           </a:p>
@@ -19284,20 +22724,12 @@
           <a:p>
             <a:pPr marL="808038" lvl="1" indent="-361950"/>
             <a:r>
+              <a:rPr lang="en-US" dirty="0" smtClean="0"/>
+              <a:t>Application </a:t>
+            </a:r>
+            <a:r>
               <a:rPr lang="en-US" dirty="0"/>
-              <a:t>ASP.NET issues an </a:t>
-            </a:r>
-            <a:r>
-              <a:rPr lang="en-US" dirty="0" smtClean="0"/>
-              <a:t>authentication ticket (which is a HTTP header)</a:t>
-            </a:r>
-            <a:endParaRPr lang="en-US" dirty="0"/>
-          </a:p>
-          <a:p>
-            <a:pPr marL="808038" lvl="1" indent="-361950"/>
-            <a:r>
-              <a:rPr lang="en-US" dirty="0"/>
-              <a:t>Application executes using the permissions </a:t>
+              <a:t>executes using the permissions </a:t>
             </a:r>
             <a:r>
               <a:rPr lang="en-US" dirty="0" smtClean="0"/>
@@ -19785,7 +23217,7 @@
           <p:nvPr/>
         </p:nvPicPr>
         <p:blipFill rotWithShape="1">
-          <a:blip r:embed="rId2" cstate="print">
+          <a:blip r:embed="rId3" cstate="print">
             <a:extLst>
               <a:ext uri="{28A0092B-C50C-407E-A947-70E740481C1C}">
                 <a14:useLocalDpi xmlns:a14="http://schemas.microsoft.com/office/drawing/2010/main" val="0"/>
@@ -20155,24 +23587,14 @@
               <a:buNone/>
             </a:pPr>
             <a:r>
-              <a:rPr lang="en-US" sz="2000" noProof="1">
+              <a:rPr lang="en-US" sz="2000" noProof="1" smtClean="0">
                 <a:solidFill>
                   <a:srgbClr val="8CF4F2"/>
                 </a:solidFill>
                 <a:latin typeface="Consolas" pitchFamily="49" charset="0"/>
                 <a:cs typeface="Consolas" pitchFamily="49" charset="0"/>
               </a:rPr>
-              <a:t>Authorization: NTLM </a:t>
-            </a:r>
-            <a:r>
-              <a:rPr lang="en-US" sz="2000" noProof="1" smtClean="0">
-                <a:solidFill>
-                  <a:srgbClr val="8CF4F2"/>
-                </a:solidFill>
-                <a:latin typeface="Consolas" pitchFamily="49" charset="0"/>
-                <a:cs typeface="Consolas" pitchFamily="49" charset="0"/>
-              </a:rPr>
-              <a:t>tESsB/ yNY3lb6a0L6vVQEZNqwQn0sqZ…</a:t>
+              <a:t>Authorization: NTLM tESsB/ yNY3lb6a0L6vVQEZNqwQn0sqZ…</a:t>
             </a:r>
             <a:endParaRPr lang="en-US" sz="2000" dirty="0">
               <a:solidFill>
